--- a/Présentation/Détermination d'un plan d'évacuation incendie.pptx
+++ b/Présentation/Détermination d'un plan d'évacuation incendie.pptx
@@ -7,17 +7,28 @@
   <p:sldIdLst>
     <p:sldId id="256" r:id="rId2"/>
     <p:sldId id="257" r:id="rId3"/>
-    <p:sldId id="272" r:id="rId4"/>
+    <p:sldId id="279" r:id="rId4"/>
     <p:sldId id="260" r:id="rId5"/>
-    <p:sldId id="273" r:id="rId6"/>
-    <p:sldId id="261" r:id="rId7"/>
-    <p:sldId id="266" r:id="rId8"/>
-    <p:sldId id="268" r:id="rId9"/>
-    <p:sldId id="277" r:id="rId10"/>
-    <p:sldId id="276" r:id="rId11"/>
-    <p:sldId id="279" r:id="rId12"/>
-    <p:sldId id="278" r:id="rId13"/>
-    <p:sldId id="271" r:id="rId14"/>
+    <p:sldId id="287" r:id="rId6"/>
+    <p:sldId id="272" r:id="rId7"/>
+    <p:sldId id="273" r:id="rId8"/>
+    <p:sldId id="261" r:id="rId9"/>
+    <p:sldId id="266" r:id="rId10"/>
+    <p:sldId id="268" r:id="rId11"/>
+    <p:sldId id="280" r:id="rId12"/>
+    <p:sldId id="276" r:id="rId13"/>
+    <p:sldId id="288" r:id="rId14"/>
+    <p:sldId id="284" r:id="rId15"/>
+    <p:sldId id="281" r:id="rId16"/>
+    <p:sldId id="282" r:id="rId17"/>
+    <p:sldId id="283" r:id="rId18"/>
+    <p:sldId id="277" r:id="rId19"/>
+    <p:sldId id="289" r:id="rId20"/>
+    <p:sldId id="290" r:id="rId21"/>
+    <p:sldId id="285" r:id="rId22"/>
+    <p:sldId id="286" r:id="rId23"/>
+    <p:sldId id="278" r:id="rId24"/>
+    <p:sldId id="291" r:id="rId25"/>
   </p:sldIdLst>
   <p:sldSz cx="12192000" cy="6858000"/>
   <p:notesSz cx="6858000" cy="9144000"/>
@@ -116,947 +127,16 @@
       </a:defRPr>
     </a:lvl9pPr>
   </p:defaultTextStyle>
+  <p:extLst>
+    <p:ext uri="{EFAFB233-063F-42B5-8137-9DF3F51BA10A}">
+      <p15:sldGuideLst xmlns:p15="http://schemas.microsoft.com/office/powerpoint/2012/main"/>
+    </p:ext>
+  </p:extLst>
 </p:presentation>
 </file>
 
 <file path=ppt/revisionInfo.xml><?xml version="1.0" encoding="utf-8"?>
 <p1510:revInfo xmlns:a="http://schemas.openxmlformats.org/drawingml/2006/main" xmlns:r="http://schemas.openxmlformats.org/officeDocument/2006/relationships" xmlns:p1510="http://schemas.microsoft.com/office/powerpoint/2015/10/main"/>
-</file>
-
-<file path=ppt/charts/chart1.xml><?xml version="1.0" encoding="utf-8"?>
-<c:chartSpace xmlns:c="http://schemas.openxmlformats.org/drawingml/2006/chart" xmlns:a="http://schemas.openxmlformats.org/drawingml/2006/main" xmlns:r="http://schemas.openxmlformats.org/officeDocument/2006/relationships" xmlns:c16r2="http://schemas.microsoft.com/office/drawing/2015/06/chart">
-  <c:date1904 val="0"/>
-  <c:lang val="en-US"/>
-  <c:roundedCorners val="0"/>
-  <mc:AlternateContent xmlns:mc="http://schemas.openxmlformats.org/markup-compatibility/2006">
-    <mc:Choice xmlns:c14="http://schemas.microsoft.com/office/drawing/2007/8/2/chart" Requires="c14">
-      <c14:style val="102"/>
-    </mc:Choice>
-    <mc:Fallback>
-      <c:style val="2"/>
-    </mc:Fallback>
-  </mc:AlternateContent>
-  <c:chart>
-    <c:title>
-      <c:overlay val="0"/>
-      <c:spPr>
-        <a:noFill/>
-        <a:ln>
-          <a:noFill/>
-        </a:ln>
-        <a:effectLst/>
-      </c:spPr>
-      <c:txPr>
-        <a:bodyPr rot="0" spcFirstLastPara="1" vertOverflow="ellipsis" vert="horz" wrap="square" anchor="ctr" anchorCtr="1"/>
-        <a:lstStyle/>
-        <a:p>
-          <a:pPr>
-            <a:defRPr sz="1862" b="0" i="0" u="none" strike="noStrike" kern="1200" spc="0" baseline="0">
-              <a:solidFill>
-                <a:schemeClr val="tx1">
-                  <a:lumMod val="65000"/>
-                  <a:lumOff val="35000"/>
-                </a:schemeClr>
-              </a:solidFill>
-              <a:latin typeface="+mn-lt"/>
-              <a:ea typeface="+mn-ea"/>
-              <a:cs typeface="+mn-cs"/>
-            </a:defRPr>
-          </a:pPr>
-          <a:endParaRPr lang="fr-FR"/>
-        </a:p>
-      </c:txPr>
-    </c:title>
-    <c:autoTitleDeleted val="0"/>
-    <c:plotArea>
-      <c:layout/>
-      <c:lineChart>
-        <c:grouping val="standard"/>
-        <c:varyColors val="0"/>
-        <c:ser>
-          <c:idx val="0"/>
-          <c:order val="0"/>
-          <c:tx>
-            <c:strRef>
-              <c:f>Sheet1!$B$1</c:f>
-              <c:strCache>
-                <c:ptCount val="1"/>
-                <c:pt idx="0">
-                  <c:v>percentage</c:v>
-                </c:pt>
-              </c:strCache>
-            </c:strRef>
-          </c:tx>
-          <c:spPr>
-            <a:ln w="28575" cap="rnd">
-              <a:solidFill>
-                <a:schemeClr val="accent1"/>
-              </a:solidFill>
-              <a:round/>
-            </a:ln>
-            <a:effectLst/>
-          </c:spPr>
-          <c:marker>
-            <c:symbol val="none"/>
-          </c:marker>
-          <c:dLbls>
-            <c:spPr>
-              <a:noFill/>
-              <a:ln>
-                <a:noFill/>
-              </a:ln>
-              <a:effectLst/>
-            </c:spPr>
-            <c:txPr>
-              <a:bodyPr rot="0" spcFirstLastPara="1" vertOverflow="ellipsis" vert="horz" wrap="square" lIns="38100" tIns="19050" rIns="38100" bIns="19050" anchor="ctr" anchorCtr="1">
-                <a:spAutoFit/>
-              </a:bodyPr>
-              <a:lstStyle/>
-              <a:p>
-                <a:pPr>
-                  <a:defRPr sz="1197" b="0" i="0" u="none" strike="noStrike" kern="1200" baseline="0">
-                    <a:solidFill>
-                      <a:schemeClr val="tx1">
-                        <a:lumMod val="75000"/>
-                        <a:lumOff val="25000"/>
-                      </a:schemeClr>
-                    </a:solidFill>
-                    <a:latin typeface="+mn-lt"/>
-                    <a:ea typeface="+mn-ea"/>
-                    <a:cs typeface="+mn-cs"/>
-                  </a:defRPr>
-                </a:pPr>
-                <a:endParaRPr lang="fr-FR"/>
-              </a:p>
-            </c:txPr>
-            <c:dLblPos val="t"/>
-            <c:showLegendKey val="0"/>
-            <c:showVal val="1"/>
-            <c:showCatName val="0"/>
-            <c:showSerName val="0"/>
-            <c:showPercent val="0"/>
-            <c:showBubbleSize val="0"/>
-            <c:showLeaderLines val="0"/>
-            <c:extLst>
-              <c:ext xmlns:c15="http://schemas.microsoft.com/office/drawing/2012/chart" uri="{CE6537A1-D6FC-4f65-9D91-7224C49458BB}">
-                <c15:showLeaderLines val="1"/>
-                <c15:leaderLines>
-                  <c:spPr>
-                    <a:ln w="9525" cap="flat" cmpd="sng" algn="ctr">
-                      <a:solidFill>
-                        <a:schemeClr val="tx1">
-                          <a:lumMod val="35000"/>
-                          <a:lumOff val="65000"/>
-                        </a:schemeClr>
-                      </a:solidFill>
-                      <a:round/>
-                    </a:ln>
-                    <a:effectLst/>
-                  </c:spPr>
-                </c15:leaderLines>
-              </c:ext>
-            </c:extLst>
-          </c:dLbls>
-          <c:cat>
-            <c:strRef>
-              <c:f>Sheet1!$A$2:$A$7</c:f>
-              <c:strCache>
-                <c:ptCount val="6"/>
-                <c:pt idx="0">
-                  <c:v>TOP 1</c:v>
-                </c:pt>
-                <c:pt idx="1">
-                  <c:v>TOP 3</c:v>
-                </c:pt>
-                <c:pt idx="2">
-                  <c:v>TOP 5</c:v>
-                </c:pt>
-                <c:pt idx="3">
-                  <c:v>TOP 7</c:v>
-                </c:pt>
-                <c:pt idx="4">
-                  <c:v>TOP 10</c:v>
-                </c:pt>
-                <c:pt idx="5">
-                  <c:v>TOP 15</c:v>
-                </c:pt>
-              </c:strCache>
-            </c:strRef>
-          </c:cat>
-          <c:val>
-            <c:numRef>
-              <c:f>Sheet1!$B$2:$B$7</c:f>
-              <c:numCache>
-                <c:formatCode>General</c:formatCode>
-                <c:ptCount val="6"/>
-                <c:pt idx="0">
-                  <c:v>26.686263087059999</c:v>
-                </c:pt>
-                <c:pt idx="1">
-                  <c:v>57.084931454015894</c:v>
-                </c:pt>
-                <c:pt idx="2">
-                  <c:v>78.294471898739062</c:v>
-                </c:pt>
-                <c:pt idx="3">
-                  <c:v>88.432106972999463</c:v>
-                </c:pt>
-                <c:pt idx="4">
-                  <c:v>96.426254021518218</c:v>
-                </c:pt>
-                <c:pt idx="5">
-                  <c:v>100</c:v>
-                </c:pt>
-              </c:numCache>
-            </c:numRef>
-          </c:val>
-          <c:smooth val="0"/>
-          <c:extLst>
-            <c:ext xmlns:c16="http://schemas.microsoft.com/office/drawing/2014/chart" uri="{C3380CC4-5D6E-409C-BE32-E72D297353CC}">
-              <c16:uniqueId val="{00000000-13D0-4716-9BCB-57B0729D16DE}"/>
-            </c:ext>
-          </c:extLst>
-        </c:ser>
-        <c:dLbls>
-          <c:dLblPos val="t"/>
-          <c:showLegendKey val="0"/>
-          <c:showVal val="1"/>
-          <c:showCatName val="0"/>
-          <c:showSerName val="0"/>
-          <c:showPercent val="0"/>
-          <c:showBubbleSize val="0"/>
-        </c:dLbls>
-        <c:smooth val="0"/>
-        <c:axId val="429619072"/>
-        <c:axId val="429618744"/>
-      </c:lineChart>
-      <c:catAx>
-        <c:axId val="429619072"/>
-        <c:scaling>
-          <c:orientation val="minMax"/>
-        </c:scaling>
-        <c:delete val="0"/>
-        <c:axPos val="b"/>
-        <c:numFmt formatCode="General" sourceLinked="1"/>
-        <c:majorTickMark val="none"/>
-        <c:minorTickMark val="none"/>
-        <c:tickLblPos val="nextTo"/>
-        <c:spPr>
-          <a:noFill/>
-          <a:ln w="9525" cap="flat" cmpd="sng" algn="ctr">
-            <a:solidFill>
-              <a:schemeClr val="tx1">
-                <a:lumMod val="15000"/>
-                <a:lumOff val="85000"/>
-              </a:schemeClr>
-            </a:solidFill>
-            <a:round/>
-          </a:ln>
-          <a:effectLst/>
-        </c:spPr>
-        <c:txPr>
-          <a:bodyPr rot="-60000000" spcFirstLastPara="1" vertOverflow="ellipsis" vert="horz" wrap="square" anchor="ctr" anchorCtr="1"/>
-          <a:lstStyle/>
-          <a:p>
-            <a:pPr>
-              <a:defRPr sz="1197" b="0" i="0" u="none" strike="noStrike" kern="1200" baseline="0">
-                <a:solidFill>
-                  <a:schemeClr val="tx1">
-                    <a:lumMod val="65000"/>
-                    <a:lumOff val="35000"/>
-                  </a:schemeClr>
-                </a:solidFill>
-                <a:latin typeface="+mn-lt"/>
-                <a:ea typeface="+mn-ea"/>
-                <a:cs typeface="+mn-cs"/>
-              </a:defRPr>
-            </a:pPr>
-            <a:endParaRPr lang="fr-FR"/>
-          </a:p>
-        </c:txPr>
-        <c:crossAx val="429618744"/>
-        <c:crosses val="autoZero"/>
-        <c:auto val="1"/>
-        <c:lblAlgn val="ctr"/>
-        <c:lblOffset val="100"/>
-        <c:noMultiLvlLbl val="0"/>
-      </c:catAx>
-      <c:valAx>
-        <c:axId val="429618744"/>
-        <c:scaling>
-          <c:orientation val="minMax"/>
-        </c:scaling>
-        <c:delete val="0"/>
-        <c:axPos val="l"/>
-        <c:majorGridlines>
-          <c:spPr>
-            <a:ln w="9525" cap="flat" cmpd="sng" algn="ctr">
-              <a:solidFill>
-                <a:schemeClr val="tx1">
-                  <a:lumMod val="15000"/>
-                  <a:lumOff val="85000"/>
-                </a:schemeClr>
-              </a:solidFill>
-              <a:round/>
-            </a:ln>
-            <a:effectLst/>
-          </c:spPr>
-        </c:majorGridlines>
-        <c:numFmt formatCode="General" sourceLinked="1"/>
-        <c:majorTickMark val="none"/>
-        <c:minorTickMark val="none"/>
-        <c:tickLblPos val="nextTo"/>
-        <c:spPr>
-          <a:noFill/>
-          <a:ln>
-            <a:noFill/>
-          </a:ln>
-          <a:effectLst/>
-        </c:spPr>
-        <c:txPr>
-          <a:bodyPr rot="-60000000" spcFirstLastPara="1" vertOverflow="ellipsis" vert="horz" wrap="square" anchor="ctr" anchorCtr="1"/>
-          <a:lstStyle/>
-          <a:p>
-            <a:pPr>
-              <a:defRPr sz="1197" b="0" i="0" u="none" strike="noStrike" kern="1200" baseline="0">
-                <a:solidFill>
-                  <a:schemeClr val="tx1">
-                    <a:lumMod val="65000"/>
-                    <a:lumOff val="35000"/>
-                  </a:schemeClr>
-                </a:solidFill>
-                <a:latin typeface="+mn-lt"/>
-                <a:ea typeface="+mn-ea"/>
-                <a:cs typeface="+mn-cs"/>
-              </a:defRPr>
-            </a:pPr>
-            <a:endParaRPr lang="fr-FR"/>
-          </a:p>
-        </c:txPr>
-        <c:crossAx val="429619072"/>
-        <c:crosses val="autoZero"/>
-        <c:crossBetween val="between"/>
-      </c:valAx>
-      <c:spPr>
-        <a:noFill/>
-        <a:ln>
-          <a:noFill/>
-        </a:ln>
-        <a:effectLst/>
-      </c:spPr>
-    </c:plotArea>
-    <c:legend>
-      <c:legendPos val="b"/>
-      <c:overlay val="0"/>
-      <c:spPr>
-        <a:noFill/>
-        <a:ln>
-          <a:noFill/>
-        </a:ln>
-        <a:effectLst/>
-      </c:spPr>
-      <c:txPr>
-        <a:bodyPr rot="0" spcFirstLastPara="1" vertOverflow="ellipsis" vert="horz" wrap="square" anchor="ctr" anchorCtr="1"/>
-        <a:lstStyle/>
-        <a:p>
-          <a:pPr>
-            <a:defRPr sz="1197" b="0" i="0" u="none" strike="noStrike" kern="1200" baseline="0">
-              <a:solidFill>
-                <a:schemeClr val="tx1">
-                  <a:lumMod val="65000"/>
-                  <a:lumOff val="35000"/>
-                </a:schemeClr>
-              </a:solidFill>
-              <a:latin typeface="+mn-lt"/>
-              <a:ea typeface="+mn-ea"/>
-              <a:cs typeface="+mn-cs"/>
-            </a:defRPr>
-          </a:pPr>
-          <a:endParaRPr lang="fr-FR"/>
-        </a:p>
-      </c:txPr>
-    </c:legend>
-    <c:plotVisOnly val="1"/>
-    <c:dispBlanksAs val="gap"/>
-    <c:showDLblsOverMax val="0"/>
-  </c:chart>
-  <c:spPr>
-    <a:noFill/>
-    <a:ln>
-      <a:noFill/>
-    </a:ln>
-    <a:effectLst/>
-  </c:spPr>
-  <c:txPr>
-    <a:bodyPr/>
-    <a:lstStyle/>
-    <a:p>
-      <a:pPr>
-        <a:defRPr/>
-      </a:pPr>
-      <a:endParaRPr lang="fr-FR"/>
-    </a:p>
-  </c:txPr>
-  <c:externalData r:id="rId3">
-    <c:autoUpdate val="0"/>
-  </c:externalData>
-</c:chartSpace>
-</file>
-
-<file path=ppt/charts/colors1.xml><?xml version="1.0" encoding="utf-8"?>
-<cs:colorStyle xmlns:cs="http://schemas.microsoft.com/office/drawing/2012/chartStyle" xmlns:a="http://schemas.openxmlformats.org/drawingml/2006/main" meth="cycle" id="10">
-  <a:schemeClr val="accent1"/>
-  <a:schemeClr val="accent2"/>
-  <a:schemeClr val="accent3"/>
-  <a:schemeClr val="accent4"/>
-  <a:schemeClr val="accent5"/>
-  <a:schemeClr val="accent6"/>
-  <cs:variation/>
-  <cs:variation>
-    <a:lumMod val="60000"/>
-  </cs:variation>
-  <cs:variation>
-    <a:lumMod val="80000"/>
-    <a:lumOff val="20000"/>
-  </cs:variation>
-  <cs:variation>
-    <a:lumMod val="80000"/>
-  </cs:variation>
-  <cs:variation>
-    <a:lumMod val="60000"/>
-    <a:lumOff val="40000"/>
-  </cs:variation>
-  <cs:variation>
-    <a:lumMod val="50000"/>
-  </cs:variation>
-  <cs:variation>
-    <a:lumMod val="70000"/>
-    <a:lumOff val="30000"/>
-  </cs:variation>
-  <cs:variation>
-    <a:lumMod val="70000"/>
-  </cs:variation>
-  <cs:variation>
-    <a:lumMod val="50000"/>
-    <a:lumOff val="50000"/>
-  </cs:variation>
-</cs:colorStyle>
-</file>
-
-<file path=ppt/charts/style1.xml><?xml version="1.0" encoding="utf-8"?>
-<cs:chartStyle xmlns:cs="http://schemas.microsoft.com/office/drawing/2012/chartStyle" xmlns:a="http://schemas.openxmlformats.org/drawingml/2006/main" id="227">
-  <cs:axisTitle>
-    <cs:lnRef idx="0"/>
-    <cs:fillRef idx="0"/>
-    <cs:effectRef idx="0"/>
-    <cs:fontRef idx="minor">
-      <a:schemeClr val="tx1">
-        <a:lumMod val="65000"/>
-        <a:lumOff val="35000"/>
-      </a:schemeClr>
-    </cs:fontRef>
-    <cs:defRPr sz="1330" kern="1200"/>
-  </cs:axisTitle>
-  <cs:categoryAxis>
-    <cs:lnRef idx="0"/>
-    <cs:fillRef idx="0"/>
-    <cs:effectRef idx="0"/>
-    <cs:fontRef idx="minor">
-      <a:schemeClr val="tx1">
-        <a:lumMod val="65000"/>
-        <a:lumOff val="35000"/>
-      </a:schemeClr>
-    </cs:fontRef>
-    <cs:spPr>
-      <a:ln w="9525" cap="flat" cmpd="sng" algn="ctr">
-        <a:solidFill>
-          <a:schemeClr val="tx1">
-            <a:lumMod val="15000"/>
-            <a:lumOff val="85000"/>
-          </a:schemeClr>
-        </a:solidFill>
-        <a:round/>
-      </a:ln>
-    </cs:spPr>
-    <cs:defRPr sz="1197" kern="1200"/>
-  </cs:categoryAxis>
-  <cs:chartArea mods="allowNoFillOverride allowNoLineOverride">
-    <cs:lnRef idx="0"/>
-    <cs:fillRef idx="0"/>
-    <cs:effectRef idx="0"/>
-    <cs:fontRef idx="minor">
-      <a:schemeClr val="tx1"/>
-    </cs:fontRef>
-    <cs:spPr>
-      <a:solidFill>
-        <a:schemeClr val="bg1"/>
-      </a:solidFill>
-      <a:ln w="9525" cap="flat" cmpd="sng" algn="ctr">
-        <a:solidFill>
-          <a:schemeClr val="tx1">
-            <a:lumMod val="15000"/>
-            <a:lumOff val="85000"/>
-          </a:schemeClr>
-        </a:solidFill>
-        <a:round/>
-      </a:ln>
-    </cs:spPr>
-    <cs:defRPr sz="1330" kern="1200"/>
-  </cs:chartArea>
-  <cs:dataLabel>
-    <cs:lnRef idx="0"/>
-    <cs:fillRef idx="0"/>
-    <cs:effectRef idx="0"/>
-    <cs:fontRef idx="minor">
-      <a:schemeClr val="tx1">
-        <a:lumMod val="75000"/>
-        <a:lumOff val="25000"/>
-      </a:schemeClr>
-    </cs:fontRef>
-    <cs:defRPr sz="1197" kern="1200"/>
-  </cs:dataLabel>
-  <cs:dataLabelCallout>
-    <cs:lnRef idx="0"/>
-    <cs:fillRef idx="0"/>
-    <cs:effectRef idx="0"/>
-    <cs:fontRef idx="minor">
-      <a:schemeClr val="dk1">
-        <a:lumMod val="65000"/>
-        <a:lumOff val="35000"/>
-      </a:schemeClr>
-    </cs:fontRef>
-    <cs:spPr>
-      <a:solidFill>
-        <a:schemeClr val="lt1"/>
-      </a:solidFill>
-      <a:ln>
-        <a:solidFill>
-          <a:schemeClr val="dk1">
-            <a:lumMod val="25000"/>
-            <a:lumOff val="75000"/>
-          </a:schemeClr>
-        </a:solidFill>
-      </a:ln>
-    </cs:spPr>
-    <cs:defRPr sz="1197" kern="1200"/>
-    <cs:bodyPr rot="0" spcFirstLastPara="1" vertOverflow="clip" horzOverflow="clip" vert="horz" wrap="square" lIns="36576" tIns="18288" rIns="36576" bIns="18288" anchor="ctr" anchorCtr="1">
-      <a:spAutoFit/>
-    </cs:bodyPr>
-  </cs:dataLabelCallout>
-  <cs:dataPoint>
-    <cs:lnRef idx="0"/>
-    <cs:fillRef idx="1">
-      <cs:styleClr val="auto"/>
-    </cs:fillRef>
-    <cs:effectRef idx="0"/>
-    <cs:fontRef idx="minor">
-      <a:schemeClr val="tx1"/>
-    </cs:fontRef>
-    <cs:spPr>
-      <a:solidFill>
-        <a:schemeClr val="phClr"/>
-      </a:solidFill>
-    </cs:spPr>
-  </cs:dataPoint>
-  <cs:dataPoint3D>
-    <cs:lnRef idx="0"/>
-    <cs:fillRef idx="1">
-      <cs:styleClr val="auto"/>
-    </cs:fillRef>
-    <cs:effectRef idx="0"/>
-    <cs:fontRef idx="minor">
-      <a:schemeClr val="tx1"/>
-    </cs:fontRef>
-    <cs:spPr>
-      <a:solidFill>
-        <a:schemeClr val="phClr"/>
-      </a:solidFill>
-    </cs:spPr>
-  </cs:dataPoint3D>
-  <cs:dataPointLine>
-    <cs:lnRef idx="0">
-      <cs:styleClr val="auto"/>
-    </cs:lnRef>
-    <cs:fillRef idx="1"/>
-    <cs:effectRef idx="0"/>
-    <cs:fontRef idx="minor">
-      <a:schemeClr val="tx1"/>
-    </cs:fontRef>
-    <cs:spPr>
-      <a:ln w="28575" cap="rnd">
-        <a:solidFill>
-          <a:schemeClr val="phClr"/>
-        </a:solidFill>
-        <a:round/>
-      </a:ln>
-    </cs:spPr>
-  </cs:dataPointLine>
-  <cs:dataPointMarker>
-    <cs:lnRef idx="0">
-      <cs:styleClr val="auto"/>
-    </cs:lnRef>
-    <cs:fillRef idx="1">
-      <cs:styleClr val="auto"/>
-    </cs:fillRef>
-    <cs:effectRef idx="0"/>
-    <cs:fontRef idx="minor">
-      <a:schemeClr val="tx1"/>
-    </cs:fontRef>
-    <cs:spPr>
-      <a:solidFill>
-        <a:schemeClr val="phClr"/>
-      </a:solidFill>
-      <a:ln w="9525">
-        <a:solidFill>
-          <a:schemeClr val="phClr"/>
-        </a:solidFill>
-      </a:ln>
-    </cs:spPr>
-  </cs:dataPointMarker>
-  <cs:dataPointMarkerLayout symbol="circle" size="5"/>
-  <cs:dataPointWireframe>
-    <cs:lnRef idx="0">
-      <cs:styleClr val="auto"/>
-    </cs:lnRef>
-    <cs:fillRef idx="1"/>
-    <cs:effectRef idx="0"/>
-    <cs:fontRef idx="minor">
-      <a:schemeClr val="tx1"/>
-    </cs:fontRef>
-    <cs:spPr>
-      <a:ln w="9525" cap="rnd">
-        <a:solidFill>
-          <a:schemeClr val="phClr"/>
-        </a:solidFill>
-        <a:round/>
-      </a:ln>
-    </cs:spPr>
-  </cs:dataPointWireframe>
-  <cs:dataTable>
-    <cs:lnRef idx="0"/>
-    <cs:fillRef idx="0"/>
-    <cs:effectRef idx="0"/>
-    <cs:fontRef idx="minor">
-      <a:schemeClr val="tx1">
-        <a:lumMod val="65000"/>
-        <a:lumOff val="35000"/>
-      </a:schemeClr>
-    </cs:fontRef>
-    <cs:spPr>
-      <a:noFill/>
-      <a:ln w="9525" cap="flat" cmpd="sng" algn="ctr">
-        <a:solidFill>
-          <a:schemeClr val="tx1">
-            <a:lumMod val="15000"/>
-            <a:lumOff val="85000"/>
-          </a:schemeClr>
-        </a:solidFill>
-        <a:round/>
-      </a:ln>
-    </cs:spPr>
-    <cs:defRPr sz="1197" kern="1200"/>
-  </cs:dataTable>
-  <cs:downBar>
-    <cs:lnRef idx="0"/>
-    <cs:fillRef idx="0"/>
-    <cs:effectRef idx="0"/>
-    <cs:fontRef idx="minor">
-      <a:schemeClr val="dk1"/>
-    </cs:fontRef>
-    <cs:spPr>
-      <a:solidFill>
-        <a:schemeClr val="dk1">
-          <a:lumMod val="65000"/>
-          <a:lumOff val="35000"/>
-        </a:schemeClr>
-      </a:solidFill>
-      <a:ln w="9525">
-        <a:solidFill>
-          <a:schemeClr val="tx1">
-            <a:lumMod val="65000"/>
-            <a:lumOff val="35000"/>
-          </a:schemeClr>
-        </a:solidFill>
-      </a:ln>
-    </cs:spPr>
-  </cs:downBar>
-  <cs:dropLine>
-    <cs:lnRef idx="0"/>
-    <cs:fillRef idx="0"/>
-    <cs:effectRef idx="0"/>
-    <cs:fontRef idx="minor">
-      <a:schemeClr val="tx1"/>
-    </cs:fontRef>
-    <cs:spPr>
-      <a:ln w="9525" cap="flat" cmpd="sng" algn="ctr">
-        <a:solidFill>
-          <a:schemeClr val="tx1">
-            <a:lumMod val="35000"/>
-            <a:lumOff val="65000"/>
-          </a:schemeClr>
-        </a:solidFill>
-        <a:round/>
-      </a:ln>
-    </cs:spPr>
-  </cs:dropLine>
-  <cs:errorBar>
-    <cs:lnRef idx="0"/>
-    <cs:fillRef idx="0"/>
-    <cs:effectRef idx="0"/>
-    <cs:fontRef idx="minor">
-      <a:schemeClr val="tx1"/>
-    </cs:fontRef>
-    <cs:spPr>
-      <a:ln w="9525" cap="flat" cmpd="sng" algn="ctr">
-        <a:solidFill>
-          <a:schemeClr val="tx1">
-            <a:lumMod val="65000"/>
-            <a:lumOff val="35000"/>
-          </a:schemeClr>
-        </a:solidFill>
-        <a:round/>
-      </a:ln>
-    </cs:spPr>
-  </cs:errorBar>
-  <cs:floor>
-    <cs:lnRef idx="0"/>
-    <cs:fillRef idx="0"/>
-    <cs:effectRef idx="0"/>
-    <cs:fontRef idx="minor">
-      <a:schemeClr val="tx1"/>
-    </cs:fontRef>
-    <cs:spPr>
-      <a:noFill/>
-      <a:ln>
-        <a:noFill/>
-      </a:ln>
-    </cs:spPr>
-  </cs:floor>
-  <cs:gridlineMajor>
-    <cs:lnRef idx="0"/>
-    <cs:fillRef idx="0"/>
-    <cs:effectRef idx="0"/>
-    <cs:fontRef idx="minor">
-      <a:schemeClr val="tx1"/>
-    </cs:fontRef>
-    <cs:spPr>
-      <a:ln w="9525" cap="flat" cmpd="sng" algn="ctr">
-        <a:solidFill>
-          <a:schemeClr val="tx1">
-            <a:lumMod val="15000"/>
-            <a:lumOff val="85000"/>
-          </a:schemeClr>
-        </a:solidFill>
-        <a:round/>
-      </a:ln>
-    </cs:spPr>
-  </cs:gridlineMajor>
-  <cs:gridlineMinor>
-    <cs:lnRef idx="0"/>
-    <cs:fillRef idx="0"/>
-    <cs:effectRef idx="0"/>
-    <cs:fontRef idx="minor">
-      <a:schemeClr val="tx1"/>
-    </cs:fontRef>
-    <cs:spPr>
-      <a:ln w="9525" cap="flat" cmpd="sng" algn="ctr">
-        <a:solidFill>
-          <a:schemeClr val="tx1">
-            <a:lumMod val="5000"/>
-            <a:lumOff val="95000"/>
-          </a:schemeClr>
-        </a:solidFill>
-        <a:round/>
-      </a:ln>
-    </cs:spPr>
-  </cs:gridlineMinor>
-  <cs:hiLoLine>
-    <cs:lnRef idx="0"/>
-    <cs:fillRef idx="0"/>
-    <cs:effectRef idx="0"/>
-    <cs:fontRef idx="minor">
-      <a:schemeClr val="tx1"/>
-    </cs:fontRef>
-    <cs:spPr>
-      <a:ln w="9525" cap="flat" cmpd="sng" algn="ctr">
-        <a:solidFill>
-          <a:schemeClr val="tx1">
-            <a:lumMod val="75000"/>
-            <a:lumOff val="25000"/>
-          </a:schemeClr>
-        </a:solidFill>
-        <a:round/>
-      </a:ln>
-    </cs:spPr>
-  </cs:hiLoLine>
-  <cs:leaderLine>
-    <cs:lnRef idx="0"/>
-    <cs:fillRef idx="0"/>
-    <cs:effectRef idx="0"/>
-    <cs:fontRef idx="minor">
-      <a:schemeClr val="tx1"/>
-    </cs:fontRef>
-    <cs:spPr>
-      <a:ln w="9525" cap="flat" cmpd="sng" algn="ctr">
-        <a:solidFill>
-          <a:schemeClr val="tx1">
-            <a:lumMod val="35000"/>
-            <a:lumOff val="65000"/>
-          </a:schemeClr>
-        </a:solidFill>
-        <a:round/>
-      </a:ln>
-    </cs:spPr>
-  </cs:leaderLine>
-  <cs:legend>
-    <cs:lnRef idx="0"/>
-    <cs:fillRef idx="0"/>
-    <cs:effectRef idx="0"/>
-    <cs:fontRef idx="minor">
-      <a:schemeClr val="tx1">
-        <a:lumMod val="65000"/>
-        <a:lumOff val="35000"/>
-      </a:schemeClr>
-    </cs:fontRef>
-    <cs:defRPr sz="1197" kern="1200"/>
-  </cs:legend>
-  <cs:plotArea mods="allowNoFillOverride allowNoLineOverride">
-    <cs:lnRef idx="0"/>
-    <cs:fillRef idx="0"/>
-    <cs:effectRef idx="0"/>
-    <cs:fontRef idx="minor">
-      <a:schemeClr val="tx1"/>
-    </cs:fontRef>
-  </cs:plotArea>
-  <cs:plotArea3D mods="allowNoFillOverride allowNoLineOverride">
-    <cs:lnRef idx="0"/>
-    <cs:fillRef idx="0"/>
-    <cs:effectRef idx="0"/>
-    <cs:fontRef idx="minor">
-      <a:schemeClr val="tx1"/>
-    </cs:fontRef>
-  </cs:plotArea3D>
-  <cs:seriesAxis>
-    <cs:lnRef idx="0"/>
-    <cs:fillRef idx="0"/>
-    <cs:effectRef idx="0"/>
-    <cs:fontRef idx="minor">
-      <a:schemeClr val="tx1">
-        <a:lumMod val="65000"/>
-        <a:lumOff val="35000"/>
-      </a:schemeClr>
-    </cs:fontRef>
-    <cs:defRPr sz="1197" kern="1200"/>
-  </cs:seriesAxis>
-  <cs:seriesLine>
-    <cs:lnRef idx="0"/>
-    <cs:fillRef idx="0"/>
-    <cs:effectRef idx="0"/>
-    <cs:fontRef idx="minor">
-      <a:schemeClr val="tx1"/>
-    </cs:fontRef>
-    <cs:spPr>
-      <a:ln w="9525" cap="flat" cmpd="sng" algn="ctr">
-        <a:solidFill>
-          <a:schemeClr val="tx1">
-            <a:lumMod val="35000"/>
-            <a:lumOff val="65000"/>
-          </a:schemeClr>
-        </a:solidFill>
-        <a:round/>
-      </a:ln>
-    </cs:spPr>
-  </cs:seriesLine>
-  <cs:title>
-    <cs:lnRef idx="0"/>
-    <cs:fillRef idx="0"/>
-    <cs:effectRef idx="0"/>
-    <cs:fontRef idx="minor">
-      <a:schemeClr val="tx1">
-        <a:lumMod val="65000"/>
-        <a:lumOff val="35000"/>
-      </a:schemeClr>
-    </cs:fontRef>
-    <cs:defRPr sz="1862" b="0" kern="1200" spc="0" baseline="0"/>
-  </cs:title>
-  <cs:trendline>
-    <cs:lnRef idx="0">
-      <cs:styleClr val="auto"/>
-    </cs:lnRef>
-    <cs:fillRef idx="0"/>
-    <cs:effectRef idx="0"/>
-    <cs:fontRef idx="minor">
-      <a:schemeClr val="tx1"/>
-    </cs:fontRef>
-    <cs:spPr>
-      <a:ln w="19050" cap="rnd">
-        <a:solidFill>
-          <a:schemeClr val="phClr"/>
-        </a:solidFill>
-        <a:prstDash val="sysDot"/>
-      </a:ln>
-    </cs:spPr>
-  </cs:trendline>
-  <cs:trendlineLabel>
-    <cs:lnRef idx="0"/>
-    <cs:fillRef idx="0"/>
-    <cs:effectRef idx="0"/>
-    <cs:fontRef idx="minor">
-      <a:schemeClr val="tx1">
-        <a:lumMod val="65000"/>
-        <a:lumOff val="35000"/>
-      </a:schemeClr>
-    </cs:fontRef>
-    <cs:defRPr sz="1197" kern="1200"/>
-  </cs:trendlineLabel>
-  <cs:upBar>
-    <cs:lnRef idx="0"/>
-    <cs:fillRef idx="0"/>
-    <cs:effectRef idx="0"/>
-    <cs:fontRef idx="minor">
-      <a:schemeClr val="dk1"/>
-    </cs:fontRef>
-    <cs:spPr>
-      <a:solidFill>
-        <a:schemeClr val="lt1"/>
-      </a:solidFill>
-      <a:ln w="9525">
-        <a:solidFill>
-          <a:schemeClr val="tx1">
-            <a:lumMod val="15000"/>
-            <a:lumOff val="85000"/>
-          </a:schemeClr>
-        </a:solidFill>
-      </a:ln>
-    </cs:spPr>
-  </cs:upBar>
-  <cs:valueAxis>
-    <cs:lnRef idx="0"/>
-    <cs:fillRef idx="0"/>
-    <cs:effectRef idx="0"/>
-    <cs:fontRef idx="minor">
-      <a:schemeClr val="tx1">
-        <a:lumMod val="65000"/>
-        <a:lumOff val="35000"/>
-      </a:schemeClr>
-    </cs:fontRef>
-    <cs:defRPr sz="1197" kern="1200"/>
-  </cs:valueAxis>
-  <cs:wall>
-    <cs:lnRef idx="0"/>
-    <cs:fillRef idx="0"/>
-    <cs:effectRef idx="0"/>
-    <cs:fontRef idx="minor">
-      <a:schemeClr val="tx1"/>
-    </cs:fontRef>
-    <cs:spPr>
-      <a:noFill/>
-      <a:ln>
-        <a:noFill/>
-      </a:ln>
-    </cs:spPr>
-  </cs:wall>
-</cs:chartStyle>
 </file>
 
 <file path=ppt/slideLayouts/slideLayout1.xml><?xml version="1.0" encoding="utf-8"?>
@@ -1248,7 +328,7 @@
             <a:fld id="{B61BEF0D-F0BB-DE4B-95CE-6DB70DBA9567}" type="datetimeFigureOut">
               <a:rPr lang="en-US" dirty="0"/>
               <a:pPr/>
-              <a:t>5/27/2017</a:t>
+              <a:t>6/1/2017</a:t>
             </a:fld>
             <a:endParaRPr lang="en-US" dirty="0"/>
           </a:p>
@@ -1583,7 +663,7 @@
             <a:fld id="{B61BEF0D-F0BB-DE4B-95CE-6DB70DBA9567}" type="datetimeFigureOut">
               <a:rPr lang="en-US" dirty="0"/>
               <a:pPr/>
-              <a:t>5/27/2017</a:t>
+              <a:t>6/1/2017</a:t>
             </a:fld>
             <a:endParaRPr lang="en-US" dirty="0"/>
           </a:p>
@@ -1981,7 +1061,7 @@
             <a:fld id="{B61BEF0D-F0BB-DE4B-95CE-6DB70DBA9567}" type="datetimeFigureOut">
               <a:rPr lang="en-US" dirty="0"/>
               <a:pPr/>
-              <a:t>5/27/2017</a:t>
+              <a:t>6/1/2017</a:t>
             </a:fld>
             <a:endParaRPr lang="en-US" dirty="0"/>
           </a:p>
@@ -2314,7 +1394,7 @@
             <a:fld id="{B61BEF0D-F0BB-DE4B-95CE-6DB70DBA9567}" type="datetimeFigureOut">
               <a:rPr lang="en-US" dirty="0"/>
               <a:pPr/>
-              <a:t>5/27/2017</a:t>
+              <a:t>6/1/2017</a:t>
             </a:fld>
             <a:endParaRPr lang="en-US" dirty="0"/>
           </a:p>
@@ -2631,7 +1711,7 @@
             <a:fld id="{B61BEF0D-F0BB-DE4B-95CE-6DB70DBA9567}" type="datetimeFigureOut">
               <a:rPr lang="en-US" dirty="0"/>
               <a:pPr/>
-              <a:t>5/27/2017</a:t>
+              <a:t>6/1/2017</a:t>
             </a:fld>
             <a:endParaRPr lang="en-US" dirty="0"/>
           </a:p>
@@ -3024,7 +2104,7 @@
             <a:fld id="{B61BEF0D-F0BB-DE4B-95CE-6DB70DBA9567}" type="datetimeFigureOut">
               <a:rPr lang="en-US" dirty="0"/>
               <a:pPr/>
-              <a:t>5/27/2017</a:t>
+              <a:t>6/1/2017</a:t>
             </a:fld>
             <a:endParaRPr lang="en-US" dirty="0"/>
           </a:p>
@@ -3278,7 +2358,7 @@
             <a:fld id="{B61BEF0D-F0BB-DE4B-95CE-6DB70DBA9567}" type="datetimeFigureOut">
               <a:rPr lang="en-US" dirty="0"/>
               <a:pPr/>
-              <a:t>5/27/2017</a:t>
+              <a:t>6/1/2017</a:t>
             </a:fld>
             <a:endParaRPr lang="en-US" dirty="0"/>
           </a:p>
@@ -3537,7 +2617,7 @@
             <a:fld id="{B61BEF0D-F0BB-DE4B-95CE-6DB70DBA9567}" type="datetimeFigureOut">
               <a:rPr lang="en-US" dirty="0"/>
               <a:pPr/>
-              <a:t>5/27/2017</a:t>
+              <a:t>6/1/2017</a:t>
             </a:fld>
             <a:endParaRPr lang="en-US" dirty="0"/>
           </a:p>
@@ -3796,7 +2876,7 @@
             <a:fld id="{B61BEF0D-F0BB-DE4B-95CE-6DB70DBA9567}" type="datetimeFigureOut">
               <a:rPr lang="en-US" dirty="0"/>
               <a:pPr/>
-              <a:t>5/27/2017</a:t>
+              <a:t>6/1/2017</a:t>
             </a:fld>
             <a:endParaRPr lang="en-US" dirty="0"/>
           </a:p>
@@ -4122,7 +3202,7 @@
             <a:fld id="{B61BEF0D-F0BB-DE4B-95CE-6DB70DBA9567}" type="datetimeFigureOut">
               <a:rPr lang="en-US" dirty="0"/>
               <a:pPr/>
-              <a:t>5/27/2017</a:t>
+              <a:t>6/1/2017</a:t>
             </a:fld>
             <a:endParaRPr lang="en-US" dirty="0"/>
           </a:p>
@@ -4442,7 +3522,7 @@
             <a:fld id="{B61BEF0D-F0BB-DE4B-95CE-6DB70DBA9567}" type="datetimeFigureOut">
               <a:rPr lang="en-US" dirty="0"/>
               <a:pPr/>
-              <a:t>5/27/2017</a:t>
+              <a:t>6/1/2017</a:t>
             </a:fld>
             <a:endParaRPr lang="en-US" dirty="0"/>
           </a:p>
@@ -4896,7 +3976,7 @@
             <a:fld id="{B61BEF0D-F0BB-DE4B-95CE-6DB70DBA9567}" type="datetimeFigureOut">
               <a:rPr lang="en-US" dirty="0"/>
               <a:pPr/>
-              <a:t>5/27/2017</a:t>
+              <a:t>6/1/2017</a:t>
             </a:fld>
             <a:endParaRPr lang="en-US" dirty="0"/>
           </a:p>
@@ -5098,7 +4178,7 @@
             <a:fld id="{B61BEF0D-F0BB-DE4B-95CE-6DB70DBA9567}" type="datetimeFigureOut">
               <a:rPr lang="en-US" dirty="0"/>
               <a:pPr/>
-              <a:t>5/27/2017</a:t>
+              <a:t>6/1/2017</a:t>
             </a:fld>
             <a:endParaRPr lang="en-US" dirty="0"/>
           </a:p>
@@ -5272,7 +4352,7 @@
             <a:fld id="{B61BEF0D-F0BB-DE4B-95CE-6DB70DBA9567}" type="datetimeFigureOut">
               <a:rPr lang="en-US" dirty="0"/>
               <a:pPr/>
-              <a:t>5/27/2017</a:t>
+              <a:t>6/1/2017</a:t>
             </a:fld>
             <a:endParaRPr lang="en-US" dirty="0"/>
           </a:p>
@@ -5602,7 +4682,7 @@
             <a:fld id="{B61BEF0D-F0BB-DE4B-95CE-6DB70DBA9567}" type="datetimeFigureOut">
               <a:rPr lang="en-US" dirty="0"/>
               <a:pPr/>
-              <a:t>5/27/2017</a:t>
+              <a:t>6/1/2017</a:t>
             </a:fld>
             <a:endParaRPr lang="en-US" dirty="0"/>
           </a:p>
@@ -5944,7 +5024,7 @@
             <a:fld id="{B61BEF0D-F0BB-DE4B-95CE-6DB70DBA9567}" type="datetimeFigureOut">
               <a:rPr lang="en-US" dirty="0"/>
               <a:pPr/>
-              <a:t>5/27/2017</a:t>
+              <a:t>6/1/2017</a:t>
             </a:fld>
             <a:endParaRPr lang="en-US" dirty="0"/>
           </a:p>
@@ -8058,7 +7138,7 @@
             <a:fld id="{B61BEF0D-F0BB-DE4B-95CE-6DB70DBA9567}" type="datetimeFigureOut">
               <a:rPr lang="en-US" dirty="0"/>
               <a:pPr/>
-              <a:t>5/27/2017</a:t>
+              <a:t>6/1/2017</a:t>
             </a:fld>
             <a:endParaRPr lang="en-US" dirty="0"/>
           </a:p>
@@ -8624,57 +7704,1263 @@
           <a:chExt cx="0" cy="0"/>
         </a:xfrm>
       </p:grpSpPr>
-      <p:sp>
-        <p:nvSpPr>
-          <p:cNvPr id="2" name="Title 1"/>
-          <p:cNvSpPr>
-            <a:spLocks noGrp="1"/>
-          </p:cNvSpPr>
-          <p:nvPr>
-            <p:ph type="title"/>
-          </p:nvPr>
-        </p:nvSpPr>
-        <p:spPr/>
-        <p:txBody>
-          <a:bodyPr/>
+      <p:pic>
+        <p:nvPicPr>
+          <p:cNvPr id="10" name="Picture 9"/>
+          <p:cNvPicPr>
+            <a:picLocks noChangeAspect="1"/>
+          </p:cNvPicPr>
+          <p:nvPr/>
+        </p:nvPicPr>
+        <p:blipFill rotWithShape="1">
+          <a:blip r:embed="rId2">
+            <a:extLst>
+              <a:ext uri="{28A0092B-C50C-407E-A947-70E740481C1C}">
+                <a14:useLocalDpi xmlns:a14="http://schemas.microsoft.com/office/drawing/2010/main" val="0"/>
+              </a:ext>
+            </a:extLst>
+          </a:blip>
+          <a:srcRect l="3382" t="19846" r="12575" b="154"/>
+          <a:stretch/>
+        </p:blipFill>
+        <p:spPr>
+          <a:xfrm>
+            <a:off x="3307443" y="595993"/>
+            <a:ext cx="5881103" cy="5486399"/>
+          </a:xfrm>
+          <a:prstGeom prst="rect">
+            <a:avLst/>
+          </a:prstGeom>
+        </p:spPr>
+      </p:pic>
+      <p:sp>
+        <p:nvSpPr>
+          <p:cNvPr id="11" name="Rectangle 10"/>
+          <p:cNvSpPr/>
+          <p:nvPr/>
+        </p:nvSpPr>
+        <p:spPr>
+          <a:xfrm>
+            <a:off x="3524847" y="686041"/>
+            <a:ext cx="5446294" cy="5364716"/>
+          </a:xfrm>
+          <a:prstGeom prst="rect">
+            <a:avLst/>
+          </a:prstGeom>
+          <a:solidFill>
+            <a:schemeClr val="tx1"/>
+          </a:solidFill>
+        </p:spPr>
+        <p:style>
+          <a:lnRef idx="2">
+            <a:schemeClr val="dk1"/>
+          </a:lnRef>
+          <a:fillRef idx="1">
+            <a:schemeClr val="lt1"/>
+          </a:fillRef>
+          <a:effectRef idx="0">
+            <a:schemeClr val="dk1"/>
+          </a:effectRef>
+          <a:fontRef idx="minor">
+            <a:schemeClr val="dk1"/>
+          </a:fontRef>
+        </p:style>
+        <p:txBody>
+          <a:bodyPr rtlCol="0" anchor="ctr"/>
           <a:lstStyle/>
           <a:p>
-            <a:r>
-              <a:rPr lang="fr-FR" dirty="0"/>
-              <a:t>Déplacer les personnes</a:t>
-            </a:r>
-          </a:p>
-        </p:txBody>
-      </p:sp>
-      <p:sp>
-        <p:nvSpPr>
-          <p:cNvPr id="3" name="Text Placeholder 2"/>
-          <p:cNvSpPr>
-            <a:spLocks noGrp="1"/>
-          </p:cNvSpPr>
-          <p:nvPr>
-            <p:ph type="body" sz="half" idx="2"/>
-          </p:nvPr>
-        </p:nvSpPr>
-        <p:spPr/>
-        <p:txBody>
-          <a:bodyPr/>
+            <a:pPr algn="ctr"/>
+            <a:endParaRPr lang="fr-FR"/>
+          </a:p>
+        </p:txBody>
+      </p:sp>
+      <p:pic>
+        <p:nvPicPr>
+          <p:cNvPr id="12" name="Picture 11"/>
+          <p:cNvPicPr>
+            <a:picLocks noChangeAspect="1"/>
+          </p:cNvPicPr>
+          <p:nvPr/>
+        </p:nvPicPr>
+        <p:blipFill>
+          <a:blip r:embed="rId3">
+            <a:extLst>
+              <a:ext uri="{28A0092B-C50C-407E-A947-70E740481C1C}">
+                <a14:useLocalDpi xmlns:a14="http://schemas.microsoft.com/office/drawing/2010/main" val="0"/>
+              </a:ext>
+            </a:extLst>
+          </a:blip>
+          <a:stretch>
+            <a:fillRect/>
+          </a:stretch>
+        </p:blipFill>
+        <p:spPr>
+          <a:xfrm>
+            <a:off x="4017935" y="1690989"/>
+            <a:ext cx="1200318" cy="952633"/>
+          </a:xfrm>
+          <a:prstGeom prst="rect">
+            <a:avLst/>
+          </a:prstGeom>
+        </p:spPr>
+      </p:pic>
+      <p:pic>
+        <p:nvPicPr>
+          <p:cNvPr id="19" name="Picture 18"/>
+          <p:cNvPicPr>
+            <a:picLocks noChangeAspect="1"/>
+          </p:cNvPicPr>
+          <p:nvPr/>
+        </p:nvPicPr>
+        <p:blipFill>
+          <a:blip r:embed="rId3">
+            <a:extLst>
+              <a:ext uri="{28A0092B-C50C-407E-A947-70E740481C1C}">
+                <a14:useLocalDpi xmlns:a14="http://schemas.microsoft.com/office/drawing/2010/main" val="0"/>
+              </a:ext>
+            </a:extLst>
+          </a:blip>
+          <a:stretch>
+            <a:fillRect/>
+          </a:stretch>
+        </p:blipFill>
+        <p:spPr>
+          <a:xfrm>
+            <a:off x="3749786" y="2415766"/>
+            <a:ext cx="1200318" cy="952633"/>
+          </a:xfrm>
+          <a:prstGeom prst="rect">
+            <a:avLst/>
+          </a:prstGeom>
+        </p:spPr>
+      </p:pic>
+      <p:pic>
+        <p:nvPicPr>
+          <p:cNvPr id="18" name="Picture 17"/>
+          <p:cNvPicPr>
+            <a:picLocks noChangeAspect="1"/>
+          </p:cNvPicPr>
+          <p:nvPr/>
+        </p:nvPicPr>
+        <p:blipFill rotWithShape="1">
+          <a:blip r:embed="rId3">
+            <a:extLst>
+              <a:ext uri="{28A0092B-C50C-407E-A947-70E740481C1C}">
+                <a14:useLocalDpi xmlns:a14="http://schemas.microsoft.com/office/drawing/2010/main" val="0"/>
+              </a:ext>
+            </a:extLst>
+          </a:blip>
+          <a:srcRect l="34579"/>
+          <a:stretch/>
+        </p:blipFill>
+        <p:spPr>
+          <a:xfrm>
+            <a:off x="4821111" y="2382847"/>
+            <a:ext cx="785265" cy="952633"/>
+          </a:xfrm>
+          <a:prstGeom prst="rect">
+            <a:avLst/>
+          </a:prstGeom>
+        </p:spPr>
+      </p:pic>
+      <p:pic>
+        <p:nvPicPr>
+          <p:cNvPr id="20" name="Picture 19"/>
+          <p:cNvPicPr>
+            <a:picLocks noChangeAspect="1"/>
+          </p:cNvPicPr>
+          <p:nvPr/>
+        </p:nvPicPr>
+        <p:blipFill rotWithShape="1">
+          <a:blip r:embed="rId3">
+            <a:extLst>
+              <a:ext uri="{28A0092B-C50C-407E-A947-70E740481C1C}">
+                <a14:useLocalDpi xmlns:a14="http://schemas.microsoft.com/office/drawing/2010/main" val="0"/>
+              </a:ext>
+            </a:extLst>
+          </a:blip>
+          <a:srcRect l="28651" r="11509"/>
+          <a:stretch/>
+        </p:blipFill>
+        <p:spPr>
+          <a:xfrm>
+            <a:off x="3424944" y="2419301"/>
+            <a:ext cx="718268" cy="952633"/>
+          </a:xfrm>
+          <a:prstGeom prst="rect">
+            <a:avLst/>
+          </a:prstGeom>
+        </p:spPr>
+      </p:pic>
+      <p:pic>
+        <p:nvPicPr>
+          <p:cNvPr id="21" name="Picture 20"/>
+          <p:cNvPicPr>
+            <a:picLocks noChangeAspect="1"/>
+          </p:cNvPicPr>
+          <p:nvPr/>
+        </p:nvPicPr>
+        <p:blipFill>
+          <a:blip r:embed="rId3">
+            <a:extLst>
+              <a:ext uri="{28A0092B-C50C-407E-A947-70E740481C1C}">
+                <a14:useLocalDpi xmlns:a14="http://schemas.microsoft.com/office/drawing/2010/main" val="0"/>
+              </a:ext>
+            </a:extLst>
+          </a:blip>
+          <a:stretch>
+            <a:fillRect/>
+          </a:stretch>
+        </p:blipFill>
+        <p:spPr>
+          <a:xfrm>
+            <a:off x="7805115" y="3197531"/>
+            <a:ext cx="1200318" cy="952633"/>
+          </a:xfrm>
+          <a:prstGeom prst="rect">
+            <a:avLst/>
+          </a:prstGeom>
+        </p:spPr>
+      </p:pic>
+      <p:pic>
+        <p:nvPicPr>
+          <p:cNvPr id="22" name="Picture 21"/>
+          <p:cNvPicPr>
+            <a:picLocks noChangeAspect="1"/>
+          </p:cNvPicPr>
+          <p:nvPr/>
+        </p:nvPicPr>
+        <p:blipFill>
+          <a:blip r:embed="rId3">
+            <a:extLst>
+              <a:ext uri="{28A0092B-C50C-407E-A947-70E740481C1C}">
+                <a14:useLocalDpi xmlns:a14="http://schemas.microsoft.com/office/drawing/2010/main" val="0"/>
+              </a:ext>
+            </a:extLst>
+          </a:blip>
+          <a:stretch>
+            <a:fillRect/>
+          </a:stretch>
+        </p:blipFill>
+        <p:spPr>
+          <a:xfrm>
+            <a:off x="7086847" y="3166996"/>
+            <a:ext cx="1200318" cy="952633"/>
+          </a:xfrm>
+          <a:prstGeom prst="rect">
+            <a:avLst/>
+          </a:prstGeom>
+        </p:spPr>
+      </p:pic>
+      <p:pic>
+        <p:nvPicPr>
+          <p:cNvPr id="23" name="Picture 22"/>
+          <p:cNvPicPr>
+            <a:picLocks noChangeAspect="1"/>
+          </p:cNvPicPr>
+          <p:nvPr/>
+        </p:nvPicPr>
+        <p:blipFill rotWithShape="1">
+          <a:blip r:embed="rId3">
+            <a:extLst>
+              <a:ext uri="{28A0092B-C50C-407E-A947-70E740481C1C}">
+                <a14:useLocalDpi xmlns:a14="http://schemas.microsoft.com/office/drawing/2010/main" val="0"/>
+              </a:ext>
+            </a:extLst>
+          </a:blip>
+          <a:srcRect l="28651" r="11509"/>
+          <a:stretch/>
+        </p:blipFill>
+        <p:spPr>
+          <a:xfrm>
+            <a:off x="6786767" y="3193448"/>
+            <a:ext cx="718268" cy="952633"/>
+          </a:xfrm>
+          <a:prstGeom prst="rect">
+            <a:avLst/>
+          </a:prstGeom>
+        </p:spPr>
+      </p:pic>
+      <p:pic>
+        <p:nvPicPr>
+          <p:cNvPr id="24" name="Picture 23"/>
+          <p:cNvPicPr>
+            <a:picLocks noChangeAspect="1"/>
+          </p:cNvPicPr>
+          <p:nvPr/>
+        </p:nvPicPr>
+        <p:blipFill>
+          <a:blip r:embed="rId3">
+            <a:extLst>
+              <a:ext uri="{28A0092B-C50C-407E-A947-70E740481C1C}">
+                <a14:useLocalDpi xmlns:a14="http://schemas.microsoft.com/office/drawing/2010/main" val="0"/>
+              </a:ext>
+            </a:extLst>
+          </a:blip>
+          <a:stretch>
+            <a:fillRect/>
+          </a:stretch>
+        </p:blipFill>
+        <p:spPr>
+          <a:xfrm>
+            <a:off x="7805115" y="2450742"/>
+            <a:ext cx="1200318" cy="952633"/>
+          </a:xfrm>
+          <a:prstGeom prst="rect">
+            <a:avLst/>
+          </a:prstGeom>
+        </p:spPr>
+      </p:pic>
+      <p:pic>
+        <p:nvPicPr>
+          <p:cNvPr id="25" name="Picture 24"/>
+          <p:cNvPicPr>
+            <a:picLocks noChangeAspect="1"/>
+          </p:cNvPicPr>
+          <p:nvPr/>
+        </p:nvPicPr>
+        <p:blipFill>
+          <a:blip r:embed="rId3">
+            <a:extLst>
+              <a:ext uri="{28A0092B-C50C-407E-A947-70E740481C1C}">
+                <a14:useLocalDpi xmlns:a14="http://schemas.microsoft.com/office/drawing/2010/main" val="0"/>
+              </a:ext>
+            </a:extLst>
+          </a:blip>
+          <a:stretch>
+            <a:fillRect/>
+          </a:stretch>
+        </p:blipFill>
+        <p:spPr>
+          <a:xfrm>
+            <a:off x="7079715" y="2467432"/>
+            <a:ext cx="1200318" cy="952633"/>
+          </a:xfrm>
+          <a:prstGeom prst="rect">
+            <a:avLst/>
+          </a:prstGeom>
+        </p:spPr>
+      </p:pic>
+      <p:pic>
+        <p:nvPicPr>
+          <p:cNvPr id="26" name="Picture 25"/>
+          <p:cNvPicPr>
+            <a:picLocks noChangeAspect="1"/>
+          </p:cNvPicPr>
+          <p:nvPr/>
+        </p:nvPicPr>
+        <p:blipFill rotWithShape="1">
+          <a:blip r:embed="rId3">
+            <a:extLst>
+              <a:ext uri="{28A0092B-C50C-407E-A947-70E740481C1C}">
+                <a14:useLocalDpi xmlns:a14="http://schemas.microsoft.com/office/drawing/2010/main" val="0"/>
+              </a:ext>
+            </a:extLst>
+          </a:blip>
+          <a:srcRect l="28651" r="11509"/>
+          <a:stretch/>
+        </p:blipFill>
+        <p:spPr>
+          <a:xfrm>
+            <a:off x="6786767" y="2438134"/>
+            <a:ext cx="718268" cy="952633"/>
+          </a:xfrm>
+          <a:prstGeom prst="rect">
+            <a:avLst/>
+          </a:prstGeom>
+        </p:spPr>
+      </p:pic>
+      <p:sp>
+        <p:nvSpPr>
+          <p:cNvPr id="27" name="Rectangle 26"/>
+          <p:cNvSpPr/>
+          <p:nvPr/>
+        </p:nvSpPr>
+        <p:spPr>
+          <a:xfrm>
+            <a:off x="6052088" y="6050758"/>
+            <a:ext cx="441702" cy="90048"/>
+          </a:xfrm>
+          <a:prstGeom prst="rect">
+            <a:avLst/>
+          </a:prstGeom>
+          <a:solidFill>
+            <a:srgbClr val="00B050"/>
+          </a:solidFill>
+          <a:ln>
+            <a:solidFill>
+              <a:srgbClr val="00B050"/>
+            </a:solidFill>
+          </a:ln>
+        </p:spPr>
+        <p:style>
+          <a:lnRef idx="2">
+            <a:schemeClr val="accent1">
+              <a:shade val="50000"/>
+            </a:schemeClr>
+          </a:lnRef>
+          <a:fillRef idx="1">
+            <a:schemeClr val="accent1"/>
+          </a:fillRef>
+          <a:effectRef idx="0">
+            <a:schemeClr val="accent1"/>
+          </a:effectRef>
+          <a:fontRef idx="minor">
+            <a:schemeClr val="lt1"/>
+          </a:fontRef>
+        </p:style>
+        <p:txBody>
+          <a:bodyPr rtlCol="0" anchor="ctr"/>
           <a:lstStyle/>
           <a:p>
+            <a:pPr algn="ctr"/>
             <a:endParaRPr lang="fr-FR"/>
           </a:p>
         </p:txBody>
       </p:sp>
+      <p:pic>
+        <p:nvPicPr>
+          <p:cNvPr id="28" name="Picture 27"/>
+          <p:cNvPicPr>
+            <a:picLocks noChangeAspect="1"/>
+          </p:cNvPicPr>
+          <p:nvPr/>
+        </p:nvPicPr>
+        <p:blipFill>
+          <a:blip r:embed="rId3">
+            <a:extLst>
+              <a:ext uri="{28A0092B-C50C-407E-A947-70E740481C1C}">
+                <a14:useLocalDpi xmlns:a14="http://schemas.microsoft.com/office/drawing/2010/main" val="0"/>
+              </a:ext>
+            </a:extLst>
+          </a:blip>
+          <a:stretch>
+            <a:fillRect/>
+          </a:stretch>
+        </p:blipFill>
+        <p:spPr>
+          <a:xfrm>
+            <a:off x="4360616" y="1702162"/>
+            <a:ext cx="1200318" cy="952633"/>
+          </a:xfrm>
+          <a:prstGeom prst="rect">
+            <a:avLst/>
+          </a:prstGeom>
+        </p:spPr>
+      </p:pic>
+      <p:pic>
+        <p:nvPicPr>
+          <p:cNvPr id="29" name="Picture 28"/>
+          <p:cNvPicPr>
+            <a:picLocks noChangeAspect="1"/>
+          </p:cNvPicPr>
+          <p:nvPr/>
+        </p:nvPicPr>
+        <p:blipFill rotWithShape="1">
+          <a:blip r:embed="rId3">
+            <a:extLst>
+              <a:ext uri="{28A0092B-C50C-407E-A947-70E740481C1C}">
+                <a14:useLocalDpi xmlns:a14="http://schemas.microsoft.com/office/drawing/2010/main" val="0"/>
+              </a:ext>
+            </a:extLst>
+          </a:blip>
+          <a:srcRect r="17565"/>
+          <a:stretch/>
+        </p:blipFill>
+        <p:spPr>
+          <a:xfrm>
+            <a:off x="3713519" y="1672188"/>
+            <a:ext cx="989483" cy="952633"/>
+          </a:xfrm>
+          <a:prstGeom prst="rect">
+            <a:avLst/>
+          </a:prstGeom>
+        </p:spPr>
+      </p:pic>
+      <p:pic>
+        <p:nvPicPr>
+          <p:cNvPr id="30" name="Picture 29"/>
+          <p:cNvPicPr>
+            <a:picLocks noChangeAspect="1"/>
+          </p:cNvPicPr>
+          <p:nvPr/>
+        </p:nvPicPr>
+        <p:blipFill rotWithShape="1">
+          <a:blip r:embed="rId3">
+            <a:extLst>
+              <a:ext uri="{28A0092B-C50C-407E-A947-70E740481C1C}">
+                <a14:useLocalDpi xmlns:a14="http://schemas.microsoft.com/office/drawing/2010/main" val="0"/>
+              </a:ext>
+            </a:extLst>
+          </a:blip>
+          <a:srcRect l="28651" r="11509"/>
+          <a:stretch/>
+        </p:blipFill>
+        <p:spPr>
+          <a:xfrm>
+            <a:off x="3458378" y="1666283"/>
+            <a:ext cx="718268" cy="952633"/>
+          </a:xfrm>
+          <a:prstGeom prst="rect">
+            <a:avLst/>
+          </a:prstGeom>
+        </p:spPr>
+      </p:pic>
+      <p:pic>
+        <p:nvPicPr>
+          <p:cNvPr id="31" name="Picture 30"/>
+          <p:cNvPicPr>
+            <a:picLocks noChangeAspect="1"/>
+          </p:cNvPicPr>
+          <p:nvPr/>
+        </p:nvPicPr>
+        <p:blipFill rotWithShape="1">
+          <a:blip r:embed="rId3">
+            <a:extLst>
+              <a:ext uri="{28A0092B-C50C-407E-A947-70E740481C1C}">
+                <a14:useLocalDpi xmlns:a14="http://schemas.microsoft.com/office/drawing/2010/main" val="0"/>
+              </a:ext>
+            </a:extLst>
+          </a:blip>
+          <a:srcRect r="18835"/>
+          <a:stretch/>
+        </p:blipFill>
+        <p:spPr>
+          <a:xfrm>
+            <a:off x="8031196" y="1738570"/>
+            <a:ext cx="974237" cy="952633"/>
+          </a:xfrm>
+          <a:prstGeom prst="rect">
+            <a:avLst/>
+          </a:prstGeom>
+        </p:spPr>
+      </p:pic>
+      <p:pic>
+        <p:nvPicPr>
+          <p:cNvPr id="32" name="Picture 31"/>
+          <p:cNvPicPr>
+            <a:picLocks noChangeAspect="1"/>
+          </p:cNvPicPr>
+          <p:nvPr/>
+        </p:nvPicPr>
+        <p:blipFill>
+          <a:blip r:embed="rId3">
+            <a:extLst>
+              <a:ext uri="{28A0092B-C50C-407E-A947-70E740481C1C}">
+                <a14:useLocalDpi xmlns:a14="http://schemas.microsoft.com/office/drawing/2010/main" val="0"/>
+              </a:ext>
+            </a:extLst>
+          </a:blip>
+          <a:stretch>
+            <a:fillRect/>
+          </a:stretch>
+        </p:blipFill>
+        <p:spPr>
+          <a:xfrm>
+            <a:off x="7312928" y="1708035"/>
+            <a:ext cx="1200318" cy="952633"/>
+          </a:xfrm>
+          <a:prstGeom prst="rect">
+            <a:avLst/>
+          </a:prstGeom>
+        </p:spPr>
+      </p:pic>
+      <p:pic>
+        <p:nvPicPr>
+          <p:cNvPr id="33" name="Picture 32"/>
+          <p:cNvPicPr>
+            <a:picLocks noChangeAspect="1"/>
+          </p:cNvPicPr>
+          <p:nvPr/>
+        </p:nvPicPr>
+        <p:blipFill rotWithShape="1">
+          <a:blip r:embed="rId3">
+            <a:extLst>
+              <a:ext uri="{28A0092B-C50C-407E-A947-70E740481C1C}">
+                <a14:useLocalDpi xmlns:a14="http://schemas.microsoft.com/office/drawing/2010/main" val="0"/>
+              </a:ext>
+            </a:extLst>
+          </a:blip>
+          <a:srcRect l="28651" r="11509"/>
+          <a:stretch/>
+        </p:blipFill>
+        <p:spPr>
+          <a:xfrm>
+            <a:off x="7012848" y="1734487"/>
+            <a:ext cx="718268" cy="952633"/>
+          </a:xfrm>
+          <a:prstGeom prst="rect">
+            <a:avLst/>
+          </a:prstGeom>
+        </p:spPr>
+      </p:pic>
+      <p:pic>
+        <p:nvPicPr>
+          <p:cNvPr id="34" name="Picture 33"/>
+          <p:cNvPicPr>
+            <a:picLocks noChangeAspect="1"/>
+          </p:cNvPicPr>
+          <p:nvPr/>
+        </p:nvPicPr>
+        <p:blipFill>
+          <a:blip r:embed="rId3">
+            <a:extLst>
+              <a:ext uri="{28A0092B-C50C-407E-A947-70E740481C1C}">
+                <a14:useLocalDpi xmlns:a14="http://schemas.microsoft.com/office/drawing/2010/main" val="0"/>
+              </a:ext>
+            </a:extLst>
+          </a:blip>
+          <a:stretch>
+            <a:fillRect/>
+          </a:stretch>
+        </p:blipFill>
+        <p:spPr>
+          <a:xfrm>
+            <a:off x="4390093" y="3181131"/>
+            <a:ext cx="1200318" cy="952633"/>
+          </a:xfrm>
+          <a:prstGeom prst="rect">
+            <a:avLst/>
+          </a:prstGeom>
+        </p:spPr>
+      </p:pic>
+      <p:pic>
+        <p:nvPicPr>
+          <p:cNvPr id="35" name="Picture 34"/>
+          <p:cNvPicPr>
+            <a:picLocks noChangeAspect="1"/>
+          </p:cNvPicPr>
+          <p:nvPr/>
+        </p:nvPicPr>
+        <p:blipFill>
+          <a:blip r:embed="rId3">
+            <a:extLst>
+              <a:ext uri="{28A0092B-C50C-407E-A947-70E740481C1C}">
+                <a14:useLocalDpi xmlns:a14="http://schemas.microsoft.com/office/drawing/2010/main" val="0"/>
+              </a:ext>
+            </a:extLst>
+          </a:blip>
+          <a:stretch>
+            <a:fillRect/>
+          </a:stretch>
+        </p:blipFill>
+        <p:spPr>
+          <a:xfrm>
+            <a:off x="3671825" y="3150596"/>
+            <a:ext cx="1200318" cy="952633"/>
+          </a:xfrm>
+          <a:prstGeom prst="rect">
+            <a:avLst/>
+          </a:prstGeom>
+        </p:spPr>
+      </p:pic>
+      <p:pic>
+        <p:nvPicPr>
+          <p:cNvPr id="37" name="Picture 36"/>
+          <p:cNvPicPr>
+            <a:picLocks noChangeAspect="1"/>
+          </p:cNvPicPr>
+          <p:nvPr/>
+        </p:nvPicPr>
+        <p:blipFill>
+          <a:blip r:embed="rId3">
+            <a:extLst>
+              <a:ext uri="{28A0092B-C50C-407E-A947-70E740481C1C}">
+                <a14:useLocalDpi xmlns:a14="http://schemas.microsoft.com/office/drawing/2010/main" val="0"/>
+              </a:ext>
+            </a:extLst>
+          </a:blip>
+          <a:stretch>
+            <a:fillRect/>
+          </a:stretch>
+        </p:blipFill>
+        <p:spPr>
+          <a:xfrm>
+            <a:off x="7757294" y="3201614"/>
+            <a:ext cx="1200318" cy="952633"/>
+          </a:xfrm>
+          <a:prstGeom prst="rect">
+            <a:avLst/>
+          </a:prstGeom>
+        </p:spPr>
+      </p:pic>
+      <p:pic>
+        <p:nvPicPr>
+          <p:cNvPr id="38" name="Picture 37"/>
+          <p:cNvPicPr>
+            <a:picLocks noChangeAspect="1"/>
+          </p:cNvPicPr>
+          <p:nvPr/>
+        </p:nvPicPr>
+        <p:blipFill rotWithShape="1">
+          <a:blip r:embed="rId3">
+            <a:extLst>
+              <a:ext uri="{28A0092B-C50C-407E-A947-70E740481C1C}">
+                <a14:useLocalDpi xmlns:a14="http://schemas.microsoft.com/office/drawing/2010/main" val="0"/>
+              </a:ext>
+            </a:extLst>
+          </a:blip>
+          <a:srcRect l="37975" t="40386" r="27212" b="18563"/>
+          <a:stretch/>
+        </p:blipFill>
+        <p:spPr>
+          <a:xfrm>
+            <a:off x="7496891" y="3533023"/>
+            <a:ext cx="417856" cy="391071"/>
+          </a:xfrm>
+          <a:prstGeom prst="rect">
+            <a:avLst/>
+          </a:prstGeom>
+        </p:spPr>
+      </p:pic>
+      <p:pic>
+        <p:nvPicPr>
+          <p:cNvPr id="39" name="Picture 38"/>
+          <p:cNvPicPr>
+            <a:picLocks noChangeAspect="1"/>
+          </p:cNvPicPr>
+          <p:nvPr/>
+        </p:nvPicPr>
+        <p:blipFill rotWithShape="1">
+          <a:blip r:embed="rId3">
+            <a:extLst>
+              <a:ext uri="{28A0092B-C50C-407E-A947-70E740481C1C}">
+                <a14:useLocalDpi xmlns:a14="http://schemas.microsoft.com/office/drawing/2010/main" val="0"/>
+              </a:ext>
+            </a:extLst>
+          </a:blip>
+          <a:srcRect l="28651" r="11509"/>
+          <a:stretch/>
+        </p:blipFill>
+        <p:spPr>
+          <a:xfrm>
+            <a:off x="6739316" y="3181131"/>
+            <a:ext cx="718268" cy="952633"/>
+          </a:xfrm>
+          <a:prstGeom prst="rect">
+            <a:avLst/>
+          </a:prstGeom>
+        </p:spPr>
+      </p:pic>
+      <p:pic>
+        <p:nvPicPr>
+          <p:cNvPr id="40" name="Picture 39"/>
+          <p:cNvPicPr>
+            <a:picLocks noChangeAspect="1"/>
+          </p:cNvPicPr>
+          <p:nvPr/>
+        </p:nvPicPr>
+        <p:blipFill>
+          <a:blip r:embed="rId3">
+            <a:extLst>
+              <a:ext uri="{28A0092B-C50C-407E-A947-70E740481C1C}">
+                <a14:useLocalDpi xmlns:a14="http://schemas.microsoft.com/office/drawing/2010/main" val="0"/>
+              </a:ext>
+            </a:extLst>
+          </a:blip>
+          <a:stretch>
+            <a:fillRect/>
+          </a:stretch>
+        </p:blipFill>
+        <p:spPr>
+          <a:xfrm>
+            <a:off x="4401187" y="3940528"/>
+            <a:ext cx="1200318" cy="952633"/>
+          </a:xfrm>
+          <a:prstGeom prst="rect">
+            <a:avLst/>
+          </a:prstGeom>
+        </p:spPr>
+      </p:pic>
+      <p:pic>
+        <p:nvPicPr>
+          <p:cNvPr id="41" name="Picture 40"/>
+          <p:cNvPicPr>
+            <a:picLocks noChangeAspect="1"/>
+          </p:cNvPicPr>
+          <p:nvPr/>
+        </p:nvPicPr>
+        <p:blipFill>
+          <a:blip r:embed="rId3">
+            <a:extLst>
+              <a:ext uri="{28A0092B-C50C-407E-A947-70E740481C1C}">
+                <a14:useLocalDpi xmlns:a14="http://schemas.microsoft.com/office/drawing/2010/main" val="0"/>
+              </a:ext>
+            </a:extLst>
+          </a:blip>
+          <a:stretch>
+            <a:fillRect/>
+          </a:stretch>
+        </p:blipFill>
+        <p:spPr>
+          <a:xfrm>
+            <a:off x="3682919" y="3909993"/>
+            <a:ext cx="1200318" cy="952633"/>
+          </a:xfrm>
+          <a:prstGeom prst="rect">
+            <a:avLst/>
+          </a:prstGeom>
+        </p:spPr>
+      </p:pic>
+      <p:pic>
+        <p:nvPicPr>
+          <p:cNvPr id="42" name="Picture 41"/>
+          <p:cNvPicPr>
+            <a:picLocks noChangeAspect="1"/>
+          </p:cNvPicPr>
+          <p:nvPr/>
+        </p:nvPicPr>
+        <p:blipFill rotWithShape="1">
+          <a:blip r:embed="rId3">
+            <a:extLst>
+              <a:ext uri="{28A0092B-C50C-407E-A947-70E740481C1C}">
+                <a14:useLocalDpi xmlns:a14="http://schemas.microsoft.com/office/drawing/2010/main" val="0"/>
+              </a:ext>
+            </a:extLst>
+          </a:blip>
+          <a:srcRect l="28651" r="11509"/>
+          <a:stretch/>
+        </p:blipFill>
+        <p:spPr>
+          <a:xfrm>
+            <a:off x="3386439" y="3926393"/>
+            <a:ext cx="718268" cy="952633"/>
+          </a:xfrm>
+          <a:prstGeom prst="rect">
+            <a:avLst/>
+          </a:prstGeom>
+        </p:spPr>
+      </p:pic>
+      <p:pic>
+        <p:nvPicPr>
+          <p:cNvPr id="43" name="Picture 42"/>
+          <p:cNvPicPr>
+            <a:picLocks noChangeAspect="1"/>
+          </p:cNvPicPr>
+          <p:nvPr/>
+        </p:nvPicPr>
+        <p:blipFill>
+          <a:blip r:embed="rId3">
+            <a:extLst>
+              <a:ext uri="{28A0092B-C50C-407E-A947-70E740481C1C}">
+                <a14:useLocalDpi xmlns:a14="http://schemas.microsoft.com/office/drawing/2010/main" val="0"/>
+              </a:ext>
+            </a:extLst>
+          </a:blip>
+          <a:stretch>
+            <a:fillRect/>
+          </a:stretch>
+        </p:blipFill>
+        <p:spPr>
+          <a:xfrm>
+            <a:off x="7731116" y="3969890"/>
+            <a:ext cx="1200318" cy="952633"/>
+          </a:xfrm>
+          <a:prstGeom prst="rect">
+            <a:avLst/>
+          </a:prstGeom>
+        </p:spPr>
+      </p:pic>
+      <p:pic>
+        <p:nvPicPr>
+          <p:cNvPr id="44" name="Picture 43"/>
+          <p:cNvPicPr>
+            <a:picLocks noChangeAspect="1"/>
+          </p:cNvPicPr>
+          <p:nvPr/>
+        </p:nvPicPr>
+        <p:blipFill>
+          <a:blip r:embed="rId3">
+            <a:extLst>
+              <a:ext uri="{28A0092B-C50C-407E-A947-70E740481C1C}">
+                <a14:useLocalDpi xmlns:a14="http://schemas.microsoft.com/office/drawing/2010/main" val="0"/>
+              </a:ext>
+            </a:extLst>
+          </a:blip>
+          <a:stretch>
+            <a:fillRect/>
+          </a:stretch>
+        </p:blipFill>
+        <p:spPr>
+          <a:xfrm>
+            <a:off x="7011161" y="3899941"/>
+            <a:ext cx="1200318" cy="952633"/>
+          </a:xfrm>
+          <a:prstGeom prst="rect">
+            <a:avLst/>
+          </a:prstGeom>
+        </p:spPr>
+      </p:pic>
+      <p:pic>
+        <p:nvPicPr>
+          <p:cNvPr id="45" name="Picture 44"/>
+          <p:cNvPicPr>
+            <a:picLocks noChangeAspect="1"/>
+          </p:cNvPicPr>
+          <p:nvPr/>
+        </p:nvPicPr>
+        <p:blipFill rotWithShape="1">
+          <a:blip r:embed="rId3">
+            <a:extLst>
+              <a:ext uri="{28A0092B-C50C-407E-A947-70E740481C1C}">
+                <a14:useLocalDpi xmlns:a14="http://schemas.microsoft.com/office/drawing/2010/main" val="0"/>
+              </a:ext>
+            </a:extLst>
+          </a:blip>
+          <a:srcRect l="28651" t="22816" r="11509"/>
+          <a:stretch/>
+        </p:blipFill>
+        <p:spPr>
+          <a:xfrm>
+            <a:off x="6743583" y="4096161"/>
+            <a:ext cx="718268" cy="735283"/>
+          </a:xfrm>
+          <a:prstGeom prst="rect">
+            <a:avLst/>
+          </a:prstGeom>
+        </p:spPr>
+      </p:pic>
+      <p:pic>
+        <p:nvPicPr>
+          <p:cNvPr id="15" name="Picture 14"/>
+          <p:cNvPicPr>
+            <a:picLocks noChangeAspect="1"/>
+          </p:cNvPicPr>
+          <p:nvPr/>
+        </p:nvPicPr>
+        <p:blipFill rotWithShape="1">
+          <a:blip r:embed="rId4">
+            <a:extLst>
+              <a:ext uri="{28A0092B-C50C-407E-A947-70E740481C1C}">
+                <a14:useLocalDpi xmlns:a14="http://schemas.microsoft.com/office/drawing/2010/main" val="0"/>
+              </a:ext>
+            </a:extLst>
+          </a:blip>
+          <a:srcRect l="2973" t="14166" r="4691" b="50000"/>
+          <a:stretch/>
+        </p:blipFill>
+        <p:spPr>
+          <a:xfrm>
+            <a:off x="6593305" y="3926393"/>
+            <a:ext cx="2495945" cy="201404"/>
+          </a:xfrm>
+          <a:prstGeom prst="rect">
+            <a:avLst/>
+          </a:prstGeom>
+        </p:spPr>
+      </p:pic>
+      <p:pic>
+        <p:nvPicPr>
+          <p:cNvPr id="16" name="Picture 15"/>
+          <p:cNvPicPr>
+            <a:picLocks noChangeAspect="1"/>
+          </p:cNvPicPr>
+          <p:nvPr/>
+        </p:nvPicPr>
+        <p:blipFill rotWithShape="1">
+          <a:blip r:embed="rId4">
+            <a:extLst>
+              <a:ext uri="{28A0092B-C50C-407E-A947-70E740481C1C}">
+                <a14:useLocalDpi xmlns:a14="http://schemas.microsoft.com/office/drawing/2010/main" val="0"/>
+              </a:ext>
+            </a:extLst>
+          </a:blip>
+          <a:srcRect l="2973" t="14166" r="4691" b="50000"/>
+          <a:stretch/>
+        </p:blipFill>
+        <p:spPr>
+          <a:xfrm>
+            <a:off x="6593305" y="3197531"/>
+            <a:ext cx="2495945" cy="201404"/>
+          </a:xfrm>
+          <a:prstGeom prst="rect">
+            <a:avLst/>
+          </a:prstGeom>
+        </p:spPr>
+      </p:pic>
+      <p:pic>
+        <p:nvPicPr>
+          <p:cNvPr id="14" name="Picture 13"/>
+          <p:cNvPicPr>
+            <a:picLocks noChangeAspect="1"/>
+          </p:cNvPicPr>
+          <p:nvPr/>
+        </p:nvPicPr>
+        <p:blipFill rotWithShape="1">
+          <a:blip r:embed="rId4">
+            <a:extLst>
+              <a:ext uri="{28A0092B-C50C-407E-A947-70E740481C1C}">
+                <a14:useLocalDpi xmlns:a14="http://schemas.microsoft.com/office/drawing/2010/main" val="0"/>
+              </a:ext>
+            </a:extLst>
+          </a:blip>
+          <a:srcRect l="2973" t="14166" r="4691" b="50000"/>
+          <a:stretch/>
+        </p:blipFill>
+        <p:spPr>
+          <a:xfrm>
+            <a:off x="6593305" y="2446302"/>
+            <a:ext cx="2495945" cy="201404"/>
+          </a:xfrm>
+          <a:prstGeom prst="rect">
+            <a:avLst/>
+          </a:prstGeom>
+        </p:spPr>
+      </p:pic>
+      <p:pic>
+        <p:nvPicPr>
+          <p:cNvPr id="13" name="Picture 12"/>
+          <p:cNvPicPr>
+            <a:picLocks noChangeAspect="1"/>
+          </p:cNvPicPr>
+          <p:nvPr/>
+        </p:nvPicPr>
+        <p:blipFill rotWithShape="1">
+          <a:blip r:embed="rId4">
+            <a:extLst>
+              <a:ext uri="{28A0092B-C50C-407E-A947-70E740481C1C}">
+                <a14:useLocalDpi xmlns:a14="http://schemas.microsoft.com/office/drawing/2010/main" val="0"/>
+              </a:ext>
+            </a:extLst>
+          </a:blip>
+          <a:srcRect l="2973" t="14166" r="4691" b="50000"/>
+          <a:stretch/>
+        </p:blipFill>
+        <p:spPr>
+          <a:xfrm>
+            <a:off x="6593305" y="1717440"/>
+            <a:ext cx="2495945" cy="201404"/>
+          </a:xfrm>
+          <a:prstGeom prst="rect">
+            <a:avLst/>
+          </a:prstGeom>
+        </p:spPr>
+      </p:pic>
+      <p:pic>
+        <p:nvPicPr>
+          <p:cNvPr id="8" name="Picture 7"/>
+          <p:cNvPicPr>
+            <a:picLocks noChangeAspect="1"/>
+          </p:cNvPicPr>
+          <p:nvPr/>
+        </p:nvPicPr>
+        <p:blipFill rotWithShape="1">
+          <a:blip r:embed="rId4">
+            <a:extLst>
+              <a:ext uri="{28A0092B-C50C-407E-A947-70E740481C1C}">
+                <a14:useLocalDpi xmlns:a14="http://schemas.microsoft.com/office/drawing/2010/main" val="0"/>
+              </a:ext>
+            </a:extLst>
+          </a:blip>
+          <a:srcRect l="2973" t="14166" r="4691" b="50000"/>
+          <a:stretch/>
+        </p:blipFill>
+        <p:spPr>
+          <a:xfrm>
+            <a:off x="3406738" y="1717440"/>
+            <a:ext cx="1961554" cy="201404"/>
+          </a:xfrm>
+          <a:prstGeom prst="rect">
+            <a:avLst/>
+          </a:prstGeom>
+        </p:spPr>
+      </p:pic>
+      <p:pic>
+        <p:nvPicPr>
+          <p:cNvPr id="2" name="Picture 1"/>
+          <p:cNvPicPr>
+            <a:picLocks noChangeAspect="1"/>
+          </p:cNvPicPr>
+          <p:nvPr/>
+        </p:nvPicPr>
+        <p:blipFill rotWithShape="1">
+          <a:blip r:embed="rId4">
+            <a:extLst>
+              <a:ext uri="{28A0092B-C50C-407E-A947-70E740481C1C}">
+                <a14:useLocalDpi xmlns:a14="http://schemas.microsoft.com/office/drawing/2010/main" val="0"/>
+              </a:ext>
+            </a:extLst>
+          </a:blip>
+          <a:srcRect l="2973" t="17925" r="4691" b="50000"/>
+          <a:stretch/>
+        </p:blipFill>
+        <p:spPr>
+          <a:xfrm>
+            <a:off x="3406738" y="2467432"/>
+            <a:ext cx="1961554" cy="180274"/>
+          </a:xfrm>
+          <a:prstGeom prst="rect">
+            <a:avLst/>
+          </a:prstGeom>
+        </p:spPr>
+      </p:pic>
+      <p:pic>
+        <p:nvPicPr>
+          <p:cNvPr id="36" name="Picture 35"/>
+          <p:cNvPicPr>
+            <a:picLocks noChangeAspect="1"/>
+          </p:cNvPicPr>
+          <p:nvPr/>
+        </p:nvPicPr>
+        <p:blipFill rotWithShape="1">
+          <a:blip r:embed="rId3">
+            <a:extLst>
+              <a:ext uri="{28A0092B-C50C-407E-A947-70E740481C1C}">
+                <a14:useLocalDpi xmlns:a14="http://schemas.microsoft.com/office/drawing/2010/main" val="0"/>
+              </a:ext>
+            </a:extLst>
+          </a:blip>
+          <a:srcRect l="28651" r="11509"/>
+          <a:stretch/>
+        </p:blipFill>
+        <p:spPr>
+          <a:xfrm>
+            <a:off x="3383221" y="3143528"/>
+            <a:ext cx="718268" cy="952633"/>
+          </a:xfrm>
+          <a:prstGeom prst="rect">
+            <a:avLst/>
+          </a:prstGeom>
+        </p:spPr>
+      </p:pic>
+      <p:pic>
+        <p:nvPicPr>
+          <p:cNvPr id="6" name="Picture 5"/>
+          <p:cNvPicPr>
+            <a:picLocks noChangeAspect="1"/>
+          </p:cNvPicPr>
+          <p:nvPr/>
+        </p:nvPicPr>
+        <p:blipFill rotWithShape="1">
+          <a:blip r:embed="rId4">
+            <a:extLst>
+              <a:ext uri="{28A0092B-C50C-407E-A947-70E740481C1C}">
+                <a14:useLocalDpi xmlns:a14="http://schemas.microsoft.com/office/drawing/2010/main" val="0"/>
+              </a:ext>
+            </a:extLst>
+          </a:blip>
+          <a:srcRect l="2973" t="14166" r="4691" b="50000"/>
+          <a:stretch/>
+        </p:blipFill>
+        <p:spPr>
+          <a:xfrm>
+            <a:off x="3406738" y="3197531"/>
+            <a:ext cx="1961554" cy="201404"/>
+          </a:xfrm>
+          <a:prstGeom prst="rect">
+            <a:avLst/>
+          </a:prstGeom>
+        </p:spPr>
+      </p:pic>
+      <p:pic>
+        <p:nvPicPr>
+          <p:cNvPr id="9" name="Picture 8"/>
+          <p:cNvPicPr>
+            <a:picLocks noChangeAspect="1"/>
+          </p:cNvPicPr>
+          <p:nvPr/>
+        </p:nvPicPr>
+        <p:blipFill rotWithShape="1">
+          <a:blip r:embed="rId4">
+            <a:extLst>
+              <a:ext uri="{28A0092B-C50C-407E-A947-70E740481C1C}">
+                <a14:useLocalDpi xmlns:a14="http://schemas.microsoft.com/office/drawing/2010/main" val="0"/>
+              </a:ext>
+            </a:extLst>
+          </a:blip>
+          <a:srcRect l="2973" t="14166" r="4691" b="50000"/>
+          <a:stretch/>
+        </p:blipFill>
+        <p:spPr>
+          <a:xfrm>
+            <a:off x="3406738" y="4655255"/>
+            <a:ext cx="1961554" cy="201404"/>
+          </a:xfrm>
+          <a:prstGeom prst="rect">
+            <a:avLst/>
+          </a:prstGeom>
+        </p:spPr>
+      </p:pic>
+      <p:pic>
+        <p:nvPicPr>
+          <p:cNvPr id="7" name="Picture 6"/>
+          <p:cNvPicPr>
+            <a:picLocks noChangeAspect="1"/>
+          </p:cNvPicPr>
+          <p:nvPr/>
+        </p:nvPicPr>
+        <p:blipFill rotWithShape="1">
+          <a:blip r:embed="rId4">
+            <a:extLst>
+              <a:ext uri="{28A0092B-C50C-407E-A947-70E740481C1C}">
+                <a14:useLocalDpi xmlns:a14="http://schemas.microsoft.com/office/drawing/2010/main" val="0"/>
+              </a:ext>
+            </a:extLst>
+          </a:blip>
+          <a:srcRect l="2973" t="14166" r="4691" b="50000"/>
+          <a:stretch/>
+        </p:blipFill>
+        <p:spPr>
+          <a:xfrm>
+            <a:off x="3406738" y="3926393"/>
+            <a:ext cx="1961554" cy="201404"/>
+          </a:xfrm>
+          <a:prstGeom prst="rect">
+            <a:avLst/>
+          </a:prstGeom>
+        </p:spPr>
+      </p:pic>
+      <p:pic>
+        <p:nvPicPr>
+          <p:cNvPr id="17" name="Picture 16"/>
+          <p:cNvPicPr>
+            <a:picLocks noChangeAspect="1"/>
+          </p:cNvPicPr>
+          <p:nvPr/>
+        </p:nvPicPr>
+        <p:blipFill rotWithShape="1">
+          <a:blip r:embed="rId4">
+            <a:extLst>
+              <a:ext uri="{28A0092B-C50C-407E-A947-70E740481C1C}">
+                <a14:useLocalDpi xmlns:a14="http://schemas.microsoft.com/office/drawing/2010/main" val="0"/>
+              </a:ext>
+            </a:extLst>
+          </a:blip>
+          <a:srcRect l="2973" t="14166" r="4691" b="50000"/>
+          <a:stretch/>
+        </p:blipFill>
+        <p:spPr>
+          <a:xfrm>
+            <a:off x="6593305" y="4655255"/>
+            <a:ext cx="2495945" cy="201404"/>
+          </a:xfrm>
+          <a:prstGeom prst="rect">
+            <a:avLst/>
+          </a:prstGeom>
+        </p:spPr>
+      </p:pic>
     </p:spTree>
     <p:extLst>
       <p:ext uri="{BB962C8B-B14F-4D97-AF65-F5344CB8AC3E}">
-        <p14:creationId xmlns:p14="http://schemas.microsoft.com/office/powerpoint/2010/main" val="3737505732"/>
+        <p14:creationId xmlns:p14="http://schemas.microsoft.com/office/powerpoint/2010/main" val="453406422"/>
       </p:ext>
     </p:extLst>
   </p:cSld>
   <p:clrMapOvr>
     <a:masterClrMapping/>
   </p:clrMapOvr>
+  <mc:AlternateContent xmlns:mc="http://schemas.openxmlformats.org/markup-compatibility/2006" xmlns:p14="http://schemas.microsoft.com/office/powerpoint/2010/main">
+    <mc:Choice Requires="p14">
+      <p:transition spd="med" p14:dur="700">
+        <p:fade/>
+      </p:transition>
+    </mc:Choice>
+    <mc:Fallback xmlns="">
+      <p:transition spd="med">
+        <p:fade/>
+      </p:transition>
+    </mc:Fallback>
+  </mc:AlternateContent>
 </p:sld>
 </file>
 
@@ -8695,54 +8981,1321 @@
           <a:chExt cx="0" cy="0"/>
         </a:xfrm>
       </p:grpSpPr>
-      <p:sp>
-        <p:nvSpPr>
-          <p:cNvPr id="2" name="Title 1"/>
-          <p:cNvSpPr>
-            <a:spLocks noGrp="1"/>
-          </p:cNvSpPr>
-          <p:nvPr>
-            <p:ph type="title"/>
-          </p:nvPr>
-        </p:nvSpPr>
-        <p:spPr/>
-        <p:txBody>
-          <a:bodyPr/>
-          <a:lstStyle/>
-          <a:p>
-            <a:endParaRPr lang="fr-FR" dirty="0"/>
-          </a:p>
-        </p:txBody>
-      </p:sp>
-      <p:sp>
-        <p:nvSpPr>
-          <p:cNvPr id="3" name="Text Placeholder 2"/>
-          <p:cNvSpPr>
-            <a:spLocks noGrp="1"/>
-          </p:cNvSpPr>
-          <p:nvPr>
-            <p:ph type="body" sz="half" idx="2"/>
-          </p:nvPr>
-        </p:nvSpPr>
-        <p:spPr/>
-        <p:txBody>
-          <a:bodyPr/>
-          <a:lstStyle/>
-          <a:p>
-            <a:endParaRPr lang="fr-FR"/>
-          </a:p>
-        </p:txBody>
-      </p:sp>
+      <p:grpSp>
+        <p:nvGrpSpPr>
+          <p:cNvPr id="4" name="Group 3"/>
+          <p:cNvGrpSpPr/>
+          <p:nvPr/>
+        </p:nvGrpSpPr>
+        <p:grpSpPr>
+          <a:xfrm>
+            <a:off x="3307443" y="595993"/>
+            <a:ext cx="5881103" cy="5544813"/>
+            <a:chOff x="3307443" y="595993"/>
+            <a:chExt cx="5881103" cy="5544813"/>
+          </a:xfrm>
+        </p:grpSpPr>
+        <p:pic>
+          <p:nvPicPr>
+            <p:cNvPr id="10" name="Picture 9"/>
+            <p:cNvPicPr>
+              <a:picLocks noChangeAspect="1"/>
+            </p:cNvPicPr>
+            <p:nvPr/>
+          </p:nvPicPr>
+          <p:blipFill rotWithShape="1">
+            <a:blip r:embed="rId2">
+              <a:extLst>
+                <a:ext uri="{28A0092B-C50C-407E-A947-70E740481C1C}">
+                  <a14:useLocalDpi xmlns:a14="http://schemas.microsoft.com/office/drawing/2010/main" val="0"/>
+                </a:ext>
+              </a:extLst>
+            </a:blip>
+            <a:srcRect l="3382" t="19846" r="12575" b="154"/>
+            <a:stretch/>
+          </p:blipFill>
+          <p:spPr>
+            <a:xfrm>
+              <a:off x="3307443" y="595993"/>
+              <a:ext cx="5881103" cy="5486399"/>
+            </a:xfrm>
+            <a:prstGeom prst="rect">
+              <a:avLst/>
+            </a:prstGeom>
+          </p:spPr>
+        </p:pic>
+        <p:sp>
+          <p:nvSpPr>
+            <p:cNvPr id="11" name="Rectangle 10"/>
+            <p:cNvSpPr/>
+            <p:nvPr/>
+          </p:nvSpPr>
+          <p:spPr>
+            <a:xfrm>
+              <a:off x="3524847" y="686041"/>
+              <a:ext cx="5446294" cy="5364716"/>
+            </a:xfrm>
+            <a:prstGeom prst="rect">
+              <a:avLst/>
+            </a:prstGeom>
+            <a:solidFill>
+              <a:schemeClr val="tx1"/>
+            </a:solidFill>
+          </p:spPr>
+          <p:style>
+            <a:lnRef idx="2">
+              <a:schemeClr val="dk1"/>
+            </a:lnRef>
+            <a:fillRef idx="1">
+              <a:schemeClr val="lt1"/>
+            </a:fillRef>
+            <a:effectRef idx="0">
+              <a:schemeClr val="dk1"/>
+            </a:effectRef>
+            <a:fontRef idx="minor">
+              <a:schemeClr val="dk1"/>
+            </a:fontRef>
+          </p:style>
+          <p:txBody>
+            <a:bodyPr rtlCol="0" anchor="ctr"/>
+            <a:lstStyle/>
+            <a:p>
+              <a:pPr algn="ctr"/>
+              <a:endParaRPr lang="fr-FR"/>
+            </a:p>
+          </p:txBody>
+        </p:sp>
+        <p:pic>
+          <p:nvPicPr>
+            <p:cNvPr id="12" name="Picture 11"/>
+            <p:cNvPicPr>
+              <a:picLocks noChangeAspect="1"/>
+            </p:cNvPicPr>
+            <p:nvPr/>
+          </p:nvPicPr>
+          <p:blipFill>
+            <a:blip r:embed="rId3">
+              <a:extLst>
+                <a:ext uri="{28A0092B-C50C-407E-A947-70E740481C1C}">
+                  <a14:useLocalDpi xmlns:a14="http://schemas.microsoft.com/office/drawing/2010/main" val="0"/>
+                </a:ext>
+              </a:extLst>
+            </a:blip>
+            <a:stretch>
+              <a:fillRect/>
+            </a:stretch>
+          </p:blipFill>
+          <p:spPr>
+            <a:xfrm>
+              <a:off x="4017935" y="1690989"/>
+              <a:ext cx="1200318" cy="952633"/>
+            </a:xfrm>
+            <a:prstGeom prst="rect">
+              <a:avLst/>
+            </a:prstGeom>
+          </p:spPr>
+        </p:pic>
+        <p:pic>
+          <p:nvPicPr>
+            <p:cNvPr id="19" name="Picture 18"/>
+            <p:cNvPicPr>
+              <a:picLocks noChangeAspect="1"/>
+            </p:cNvPicPr>
+            <p:nvPr/>
+          </p:nvPicPr>
+          <p:blipFill>
+            <a:blip r:embed="rId3">
+              <a:extLst>
+                <a:ext uri="{28A0092B-C50C-407E-A947-70E740481C1C}">
+                  <a14:useLocalDpi xmlns:a14="http://schemas.microsoft.com/office/drawing/2010/main" val="0"/>
+                </a:ext>
+              </a:extLst>
+            </a:blip>
+            <a:stretch>
+              <a:fillRect/>
+            </a:stretch>
+          </p:blipFill>
+          <p:spPr>
+            <a:xfrm>
+              <a:off x="3749786" y="2415766"/>
+              <a:ext cx="1200318" cy="952633"/>
+            </a:xfrm>
+            <a:prstGeom prst="rect">
+              <a:avLst/>
+            </a:prstGeom>
+          </p:spPr>
+        </p:pic>
+        <p:pic>
+          <p:nvPicPr>
+            <p:cNvPr id="18" name="Picture 17"/>
+            <p:cNvPicPr>
+              <a:picLocks noChangeAspect="1"/>
+            </p:cNvPicPr>
+            <p:nvPr/>
+          </p:nvPicPr>
+          <p:blipFill rotWithShape="1">
+            <a:blip r:embed="rId3">
+              <a:extLst>
+                <a:ext uri="{28A0092B-C50C-407E-A947-70E740481C1C}">
+                  <a14:useLocalDpi xmlns:a14="http://schemas.microsoft.com/office/drawing/2010/main" val="0"/>
+                </a:ext>
+              </a:extLst>
+            </a:blip>
+            <a:srcRect l="34579"/>
+            <a:stretch/>
+          </p:blipFill>
+          <p:spPr>
+            <a:xfrm>
+              <a:off x="4821111" y="2382847"/>
+              <a:ext cx="785265" cy="952633"/>
+            </a:xfrm>
+            <a:prstGeom prst="rect">
+              <a:avLst/>
+            </a:prstGeom>
+          </p:spPr>
+        </p:pic>
+        <p:pic>
+          <p:nvPicPr>
+            <p:cNvPr id="20" name="Picture 19"/>
+            <p:cNvPicPr>
+              <a:picLocks noChangeAspect="1"/>
+            </p:cNvPicPr>
+            <p:nvPr/>
+          </p:nvPicPr>
+          <p:blipFill rotWithShape="1">
+            <a:blip r:embed="rId3">
+              <a:extLst>
+                <a:ext uri="{28A0092B-C50C-407E-A947-70E740481C1C}">
+                  <a14:useLocalDpi xmlns:a14="http://schemas.microsoft.com/office/drawing/2010/main" val="0"/>
+                </a:ext>
+              </a:extLst>
+            </a:blip>
+            <a:srcRect l="28651" r="11509"/>
+            <a:stretch/>
+          </p:blipFill>
+          <p:spPr>
+            <a:xfrm>
+              <a:off x="3424944" y="2419301"/>
+              <a:ext cx="718268" cy="952633"/>
+            </a:xfrm>
+            <a:prstGeom prst="rect">
+              <a:avLst/>
+            </a:prstGeom>
+          </p:spPr>
+        </p:pic>
+        <p:pic>
+          <p:nvPicPr>
+            <p:cNvPr id="21" name="Picture 20"/>
+            <p:cNvPicPr>
+              <a:picLocks noChangeAspect="1"/>
+            </p:cNvPicPr>
+            <p:nvPr/>
+          </p:nvPicPr>
+          <p:blipFill>
+            <a:blip r:embed="rId3">
+              <a:extLst>
+                <a:ext uri="{28A0092B-C50C-407E-A947-70E740481C1C}">
+                  <a14:useLocalDpi xmlns:a14="http://schemas.microsoft.com/office/drawing/2010/main" val="0"/>
+                </a:ext>
+              </a:extLst>
+            </a:blip>
+            <a:stretch>
+              <a:fillRect/>
+            </a:stretch>
+          </p:blipFill>
+          <p:spPr>
+            <a:xfrm>
+              <a:off x="7805115" y="3197531"/>
+              <a:ext cx="1200318" cy="952633"/>
+            </a:xfrm>
+            <a:prstGeom prst="rect">
+              <a:avLst/>
+            </a:prstGeom>
+          </p:spPr>
+        </p:pic>
+        <p:pic>
+          <p:nvPicPr>
+            <p:cNvPr id="22" name="Picture 21"/>
+            <p:cNvPicPr>
+              <a:picLocks noChangeAspect="1"/>
+            </p:cNvPicPr>
+            <p:nvPr/>
+          </p:nvPicPr>
+          <p:blipFill>
+            <a:blip r:embed="rId3">
+              <a:extLst>
+                <a:ext uri="{28A0092B-C50C-407E-A947-70E740481C1C}">
+                  <a14:useLocalDpi xmlns:a14="http://schemas.microsoft.com/office/drawing/2010/main" val="0"/>
+                </a:ext>
+              </a:extLst>
+            </a:blip>
+            <a:stretch>
+              <a:fillRect/>
+            </a:stretch>
+          </p:blipFill>
+          <p:spPr>
+            <a:xfrm>
+              <a:off x="7086847" y="3166996"/>
+              <a:ext cx="1200318" cy="952633"/>
+            </a:xfrm>
+            <a:prstGeom prst="rect">
+              <a:avLst/>
+            </a:prstGeom>
+          </p:spPr>
+        </p:pic>
+        <p:pic>
+          <p:nvPicPr>
+            <p:cNvPr id="23" name="Picture 22"/>
+            <p:cNvPicPr>
+              <a:picLocks noChangeAspect="1"/>
+            </p:cNvPicPr>
+            <p:nvPr/>
+          </p:nvPicPr>
+          <p:blipFill rotWithShape="1">
+            <a:blip r:embed="rId3">
+              <a:extLst>
+                <a:ext uri="{28A0092B-C50C-407E-A947-70E740481C1C}">
+                  <a14:useLocalDpi xmlns:a14="http://schemas.microsoft.com/office/drawing/2010/main" val="0"/>
+                </a:ext>
+              </a:extLst>
+            </a:blip>
+            <a:srcRect l="28651" r="11509"/>
+            <a:stretch/>
+          </p:blipFill>
+          <p:spPr>
+            <a:xfrm>
+              <a:off x="6786767" y="3193448"/>
+              <a:ext cx="718268" cy="952633"/>
+            </a:xfrm>
+            <a:prstGeom prst="rect">
+              <a:avLst/>
+            </a:prstGeom>
+          </p:spPr>
+        </p:pic>
+        <p:pic>
+          <p:nvPicPr>
+            <p:cNvPr id="24" name="Picture 23"/>
+            <p:cNvPicPr>
+              <a:picLocks noChangeAspect="1"/>
+            </p:cNvPicPr>
+            <p:nvPr/>
+          </p:nvPicPr>
+          <p:blipFill>
+            <a:blip r:embed="rId3">
+              <a:extLst>
+                <a:ext uri="{28A0092B-C50C-407E-A947-70E740481C1C}">
+                  <a14:useLocalDpi xmlns:a14="http://schemas.microsoft.com/office/drawing/2010/main" val="0"/>
+                </a:ext>
+              </a:extLst>
+            </a:blip>
+            <a:stretch>
+              <a:fillRect/>
+            </a:stretch>
+          </p:blipFill>
+          <p:spPr>
+            <a:xfrm>
+              <a:off x="7805115" y="2450742"/>
+              <a:ext cx="1200318" cy="952633"/>
+            </a:xfrm>
+            <a:prstGeom prst="rect">
+              <a:avLst/>
+            </a:prstGeom>
+          </p:spPr>
+        </p:pic>
+        <p:pic>
+          <p:nvPicPr>
+            <p:cNvPr id="25" name="Picture 24"/>
+            <p:cNvPicPr>
+              <a:picLocks noChangeAspect="1"/>
+            </p:cNvPicPr>
+            <p:nvPr/>
+          </p:nvPicPr>
+          <p:blipFill>
+            <a:blip r:embed="rId3">
+              <a:extLst>
+                <a:ext uri="{28A0092B-C50C-407E-A947-70E740481C1C}">
+                  <a14:useLocalDpi xmlns:a14="http://schemas.microsoft.com/office/drawing/2010/main" val="0"/>
+                </a:ext>
+              </a:extLst>
+            </a:blip>
+            <a:stretch>
+              <a:fillRect/>
+            </a:stretch>
+          </p:blipFill>
+          <p:spPr>
+            <a:xfrm>
+              <a:off x="7079715" y="2467432"/>
+              <a:ext cx="1200318" cy="952633"/>
+            </a:xfrm>
+            <a:prstGeom prst="rect">
+              <a:avLst/>
+            </a:prstGeom>
+          </p:spPr>
+        </p:pic>
+        <p:pic>
+          <p:nvPicPr>
+            <p:cNvPr id="26" name="Picture 25"/>
+            <p:cNvPicPr>
+              <a:picLocks noChangeAspect="1"/>
+            </p:cNvPicPr>
+            <p:nvPr/>
+          </p:nvPicPr>
+          <p:blipFill rotWithShape="1">
+            <a:blip r:embed="rId3">
+              <a:extLst>
+                <a:ext uri="{28A0092B-C50C-407E-A947-70E740481C1C}">
+                  <a14:useLocalDpi xmlns:a14="http://schemas.microsoft.com/office/drawing/2010/main" val="0"/>
+                </a:ext>
+              </a:extLst>
+            </a:blip>
+            <a:srcRect l="28651" r="11509"/>
+            <a:stretch/>
+          </p:blipFill>
+          <p:spPr>
+            <a:xfrm>
+              <a:off x="6786767" y="2438134"/>
+              <a:ext cx="718268" cy="952633"/>
+            </a:xfrm>
+            <a:prstGeom prst="rect">
+              <a:avLst/>
+            </a:prstGeom>
+          </p:spPr>
+        </p:pic>
+        <p:sp>
+          <p:nvSpPr>
+            <p:cNvPr id="27" name="Rectangle 26"/>
+            <p:cNvSpPr/>
+            <p:nvPr/>
+          </p:nvSpPr>
+          <p:spPr>
+            <a:xfrm>
+              <a:off x="6052088" y="6050758"/>
+              <a:ext cx="441702" cy="90048"/>
+            </a:xfrm>
+            <a:prstGeom prst="rect">
+              <a:avLst/>
+            </a:prstGeom>
+            <a:solidFill>
+              <a:srgbClr val="00B050"/>
+            </a:solidFill>
+            <a:ln>
+              <a:solidFill>
+                <a:srgbClr val="00B050"/>
+              </a:solidFill>
+            </a:ln>
+          </p:spPr>
+          <p:style>
+            <a:lnRef idx="2">
+              <a:schemeClr val="accent1">
+                <a:shade val="50000"/>
+              </a:schemeClr>
+            </a:lnRef>
+            <a:fillRef idx="1">
+              <a:schemeClr val="accent1"/>
+            </a:fillRef>
+            <a:effectRef idx="0">
+              <a:schemeClr val="accent1"/>
+            </a:effectRef>
+            <a:fontRef idx="minor">
+              <a:schemeClr val="lt1"/>
+            </a:fontRef>
+          </p:style>
+          <p:txBody>
+            <a:bodyPr rtlCol="0" anchor="ctr"/>
+            <a:lstStyle/>
+            <a:p>
+              <a:pPr algn="ctr"/>
+              <a:endParaRPr lang="fr-FR"/>
+            </a:p>
+          </p:txBody>
+        </p:sp>
+        <p:pic>
+          <p:nvPicPr>
+            <p:cNvPr id="28" name="Picture 27"/>
+            <p:cNvPicPr>
+              <a:picLocks noChangeAspect="1"/>
+            </p:cNvPicPr>
+            <p:nvPr/>
+          </p:nvPicPr>
+          <p:blipFill>
+            <a:blip r:embed="rId3">
+              <a:extLst>
+                <a:ext uri="{28A0092B-C50C-407E-A947-70E740481C1C}">
+                  <a14:useLocalDpi xmlns:a14="http://schemas.microsoft.com/office/drawing/2010/main" val="0"/>
+                </a:ext>
+              </a:extLst>
+            </a:blip>
+            <a:stretch>
+              <a:fillRect/>
+            </a:stretch>
+          </p:blipFill>
+          <p:spPr>
+            <a:xfrm>
+              <a:off x="4360616" y="1702162"/>
+              <a:ext cx="1200318" cy="952633"/>
+            </a:xfrm>
+            <a:prstGeom prst="rect">
+              <a:avLst/>
+            </a:prstGeom>
+          </p:spPr>
+        </p:pic>
+        <p:pic>
+          <p:nvPicPr>
+            <p:cNvPr id="29" name="Picture 28"/>
+            <p:cNvPicPr>
+              <a:picLocks noChangeAspect="1"/>
+            </p:cNvPicPr>
+            <p:nvPr/>
+          </p:nvPicPr>
+          <p:blipFill rotWithShape="1">
+            <a:blip r:embed="rId3">
+              <a:extLst>
+                <a:ext uri="{28A0092B-C50C-407E-A947-70E740481C1C}">
+                  <a14:useLocalDpi xmlns:a14="http://schemas.microsoft.com/office/drawing/2010/main" val="0"/>
+                </a:ext>
+              </a:extLst>
+            </a:blip>
+            <a:srcRect r="17565"/>
+            <a:stretch/>
+          </p:blipFill>
+          <p:spPr>
+            <a:xfrm>
+              <a:off x="3713519" y="1672188"/>
+              <a:ext cx="989483" cy="952633"/>
+            </a:xfrm>
+            <a:prstGeom prst="rect">
+              <a:avLst/>
+            </a:prstGeom>
+          </p:spPr>
+        </p:pic>
+        <p:pic>
+          <p:nvPicPr>
+            <p:cNvPr id="30" name="Picture 29"/>
+            <p:cNvPicPr>
+              <a:picLocks noChangeAspect="1"/>
+            </p:cNvPicPr>
+            <p:nvPr/>
+          </p:nvPicPr>
+          <p:blipFill rotWithShape="1">
+            <a:blip r:embed="rId3">
+              <a:extLst>
+                <a:ext uri="{28A0092B-C50C-407E-A947-70E740481C1C}">
+                  <a14:useLocalDpi xmlns:a14="http://schemas.microsoft.com/office/drawing/2010/main" val="0"/>
+                </a:ext>
+              </a:extLst>
+            </a:blip>
+            <a:srcRect l="28651" r="11509"/>
+            <a:stretch/>
+          </p:blipFill>
+          <p:spPr>
+            <a:xfrm>
+              <a:off x="3458378" y="1666283"/>
+              <a:ext cx="718268" cy="952633"/>
+            </a:xfrm>
+            <a:prstGeom prst="rect">
+              <a:avLst/>
+            </a:prstGeom>
+          </p:spPr>
+        </p:pic>
+        <p:pic>
+          <p:nvPicPr>
+            <p:cNvPr id="31" name="Picture 30"/>
+            <p:cNvPicPr>
+              <a:picLocks noChangeAspect="1"/>
+            </p:cNvPicPr>
+            <p:nvPr/>
+          </p:nvPicPr>
+          <p:blipFill rotWithShape="1">
+            <a:blip r:embed="rId3">
+              <a:extLst>
+                <a:ext uri="{28A0092B-C50C-407E-A947-70E740481C1C}">
+                  <a14:useLocalDpi xmlns:a14="http://schemas.microsoft.com/office/drawing/2010/main" val="0"/>
+                </a:ext>
+              </a:extLst>
+            </a:blip>
+            <a:srcRect r="18835"/>
+            <a:stretch/>
+          </p:blipFill>
+          <p:spPr>
+            <a:xfrm>
+              <a:off x="8031196" y="1738570"/>
+              <a:ext cx="974237" cy="952633"/>
+            </a:xfrm>
+            <a:prstGeom prst="rect">
+              <a:avLst/>
+            </a:prstGeom>
+          </p:spPr>
+        </p:pic>
+        <p:pic>
+          <p:nvPicPr>
+            <p:cNvPr id="32" name="Picture 31"/>
+            <p:cNvPicPr>
+              <a:picLocks noChangeAspect="1"/>
+            </p:cNvPicPr>
+            <p:nvPr/>
+          </p:nvPicPr>
+          <p:blipFill>
+            <a:blip r:embed="rId3">
+              <a:extLst>
+                <a:ext uri="{28A0092B-C50C-407E-A947-70E740481C1C}">
+                  <a14:useLocalDpi xmlns:a14="http://schemas.microsoft.com/office/drawing/2010/main" val="0"/>
+                </a:ext>
+              </a:extLst>
+            </a:blip>
+            <a:stretch>
+              <a:fillRect/>
+            </a:stretch>
+          </p:blipFill>
+          <p:spPr>
+            <a:xfrm>
+              <a:off x="7312928" y="1708035"/>
+              <a:ext cx="1200318" cy="952633"/>
+            </a:xfrm>
+            <a:prstGeom prst="rect">
+              <a:avLst/>
+            </a:prstGeom>
+          </p:spPr>
+        </p:pic>
+        <p:pic>
+          <p:nvPicPr>
+            <p:cNvPr id="33" name="Picture 32"/>
+            <p:cNvPicPr>
+              <a:picLocks noChangeAspect="1"/>
+            </p:cNvPicPr>
+            <p:nvPr/>
+          </p:nvPicPr>
+          <p:blipFill rotWithShape="1">
+            <a:blip r:embed="rId3">
+              <a:extLst>
+                <a:ext uri="{28A0092B-C50C-407E-A947-70E740481C1C}">
+                  <a14:useLocalDpi xmlns:a14="http://schemas.microsoft.com/office/drawing/2010/main" val="0"/>
+                </a:ext>
+              </a:extLst>
+            </a:blip>
+            <a:srcRect l="28651" r="11509"/>
+            <a:stretch/>
+          </p:blipFill>
+          <p:spPr>
+            <a:xfrm>
+              <a:off x="7012848" y="1734487"/>
+              <a:ext cx="718268" cy="952633"/>
+            </a:xfrm>
+            <a:prstGeom prst="rect">
+              <a:avLst/>
+            </a:prstGeom>
+          </p:spPr>
+        </p:pic>
+        <p:pic>
+          <p:nvPicPr>
+            <p:cNvPr id="34" name="Picture 33"/>
+            <p:cNvPicPr>
+              <a:picLocks noChangeAspect="1"/>
+            </p:cNvPicPr>
+            <p:nvPr/>
+          </p:nvPicPr>
+          <p:blipFill>
+            <a:blip r:embed="rId3">
+              <a:extLst>
+                <a:ext uri="{28A0092B-C50C-407E-A947-70E740481C1C}">
+                  <a14:useLocalDpi xmlns:a14="http://schemas.microsoft.com/office/drawing/2010/main" val="0"/>
+                </a:ext>
+              </a:extLst>
+            </a:blip>
+            <a:stretch>
+              <a:fillRect/>
+            </a:stretch>
+          </p:blipFill>
+          <p:spPr>
+            <a:xfrm>
+              <a:off x="4390093" y="3181131"/>
+              <a:ext cx="1200318" cy="952633"/>
+            </a:xfrm>
+            <a:prstGeom prst="rect">
+              <a:avLst/>
+            </a:prstGeom>
+          </p:spPr>
+        </p:pic>
+        <p:pic>
+          <p:nvPicPr>
+            <p:cNvPr id="35" name="Picture 34"/>
+            <p:cNvPicPr>
+              <a:picLocks noChangeAspect="1"/>
+            </p:cNvPicPr>
+            <p:nvPr/>
+          </p:nvPicPr>
+          <p:blipFill>
+            <a:blip r:embed="rId3">
+              <a:extLst>
+                <a:ext uri="{28A0092B-C50C-407E-A947-70E740481C1C}">
+                  <a14:useLocalDpi xmlns:a14="http://schemas.microsoft.com/office/drawing/2010/main" val="0"/>
+                </a:ext>
+              </a:extLst>
+            </a:blip>
+            <a:stretch>
+              <a:fillRect/>
+            </a:stretch>
+          </p:blipFill>
+          <p:spPr>
+            <a:xfrm>
+              <a:off x="3671825" y="3150596"/>
+              <a:ext cx="1200318" cy="952633"/>
+            </a:xfrm>
+            <a:prstGeom prst="rect">
+              <a:avLst/>
+            </a:prstGeom>
+          </p:spPr>
+        </p:pic>
+        <p:pic>
+          <p:nvPicPr>
+            <p:cNvPr id="37" name="Picture 36"/>
+            <p:cNvPicPr>
+              <a:picLocks noChangeAspect="1"/>
+            </p:cNvPicPr>
+            <p:nvPr/>
+          </p:nvPicPr>
+          <p:blipFill>
+            <a:blip r:embed="rId3">
+              <a:extLst>
+                <a:ext uri="{28A0092B-C50C-407E-A947-70E740481C1C}">
+                  <a14:useLocalDpi xmlns:a14="http://schemas.microsoft.com/office/drawing/2010/main" val="0"/>
+                </a:ext>
+              </a:extLst>
+            </a:blip>
+            <a:stretch>
+              <a:fillRect/>
+            </a:stretch>
+          </p:blipFill>
+          <p:spPr>
+            <a:xfrm>
+              <a:off x="7757294" y="3201614"/>
+              <a:ext cx="1200318" cy="952633"/>
+            </a:xfrm>
+            <a:prstGeom prst="rect">
+              <a:avLst/>
+            </a:prstGeom>
+          </p:spPr>
+        </p:pic>
+        <p:pic>
+          <p:nvPicPr>
+            <p:cNvPr id="38" name="Picture 37"/>
+            <p:cNvPicPr>
+              <a:picLocks noChangeAspect="1"/>
+            </p:cNvPicPr>
+            <p:nvPr/>
+          </p:nvPicPr>
+          <p:blipFill rotWithShape="1">
+            <a:blip r:embed="rId3">
+              <a:extLst>
+                <a:ext uri="{28A0092B-C50C-407E-A947-70E740481C1C}">
+                  <a14:useLocalDpi xmlns:a14="http://schemas.microsoft.com/office/drawing/2010/main" val="0"/>
+                </a:ext>
+              </a:extLst>
+            </a:blip>
+            <a:srcRect l="37975" t="40386" r="27212" b="18563"/>
+            <a:stretch/>
+          </p:blipFill>
+          <p:spPr>
+            <a:xfrm>
+              <a:off x="7496891" y="3533023"/>
+              <a:ext cx="417856" cy="391071"/>
+            </a:xfrm>
+            <a:prstGeom prst="rect">
+              <a:avLst/>
+            </a:prstGeom>
+          </p:spPr>
+        </p:pic>
+        <p:pic>
+          <p:nvPicPr>
+            <p:cNvPr id="39" name="Picture 38"/>
+            <p:cNvPicPr>
+              <a:picLocks noChangeAspect="1"/>
+            </p:cNvPicPr>
+            <p:nvPr/>
+          </p:nvPicPr>
+          <p:blipFill rotWithShape="1">
+            <a:blip r:embed="rId3">
+              <a:extLst>
+                <a:ext uri="{28A0092B-C50C-407E-A947-70E740481C1C}">
+                  <a14:useLocalDpi xmlns:a14="http://schemas.microsoft.com/office/drawing/2010/main" val="0"/>
+                </a:ext>
+              </a:extLst>
+            </a:blip>
+            <a:srcRect l="28651" r="11509"/>
+            <a:stretch/>
+          </p:blipFill>
+          <p:spPr>
+            <a:xfrm>
+              <a:off x="6739316" y="3181131"/>
+              <a:ext cx="718268" cy="952633"/>
+            </a:xfrm>
+            <a:prstGeom prst="rect">
+              <a:avLst/>
+            </a:prstGeom>
+          </p:spPr>
+        </p:pic>
+        <p:pic>
+          <p:nvPicPr>
+            <p:cNvPr id="40" name="Picture 39"/>
+            <p:cNvPicPr>
+              <a:picLocks noChangeAspect="1"/>
+            </p:cNvPicPr>
+            <p:nvPr/>
+          </p:nvPicPr>
+          <p:blipFill>
+            <a:blip r:embed="rId3">
+              <a:extLst>
+                <a:ext uri="{28A0092B-C50C-407E-A947-70E740481C1C}">
+                  <a14:useLocalDpi xmlns:a14="http://schemas.microsoft.com/office/drawing/2010/main" val="0"/>
+                </a:ext>
+              </a:extLst>
+            </a:blip>
+            <a:stretch>
+              <a:fillRect/>
+            </a:stretch>
+          </p:blipFill>
+          <p:spPr>
+            <a:xfrm>
+              <a:off x="4401187" y="3940528"/>
+              <a:ext cx="1200318" cy="952633"/>
+            </a:xfrm>
+            <a:prstGeom prst="rect">
+              <a:avLst/>
+            </a:prstGeom>
+          </p:spPr>
+        </p:pic>
+        <p:pic>
+          <p:nvPicPr>
+            <p:cNvPr id="41" name="Picture 40"/>
+            <p:cNvPicPr>
+              <a:picLocks noChangeAspect="1"/>
+            </p:cNvPicPr>
+            <p:nvPr/>
+          </p:nvPicPr>
+          <p:blipFill>
+            <a:blip r:embed="rId3">
+              <a:extLst>
+                <a:ext uri="{28A0092B-C50C-407E-A947-70E740481C1C}">
+                  <a14:useLocalDpi xmlns:a14="http://schemas.microsoft.com/office/drawing/2010/main" val="0"/>
+                </a:ext>
+              </a:extLst>
+            </a:blip>
+            <a:stretch>
+              <a:fillRect/>
+            </a:stretch>
+          </p:blipFill>
+          <p:spPr>
+            <a:xfrm>
+              <a:off x="3682919" y="3909993"/>
+              <a:ext cx="1200318" cy="952633"/>
+            </a:xfrm>
+            <a:prstGeom prst="rect">
+              <a:avLst/>
+            </a:prstGeom>
+          </p:spPr>
+        </p:pic>
+        <p:pic>
+          <p:nvPicPr>
+            <p:cNvPr id="42" name="Picture 41"/>
+            <p:cNvPicPr>
+              <a:picLocks noChangeAspect="1"/>
+            </p:cNvPicPr>
+            <p:nvPr/>
+          </p:nvPicPr>
+          <p:blipFill rotWithShape="1">
+            <a:blip r:embed="rId3">
+              <a:extLst>
+                <a:ext uri="{28A0092B-C50C-407E-A947-70E740481C1C}">
+                  <a14:useLocalDpi xmlns:a14="http://schemas.microsoft.com/office/drawing/2010/main" val="0"/>
+                </a:ext>
+              </a:extLst>
+            </a:blip>
+            <a:srcRect l="28651" r="11509"/>
+            <a:stretch/>
+          </p:blipFill>
+          <p:spPr>
+            <a:xfrm>
+              <a:off x="3386439" y="3926393"/>
+              <a:ext cx="718268" cy="952633"/>
+            </a:xfrm>
+            <a:prstGeom prst="rect">
+              <a:avLst/>
+            </a:prstGeom>
+          </p:spPr>
+        </p:pic>
+        <p:pic>
+          <p:nvPicPr>
+            <p:cNvPr id="43" name="Picture 42"/>
+            <p:cNvPicPr>
+              <a:picLocks noChangeAspect="1"/>
+            </p:cNvPicPr>
+            <p:nvPr/>
+          </p:nvPicPr>
+          <p:blipFill>
+            <a:blip r:embed="rId3">
+              <a:extLst>
+                <a:ext uri="{28A0092B-C50C-407E-A947-70E740481C1C}">
+                  <a14:useLocalDpi xmlns:a14="http://schemas.microsoft.com/office/drawing/2010/main" val="0"/>
+                </a:ext>
+              </a:extLst>
+            </a:blip>
+            <a:stretch>
+              <a:fillRect/>
+            </a:stretch>
+          </p:blipFill>
+          <p:spPr>
+            <a:xfrm>
+              <a:off x="7731116" y="3969890"/>
+              <a:ext cx="1200318" cy="952633"/>
+            </a:xfrm>
+            <a:prstGeom prst="rect">
+              <a:avLst/>
+            </a:prstGeom>
+          </p:spPr>
+        </p:pic>
+        <p:pic>
+          <p:nvPicPr>
+            <p:cNvPr id="44" name="Picture 43"/>
+            <p:cNvPicPr>
+              <a:picLocks noChangeAspect="1"/>
+            </p:cNvPicPr>
+            <p:nvPr/>
+          </p:nvPicPr>
+          <p:blipFill>
+            <a:blip r:embed="rId3">
+              <a:extLst>
+                <a:ext uri="{28A0092B-C50C-407E-A947-70E740481C1C}">
+                  <a14:useLocalDpi xmlns:a14="http://schemas.microsoft.com/office/drawing/2010/main" val="0"/>
+                </a:ext>
+              </a:extLst>
+            </a:blip>
+            <a:stretch>
+              <a:fillRect/>
+            </a:stretch>
+          </p:blipFill>
+          <p:spPr>
+            <a:xfrm>
+              <a:off x="7011161" y="3899941"/>
+              <a:ext cx="1200318" cy="952633"/>
+            </a:xfrm>
+            <a:prstGeom prst="rect">
+              <a:avLst/>
+            </a:prstGeom>
+          </p:spPr>
+        </p:pic>
+        <p:pic>
+          <p:nvPicPr>
+            <p:cNvPr id="45" name="Picture 44"/>
+            <p:cNvPicPr>
+              <a:picLocks noChangeAspect="1"/>
+            </p:cNvPicPr>
+            <p:nvPr/>
+          </p:nvPicPr>
+          <p:blipFill rotWithShape="1">
+            <a:blip r:embed="rId3">
+              <a:extLst>
+                <a:ext uri="{28A0092B-C50C-407E-A947-70E740481C1C}">
+                  <a14:useLocalDpi xmlns:a14="http://schemas.microsoft.com/office/drawing/2010/main" val="0"/>
+                </a:ext>
+              </a:extLst>
+            </a:blip>
+            <a:srcRect l="28651" t="22816" r="11509"/>
+            <a:stretch/>
+          </p:blipFill>
+          <p:spPr>
+            <a:xfrm>
+              <a:off x="6743583" y="4096161"/>
+              <a:ext cx="718268" cy="735283"/>
+            </a:xfrm>
+            <a:prstGeom prst="rect">
+              <a:avLst/>
+            </a:prstGeom>
+          </p:spPr>
+        </p:pic>
+        <p:pic>
+          <p:nvPicPr>
+            <p:cNvPr id="15" name="Picture 14"/>
+            <p:cNvPicPr>
+              <a:picLocks noChangeAspect="1"/>
+            </p:cNvPicPr>
+            <p:nvPr/>
+          </p:nvPicPr>
+          <p:blipFill rotWithShape="1">
+            <a:blip r:embed="rId4">
+              <a:extLst>
+                <a:ext uri="{28A0092B-C50C-407E-A947-70E740481C1C}">
+                  <a14:useLocalDpi xmlns:a14="http://schemas.microsoft.com/office/drawing/2010/main" val="0"/>
+                </a:ext>
+              </a:extLst>
+            </a:blip>
+            <a:srcRect l="2973" t="14166" r="4691" b="50000"/>
+            <a:stretch/>
+          </p:blipFill>
+          <p:spPr>
+            <a:xfrm>
+              <a:off x="6593305" y="3926393"/>
+              <a:ext cx="2495945" cy="201404"/>
+            </a:xfrm>
+            <a:prstGeom prst="rect">
+              <a:avLst/>
+            </a:prstGeom>
+          </p:spPr>
+        </p:pic>
+        <p:pic>
+          <p:nvPicPr>
+            <p:cNvPr id="16" name="Picture 15"/>
+            <p:cNvPicPr>
+              <a:picLocks noChangeAspect="1"/>
+            </p:cNvPicPr>
+            <p:nvPr/>
+          </p:nvPicPr>
+          <p:blipFill rotWithShape="1">
+            <a:blip r:embed="rId4">
+              <a:extLst>
+                <a:ext uri="{28A0092B-C50C-407E-A947-70E740481C1C}">
+                  <a14:useLocalDpi xmlns:a14="http://schemas.microsoft.com/office/drawing/2010/main" val="0"/>
+                </a:ext>
+              </a:extLst>
+            </a:blip>
+            <a:srcRect l="2973" t="14166" r="4691" b="50000"/>
+            <a:stretch/>
+          </p:blipFill>
+          <p:spPr>
+            <a:xfrm>
+              <a:off x="6593305" y="3197531"/>
+              <a:ext cx="2495945" cy="201404"/>
+            </a:xfrm>
+            <a:prstGeom prst="rect">
+              <a:avLst/>
+            </a:prstGeom>
+          </p:spPr>
+        </p:pic>
+        <p:pic>
+          <p:nvPicPr>
+            <p:cNvPr id="14" name="Picture 13"/>
+            <p:cNvPicPr>
+              <a:picLocks noChangeAspect="1"/>
+            </p:cNvPicPr>
+            <p:nvPr/>
+          </p:nvPicPr>
+          <p:blipFill rotWithShape="1">
+            <a:blip r:embed="rId4">
+              <a:extLst>
+                <a:ext uri="{28A0092B-C50C-407E-A947-70E740481C1C}">
+                  <a14:useLocalDpi xmlns:a14="http://schemas.microsoft.com/office/drawing/2010/main" val="0"/>
+                </a:ext>
+              </a:extLst>
+            </a:blip>
+            <a:srcRect l="2973" t="14166" r="4691" b="50000"/>
+            <a:stretch/>
+          </p:blipFill>
+          <p:spPr>
+            <a:xfrm>
+              <a:off x="6593305" y="2446302"/>
+              <a:ext cx="2495945" cy="201404"/>
+            </a:xfrm>
+            <a:prstGeom prst="rect">
+              <a:avLst/>
+            </a:prstGeom>
+          </p:spPr>
+        </p:pic>
+        <p:pic>
+          <p:nvPicPr>
+            <p:cNvPr id="13" name="Picture 12"/>
+            <p:cNvPicPr>
+              <a:picLocks noChangeAspect="1"/>
+            </p:cNvPicPr>
+            <p:nvPr/>
+          </p:nvPicPr>
+          <p:blipFill rotWithShape="1">
+            <a:blip r:embed="rId4">
+              <a:extLst>
+                <a:ext uri="{28A0092B-C50C-407E-A947-70E740481C1C}">
+                  <a14:useLocalDpi xmlns:a14="http://schemas.microsoft.com/office/drawing/2010/main" val="0"/>
+                </a:ext>
+              </a:extLst>
+            </a:blip>
+            <a:srcRect l="2973" t="14166" r="4691" b="50000"/>
+            <a:stretch/>
+          </p:blipFill>
+          <p:spPr>
+            <a:xfrm>
+              <a:off x="6593305" y="1717440"/>
+              <a:ext cx="2495945" cy="201404"/>
+            </a:xfrm>
+            <a:prstGeom prst="rect">
+              <a:avLst/>
+            </a:prstGeom>
+          </p:spPr>
+        </p:pic>
+        <p:pic>
+          <p:nvPicPr>
+            <p:cNvPr id="8" name="Picture 7"/>
+            <p:cNvPicPr>
+              <a:picLocks noChangeAspect="1"/>
+            </p:cNvPicPr>
+            <p:nvPr/>
+          </p:nvPicPr>
+          <p:blipFill rotWithShape="1">
+            <a:blip r:embed="rId4">
+              <a:extLst>
+                <a:ext uri="{28A0092B-C50C-407E-A947-70E740481C1C}">
+                  <a14:useLocalDpi xmlns:a14="http://schemas.microsoft.com/office/drawing/2010/main" val="0"/>
+                </a:ext>
+              </a:extLst>
+            </a:blip>
+            <a:srcRect l="2973" t="14166" r="4691" b="50000"/>
+            <a:stretch/>
+          </p:blipFill>
+          <p:spPr>
+            <a:xfrm>
+              <a:off x="3406738" y="1717440"/>
+              <a:ext cx="1961554" cy="201404"/>
+            </a:xfrm>
+            <a:prstGeom prst="rect">
+              <a:avLst/>
+            </a:prstGeom>
+          </p:spPr>
+        </p:pic>
+        <p:pic>
+          <p:nvPicPr>
+            <p:cNvPr id="2" name="Picture 1"/>
+            <p:cNvPicPr>
+              <a:picLocks noChangeAspect="1"/>
+            </p:cNvPicPr>
+            <p:nvPr/>
+          </p:nvPicPr>
+          <p:blipFill rotWithShape="1">
+            <a:blip r:embed="rId4">
+              <a:extLst>
+                <a:ext uri="{28A0092B-C50C-407E-A947-70E740481C1C}">
+                  <a14:useLocalDpi xmlns:a14="http://schemas.microsoft.com/office/drawing/2010/main" val="0"/>
+                </a:ext>
+              </a:extLst>
+            </a:blip>
+            <a:srcRect l="2973" t="17925" r="4691" b="50000"/>
+            <a:stretch/>
+          </p:blipFill>
+          <p:spPr>
+            <a:xfrm>
+              <a:off x="3406738" y="2467432"/>
+              <a:ext cx="1961554" cy="180274"/>
+            </a:xfrm>
+            <a:prstGeom prst="rect">
+              <a:avLst/>
+            </a:prstGeom>
+          </p:spPr>
+        </p:pic>
+        <p:pic>
+          <p:nvPicPr>
+            <p:cNvPr id="36" name="Picture 35"/>
+            <p:cNvPicPr>
+              <a:picLocks noChangeAspect="1"/>
+            </p:cNvPicPr>
+            <p:nvPr/>
+          </p:nvPicPr>
+          <p:blipFill rotWithShape="1">
+            <a:blip r:embed="rId3">
+              <a:extLst>
+                <a:ext uri="{28A0092B-C50C-407E-A947-70E740481C1C}">
+                  <a14:useLocalDpi xmlns:a14="http://schemas.microsoft.com/office/drawing/2010/main" val="0"/>
+                </a:ext>
+              </a:extLst>
+            </a:blip>
+            <a:srcRect l="28651" r="11509"/>
+            <a:stretch/>
+          </p:blipFill>
+          <p:spPr>
+            <a:xfrm>
+              <a:off x="3383221" y="3143528"/>
+              <a:ext cx="718268" cy="952633"/>
+            </a:xfrm>
+            <a:prstGeom prst="rect">
+              <a:avLst/>
+            </a:prstGeom>
+          </p:spPr>
+        </p:pic>
+        <p:pic>
+          <p:nvPicPr>
+            <p:cNvPr id="6" name="Picture 5"/>
+            <p:cNvPicPr>
+              <a:picLocks noChangeAspect="1"/>
+            </p:cNvPicPr>
+            <p:nvPr/>
+          </p:nvPicPr>
+          <p:blipFill rotWithShape="1">
+            <a:blip r:embed="rId4">
+              <a:extLst>
+                <a:ext uri="{28A0092B-C50C-407E-A947-70E740481C1C}">
+                  <a14:useLocalDpi xmlns:a14="http://schemas.microsoft.com/office/drawing/2010/main" val="0"/>
+                </a:ext>
+              </a:extLst>
+            </a:blip>
+            <a:srcRect l="2973" t="14166" r="4691" b="50000"/>
+            <a:stretch/>
+          </p:blipFill>
+          <p:spPr>
+            <a:xfrm>
+              <a:off x="3406738" y="3197531"/>
+              <a:ext cx="1961554" cy="201404"/>
+            </a:xfrm>
+            <a:prstGeom prst="rect">
+              <a:avLst/>
+            </a:prstGeom>
+          </p:spPr>
+        </p:pic>
+        <p:pic>
+          <p:nvPicPr>
+            <p:cNvPr id="9" name="Picture 8"/>
+            <p:cNvPicPr>
+              <a:picLocks noChangeAspect="1"/>
+            </p:cNvPicPr>
+            <p:nvPr/>
+          </p:nvPicPr>
+          <p:blipFill rotWithShape="1">
+            <a:blip r:embed="rId4">
+              <a:extLst>
+                <a:ext uri="{28A0092B-C50C-407E-A947-70E740481C1C}">
+                  <a14:useLocalDpi xmlns:a14="http://schemas.microsoft.com/office/drawing/2010/main" val="0"/>
+                </a:ext>
+              </a:extLst>
+            </a:blip>
+            <a:srcRect l="2973" t="14166" r="4691" b="50000"/>
+            <a:stretch/>
+          </p:blipFill>
+          <p:spPr>
+            <a:xfrm>
+              <a:off x="3406738" y="4655255"/>
+              <a:ext cx="1961554" cy="201404"/>
+            </a:xfrm>
+            <a:prstGeom prst="rect">
+              <a:avLst/>
+            </a:prstGeom>
+          </p:spPr>
+        </p:pic>
+        <p:pic>
+          <p:nvPicPr>
+            <p:cNvPr id="7" name="Picture 6"/>
+            <p:cNvPicPr>
+              <a:picLocks noChangeAspect="1"/>
+            </p:cNvPicPr>
+            <p:nvPr/>
+          </p:nvPicPr>
+          <p:blipFill rotWithShape="1">
+            <a:blip r:embed="rId4">
+              <a:extLst>
+                <a:ext uri="{28A0092B-C50C-407E-A947-70E740481C1C}">
+                  <a14:useLocalDpi xmlns:a14="http://schemas.microsoft.com/office/drawing/2010/main" val="0"/>
+                </a:ext>
+              </a:extLst>
+            </a:blip>
+            <a:srcRect l="2973" t="14166" r="4691" b="50000"/>
+            <a:stretch/>
+          </p:blipFill>
+          <p:spPr>
+            <a:xfrm>
+              <a:off x="3406738" y="3926393"/>
+              <a:ext cx="1961554" cy="201404"/>
+            </a:xfrm>
+            <a:prstGeom prst="rect">
+              <a:avLst/>
+            </a:prstGeom>
+          </p:spPr>
+        </p:pic>
+        <p:pic>
+          <p:nvPicPr>
+            <p:cNvPr id="17" name="Picture 16"/>
+            <p:cNvPicPr>
+              <a:picLocks noChangeAspect="1"/>
+            </p:cNvPicPr>
+            <p:nvPr/>
+          </p:nvPicPr>
+          <p:blipFill rotWithShape="1">
+            <a:blip r:embed="rId4">
+              <a:extLst>
+                <a:ext uri="{28A0092B-C50C-407E-A947-70E740481C1C}">
+                  <a14:useLocalDpi xmlns:a14="http://schemas.microsoft.com/office/drawing/2010/main" val="0"/>
+                </a:ext>
+              </a:extLst>
+            </a:blip>
+            <a:srcRect l="2973" t="14166" r="4691" b="50000"/>
+            <a:stretch/>
+          </p:blipFill>
+          <p:spPr>
+            <a:xfrm>
+              <a:off x="6593305" y="4655255"/>
+              <a:ext cx="2495945" cy="201404"/>
+            </a:xfrm>
+            <a:prstGeom prst="rect">
+              <a:avLst/>
+            </a:prstGeom>
+          </p:spPr>
+        </p:pic>
+        <p:sp>
+          <p:nvSpPr>
+            <p:cNvPr id="3" name="Isosceles Triangle 2"/>
+            <p:cNvSpPr/>
+            <p:nvPr/>
+          </p:nvSpPr>
+          <p:spPr>
+            <a:xfrm rot="14577389">
+              <a:off x="5852184" y="5290999"/>
+              <a:ext cx="546214" cy="548640"/>
+            </a:xfrm>
+            <a:prstGeom prst="triangle">
+              <a:avLst/>
+            </a:prstGeom>
+            <a:solidFill>
+              <a:srgbClr val="95A5A6"/>
+            </a:solidFill>
+          </p:spPr>
+          <p:style>
+            <a:lnRef idx="2">
+              <a:schemeClr val="accent1">
+                <a:shade val="50000"/>
+              </a:schemeClr>
+            </a:lnRef>
+            <a:fillRef idx="1">
+              <a:schemeClr val="accent1"/>
+            </a:fillRef>
+            <a:effectRef idx="0">
+              <a:schemeClr val="accent1"/>
+            </a:effectRef>
+            <a:fontRef idx="minor">
+              <a:schemeClr val="lt1"/>
+            </a:fontRef>
+          </p:style>
+          <p:txBody>
+            <a:bodyPr rtlCol="0" anchor="ctr"/>
+            <a:lstStyle/>
+            <a:p>
+              <a:pPr algn="ctr"/>
+              <a:endParaRPr lang="fr-FR"/>
+            </a:p>
+          </p:txBody>
+        </p:sp>
+      </p:grpSp>
     </p:spTree>
     <p:extLst>
       <p:ext uri="{BB962C8B-B14F-4D97-AF65-F5344CB8AC3E}">
-        <p14:creationId xmlns:p14="http://schemas.microsoft.com/office/powerpoint/2010/main" val="3758578993"/>
+        <p14:creationId xmlns:p14="http://schemas.microsoft.com/office/powerpoint/2010/main" val="3169577254"/>
       </p:ext>
     </p:extLst>
   </p:cSld>
   <p:clrMapOvr>
     <a:masterClrMapping/>
   </p:clrMapOvr>
+  <mc:AlternateContent xmlns:mc="http://schemas.openxmlformats.org/markup-compatibility/2006" xmlns:p14="http://schemas.microsoft.com/office/powerpoint/2010/main">
+    <mc:Choice Requires="p14">
+      <p:transition spd="med" p14:dur="700">
+        <p:fade/>
+      </p:transition>
+    </mc:Choice>
+    <mc:Fallback xmlns="">
+      <p:transition spd="med">
+        <p:fade/>
+      </p:transition>
+    </mc:Fallback>
+  </mc:AlternateContent>
 </p:sld>
 </file>
 
@@ -8780,15 +10333,7 @@
           <a:p>
             <a:r>
               <a:rPr lang="fr-FR" dirty="0"/>
-              <a:t>Simulation globale (</a:t>
-            </a:r>
-            <a:r>
-              <a:rPr lang="fr-FR" dirty="0" err="1"/>
-              <a:t>qq</a:t>
-            </a:r>
-            <a:r>
-              <a:rPr lang="fr-FR" dirty="0"/>
-              <a:t> mots)</a:t>
+              <a:t>Déplacer les personnes</a:t>
             </a:r>
           </a:p>
         </p:txBody>
@@ -8815,7 +10360,7 @@
     </p:spTree>
     <p:extLst>
       <p:ext uri="{BB962C8B-B14F-4D97-AF65-F5344CB8AC3E}">
-        <p14:creationId xmlns:p14="http://schemas.microsoft.com/office/powerpoint/2010/main" val="2659097111"/>
+        <p14:creationId xmlns:p14="http://schemas.microsoft.com/office/powerpoint/2010/main" val="3737505732"/>
       </p:ext>
     </p:extLst>
   </p:cSld>
@@ -8844,21 +10389,296 @@
       </p:grpSpPr>
       <p:sp>
         <p:nvSpPr>
+          <p:cNvPr id="2" name="Title 1"/>
+          <p:cNvSpPr>
+            <a:spLocks noGrp="1"/>
+          </p:cNvSpPr>
+          <p:nvPr>
+            <p:ph type="title"/>
+          </p:nvPr>
+        </p:nvSpPr>
+        <p:spPr/>
+        <p:txBody>
+          <a:bodyPr/>
+          <a:lstStyle/>
+          <a:p>
+            <a:r>
+              <a:rPr lang="fr-FR" dirty="0"/>
+              <a:t>Sens de déplacement, choix de la direction</a:t>
+            </a:r>
+          </a:p>
+        </p:txBody>
+      </p:sp>
+      <p:sp>
+        <p:nvSpPr>
+          <p:cNvPr id="3" name="Text Placeholder 2"/>
+          <p:cNvSpPr>
+            <a:spLocks noGrp="1"/>
+          </p:cNvSpPr>
+          <p:nvPr>
+            <p:ph type="body" sz="half" idx="2"/>
+          </p:nvPr>
+        </p:nvSpPr>
+        <p:spPr/>
+        <p:txBody>
+          <a:bodyPr/>
+          <a:lstStyle/>
+          <a:p>
+            <a:endParaRPr lang="fr-FR"/>
+          </a:p>
+        </p:txBody>
+      </p:sp>
+    </p:spTree>
+    <p:extLst>
+      <p:ext uri="{BB962C8B-B14F-4D97-AF65-F5344CB8AC3E}">
+        <p14:creationId xmlns:p14="http://schemas.microsoft.com/office/powerpoint/2010/main" val="3786119718"/>
+      </p:ext>
+    </p:extLst>
+  </p:cSld>
+  <p:clrMapOvr>
+    <a:masterClrMapping/>
+  </p:clrMapOvr>
+</p:sld>
+</file>
+
+<file path=ppt/slides/slide14.xml><?xml version="1.0" encoding="utf-8"?>
+<p:sld xmlns:a="http://schemas.openxmlformats.org/drawingml/2006/main" xmlns:r="http://schemas.openxmlformats.org/officeDocument/2006/relationships" xmlns:p="http://schemas.openxmlformats.org/presentationml/2006/main">
+  <p:cSld>
+    <p:spTree>
+      <p:nvGrpSpPr>
+        <p:cNvPr id="1" name=""/>
+        <p:cNvGrpSpPr/>
+        <p:nvPr/>
+      </p:nvGrpSpPr>
+      <p:grpSpPr>
+        <a:xfrm>
+          <a:off x="0" y="0"/>
+          <a:ext cx="0" cy="0"/>
+          <a:chOff x="0" y="0"/>
+          <a:chExt cx="0" cy="0"/>
+        </a:xfrm>
+      </p:grpSpPr>
+      <p:sp>
+        <p:nvSpPr>
+          <p:cNvPr id="2" name="Title 1"/>
+          <p:cNvSpPr>
+            <a:spLocks noGrp="1"/>
+          </p:cNvSpPr>
+          <p:nvPr>
+            <p:ph type="title"/>
+          </p:nvPr>
+        </p:nvSpPr>
+        <p:spPr/>
+        <p:txBody>
+          <a:bodyPr/>
+          <a:lstStyle/>
+          <a:p>
+            <a:r>
+              <a:rPr lang="fr-FR" dirty="0"/>
+              <a:t>Lancer de rayon</a:t>
+            </a:r>
+          </a:p>
+        </p:txBody>
+      </p:sp>
+      <p:sp>
+        <p:nvSpPr>
+          <p:cNvPr id="3" name="Content Placeholder 2"/>
+          <p:cNvSpPr>
+            <a:spLocks noGrp="1"/>
+          </p:cNvSpPr>
+          <p:nvPr>
+            <p:ph idx="1"/>
+          </p:nvPr>
+        </p:nvSpPr>
+        <p:spPr/>
+        <p:txBody>
+          <a:bodyPr/>
+          <a:lstStyle/>
+          <a:p>
+            <a:endParaRPr lang="fr-FR"/>
+          </a:p>
+        </p:txBody>
+      </p:sp>
+    </p:spTree>
+    <p:extLst>
+      <p:ext uri="{BB962C8B-B14F-4D97-AF65-F5344CB8AC3E}">
+        <p14:creationId xmlns:p14="http://schemas.microsoft.com/office/powerpoint/2010/main" val="884525970"/>
+      </p:ext>
+    </p:extLst>
+  </p:cSld>
+  <p:clrMapOvr>
+    <a:masterClrMapping/>
+  </p:clrMapOvr>
+</p:sld>
+</file>
+
+<file path=ppt/slides/slide15.xml><?xml version="1.0" encoding="utf-8"?>
+<p:sld xmlns:a="http://schemas.openxmlformats.org/drawingml/2006/main" xmlns:r="http://schemas.openxmlformats.org/officeDocument/2006/relationships" xmlns:p="http://schemas.openxmlformats.org/presentationml/2006/main">
+  <p:cSld>
+    <p:spTree>
+      <p:nvGrpSpPr>
+        <p:cNvPr id="1" name=""/>
+        <p:cNvGrpSpPr/>
+        <p:nvPr/>
+      </p:nvGrpSpPr>
+      <p:grpSpPr>
+        <a:xfrm>
+          <a:off x="0" y="0"/>
+          <a:ext cx="0" cy="0"/>
+          <a:chOff x="0" y="0"/>
+          <a:chExt cx="0" cy="0"/>
+        </a:xfrm>
+      </p:grpSpPr>
+      <p:pic>
+        <p:nvPicPr>
+          <p:cNvPr id="227" name="Picture 226"/>
+          <p:cNvPicPr/>
+          <p:nvPr/>
+        </p:nvPicPr>
+        <p:blipFill rotWithShape="1">
+          <a:blip r:embed="rId2"/>
+          <a:srcRect l="3497" t="21997" r="17500" b="4005"/>
+          <a:stretch/>
+        </p:blipFill>
+        <p:spPr>
+          <a:xfrm>
+            <a:off x="2880000" y="180000"/>
+            <a:ext cx="6480000" cy="6480000"/>
+          </a:xfrm>
+          <a:prstGeom prst="rect">
+            <a:avLst/>
+          </a:prstGeom>
+          <a:ln>
+            <a:noFill/>
+          </a:ln>
+        </p:spPr>
+      </p:pic>
+      <p:sp>
+        <p:nvSpPr>
+          <p:cNvPr id="228" name="Line 1"/>
+          <p:cNvSpPr/>
+          <p:nvPr/>
+        </p:nvSpPr>
+        <p:spPr>
+          <a:xfrm>
+            <a:off x="8042400" y="1081395"/>
+            <a:ext cx="634320" cy="5083560"/>
+          </a:xfrm>
+          <a:prstGeom prst="line">
+            <a:avLst/>
+          </a:prstGeom>
+          <a:ln>
+            <a:solidFill>
+              <a:srgbClr val="92D050"/>
+            </a:solidFill>
+            <a:tailEnd type="triangle" w="med" len="med"/>
+          </a:ln>
+        </p:spPr>
+        <p:style>
+          <a:lnRef idx="3">
+            <a:schemeClr val="accent2"/>
+          </a:lnRef>
+          <a:fillRef idx="0">
+            <a:schemeClr val="accent2"/>
+          </a:fillRef>
+          <a:effectRef idx="2">
+            <a:schemeClr val="accent2"/>
+          </a:effectRef>
+          <a:fontRef idx="minor">
+            <a:schemeClr val="tx1"/>
+          </a:fontRef>
+        </p:style>
+      </p:sp>
+      <p:sp>
+        <p:nvSpPr>
+          <p:cNvPr id="229" name="Line 2"/>
+          <p:cNvSpPr/>
+          <p:nvPr/>
+        </p:nvSpPr>
+        <p:spPr>
+          <a:xfrm>
+            <a:off x="7936920" y="1189215"/>
+            <a:ext cx="316800" cy="270720"/>
+          </a:xfrm>
+          <a:prstGeom prst="line">
+            <a:avLst/>
+          </a:prstGeom>
+          <a:ln w="12600">
+            <a:solidFill>
+              <a:srgbClr val="66FF00"/>
+            </a:solidFill>
+            <a:round/>
+          </a:ln>
+        </p:spPr>
+        <p:style>
+          <a:lnRef idx="0">
+            <a:scrgbClr r="0" g="0" b="0"/>
+          </a:lnRef>
+          <a:fillRef idx="0">
+            <a:scrgbClr r="0" g="0" b="0"/>
+          </a:fillRef>
+          <a:effectRef idx="0">
+            <a:scrgbClr r="0" g="0" b="0"/>
+          </a:effectRef>
+          <a:fontRef idx="minor"/>
+        </p:style>
+      </p:sp>
+      <p:sp>
+        <p:nvSpPr>
+          <p:cNvPr id="230" name="Line 3"/>
+          <p:cNvSpPr/>
+          <p:nvPr/>
+        </p:nvSpPr>
+        <p:spPr>
+          <a:xfrm flipH="1">
+            <a:off x="7936920" y="1216395"/>
+            <a:ext cx="211320" cy="216360"/>
+          </a:xfrm>
+          <a:prstGeom prst="line">
+            <a:avLst/>
+          </a:prstGeom>
+          <a:ln w="12600">
+            <a:solidFill>
+              <a:srgbClr val="66FF00"/>
+            </a:solidFill>
+            <a:round/>
+          </a:ln>
+        </p:spPr>
+        <p:style>
+          <a:lnRef idx="0">
+            <a:scrgbClr r="0" g="0" b="0"/>
+          </a:lnRef>
+          <a:fillRef idx="0">
+            <a:scrgbClr r="0" g="0" b="0"/>
+          </a:fillRef>
+          <a:effectRef idx="0">
+            <a:scrgbClr r="0" g="0" b="0"/>
+          </a:effectRef>
+          <a:fontRef idx="minor"/>
+        </p:style>
+      </p:sp>
+      <p:sp>
+        <p:nvSpPr>
           <p:cNvPr id="7" name="Rectangle 6"/>
           <p:cNvSpPr/>
           <p:nvPr/>
         </p:nvSpPr>
         <p:spPr>
           <a:xfrm>
-            <a:off x="-83976" y="0"/>
-            <a:ext cx="12661641" cy="7044612"/>
+            <a:off x="8365972" y="6509288"/>
+            <a:ext cx="576550" cy="88718"/>
           </a:xfrm>
           <a:prstGeom prst="rect">
             <a:avLst/>
           </a:prstGeom>
           <a:solidFill>
-            <a:schemeClr val="bg1"/>
+            <a:srgbClr val="00B050"/>
           </a:solidFill>
+          <a:ln>
+            <a:solidFill>
+              <a:srgbClr val="00B050"/>
+            </a:solidFill>
+          </a:ln>
         </p:spPr>
         <p:style>
           <a:lnRef idx="2">
@@ -8885,48 +10705,191 @@
           </a:p>
         </p:txBody>
       </p:sp>
-      <p:graphicFrame>
-        <p:nvGraphicFramePr>
-          <p:cNvPr id="6" name="Chart 5"/>
-          <p:cNvGraphicFramePr/>
-          <p:nvPr>
-            <p:extLst>
-              <p:ext uri="{D42A27DB-BD31-4B8C-83A1-F6EECF244321}">
-                <p14:modId xmlns:p14="http://schemas.microsoft.com/office/powerpoint/2010/main" val="389629690"/>
-              </p:ext>
-            </p:extLst>
-          </p:nvPr>
-        </p:nvGraphicFramePr>
-        <p:xfrm>
-          <a:off x="3229077" y="777761"/>
-          <a:ext cx="8128000" cy="5418667"/>
-        </p:xfrm>
-        <a:graphic>
-          <a:graphicData uri="http://schemas.openxmlformats.org/drawingml/2006/chart">
-            <c:chart xmlns:c="http://schemas.openxmlformats.org/drawingml/2006/chart" xmlns:r="http://schemas.openxmlformats.org/officeDocument/2006/relationships" r:id="rId2"/>
-          </a:graphicData>
-        </a:graphic>
-      </p:graphicFrame>
-      <p:sp>
-        <p:nvSpPr>
-          <p:cNvPr id="8" name="Rectangle 7"/>
+    </p:spTree>
+    <p:extLst>
+      <p:ext uri="{BB962C8B-B14F-4D97-AF65-F5344CB8AC3E}">
+        <p14:creationId xmlns:p14="http://schemas.microsoft.com/office/powerpoint/2010/main" val="1801644115"/>
+      </p:ext>
+    </p:extLst>
+  </p:cSld>
+  <p:clrMapOvr>
+    <a:masterClrMapping/>
+  </p:clrMapOvr>
+  <mc:AlternateContent xmlns:mc="http://schemas.openxmlformats.org/markup-compatibility/2006" xmlns:p14="http://schemas.microsoft.com/office/powerpoint/2010/main">
+    <mc:Choice Requires="p14">
+      <p:transition spd="med" p14:dur="700">
+        <p:fade/>
+      </p:transition>
+    </mc:Choice>
+    <mc:Fallback xmlns="">
+      <p:transition spd="med">
+        <p:fade/>
+      </p:transition>
+    </mc:Fallback>
+  </mc:AlternateContent>
+  <p:timing>
+    <p:tnLst>
+      <p:par>
+        <p:cTn id="1" dur="indefinite" restart="never" nodeType="tmRoot">
+          <p:childTnLst>
+            <p:seq>
+              <p:cTn id="2" nodeType="mainSeq"/>
+              <p:prevCondLst>
+                <p:cond evt="onPrev" delay="0">
+                  <p:tgtEl>
+                    <p:sldTgt/>
+                  </p:tgtEl>
+                </p:cond>
+              </p:prevCondLst>
+              <p:nextCondLst>
+                <p:cond evt="onNext" delay="0">
+                  <p:tgtEl>
+                    <p:sldTgt/>
+                  </p:tgtEl>
+                </p:cond>
+              </p:nextCondLst>
+            </p:seq>
+          </p:childTnLst>
+        </p:cTn>
+      </p:par>
+    </p:tnLst>
+  </p:timing>
+</p:sld>
+</file>
+
+<file path=ppt/slides/slide16.xml><?xml version="1.0" encoding="utf-8"?>
+<p:sld xmlns:a="http://schemas.openxmlformats.org/drawingml/2006/main" xmlns:r="http://schemas.openxmlformats.org/officeDocument/2006/relationships" xmlns:p="http://schemas.openxmlformats.org/presentationml/2006/main">
+  <p:cSld>
+    <p:spTree>
+      <p:nvGrpSpPr>
+        <p:cNvPr id="1" name=""/>
+        <p:cNvGrpSpPr/>
+        <p:nvPr/>
+      </p:nvGrpSpPr>
+      <p:grpSpPr>
+        <a:xfrm>
+          <a:off x="0" y="0"/>
+          <a:ext cx="0" cy="0"/>
+          <a:chOff x="0" y="0"/>
+          <a:chExt cx="0" cy="0"/>
+        </a:xfrm>
+      </p:grpSpPr>
+      <p:pic>
+        <p:nvPicPr>
+          <p:cNvPr id="227" name="Picture 226"/>
+          <p:cNvPicPr/>
+          <p:nvPr/>
+        </p:nvPicPr>
+        <p:blipFill rotWithShape="1">
+          <a:blip r:embed="rId2"/>
+          <a:srcRect l="3497" t="21997" r="17500" b="4005"/>
+          <a:stretch/>
+        </p:blipFill>
+        <p:spPr>
+          <a:xfrm>
+            <a:off x="2880000" y="180000"/>
+            <a:ext cx="6480000" cy="6480000"/>
+          </a:xfrm>
+          <a:prstGeom prst="rect">
+            <a:avLst/>
+          </a:prstGeom>
+          <a:ln>
+            <a:noFill/>
+          </a:ln>
+        </p:spPr>
+      </p:pic>
+      <p:sp>
+        <p:nvSpPr>
+          <p:cNvPr id="228" name="Line 1"/>
           <p:cNvSpPr/>
           <p:nvPr/>
         </p:nvSpPr>
         <p:spPr>
           <a:xfrm>
-            <a:off x="3060441" y="1240971"/>
-            <a:ext cx="8677469" cy="382556"/>
+            <a:off x="8042400" y="1081395"/>
+            <a:ext cx="634320" cy="5083560"/>
+          </a:xfrm>
+          <a:prstGeom prst="line">
+            <a:avLst/>
+          </a:prstGeom>
+          <a:ln>
+            <a:solidFill>
+              <a:srgbClr val="92D050"/>
+            </a:solidFill>
+            <a:tailEnd type="triangle" w="med" len="med"/>
+          </a:ln>
+        </p:spPr>
+        <p:style>
+          <a:lnRef idx="3">
+            <a:schemeClr val="accent2"/>
+          </a:lnRef>
+          <a:fillRef idx="0">
+            <a:schemeClr val="accent2"/>
+          </a:fillRef>
+          <a:effectRef idx="2">
+            <a:schemeClr val="accent2"/>
+          </a:effectRef>
+          <a:fontRef idx="minor">
+            <a:schemeClr val="tx1"/>
+          </a:fontRef>
+        </p:style>
+      </p:sp>
+      <p:sp>
+        <p:nvSpPr>
+          <p:cNvPr id="231" name="Line 4"/>
+          <p:cNvSpPr/>
+          <p:nvPr/>
+        </p:nvSpPr>
+        <p:spPr>
+          <a:xfrm flipH="1">
+            <a:off x="7372350" y="1081395"/>
+            <a:ext cx="670050" cy="204480"/>
+          </a:xfrm>
+          <a:prstGeom prst="line">
+            <a:avLst/>
+          </a:prstGeom>
+          <a:ln>
+            <a:solidFill>
+              <a:srgbClr val="92D050"/>
+            </a:solidFill>
+            <a:tailEnd type="triangle" w="med" len="med"/>
+          </a:ln>
+        </p:spPr>
+        <p:style>
+          <a:lnRef idx="3">
+            <a:schemeClr val="accent2"/>
+          </a:lnRef>
+          <a:fillRef idx="0">
+            <a:schemeClr val="accent2"/>
+          </a:fillRef>
+          <a:effectRef idx="2">
+            <a:schemeClr val="accent2"/>
+          </a:effectRef>
+          <a:fontRef idx="minor">
+            <a:schemeClr val="tx1"/>
+          </a:fontRef>
+        </p:style>
+      </p:sp>
+      <p:sp>
+        <p:nvSpPr>
+          <p:cNvPr id="7" name="Rectangle 6"/>
+          <p:cNvSpPr/>
+          <p:nvPr/>
+        </p:nvSpPr>
+        <p:spPr>
+          <a:xfrm>
+            <a:off x="8365972" y="6509288"/>
+            <a:ext cx="576550" cy="88718"/>
           </a:xfrm>
           <a:prstGeom prst="rect">
             <a:avLst/>
           </a:prstGeom>
           <a:solidFill>
-            <a:schemeClr val="bg1"/>
+            <a:srgbClr val="00B050"/>
           </a:solidFill>
           <a:ln>
             <a:solidFill>
-              <a:schemeClr val="bg1"/>
+              <a:srgbClr val="00B050"/>
             </a:solidFill>
           </a:ln>
         </p:spPr>
@@ -8955,10 +10918,333 @@
           </a:p>
         </p:txBody>
       </p:sp>
+      <p:sp>
+        <p:nvSpPr>
+          <p:cNvPr id="8" name="Line 2"/>
+          <p:cNvSpPr/>
+          <p:nvPr/>
+        </p:nvSpPr>
+        <p:spPr>
+          <a:xfrm>
+            <a:off x="7936920" y="1189215"/>
+            <a:ext cx="316800" cy="270720"/>
+          </a:xfrm>
+          <a:prstGeom prst="line">
+            <a:avLst/>
+          </a:prstGeom>
+          <a:ln w="12600">
+            <a:solidFill>
+              <a:srgbClr val="66FF00"/>
+            </a:solidFill>
+            <a:round/>
+          </a:ln>
+        </p:spPr>
+        <p:style>
+          <a:lnRef idx="0">
+            <a:scrgbClr r="0" g="0" b="0"/>
+          </a:lnRef>
+          <a:fillRef idx="0">
+            <a:scrgbClr r="0" g="0" b="0"/>
+          </a:fillRef>
+          <a:effectRef idx="0">
+            <a:scrgbClr r="0" g="0" b="0"/>
+          </a:effectRef>
+          <a:fontRef idx="minor"/>
+        </p:style>
+      </p:sp>
+      <p:sp>
+        <p:nvSpPr>
+          <p:cNvPr id="9" name="Line 3"/>
+          <p:cNvSpPr/>
+          <p:nvPr/>
+        </p:nvSpPr>
+        <p:spPr>
+          <a:xfrm flipH="1">
+            <a:off x="7936920" y="1216395"/>
+            <a:ext cx="211320" cy="216360"/>
+          </a:xfrm>
+          <a:prstGeom prst="line">
+            <a:avLst/>
+          </a:prstGeom>
+          <a:ln w="12600">
+            <a:solidFill>
+              <a:srgbClr val="66FF00"/>
+            </a:solidFill>
+            <a:round/>
+          </a:ln>
+        </p:spPr>
+        <p:style>
+          <a:lnRef idx="0">
+            <a:scrgbClr r="0" g="0" b="0"/>
+          </a:lnRef>
+          <a:fillRef idx="0">
+            <a:scrgbClr r="0" g="0" b="0"/>
+          </a:fillRef>
+          <a:effectRef idx="0">
+            <a:scrgbClr r="0" g="0" b="0"/>
+          </a:effectRef>
+          <a:fontRef idx="minor"/>
+        </p:style>
+      </p:sp>
     </p:spTree>
     <p:extLst>
       <p:ext uri="{BB962C8B-B14F-4D97-AF65-F5344CB8AC3E}">
-        <p14:creationId xmlns:p14="http://schemas.microsoft.com/office/powerpoint/2010/main" val="456800076"/>
+        <p14:creationId xmlns:p14="http://schemas.microsoft.com/office/powerpoint/2010/main" val="983173742"/>
+      </p:ext>
+    </p:extLst>
+  </p:cSld>
+  <p:clrMapOvr>
+    <a:masterClrMapping/>
+  </p:clrMapOvr>
+  <mc:AlternateContent xmlns:mc="http://schemas.openxmlformats.org/markup-compatibility/2006" xmlns:p14="http://schemas.microsoft.com/office/powerpoint/2010/main">
+    <mc:Choice Requires="p14">
+      <p:transition spd="med" p14:dur="700">
+        <p:fade/>
+      </p:transition>
+    </mc:Choice>
+    <mc:Fallback xmlns="">
+      <p:transition spd="med">
+        <p:fade/>
+      </p:transition>
+    </mc:Fallback>
+  </mc:AlternateContent>
+  <p:timing>
+    <p:tnLst>
+      <p:par>
+        <p:cTn id="1" dur="indefinite" restart="never" nodeType="tmRoot">
+          <p:childTnLst>
+            <p:seq>
+              <p:cTn id="2" nodeType="mainSeq"/>
+              <p:prevCondLst>
+                <p:cond evt="onPrev" delay="0">
+                  <p:tgtEl>
+                    <p:sldTgt/>
+                  </p:tgtEl>
+                </p:cond>
+              </p:prevCondLst>
+              <p:nextCondLst>
+                <p:cond evt="onNext" delay="0">
+                  <p:tgtEl>
+                    <p:sldTgt/>
+                  </p:tgtEl>
+                </p:cond>
+              </p:nextCondLst>
+            </p:seq>
+          </p:childTnLst>
+        </p:cTn>
+      </p:par>
+    </p:tnLst>
+  </p:timing>
+</p:sld>
+</file>
+
+<file path=ppt/slides/slide17.xml><?xml version="1.0" encoding="utf-8"?>
+<p:sld xmlns:a="http://schemas.openxmlformats.org/drawingml/2006/main" xmlns:r="http://schemas.openxmlformats.org/officeDocument/2006/relationships" xmlns:p="http://schemas.openxmlformats.org/presentationml/2006/main">
+  <p:cSld>
+    <p:spTree>
+      <p:nvGrpSpPr>
+        <p:cNvPr id="1" name=""/>
+        <p:cNvGrpSpPr/>
+        <p:nvPr/>
+      </p:nvGrpSpPr>
+      <p:grpSpPr>
+        <a:xfrm>
+          <a:off x="0" y="0"/>
+          <a:ext cx="0" cy="0"/>
+          <a:chOff x="0" y="0"/>
+          <a:chExt cx="0" cy="0"/>
+        </a:xfrm>
+      </p:grpSpPr>
+      <p:sp>
+        <p:nvSpPr>
+          <p:cNvPr id="2" name="Title 1"/>
+          <p:cNvSpPr>
+            <a:spLocks noGrp="1"/>
+          </p:cNvSpPr>
+          <p:nvPr>
+            <p:ph type="title"/>
+          </p:nvPr>
+        </p:nvSpPr>
+        <p:spPr/>
+        <p:txBody>
+          <a:bodyPr/>
+          <a:lstStyle/>
+          <a:p>
+            <a:r>
+              <a:rPr lang="fr-FR" dirty="0"/>
+              <a:t>Parler de la dichotomie</a:t>
+            </a:r>
+          </a:p>
+        </p:txBody>
+      </p:sp>
+      <p:sp>
+        <p:nvSpPr>
+          <p:cNvPr id="3" name="Content Placeholder 2"/>
+          <p:cNvSpPr>
+            <a:spLocks noGrp="1"/>
+          </p:cNvSpPr>
+          <p:nvPr>
+            <p:ph idx="1"/>
+          </p:nvPr>
+        </p:nvSpPr>
+        <p:spPr/>
+        <p:txBody>
+          <a:bodyPr/>
+          <a:lstStyle/>
+          <a:p>
+            <a:endParaRPr lang="fr-FR"/>
+          </a:p>
+        </p:txBody>
+      </p:sp>
+    </p:spTree>
+    <p:extLst>
+      <p:ext uri="{BB962C8B-B14F-4D97-AF65-F5344CB8AC3E}">
+        <p14:creationId xmlns:p14="http://schemas.microsoft.com/office/powerpoint/2010/main" val="1659265828"/>
+      </p:ext>
+    </p:extLst>
+  </p:cSld>
+  <p:clrMapOvr>
+    <a:masterClrMapping/>
+  </p:clrMapOvr>
+</p:sld>
+</file>
+
+<file path=ppt/slides/slide18.xml><?xml version="1.0" encoding="utf-8"?>
+<p:sld xmlns:a="http://schemas.openxmlformats.org/drawingml/2006/main" xmlns:r="http://schemas.openxmlformats.org/officeDocument/2006/relationships" xmlns:p="http://schemas.openxmlformats.org/presentationml/2006/main">
+  <p:cSld>
+    <p:spTree>
+      <p:nvGrpSpPr>
+        <p:cNvPr id="1" name=""/>
+        <p:cNvGrpSpPr/>
+        <p:nvPr/>
+      </p:nvGrpSpPr>
+      <p:grpSpPr>
+        <a:xfrm>
+          <a:off x="0" y="0"/>
+          <a:ext cx="0" cy="0"/>
+          <a:chOff x="0" y="0"/>
+          <a:chExt cx="0" cy="0"/>
+        </a:xfrm>
+      </p:grpSpPr>
+      <p:sp>
+        <p:nvSpPr>
+          <p:cNvPr id="2" name="Title 1"/>
+          <p:cNvSpPr>
+            <a:spLocks noGrp="1"/>
+          </p:cNvSpPr>
+          <p:nvPr>
+            <p:ph type="title"/>
+          </p:nvPr>
+        </p:nvSpPr>
+        <p:spPr/>
+        <p:txBody>
+          <a:bodyPr/>
+          <a:lstStyle/>
+          <a:p>
+            <a:r>
+              <a:rPr lang="fr-FR" dirty="0"/>
+              <a:t>Les boites de volume liées</a:t>
+            </a:r>
+          </a:p>
+        </p:txBody>
+      </p:sp>
+      <p:sp>
+        <p:nvSpPr>
+          <p:cNvPr id="3" name="Text Placeholder 2"/>
+          <p:cNvSpPr>
+            <a:spLocks noGrp="1"/>
+          </p:cNvSpPr>
+          <p:nvPr>
+            <p:ph type="body" idx="1"/>
+          </p:nvPr>
+        </p:nvSpPr>
+        <p:spPr/>
+        <p:txBody>
+          <a:bodyPr/>
+          <a:lstStyle/>
+          <a:p>
+            <a:r>
+              <a:rPr lang="fr-FR" dirty="0"/>
+              <a:t>Pour les recherches dans l’espace</a:t>
+            </a:r>
+          </a:p>
+        </p:txBody>
+      </p:sp>
+    </p:spTree>
+    <p:extLst>
+      <p:ext uri="{BB962C8B-B14F-4D97-AF65-F5344CB8AC3E}">
+        <p14:creationId xmlns:p14="http://schemas.microsoft.com/office/powerpoint/2010/main" val="2407689021"/>
+      </p:ext>
+    </p:extLst>
+  </p:cSld>
+  <p:clrMapOvr>
+    <a:masterClrMapping/>
+  </p:clrMapOvr>
+</p:sld>
+</file>
+
+<file path=ppt/slides/slide19.xml><?xml version="1.0" encoding="utf-8"?>
+<p:sld xmlns:a="http://schemas.openxmlformats.org/drawingml/2006/main" xmlns:r="http://schemas.openxmlformats.org/officeDocument/2006/relationships" xmlns:p="http://schemas.openxmlformats.org/presentationml/2006/main">
+  <p:cSld>
+    <p:spTree>
+      <p:nvGrpSpPr>
+        <p:cNvPr id="1" name=""/>
+        <p:cNvGrpSpPr/>
+        <p:nvPr/>
+      </p:nvGrpSpPr>
+      <p:grpSpPr>
+        <a:xfrm>
+          <a:off x="0" y="0"/>
+          <a:ext cx="0" cy="0"/>
+          <a:chOff x="0" y="0"/>
+          <a:chExt cx="0" cy="0"/>
+        </a:xfrm>
+      </p:grpSpPr>
+      <p:sp>
+        <p:nvSpPr>
+          <p:cNvPr id="2" name="Title 1"/>
+          <p:cNvSpPr>
+            <a:spLocks noGrp="1"/>
+          </p:cNvSpPr>
+          <p:nvPr>
+            <p:ph type="title"/>
+          </p:nvPr>
+        </p:nvSpPr>
+        <p:spPr/>
+        <p:txBody>
+          <a:bodyPr/>
+          <a:lstStyle/>
+          <a:p>
+            <a:r>
+              <a:rPr lang="fr-FR" dirty="0"/>
+              <a:t>Variation de la vitesse</a:t>
+            </a:r>
+          </a:p>
+        </p:txBody>
+      </p:sp>
+      <p:sp>
+        <p:nvSpPr>
+          <p:cNvPr id="3" name="Text Placeholder 2"/>
+          <p:cNvSpPr>
+            <a:spLocks noGrp="1"/>
+          </p:cNvSpPr>
+          <p:nvPr>
+            <p:ph type="body" idx="1"/>
+          </p:nvPr>
+        </p:nvSpPr>
+        <p:spPr/>
+        <p:txBody>
+          <a:bodyPr/>
+          <a:lstStyle/>
+          <a:p>
+            <a:endParaRPr lang="fr-FR"/>
+          </a:p>
+        </p:txBody>
+      </p:sp>
+    </p:spTree>
+    <p:extLst>
+      <p:ext uri="{BB962C8B-B14F-4D97-AF65-F5344CB8AC3E}">
+        <p14:creationId xmlns:p14="http://schemas.microsoft.com/office/powerpoint/2010/main" val="1630980370"/>
       </p:ext>
     </p:extLst>
   </p:cSld>
@@ -9007,10 +11293,463 @@
           </a:p>
         </p:txBody>
       </p:sp>
+      <p:sp>
+        <p:nvSpPr>
+          <p:cNvPr id="3" name="TextBox 2"/>
+          <p:cNvSpPr txBox="1"/>
+          <p:nvPr/>
+        </p:nvSpPr>
+        <p:spPr>
+          <a:xfrm>
+            <a:off x="2048256" y="2426208"/>
+            <a:ext cx="8107680" cy="1477328"/>
+          </a:xfrm>
+          <a:prstGeom prst="rect">
+            <a:avLst/>
+          </a:prstGeom>
+          <a:noFill/>
+        </p:spPr>
+        <p:txBody>
+          <a:bodyPr wrap="square" rtlCol="0">
+            <a:spAutoFit/>
+          </a:bodyPr>
+          <a:lstStyle/>
+          <a:p>
+            <a:pPr marL="285750" indent="-285750">
+              <a:buFont typeface="Arial" panose="020B0604020202020204" pitchFamily="34" charset="0"/>
+              <a:buChar char="•"/>
+            </a:pPr>
+            <a:r>
+              <a:rPr lang="fr-FR" dirty="0">
+                <a:latin typeface="Comic Sans MS" panose="030F0702030302020204" pitchFamily="66" charset="0"/>
+              </a:rPr>
+              <a:t>problème concret (incendies </a:t>
+            </a:r>
+            <a:r>
+              <a:rPr lang="fr-FR" dirty="0" err="1">
+                <a:latin typeface="Comic Sans MS" panose="030F0702030302020204" pitchFamily="66" charset="0"/>
+              </a:rPr>
+              <a:t>ds</a:t>
+            </a:r>
+            <a:r>
+              <a:rPr lang="fr-FR" dirty="0">
+                <a:latin typeface="Comic Sans MS" panose="030F0702030302020204" pitchFamily="66" charset="0"/>
+              </a:rPr>
+              <a:t> les </a:t>
+            </a:r>
+            <a:r>
+              <a:rPr lang="fr-FR" dirty="0" err="1">
+                <a:latin typeface="Comic Sans MS" panose="030F0702030302020204" pitchFamily="66" charset="0"/>
+              </a:rPr>
+              <a:t>batiments</a:t>
+            </a:r>
+            <a:r>
+              <a:rPr lang="fr-FR" dirty="0">
+                <a:latin typeface="Comic Sans MS" panose="030F0702030302020204" pitchFamily="66" charset="0"/>
+              </a:rPr>
+              <a:t>)</a:t>
+            </a:r>
+          </a:p>
+          <a:p>
+            <a:pPr marL="285750" indent="-285750">
+              <a:buFont typeface="Arial" panose="020B0604020202020204" pitchFamily="34" charset="0"/>
+              <a:buChar char="•"/>
+            </a:pPr>
+            <a:r>
+              <a:rPr lang="fr-FR" dirty="0">
+                <a:latin typeface="Comic Sans MS" panose="030F0702030302020204" pitchFamily="66" charset="0"/>
+              </a:rPr>
+              <a:t>Insuffisance de contraintes dans la création de plans</a:t>
+            </a:r>
+          </a:p>
+          <a:p>
+            <a:pPr marL="285750" indent="-285750">
+              <a:buFont typeface="Arial" panose="020B0604020202020204" pitchFamily="34" charset="0"/>
+              <a:buChar char="•"/>
+            </a:pPr>
+            <a:r>
+              <a:rPr lang="fr-FR" dirty="0">
+                <a:latin typeface="Comic Sans MS" panose="030F0702030302020204" pitchFamily="66" charset="0"/>
+              </a:rPr>
+              <a:t>Plans pas assez efficace par rapport à l’urgence de la situation</a:t>
+            </a:r>
+          </a:p>
+          <a:p>
+            <a:endParaRPr lang="fr-FR" dirty="0">
+              <a:latin typeface="Comic Sans MS" panose="030F0702030302020204" pitchFamily="66" charset="0"/>
+            </a:endParaRPr>
+          </a:p>
+          <a:p>
+            <a:endParaRPr lang="fr-FR" dirty="0">
+              <a:latin typeface="Comic Sans MS" panose="030F0702030302020204" pitchFamily="66" charset="0"/>
+            </a:endParaRPr>
+          </a:p>
+        </p:txBody>
+      </p:sp>
     </p:spTree>
     <p:extLst>
       <p:ext uri="{BB962C8B-B14F-4D97-AF65-F5344CB8AC3E}">
         <p14:creationId xmlns:p14="http://schemas.microsoft.com/office/powerpoint/2010/main" val="3213035140"/>
+      </p:ext>
+    </p:extLst>
+  </p:cSld>
+  <p:clrMapOvr>
+    <a:masterClrMapping/>
+  </p:clrMapOvr>
+</p:sld>
+</file>
+
+<file path=ppt/slides/slide20.xml><?xml version="1.0" encoding="utf-8"?>
+<p:sld xmlns:a="http://schemas.openxmlformats.org/drawingml/2006/main" xmlns:r="http://schemas.openxmlformats.org/officeDocument/2006/relationships" xmlns:p="http://schemas.openxmlformats.org/presentationml/2006/main">
+  <p:cSld>
+    <p:spTree>
+      <p:nvGrpSpPr>
+        <p:cNvPr id="1" name=""/>
+        <p:cNvGrpSpPr/>
+        <p:nvPr/>
+      </p:nvGrpSpPr>
+      <p:grpSpPr>
+        <a:xfrm>
+          <a:off x="0" y="0"/>
+          <a:ext cx="0" cy="0"/>
+          <a:chOff x="0" y="0"/>
+          <a:chExt cx="0" cy="0"/>
+        </a:xfrm>
+      </p:grpSpPr>
+      <p:sp>
+        <p:nvSpPr>
+          <p:cNvPr id="2" name="Title 1"/>
+          <p:cNvSpPr>
+            <a:spLocks noGrp="1"/>
+          </p:cNvSpPr>
+          <p:nvPr>
+            <p:ph type="title"/>
+          </p:nvPr>
+        </p:nvSpPr>
+        <p:spPr/>
+        <p:txBody>
+          <a:bodyPr/>
+          <a:lstStyle/>
+          <a:p>
+            <a:r>
+              <a:rPr lang="fr-FR" dirty="0"/>
+              <a:t>Influence de la densité</a:t>
+            </a:r>
+          </a:p>
+        </p:txBody>
+      </p:sp>
+      <p:sp>
+        <p:nvSpPr>
+          <p:cNvPr id="3" name="Content Placeholder 2"/>
+          <p:cNvSpPr>
+            <a:spLocks noGrp="1"/>
+          </p:cNvSpPr>
+          <p:nvPr>
+            <p:ph idx="1"/>
+          </p:nvPr>
+        </p:nvSpPr>
+        <p:spPr/>
+        <p:txBody>
+          <a:bodyPr/>
+          <a:lstStyle/>
+          <a:p>
+            <a:endParaRPr lang="fr-FR"/>
+          </a:p>
+        </p:txBody>
+      </p:sp>
+    </p:spTree>
+    <p:extLst>
+      <p:ext uri="{BB962C8B-B14F-4D97-AF65-F5344CB8AC3E}">
+        <p14:creationId xmlns:p14="http://schemas.microsoft.com/office/powerpoint/2010/main" val="3665244526"/>
+      </p:ext>
+    </p:extLst>
+  </p:cSld>
+  <p:clrMapOvr>
+    <a:masterClrMapping/>
+  </p:clrMapOvr>
+</p:sld>
+</file>
+
+<file path=ppt/slides/slide21.xml><?xml version="1.0" encoding="utf-8"?>
+<p:sld xmlns:a="http://schemas.openxmlformats.org/drawingml/2006/main" xmlns:r="http://schemas.openxmlformats.org/officeDocument/2006/relationships" xmlns:p="http://schemas.openxmlformats.org/presentationml/2006/main">
+  <p:cSld>
+    <p:spTree>
+      <p:nvGrpSpPr>
+        <p:cNvPr id="1" name=""/>
+        <p:cNvGrpSpPr/>
+        <p:nvPr/>
+      </p:nvGrpSpPr>
+      <p:grpSpPr>
+        <a:xfrm>
+          <a:off x="0" y="0"/>
+          <a:ext cx="0" cy="0"/>
+          <a:chOff x="0" y="0"/>
+          <a:chExt cx="0" cy="0"/>
+        </a:xfrm>
+      </p:grpSpPr>
+      <p:sp>
+        <p:nvSpPr>
+          <p:cNvPr id="2" name="Title 1"/>
+          <p:cNvSpPr>
+            <a:spLocks noGrp="1"/>
+          </p:cNvSpPr>
+          <p:nvPr>
+            <p:ph type="title"/>
+          </p:nvPr>
+        </p:nvSpPr>
+        <p:spPr/>
+        <p:txBody>
+          <a:bodyPr/>
+          <a:lstStyle/>
+          <a:p>
+            <a:r>
+              <a:rPr lang="fr-FR" dirty="0"/>
+              <a:t>Les résultats</a:t>
+            </a:r>
+          </a:p>
+        </p:txBody>
+      </p:sp>
+      <p:sp>
+        <p:nvSpPr>
+          <p:cNvPr id="3" name="Text Placeholder 2"/>
+          <p:cNvSpPr>
+            <a:spLocks noGrp="1"/>
+          </p:cNvSpPr>
+          <p:nvPr>
+            <p:ph type="body" idx="1"/>
+          </p:nvPr>
+        </p:nvSpPr>
+        <p:spPr/>
+        <p:txBody>
+          <a:bodyPr/>
+          <a:lstStyle/>
+          <a:p>
+            <a:endParaRPr lang="fr-FR" dirty="0"/>
+          </a:p>
+        </p:txBody>
+      </p:sp>
+    </p:spTree>
+    <p:extLst>
+      <p:ext uri="{BB962C8B-B14F-4D97-AF65-F5344CB8AC3E}">
+        <p14:creationId xmlns:p14="http://schemas.microsoft.com/office/powerpoint/2010/main" val="118578771"/>
+      </p:ext>
+    </p:extLst>
+  </p:cSld>
+  <p:clrMapOvr>
+    <a:masterClrMapping/>
+  </p:clrMapOvr>
+</p:sld>
+</file>
+
+<file path=ppt/slides/slide22.xml><?xml version="1.0" encoding="utf-8"?>
+<p:sld xmlns:a="http://schemas.openxmlformats.org/drawingml/2006/main" xmlns:r="http://schemas.openxmlformats.org/officeDocument/2006/relationships" xmlns:p="http://schemas.openxmlformats.org/presentationml/2006/main">
+  <p:cSld>
+    <p:spTree>
+      <p:nvGrpSpPr>
+        <p:cNvPr id="1" name=""/>
+        <p:cNvGrpSpPr/>
+        <p:nvPr/>
+      </p:nvGrpSpPr>
+      <p:grpSpPr>
+        <a:xfrm>
+          <a:off x="0" y="0"/>
+          <a:ext cx="0" cy="0"/>
+          <a:chOff x="0" y="0"/>
+          <a:chExt cx="0" cy="0"/>
+        </a:xfrm>
+      </p:grpSpPr>
+      <p:sp>
+        <p:nvSpPr>
+          <p:cNvPr id="2" name="Title 1"/>
+          <p:cNvSpPr>
+            <a:spLocks noGrp="1"/>
+          </p:cNvSpPr>
+          <p:nvPr>
+            <p:ph type="title"/>
+          </p:nvPr>
+        </p:nvSpPr>
+        <p:spPr/>
+        <p:txBody>
+          <a:bodyPr/>
+          <a:lstStyle/>
+          <a:p>
+            <a:endParaRPr lang="fr-FR"/>
+          </a:p>
+        </p:txBody>
+      </p:sp>
+      <p:sp>
+        <p:nvSpPr>
+          <p:cNvPr id="3" name="Content Placeholder 2"/>
+          <p:cNvSpPr>
+            <a:spLocks noGrp="1"/>
+          </p:cNvSpPr>
+          <p:nvPr>
+            <p:ph idx="1"/>
+          </p:nvPr>
+        </p:nvSpPr>
+        <p:spPr/>
+        <p:txBody>
+          <a:bodyPr/>
+          <a:lstStyle/>
+          <a:p>
+            <a:endParaRPr lang="fr-FR"/>
+          </a:p>
+        </p:txBody>
+      </p:sp>
+    </p:spTree>
+    <p:extLst>
+      <p:ext uri="{BB962C8B-B14F-4D97-AF65-F5344CB8AC3E}">
+        <p14:creationId xmlns:p14="http://schemas.microsoft.com/office/powerpoint/2010/main" val="3894427073"/>
+      </p:ext>
+    </p:extLst>
+  </p:cSld>
+  <p:clrMapOvr>
+    <a:masterClrMapping/>
+  </p:clrMapOvr>
+</p:sld>
+</file>
+
+<file path=ppt/slides/slide23.xml><?xml version="1.0" encoding="utf-8"?>
+<p:sld xmlns:a="http://schemas.openxmlformats.org/drawingml/2006/main" xmlns:r="http://schemas.openxmlformats.org/officeDocument/2006/relationships" xmlns:p="http://schemas.openxmlformats.org/presentationml/2006/main">
+  <p:cSld>
+    <p:spTree>
+      <p:nvGrpSpPr>
+        <p:cNvPr id="1" name=""/>
+        <p:cNvGrpSpPr/>
+        <p:nvPr/>
+      </p:nvGrpSpPr>
+      <p:grpSpPr>
+        <a:xfrm>
+          <a:off x="0" y="0"/>
+          <a:ext cx="0" cy="0"/>
+          <a:chOff x="0" y="0"/>
+          <a:chExt cx="0" cy="0"/>
+        </a:xfrm>
+      </p:grpSpPr>
+      <p:sp>
+        <p:nvSpPr>
+          <p:cNvPr id="2" name="Title 1"/>
+          <p:cNvSpPr>
+            <a:spLocks noGrp="1"/>
+          </p:cNvSpPr>
+          <p:nvPr>
+            <p:ph type="title"/>
+          </p:nvPr>
+        </p:nvSpPr>
+        <p:spPr/>
+        <p:txBody>
+          <a:bodyPr/>
+          <a:lstStyle/>
+          <a:p>
+            <a:r>
+              <a:rPr lang="fr-FR" dirty="0"/>
+              <a:t>Simulation globale (</a:t>
+            </a:r>
+            <a:r>
+              <a:rPr lang="fr-FR" dirty="0" err="1"/>
+              <a:t>qq</a:t>
+            </a:r>
+            <a:r>
+              <a:rPr lang="fr-FR" dirty="0"/>
+              <a:t> mots)</a:t>
+            </a:r>
+          </a:p>
+        </p:txBody>
+      </p:sp>
+      <p:sp>
+        <p:nvSpPr>
+          <p:cNvPr id="3" name="Text Placeholder 2"/>
+          <p:cNvSpPr>
+            <a:spLocks noGrp="1"/>
+          </p:cNvSpPr>
+          <p:nvPr>
+            <p:ph type="body" sz="half" idx="2"/>
+          </p:nvPr>
+        </p:nvSpPr>
+        <p:spPr/>
+        <p:txBody>
+          <a:bodyPr/>
+          <a:lstStyle/>
+          <a:p>
+            <a:endParaRPr lang="fr-FR"/>
+          </a:p>
+        </p:txBody>
+      </p:sp>
+    </p:spTree>
+    <p:extLst>
+      <p:ext uri="{BB962C8B-B14F-4D97-AF65-F5344CB8AC3E}">
+        <p14:creationId xmlns:p14="http://schemas.microsoft.com/office/powerpoint/2010/main" val="2659097111"/>
+      </p:ext>
+    </p:extLst>
+  </p:cSld>
+  <p:clrMapOvr>
+    <a:masterClrMapping/>
+  </p:clrMapOvr>
+</p:sld>
+</file>
+
+<file path=ppt/slides/slide24.xml><?xml version="1.0" encoding="utf-8"?>
+<p:sld xmlns:a="http://schemas.openxmlformats.org/drawingml/2006/main" xmlns:r="http://schemas.openxmlformats.org/officeDocument/2006/relationships" xmlns:p="http://schemas.openxmlformats.org/presentationml/2006/main">
+  <p:cSld>
+    <p:spTree>
+      <p:nvGrpSpPr>
+        <p:cNvPr id="1" name=""/>
+        <p:cNvGrpSpPr/>
+        <p:nvPr/>
+      </p:nvGrpSpPr>
+      <p:grpSpPr>
+        <a:xfrm>
+          <a:off x="0" y="0"/>
+          <a:ext cx="0" cy="0"/>
+          <a:chOff x="0" y="0"/>
+          <a:chExt cx="0" cy="0"/>
+        </a:xfrm>
+      </p:grpSpPr>
+      <p:sp>
+        <p:nvSpPr>
+          <p:cNvPr id="2" name="Title 1"/>
+          <p:cNvSpPr>
+            <a:spLocks noGrp="1"/>
+          </p:cNvSpPr>
+          <p:nvPr>
+            <p:ph type="title"/>
+          </p:nvPr>
+        </p:nvSpPr>
+        <p:spPr/>
+        <p:txBody>
+          <a:bodyPr/>
+          <a:lstStyle/>
+          <a:p>
+            <a:r>
+              <a:rPr lang="fr-FR" dirty="0"/>
+              <a:t>Tri topologique graphe</a:t>
+            </a:r>
+          </a:p>
+        </p:txBody>
+      </p:sp>
+      <p:sp>
+        <p:nvSpPr>
+          <p:cNvPr id="3" name="Text Placeholder 2"/>
+          <p:cNvSpPr>
+            <a:spLocks noGrp="1"/>
+          </p:cNvSpPr>
+          <p:nvPr>
+            <p:ph type="body" sz="half" idx="2"/>
+          </p:nvPr>
+        </p:nvSpPr>
+        <p:spPr/>
+        <p:txBody>
+          <a:bodyPr/>
+          <a:lstStyle/>
+          <a:p>
+            <a:endParaRPr lang="fr-FR"/>
+          </a:p>
+        </p:txBody>
+      </p:sp>
+    </p:spTree>
+    <p:extLst>
+      <p:ext uri="{BB962C8B-B14F-4D97-AF65-F5344CB8AC3E}">
+        <p14:creationId xmlns:p14="http://schemas.microsoft.com/office/powerpoint/2010/main" val="3419481672"/>
       </p:ext>
     </p:extLst>
   </p:cSld>
@@ -9047,611 +11786,68 @@
             <p:ph type="title"/>
           </p:nvPr>
         </p:nvSpPr>
-        <p:spPr>
-          <a:xfrm>
-            <a:off x="3299774" y="2926314"/>
-            <a:ext cx="8911687" cy="1280890"/>
-          </a:xfrm>
-        </p:spPr>
+        <p:spPr/>
         <p:txBody>
           <a:bodyPr/>
           <a:lstStyle/>
           <a:p>
             <a:r>
-              <a:rPr lang="fr-FR" dirty="0" err="1"/>
-              <a:t>Pymunk</a:t>
+              <a:rPr lang="fr-FR" dirty="0"/>
+              <a:t>Un travail à différentes échelles….</a:t>
             </a:r>
-            <a:endParaRPr lang="fr-FR" dirty="0"/>
-          </a:p>
-        </p:txBody>
-      </p:sp>
-      <p:sp>
-        <p:nvSpPr>
-          <p:cNvPr id="4" name="Oval 3"/>
-          <p:cNvSpPr/>
-          <p:nvPr/>
-        </p:nvSpPr>
-        <p:spPr>
-          <a:xfrm>
-            <a:off x="1670180" y="4338735"/>
-            <a:ext cx="914400" cy="914400"/>
-          </a:xfrm>
-          <a:prstGeom prst="ellipse">
-            <a:avLst/>
-          </a:prstGeom>
-          <a:solidFill>
-            <a:srgbClr val="00B050"/>
-          </a:solidFill>
-        </p:spPr>
-        <p:style>
-          <a:lnRef idx="2">
-            <a:schemeClr val="accent1">
-              <a:shade val="50000"/>
-            </a:schemeClr>
-          </a:lnRef>
-          <a:fillRef idx="1">
-            <a:schemeClr val="accent1"/>
-          </a:fillRef>
-          <a:effectRef idx="0">
-            <a:schemeClr val="accent1"/>
-          </a:effectRef>
-          <a:fontRef idx="minor">
-            <a:schemeClr val="lt1"/>
-          </a:fontRef>
-        </p:style>
-        <p:txBody>
-          <a:bodyPr rtlCol="0" anchor="ctr"/>
+          </a:p>
+        </p:txBody>
+      </p:sp>
+      <p:sp>
+        <p:nvSpPr>
+          <p:cNvPr id="3" name="Content Placeholder 2"/>
+          <p:cNvSpPr>
+            <a:spLocks noGrp="1"/>
+          </p:cNvSpPr>
+          <p:nvPr>
+            <p:ph idx="1"/>
+          </p:nvPr>
+        </p:nvSpPr>
+        <p:spPr/>
+        <p:txBody>
+          <a:bodyPr/>
           <a:lstStyle/>
           <a:p>
-            <a:pPr algn="ctr"/>
-            <a:endParaRPr lang="fr-FR"/>
-          </a:p>
-        </p:txBody>
-      </p:sp>
-      <p:sp>
-        <p:nvSpPr>
-          <p:cNvPr id="5" name="Oval 4"/>
-          <p:cNvSpPr/>
-          <p:nvPr/>
-        </p:nvSpPr>
-        <p:spPr>
-          <a:xfrm>
-            <a:off x="2135725" y="3680648"/>
-            <a:ext cx="914400" cy="914400"/>
-          </a:xfrm>
-          <a:prstGeom prst="ellipse">
-            <a:avLst/>
-          </a:prstGeom>
-          <a:solidFill>
-            <a:srgbClr val="00B050"/>
-          </a:solidFill>
-        </p:spPr>
-        <p:style>
-          <a:lnRef idx="2">
-            <a:schemeClr val="accent1">
-              <a:shade val="50000"/>
-            </a:schemeClr>
-          </a:lnRef>
-          <a:fillRef idx="1">
-            <a:schemeClr val="accent1"/>
-          </a:fillRef>
-          <a:effectRef idx="0">
-            <a:schemeClr val="accent1"/>
-          </a:effectRef>
-          <a:fontRef idx="minor">
-            <a:schemeClr val="lt1"/>
-          </a:fontRef>
-        </p:style>
-        <p:txBody>
-          <a:bodyPr rtlCol="0" anchor="ctr"/>
-          <a:lstStyle/>
-          <a:p>
-            <a:pPr algn="ctr"/>
-            <a:endParaRPr lang="fr-FR"/>
-          </a:p>
-        </p:txBody>
-      </p:sp>
-      <p:sp>
-        <p:nvSpPr>
-          <p:cNvPr id="6" name="Oval 5"/>
-          <p:cNvSpPr/>
-          <p:nvPr/>
-        </p:nvSpPr>
-        <p:spPr>
-          <a:xfrm>
-            <a:off x="2223796" y="2852835"/>
-            <a:ext cx="914400" cy="914400"/>
-          </a:xfrm>
-          <a:prstGeom prst="ellipse">
-            <a:avLst/>
-          </a:prstGeom>
-          <a:solidFill>
-            <a:srgbClr val="00B050"/>
-          </a:solidFill>
-        </p:spPr>
-        <p:style>
-          <a:lnRef idx="2">
-            <a:schemeClr val="accent1">
-              <a:shade val="50000"/>
-            </a:schemeClr>
-          </a:lnRef>
-          <a:fillRef idx="1">
-            <a:schemeClr val="accent1"/>
-          </a:fillRef>
-          <a:effectRef idx="0">
-            <a:schemeClr val="accent1"/>
-          </a:effectRef>
-          <a:fontRef idx="minor">
-            <a:schemeClr val="lt1"/>
-          </a:fontRef>
-        </p:style>
-        <p:txBody>
-          <a:bodyPr rtlCol="0" anchor="ctr"/>
-          <a:lstStyle/>
-          <a:p>
-            <a:pPr algn="ctr"/>
-            <a:endParaRPr lang="fr-FR"/>
-          </a:p>
-        </p:txBody>
-      </p:sp>
-      <p:sp>
-        <p:nvSpPr>
-          <p:cNvPr id="7" name="Oval 6"/>
-          <p:cNvSpPr/>
-          <p:nvPr/>
-        </p:nvSpPr>
-        <p:spPr>
-          <a:xfrm>
-            <a:off x="1722561" y="2275613"/>
-            <a:ext cx="914400" cy="914400"/>
-          </a:xfrm>
-          <a:prstGeom prst="ellipse">
-            <a:avLst/>
-          </a:prstGeom>
-          <a:solidFill>
-            <a:srgbClr val="00B050"/>
-          </a:solidFill>
-        </p:spPr>
-        <p:style>
-          <a:lnRef idx="2">
-            <a:schemeClr val="accent1">
-              <a:shade val="50000"/>
-            </a:schemeClr>
-          </a:lnRef>
-          <a:fillRef idx="1">
-            <a:schemeClr val="accent1"/>
-          </a:fillRef>
-          <a:effectRef idx="0">
-            <a:schemeClr val="accent1"/>
-          </a:effectRef>
-          <a:fontRef idx="minor">
-            <a:schemeClr val="lt1"/>
-          </a:fontRef>
-        </p:style>
-        <p:txBody>
-          <a:bodyPr rtlCol="0" anchor="ctr"/>
-          <a:lstStyle/>
-          <a:p>
-            <a:pPr algn="ctr"/>
-            <a:endParaRPr lang="fr-FR"/>
-          </a:p>
-        </p:txBody>
-      </p:sp>
-      <p:sp>
-        <p:nvSpPr>
-          <p:cNvPr id="8" name="Oval 7"/>
-          <p:cNvSpPr/>
-          <p:nvPr/>
-        </p:nvSpPr>
-        <p:spPr>
-          <a:xfrm>
-            <a:off x="1156203" y="2352342"/>
-            <a:ext cx="1206266" cy="914400"/>
-          </a:xfrm>
-          <a:prstGeom prst="ellipse">
-            <a:avLst/>
-          </a:prstGeom>
-          <a:solidFill>
-            <a:srgbClr val="00B050"/>
-          </a:solidFill>
-        </p:spPr>
-        <p:style>
-          <a:lnRef idx="2">
-            <a:schemeClr val="accent1">
-              <a:shade val="50000"/>
-            </a:schemeClr>
-          </a:lnRef>
-          <a:fillRef idx="1">
-            <a:schemeClr val="accent1"/>
-          </a:fillRef>
-          <a:effectRef idx="0">
-            <a:schemeClr val="accent1"/>
-          </a:effectRef>
-          <a:fontRef idx="minor">
-            <a:schemeClr val="lt1"/>
-          </a:fontRef>
-        </p:style>
-        <p:txBody>
-          <a:bodyPr rtlCol="0" anchor="ctr"/>
-          <a:lstStyle/>
-          <a:p>
-            <a:pPr algn="ctr"/>
-            <a:endParaRPr lang="fr-FR"/>
-          </a:p>
-        </p:txBody>
-      </p:sp>
-      <p:sp>
-        <p:nvSpPr>
-          <p:cNvPr id="10" name="Oval 9"/>
-          <p:cNvSpPr/>
-          <p:nvPr/>
-        </p:nvSpPr>
-        <p:spPr>
-          <a:xfrm>
-            <a:off x="1408921" y="2275612"/>
-            <a:ext cx="261259" cy="543787"/>
-          </a:xfrm>
-          <a:prstGeom prst="ellipse">
-            <a:avLst/>
-          </a:prstGeom>
-          <a:solidFill>
-            <a:schemeClr val="bg1"/>
-          </a:solidFill>
-        </p:spPr>
-        <p:style>
-          <a:lnRef idx="2">
-            <a:schemeClr val="accent1">
-              <a:shade val="50000"/>
-            </a:schemeClr>
-          </a:lnRef>
-          <a:fillRef idx="1">
-            <a:schemeClr val="accent1"/>
-          </a:fillRef>
-          <a:effectRef idx="0">
-            <a:schemeClr val="accent1"/>
-          </a:effectRef>
-          <a:fontRef idx="minor">
-            <a:schemeClr val="lt1"/>
-          </a:fontRef>
-        </p:style>
-        <p:txBody>
-          <a:bodyPr rtlCol="0" anchor="ctr"/>
-          <a:lstStyle/>
-          <a:p>
-            <a:pPr algn="ctr"/>
-            <a:endParaRPr lang="fr-FR"/>
-          </a:p>
-        </p:txBody>
-      </p:sp>
-      <p:sp>
-        <p:nvSpPr>
-          <p:cNvPr id="11" name="Oval 10"/>
-          <p:cNvSpPr/>
-          <p:nvPr/>
-        </p:nvSpPr>
-        <p:spPr>
-          <a:xfrm>
-            <a:off x="1922898" y="2265755"/>
-            <a:ext cx="261259" cy="543787"/>
-          </a:xfrm>
-          <a:prstGeom prst="ellipse">
-            <a:avLst/>
-          </a:prstGeom>
-          <a:solidFill>
-            <a:schemeClr val="bg1"/>
-          </a:solidFill>
-        </p:spPr>
-        <p:style>
-          <a:lnRef idx="2">
-            <a:schemeClr val="accent1">
-              <a:shade val="50000"/>
-            </a:schemeClr>
-          </a:lnRef>
-          <a:fillRef idx="1">
-            <a:schemeClr val="accent1"/>
-          </a:fillRef>
-          <a:effectRef idx="0">
-            <a:schemeClr val="accent1"/>
-          </a:effectRef>
-          <a:fontRef idx="minor">
-            <a:schemeClr val="lt1"/>
-          </a:fontRef>
-        </p:style>
-        <p:txBody>
-          <a:bodyPr rtlCol="0" anchor="ctr"/>
-          <a:lstStyle/>
-          <a:p>
-            <a:pPr algn="ctr"/>
-            <a:endParaRPr lang="fr-FR"/>
-          </a:p>
-        </p:txBody>
-      </p:sp>
-      <p:sp>
-        <p:nvSpPr>
-          <p:cNvPr id="12" name="Oval 11"/>
-          <p:cNvSpPr/>
-          <p:nvPr/>
-        </p:nvSpPr>
-        <p:spPr>
-          <a:xfrm>
-            <a:off x="1465141" y="2422568"/>
-            <a:ext cx="183265" cy="249874"/>
-          </a:xfrm>
-          <a:prstGeom prst="ellipse">
-            <a:avLst/>
-          </a:prstGeom>
-          <a:solidFill>
-            <a:schemeClr val="tx1"/>
-          </a:solidFill>
-        </p:spPr>
-        <p:style>
-          <a:lnRef idx="2">
-            <a:schemeClr val="accent1">
-              <a:shade val="50000"/>
-            </a:schemeClr>
-          </a:lnRef>
-          <a:fillRef idx="1">
-            <a:schemeClr val="accent1"/>
-          </a:fillRef>
-          <a:effectRef idx="0">
-            <a:schemeClr val="accent1"/>
-          </a:effectRef>
-          <a:fontRef idx="minor">
-            <a:schemeClr val="lt1"/>
-          </a:fontRef>
-        </p:style>
-        <p:txBody>
-          <a:bodyPr rtlCol="0" anchor="ctr"/>
-          <a:lstStyle/>
-          <a:p>
-            <a:pPr algn="ctr"/>
-            <a:endParaRPr lang="fr-FR"/>
-          </a:p>
-        </p:txBody>
-      </p:sp>
-      <p:sp>
-        <p:nvSpPr>
-          <p:cNvPr id="14" name="Oval 13"/>
-          <p:cNvSpPr/>
-          <p:nvPr/>
-        </p:nvSpPr>
-        <p:spPr>
-          <a:xfrm>
-            <a:off x="1996496" y="2412711"/>
-            <a:ext cx="183265" cy="249874"/>
-          </a:xfrm>
-          <a:prstGeom prst="ellipse">
-            <a:avLst/>
-          </a:prstGeom>
-          <a:solidFill>
-            <a:schemeClr val="tx1"/>
-          </a:solidFill>
-        </p:spPr>
-        <p:style>
-          <a:lnRef idx="2">
-            <a:schemeClr val="accent1">
-              <a:shade val="50000"/>
-            </a:schemeClr>
-          </a:lnRef>
-          <a:fillRef idx="1">
-            <a:schemeClr val="accent1"/>
-          </a:fillRef>
-          <a:effectRef idx="0">
-            <a:schemeClr val="accent1"/>
-          </a:effectRef>
-          <a:fontRef idx="minor">
-            <a:schemeClr val="lt1"/>
-          </a:fontRef>
-        </p:style>
-        <p:txBody>
-          <a:bodyPr rtlCol="0" anchor="ctr"/>
-          <a:lstStyle/>
-          <a:p>
-            <a:pPr algn="ctr"/>
-            <a:endParaRPr lang="fr-FR"/>
-          </a:p>
-        </p:txBody>
-      </p:sp>
-      <p:sp>
-        <p:nvSpPr>
-          <p:cNvPr id="16" name="Block Arc 15"/>
-          <p:cNvSpPr/>
-          <p:nvPr/>
-        </p:nvSpPr>
-        <p:spPr>
-          <a:xfrm rot="10800000">
-            <a:off x="1530862" y="2757725"/>
-            <a:ext cx="531355" cy="337178"/>
-          </a:xfrm>
-          <a:prstGeom prst="blockArc">
-            <a:avLst/>
-          </a:prstGeom>
-          <a:solidFill>
-            <a:schemeClr val="tx1"/>
-          </a:solidFill>
-          <a:ln>
-            <a:solidFill>
-              <a:schemeClr val="tx1"/>
-            </a:solidFill>
-          </a:ln>
-        </p:spPr>
-        <p:style>
-          <a:lnRef idx="2">
-            <a:schemeClr val="accent1">
-              <a:shade val="50000"/>
-            </a:schemeClr>
-          </a:lnRef>
-          <a:fillRef idx="1">
-            <a:schemeClr val="accent1"/>
-          </a:fillRef>
-          <a:effectRef idx="0">
-            <a:schemeClr val="accent1"/>
-          </a:effectRef>
-          <a:fontRef idx="minor">
-            <a:schemeClr val="lt1"/>
-          </a:fontRef>
-        </p:style>
-        <p:txBody>
-          <a:bodyPr rtlCol="0" anchor="ctr"/>
-          <a:lstStyle/>
-          <a:p>
-            <a:pPr algn="ctr"/>
-            <a:endParaRPr lang="fr-FR">
-              <a:solidFill>
-                <a:schemeClr val="tx1"/>
-              </a:solidFill>
-            </a:endParaRPr>
-          </a:p>
-        </p:txBody>
-      </p:sp>
-      <p:sp>
-        <p:nvSpPr>
-          <p:cNvPr id="17" name="Rectangle 16"/>
-          <p:cNvSpPr/>
-          <p:nvPr/>
-        </p:nvSpPr>
-        <p:spPr>
-          <a:xfrm>
-            <a:off x="1722561" y="3058593"/>
-            <a:ext cx="126358" cy="441694"/>
-          </a:xfrm>
-          <a:prstGeom prst="rect">
-            <a:avLst/>
-          </a:prstGeom>
-          <a:solidFill>
-            <a:schemeClr val="tx1"/>
-          </a:solidFill>
-          <a:ln>
-            <a:solidFill>
-              <a:schemeClr val="tx1"/>
-            </a:solidFill>
-          </a:ln>
-        </p:spPr>
-        <p:style>
-          <a:lnRef idx="2">
-            <a:schemeClr val="accent1">
-              <a:shade val="50000"/>
-            </a:schemeClr>
-          </a:lnRef>
-          <a:fillRef idx="1">
-            <a:schemeClr val="accent1"/>
-          </a:fillRef>
-          <a:effectRef idx="0">
-            <a:schemeClr val="accent1"/>
-          </a:effectRef>
-          <a:fontRef idx="minor">
-            <a:schemeClr val="lt1"/>
-          </a:fontRef>
-        </p:style>
-        <p:txBody>
-          <a:bodyPr rtlCol="0" anchor="ctr"/>
-          <a:lstStyle/>
-          <a:p>
-            <a:pPr algn="ctr"/>
-            <a:endParaRPr lang="fr-FR"/>
-          </a:p>
-        </p:txBody>
-      </p:sp>
-      <p:sp>
-        <p:nvSpPr>
-          <p:cNvPr id="18" name="Block Arc 17"/>
-          <p:cNvSpPr/>
-          <p:nvPr/>
-        </p:nvSpPr>
-        <p:spPr>
-          <a:xfrm rot="7857089">
-            <a:off x="1549816" y="3320643"/>
-            <a:ext cx="257420" cy="266948"/>
-          </a:xfrm>
-          <a:prstGeom prst="blockArc">
-            <a:avLst/>
-          </a:prstGeom>
-          <a:solidFill>
-            <a:schemeClr val="tx1"/>
-          </a:solidFill>
-          <a:ln>
-            <a:solidFill>
-              <a:schemeClr val="tx1"/>
-            </a:solidFill>
-          </a:ln>
-        </p:spPr>
-        <p:style>
-          <a:lnRef idx="2">
-            <a:schemeClr val="accent1">
-              <a:shade val="50000"/>
-            </a:schemeClr>
-          </a:lnRef>
-          <a:fillRef idx="1">
-            <a:schemeClr val="accent1"/>
-          </a:fillRef>
-          <a:effectRef idx="0">
-            <a:schemeClr val="accent1"/>
-          </a:effectRef>
-          <a:fontRef idx="minor">
-            <a:schemeClr val="lt1"/>
-          </a:fontRef>
-        </p:style>
-        <p:txBody>
-          <a:bodyPr rtlCol="0" anchor="ctr"/>
-          <a:lstStyle/>
-          <a:p>
-            <a:pPr algn="ctr"/>
-            <a:endParaRPr lang="fr-FR">
-              <a:solidFill>
-                <a:schemeClr val="tx1"/>
-              </a:solidFill>
-            </a:endParaRPr>
-          </a:p>
-        </p:txBody>
-      </p:sp>
-      <p:sp>
-        <p:nvSpPr>
-          <p:cNvPr id="19" name="Block Arc 18"/>
-          <p:cNvSpPr/>
-          <p:nvPr/>
-        </p:nvSpPr>
-        <p:spPr>
-          <a:xfrm rot="13689670">
-            <a:off x="1765632" y="3334155"/>
-            <a:ext cx="257420" cy="266948"/>
-          </a:xfrm>
-          <a:prstGeom prst="blockArc">
-            <a:avLst/>
-          </a:prstGeom>
-          <a:solidFill>
-            <a:schemeClr val="tx1"/>
-          </a:solidFill>
-          <a:ln>
-            <a:solidFill>
-              <a:schemeClr val="tx1"/>
-            </a:solidFill>
-          </a:ln>
-        </p:spPr>
-        <p:style>
-          <a:lnRef idx="2">
-            <a:schemeClr val="accent1">
-              <a:shade val="50000"/>
-            </a:schemeClr>
-          </a:lnRef>
-          <a:fillRef idx="1">
-            <a:schemeClr val="accent1"/>
-          </a:fillRef>
-          <a:effectRef idx="0">
-            <a:schemeClr val="accent1"/>
-          </a:effectRef>
-          <a:fontRef idx="minor">
-            <a:schemeClr val="lt1"/>
-          </a:fontRef>
-        </p:style>
-        <p:txBody>
-          <a:bodyPr rtlCol="0" anchor="ctr"/>
-          <a:lstStyle/>
-          <a:p>
-            <a:pPr algn="ctr"/>
-            <a:endParaRPr lang="fr-FR">
-              <a:solidFill>
-                <a:schemeClr val="tx1"/>
-              </a:solidFill>
+            <a:r>
+              <a:rPr lang="fr-FR" dirty="0">
+                <a:latin typeface="Comic Sans MS" panose="030F0702030302020204" pitchFamily="66" charset="0"/>
+              </a:rPr>
+              <a:t>Pas des machines assez puissantes pour modéliser un </a:t>
+            </a:r>
+            <a:r>
+              <a:rPr lang="fr-FR" dirty="0" err="1">
+                <a:latin typeface="Comic Sans MS" panose="030F0702030302020204" pitchFamily="66" charset="0"/>
+              </a:rPr>
+              <a:t>batiment</a:t>
+            </a:r>
+            <a:r>
+              <a:rPr lang="fr-FR" dirty="0">
+                <a:latin typeface="Comic Sans MS" panose="030F0702030302020204" pitchFamily="66" charset="0"/>
+              </a:rPr>
+              <a:t> entier par une simulation physique (plus de  2000 personnes pour un lycée , donc ingérable)</a:t>
+            </a:r>
+          </a:p>
+          <a:p>
+            <a:r>
+              <a:rPr lang="fr-FR" dirty="0">
+                <a:latin typeface="Comic Sans MS" panose="030F0702030302020204" pitchFamily="66" charset="0"/>
+              </a:rPr>
+              <a:t>Nécessité de travailler à 2 échelles différentes (global </a:t>
+            </a:r>
+            <a:r>
+              <a:rPr lang="fr-FR" dirty="0">
+                <a:latin typeface="Comic Sans MS" panose="030F0702030302020204" pitchFamily="66" charset="0"/>
+                <a:sym typeface="Wingdings" panose="05000000000000000000" pitchFamily="2" charset="2"/>
+              </a:rPr>
+              <a:t> modélisation par flux, local  modélisation multi-agents)</a:t>
+            </a:r>
+            <a:endParaRPr lang="fr-FR" dirty="0">
+              <a:latin typeface="Comic Sans MS" panose="030F0702030302020204" pitchFamily="66" charset="0"/>
             </a:endParaRPr>
           </a:p>
         </p:txBody>
@@ -9659,7 +11855,7 @@
     </p:spTree>
     <p:extLst>
       <p:ext uri="{BB962C8B-B14F-4D97-AF65-F5344CB8AC3E}">
-        <p14:creationId xmlns:p14="http://schemas.microsoft.com/office/powerpoint/2010/main" val="2689384676"/>
+        <p14:creationId xmlns:p14="http://schemas.microsoft.com/office/powerpoint/2010/main" val="4001300647"/>
       </p:ext>
     </p:extLst>
   </p:cSld>
@@ -9705,25 +11901,6 @@
               <a:rPr lang="fr-FR" dirty="0"/>
               <a:t>Optimisation locale</a:t>
             </a:r>
-          </a:p>
-        </p:txBody>
-      </p:sp>
-      <p:sp>
-        <p:nvSpPr>
-          <p:cNvPr id="3" name="Text Placeholder 2"/>
-          <p:cNvSpPr>
-            <a:spLocks noGrp="1"/>
-          </p:cNvSpPr>
-          <p:nvPr>
-            <p:ph type="body" idx="1"/>
-          </p:nvPr>
-        </p:nvSpPr>
-        <p:spPr/>
-        <p:txBody>
-          <a:bodyPr/>
-          <a:lstStyle/>
-          <a:p>
-            <a:endParaRPr lang="fr-FR"/>
           </a:p>
         </p:txBody>
       </p:sp>
@@ -9774,6 +11951,864 @@
           <a:p>
             <a:r>
               <a:rPr lang="fr-FR" dirty="0"/>
+              <a:t>Les paramètres significatifs négligés</a:t>
+            </a:r>
+          </a:p>
+        </p:txBody>
+      </p:sp>
+      <p:sp>
+        <p:nvSpPr>
+          <p:cNvPr id="3" name="Content Placeholder 2"/>
+          <p:cNvSpPr>
+            <a:spLocks noGrp="1"/>
+          </p:cNvSpPr>
+          <p:nvPr>
+            <p:ph idx="1"/>
+          </p:nvPr>
+        </p:nvSpPr>
+        <p:spPr/>
+        <p:txBody>
+          <a:bodyPr/>
+          <a:lstStyle/>
+          <a:p>
+            <a:r>
+              <a:rPr lang="fr-FR" dirty="0"/>
+              <a:t>Pas prise en compte de la congestion, instinct grégaire, panique, comportements singuliers, les personnes sont représentés par des cercles, et non des ellipses</a:t>
+            </a:r>
+          </a:p>
+          <a:p>
+            <a:endParaRPr lang="fr-FR" dirty="0"/>
+          </a:p>
+          <a:p>
+            <a:endParaRPr lang="fr-FR" dirty="0"/>
+          </a:p>
+        </p:txBody>
+      </p:sp>
+    </p:spTree>
+    <p:extLst>
+      <p:ext uri="{BB962C8B-B14F-4D97-AF65-F5344CB8AC3E}">
+        <p14:creationId xmlns:p14="http://schemas.microsoft.com/office/powerpoint/2010/main" val="611200844"/>
+      </p:ext>
+    </p:extLst>
+  </p:cSld>
+  <p:clrMapOvr>
+    <a:masterClrMapping/>
+  </p:clrMapOvr>
+</p:sld>
+</file>
+
+<file path=ppt/slides/slide6.xml><?xml version="1.0" encoding="utf-8"?>
+<p:sld xmlns:a="http://schemas.openxmlformats.org/drawingml/2006/main" xmlns:r="http://schemas.openxmlformats.org/officeDocument/2006/relationships" xmlns:p="http://schemas.openxmlformats.org/presentationml/2006/main">
+  <p:cSld>
+    <p:spTree>
+      <p:nvGrpSpPr>
+        <p:cNvPr id="1" name=""/>
+        <p:cNvGrpSpPr/>
+        <p:nvPr/>
+      </p:nvGrpSpPr>
+      <p:grpSpPr>
+        <a:xfrm>
+          <a:off x="0" y="0"/>
+          <a:ext cx="0" cy="0"/>
+          <a:chOff x="0" y="0"/>
+          <a:chExt cx="0" cy="0"/>
+        </a:xfrm>
+      </p:grpSpPr>
+      <p:sp>
+        <p:nvSpPr>
+          <p:cNvPr id="2" name="Title 1"/>
+          <p:cNvSpPr>
+            <a:spLocks noGrp="1"/>
+          </p:cNvSpPr>
+          <p:nvPr>
+            <p:ph type="title"/>
+          </p:nvPr>
+        </p:nvSpPr>
+        <p:spPr>
+          <a:xfrm>
+            <a:off x="1785740" y="570959"/>
+            <a:ext cx="8911687" cy="1280890"/>
+          </a:xfrm>
+        </p:spPr>
+        <p:txBody>
+          <a:bodyPr/>
+          <a:lstStyle/>
+          <a:p>
+            <a:r>
+              <a:rPr lang="fr-FR" dirty="0"/>
+              <a:t>Aide d’un moteur physique</a:t>
+            </a:r>
+          </a:p>
+        </p:txBody>
+      </p:sp>
+      <p:sp>
+        <p:nvSpPr>
+          <p:cNvPr id="4" name="Oval 3"/>
+          <p:cNvSpPr/>
+          <p:nvPr/>
+        </p:nvSpPr>
+        <p:spPr>
+          <a:xfrm>
+            <a:off x="1670180" y="4338735"/>
+            <a:ext cx="914400" cy="914400"/>
+          </a:xfrm>
+          <a:prstGeom prst="ellipse">
+            <a:avLst/>
+          </a:prstGeom>
+          <a:solidFill>
+            <a:srgbClr val="00B050"/>
+          </a:solidFill>
+        </p:spPr>
+        <p:style>
+          <a:lnRef idx="2">
+            <a:schemeClr val="accent1">
+              <a:shade val="50000"/>
+            </a:schemeClr>
+          </a:lnRef>
+          <a:fillRef idx="1">
+            <a:schemeClr val="accent1"/>
+          </a:fillRef>
+          <a:effectRef idx="0">
+            <a:schemeClr val="accent1"/>
+          </a:effectRef>
+          <a:fontRef idx="minor">
+            <a:schemeClr val="lt1"/>
+          </a:fontRef>
+        </p:style>
+        <p:txBody>
+          <a:bodyPr rtlCol="0" anchor="ctr"/>
+          <a:lstStyle/>
+          <a:p>
+            <a:pPr algn="ctr"/>
+            <a:endParaRPr lang="fr-FR"/>
+          </a:p>
+        </p:txBody>
+      </p:sp>
+      <p:sp>
+        <p:nvSpPr>
+          <p:cNvPr id="5" name="Oval 4"/>
+          <p:cNvSpPr/>
+          <p:nvPr/>
+        </p:nvSpPr>
+        <p:spPr>
+          <a:xfrm>
+            <a:off x="2135725" y="3680648"/>
+            <a:ext cx="914400" cy="914400"/>
+          </a:xfrm>
+          <a:prstGeom prst="ellipse">
+            <a:avLst/>
+          </a:prstGeom>
+          <a:solidFill>
+            <a:srgbClr val="00B050"/>
+          </a:solidFill>
+        </p:spPr>
+        <p:style>
+          <a:lnRef idx="2">
+            <a:schemeClr val="accent1">
+              <a:shade val="50000"/>
+            </a:schemeClr>
+          </a:lnRef>
+          <a:fillRef idx="1">
+            <a:schemeClr val="accent1"/>
+          </a:fillRef>
+          <a:effectRef idx="0">
+            <a:schemeClr val="accent1"/>
+          </a:effectRef>
+          <a:fontRef idx="minor">
+            <a:schemeClr val="lt1"/>
+          </a:fontRef>
+        </p:style>
+        <p:txBody>
+          <a:bodyPr rtlCol="0" anchor="ctr"/>
+          <a:lstStyle/>
+          <a:p>
+            <a:pPr algn="ctr"/>
+            <a:endParaRPr lang="fr-FR"/>
+          </a:p>
+        </p:txBody>
+      </p:sp>
+      <p:sp>
+        <p:nvSpPr>
+          <p:cNvPr id="6" name="Oval 5"/>
+          <p:cNvSpPr/>
+          <p:nvPr/>
+        </p:nvSpPr>
+        <p:spPr>
+          <a:xfrm>
+            <a:off x="2223796" y="2852835"/>
+            <a:ext cx="914400" cy="914400"/>
+          </a:xfrm>
+          <a:prstGeom prst="ellipse">
+            <a:avLst/>
+          </a:prstGeom>
+          <a:solidFill>
+            <a:srgbClr val="00B050"/>
+          </a:solidFill>
+        </p:spPr>
+        <p:style>
+          <a:lnRef idx="2">
+            <a:schemeClr val="accent1">
+              <a:shade val="50000"/>
+            </a:schemeClr>
+          </a:lnRef>
+          <a:fillRef idx="1">
+            <a:schemeClr val="accent1"/>
+          </a:fillRef>
+          <a:effectRef idx="0">
+            <a:schemeClr val="accent1"/>
+          </a:effectRef>
+          <a:fontRef idx="minor">
+            <a:schemeClr val="lt1"/>
+          </a:fontRef>
+        </p:style>
+        <p:txBody>
+          <a:bodyPr rtlCol="0" anchor="ctr"/>
+          <a:lstStyle/>
+          <a:p>
+            <a:pPr algn="ctr"/>
+            <a:endParaRPr lang="fr-FR"/>
+          </a:p>
+        </p:txBody>
+      </p:sp>
+      <p:sp>
+        <p:nvSpPr>
+          <p:cNvPr id="3" name="Oval 2"/>
+          <p:cNvSpPr/>
+          <p:nvPr/>
+        </p:nvSpPr>
+        <p:spPr>
+          <a:xfrm>
+            <a:off x="2584580" y="852526"/>
+            <a:ext cx="394996" cy="2347481"/>
+          </a:xfrm>
+          <a:prstGeom prst="ellipse">
+            <a:avLst/>
+          </a:prstGeom>
+          <a:solidFill>
+            <a:schemeClr val="bg1">
+              <a:lumMod val="85000"/>
+            </a:schemeClr>
+          </a:solidFill>
+        </p:spPr>
+        <p:style>
+          <a:lnRef idx="2">
+            <a:schemeClr val="accent1">
+              <a:shade val="50000"/>
+            </a:schemeClr>
+          </a:lnRef>
+          <a:fillRef idx="1">
+            <a:schemeClr val="accent1"/>
+          </a:fillRef>
+          <a:effectRef idx="0">
+            <a:schemeClr val="accent1"/>
+          </a:effectRef>
+          <a:fontRef idx="minor">
+            <a:schemeClr val="lt1"/>
+          </a:fontRef>
+        </p:style>
+        <p:txBody>
+          <a:bodyPr rtlCol="0" anchor="ctr"/>
+          <a:lstStyle/>
+          <a:p>
+            <a:pPr algn="ctr"/>
+            <a:endParaRPr lang="fr-FR"/>
+          </a:p>
+        </p:txBody>
+      </p:sp>
+      <p:sp>
+        <p:nvSpPr>
+          <p:cNvPr id="7" name="Oval 6"/>
+          <p:cNvSpPr/>
+          <p:nvPr/>
+        </p:nvSpPr>
+        <p:spPr>
+          <a:xfrm>
+            <a:off x="1722561" y="2275613"/>
+            <a:ext cx="914400" cy="914400"/>
+          </a:xfrm>
+          <a:prstGeom prst="ellipse">
+            <a:avLst/>
+          </a:prstGeom>
+          <a:solidFill>
+            <a:srgbClr val="00B050"/>
+          </a:solidFill>
+        </p:spPr>
+        <p:style>
+          <a:lnRef idx="2">
+            <a:schemeClr val="accent1">
+              <a:shade val="50000"/>
+            </a:schemeClr>
+          </a:lnRef>
+          <a:fillRef idx="1">
+            <a:schemeClr val="accent1"/>
+          </a:fillRef>
+          <a:effectRef idx="0">
+            <a:schemeClr val="accent1"/>
+          </a:effectRef>
+          <a:fontRef idx="minor">
+            <a:schemeClr val="lt1"/>
+          </a:fontRef>
+        </p:style>
+        <p:txBody>
+          <a:bodyPr rtlCol="0" anchor="ctr"/>
+          <a:lstStyle/>
+          <a:p>
+            <a:pPr algn="ctr"/>
+            <a:endParaRPr lang="fr-FR"/>
+          </a:p>
+        </p:txBody>
+      </p:sp>
+      <p:sp>
+        <p:nvSpPr>
+          <p:cNvPr id="8" name="Oval 7"/>
+          <p:cNvSpPr/>
+          <p:nvPr/>
+        </p:nvSpPr>
+        <p:spPr>
+          <a:xfrm>
+            <a:off x="1156203" y="2352342"/>
+            <a:ext cx="1206266" cy="914400"/>
+          </a:xfrm>
+          <a:prstGeom prst="ellipse">
+            <a:avLst/>
+          </a:prstGeom>
+          <a:solidFill>
+            <a:srgbClr val="00B050"/>
+          </a:solidFill>
+        </p:spPr>
+        <p:style>
+          <a:lnRef idx="2">
+            <a:schemeClr val="accent1">
+              <a:shade val="50000"/>
+            </a:schemeClr>
+          </a:lnRef>
+          <a:fillRef idx="1">
+            <a:schemeClr val="accent1"/>
+          </a:fillRef>
+          <a:effectRef idx="0">
+            <a:schemeClr val="accent1"/>
+          </a:effectRef>
+          <a:fontRef idx="minor">
+            <a:schemeClr val="lt1"/>
+          </a:fontRef>
+        </p:style>
+        <p:txBody>
+          <a:bodyPr rtlCol="0" anchor="ctr"/>
+          <a:lstStyle/>
+          <a:p>
+            <a:pPr algn="ctr"/>
+            <a:endParaRPr lang="fr-FR"/>
+          </a:p>
+        </p:txBody>
+      </p:sp>
+      <p:sp>
+        <p:nvSpPr>
+          <p:cNvPr id="10" name="Oval 9"/>
+          <p:cNvSpPr/>
+          <p:nvPr/>
+        </p:nvSpPr>
+        <p:spPr>
+          <a:xfrm>
+            <a:off x="1408921" y="2275612"/>
+            <a:ext cx="261259" cy="543787"/>
+          </a:xfrm>
+          <a:prstGeom prst="ellipse">
+            <a:avLst/>
+          </a:prstGeom>
+          <a:solidFill>
+            <a:schemeClr val="bg1"/>
+          </a:solidFill>
+        </p:spPr>
+        <p:style>
+          <a:lnRef idx="2">
+            <a:schemeClr val="accent1">
+              <a:shade val="50000"/>
+            </a:schemeClr>
+          </a:lnRef>
+          <a:fillRef idx="1">
+            <a:schemeClr val="accent1"/>
+          </a:fillRef>
+          <a:effectRef idx="0">
+            <a:schemeClr val="accent1"/>
+          </a:effectRef>
+          <a:fontRef idx="minor">
+            <a:schemeClr val="lt1"/>
+          </a:fontRef>
+        </p:style>
+        <p:txBody>
+          <a:bodyPr rtlCol="0" anchor="ctr"/>
+          <a:lstStyle/>
+          <a:p>
+            <a:pPr algn="ctr"/>
+            <a:endParaRPr lang="fr-FR"/>
+          </a:p>
+        </p:txBody>
+      </p:sp>
+      <p:sp>
+        <p:nvSpPr>
+          <p:cNvPr id="11" name="Oval 10"/>
+          <p:cNvSpPr/>
+          <p:nvPr/>
+        </p:nvSpPr>
+        <p:spPr>
+          <a:xfrm>
+            <a:off x="1922898" y="2265755"/>
+            <a:ext cx="261259" cy="543787"/>
+          </a:xfrm>
+          <a:prstGeom prst="ellipse">
+            <a:avLst/>
+          </a:prstGeom>
+          <a:solidFill>
+            <a:schemeClr val="bg1"/>
+          </a:solidFill>
+        </p:spPr>
+        <p:style>
+          <a:lnRef idx="2">
+            <a:schemeClr val="accent1">
+              <a:shade val="50000"/>
+            </a:schemeClr>
+          </a:lnRef>
+          <a:fillRef idx="1">
+            <a:schemeClr val="accent1"/>
+          </a:fillRef>
+          <a:effectRef idx="0">
+            <a:schemeClr val="accent1"/>
+          </a:effectRef>
+          <a:fontRef idx="minor">
+            <a:schemeClr val="lt1"/>
+          </a:fontRef>
+        </p:style>
+        <p:txBody>
+          <a:bodyPr rtlCol="0" anchor="ctr"/>
+          <a:lstStyle/>
+          <a:p>
+            <a:pPr algn="ctr"/>
+            <a:endParaRPr lang="fr-FR"/>
+          </a:p>
+        </p:txBody>
+      </p:sp>
+      <p:sp>
+        <p:nvSpPr>
+          <p:cNvPr id="12" name="Oval 11"/>
+          <p:cNvSpPr/>
+          <p:nvPr/>
+        </p:nvSpPr>
+        <p:spPr>
+          <a:xfrm>
+            <a:off x="1465141" y="2422568"/>
+            <a:ext cx="183265" cy="249874"/>
+          </a:xfrm>
+          <a:prstGeom prst="ellipse">
+            <a:avLst/>
+          </a:prstGeom>
+          <a:solidFill>
+            <a:schemeClr val="tx1"/>
+          </a:solidFill>
+        </p:spPr>
+        <p:style>
+          <a:lnRef idx="2">
+            <a:schemeClr val="accent1">
+              <a:shade val="50000"/>
+            </a:schemeClr>
+          </a:lnRef>
+          <a:fillRef idx="1">
+            <a:schemeClr val="accent1"/>
+          </a:fillRef>
+          <a:effectRef idx="0">
+            <a:schemeClr val="accent1"/>
+          </a:effectRef>
+          <a:fontRef idx="minor">
+            <a:schemeClr val="lt1"/>
+          </a:fontRef>
+        </p:style>
+        <p:txBody>
+          <a:bodyPr rtlCol="0" anchor="ctr"/>
+          <a:lstStyle/>
+          <a:p>
+            <a:pPr algn="ctr"/>
+            <a:endParaRPr lang="fr-FR"/>
+          </a:p>
+        </p:txBody>
+      </p:sp>
+      <p:sp>
+        <p:nvSpPr>
+          <p:cNvPr id="14" name="Oval 13"/>
+          <p:cNvSpPr/>
+          <p:nvPr/>
+        </p:nvSpPr>
+        <p:spPr>
+          <a:xfrm>
+            <a:off x="1996496" y="2412711"/>
+            <a:ext cx="183265" cy="249874"/>
+          </a:xfrm>
+          <a:prstGeom prst="ellipse">
+            <a:avLst/>
+          </a:prstGeom>
+          <a:solidFill>
+            <a:schemeClr val="tx1"/>
+          </a:solidFill>
+        </p:spPr>
+        <p:style>
+          <a:lnRef idx="2">
+            <a:schemeClr val="accent1">
+              <a:shade val="50000"/>
+            </a:schemeClr>
+          </a:lnRef>
+          <a:fillRef idx="1">
+            <a:schemeClr val="accent1"/>
+          </a:fillRef>
+          <a:effectRef idx="0">
+            <a:schemeClr val="accent1"/>
+          </a:effectRef>
+          <a:fontRef idx="minor">
+            <a:schemeClr val="lt1"/>
+          </a:fontRef>
+        </p:style>
+        <p:txBody>
+          <a:bodyPr rtlCol="0" anchor="ctr"/>
+          <a:lstStyle/>
+          <a:p>
+            <a:pPr algn="ctr"/>
+            <a:endParaRPr lang="fr-FR"/>
+          </a:p>
+        </p:txBody>
+      </p:sp>
+      <p:sp>
+        <p:nvSpPr>
+          <p:cNvPr id="16" name="Block Arc 15"/>
+          <p:cNvSpPr/>
+          <p:nvPr/>
+        </p:nvSpPr>
+        <p:spPr>
+          <a:xfrm rot="10800000">
+            <a:off x="1530862" y="2757725"/>
+            <a:ext cx="531355" cy="337178"/>
+          </a:xfrm>
+          <a:prstGeom prst="blockArc">
+            <a:avLst/>
+          </a:prstGeom>
+          <a:solidFill>
+            <a:schemeClr val="tx1"/>
+          </a:solidFill>
+          <a:ln>
+            <a:solidFill>
+              <a:schemeClr val="tx1"/>
+            </a:solidFill>
+          </a:ln>
+        </p:spPr>
+        <p:style>
+          <a:lnRef idx="2">
+            <a:schemeClr val="accent1">
+              <a:shade val="50000"/>
+            </a:schemeClr>
+          </a:lnRef>
+          <a:fillRef idx="1">
+            <a:schemeClr val="accent1"/>
+          </a:fillRef>
+          <a:effectRef idx="0">
+            <a:schemeClr val="accent1"/>
+          </a:effectRef>
+          <a:fontRef idx="minor">
+            <a:schemeClr val="lt1"/>
+          </a:fontRef>
+        </p:style>
+        <p:txBody>
+          <a:bodyPr rtlCol="0" anchor="ctr"/>
+          <a:lstStyle/>
+          <a:p>
+            <a:pPr algn="ctr"/>
+            <a:endParaRPr lang="fr-FR">
+              <a:solidFill>
+                <a:schemeClr val="tx1"/>
+              </a:solidFill>
+            </a:endParaRPr>
+          </a:p>
+        </p:txBody>
+      </p:sp>
+      <p:sp>
+        <p:nvSpPr>
+          <p:cNvPr id="17" name="Rectangle 16"/>
+          <p:cNvSpPr/>
+          <p:nvPr/>
+        </p:nvSpPr>
+        <p:spPr>
+          <a:xfrm>
+            <a:off x="1722561" y="3058593"/>
+            <a:ext cx="126358" cy="441694"/>
+          </a:xfrm>
+          <a:prstGeom prst="rect">
+            <a:avLst/>
+          </a:prstGeom>
+          <a:solidFill>
+            <a:schemeClr val="tx1"/>
+          </a:solidFill>
+          <a:ln>
+            <a:solidFill>
+              <a:schemeClr val="tx1"/>
+            </a:solidFill>
+          </a:ln>
+        </p:spPr>
+        <p:style>
+          <a:lnRef idx="2">
+            <a:schemeClr val="accent1">
+              <a:shade val="50000"/>
+            </a:schemeClr>
+          </a:lnRef>
+          <a:fillRef idx="1">
+            <a:schemeClr val="accent1"/>
+          </a:fillRef>
+          <a:effectRef idx="0">
+            <a:schemeClr val="accent1"/>
+          </a:effectRef>
+          <a:fontRef idx="minor">
+            <a:schemeClr val="lt1"/>
+          </a:fontRef>
+        </p:style>
+        <p:txBody>
+          <a:bodyPr rtlCol="0" anchor="ctr"/>
+          <a:lstStyle/>
+          <a:p>
+            <a:pPr algn="ctr"/>
+            <a:endParaRPr lang="fr-FR"/>
+          </a:p>
+        </p:txBody>
+      </p:sp>
+      <p:sp>
+        <p:nvSpPr>
+          <p:cNvPr id="18" name="Block Arc 17"/>
+          <p:cNvSpPr/>
+          <p:nvPr/>
+        </p:nvSpPr>
+        <p:spPr>
+          <a:xfrm rot="7857089">
+            <a:off x="1549816" y="3320643"/>
+            <a:ext cx="257420" cy="266948"/>
+          </a:xfrm>
+          <a:prstGeom prst="blockArc">
+            <a:avLst/>
+          </a:prstGeom>
+          <a:solidFill>
+            <a:schemeClr val="tx1"/>
+          </a:solidFill>
+          <a:ln>
+            <a:solidFill>
+              <a:schemeClr val="tx1"/>
+            </a:solidFill>
+          </a:ln>
+        </p:spPr>
+        <p:style>
+          <a:lnRef idx="2">
+            <a:schemeClr val="accent1">
+              <a:shade val="50000"/>
+            </a:schemeClr>
+          </a:lnRef>
+          <a:fillRef idx="1">
+            <a:schemeClr val="accent1"/>
+          </a:fillRef>
+          <a:effectRef idx="0">
+            <a:schemeClr val="accent1"/>
+          </a:effectRef>
+          <a:fontRef idx="minor">
+            <a:schemeClr val="lt1"/>
+          </a:fontRef>
+        </p:style>
+        <p:txBody>
+          <a:bodyPr rtlCol="0" anchor="ctr"/>
+          <a:lstStyle/>
+          <a:p>
+            <a:pPr algn="ctr"/>
+            <a:endParaRPr lang="fr-FR">
+              <a:solidFill>
+                <a:schemeClr val="tx1"/>
+              </a:solidFill>
+            </a:endParaRPr>
+          </a:p>
+        </p:txBody>
+      </p:sp>
+      <p:sp>
+        <p:nvSpPr>
+          <p:cNvPr id="19" name="Block Arc 18"/>
+          <p:cNvSpPr/>
+          <p:nvPr/>
+        </p:nvSpPr>
+        <p:spPr>
+          <a:xfrm rot="13689670">
+            <a:off x="1765632" y="3334155"/>
+            <a:ext cx="257420" cy="266948"/>
+          </a:xfrm>
+          <a:prstGeom prst="blockArc">
+            <a:avLst/>
+          </a:prstGeom>
+          <a:solidFill>
+            <a:schemeClr val="tx1"/>
+          </a:solidFill>
+          <a:ln>
+            <a:solidFill>
+              <a:schemeClr val="tx1"/>
+            </a:solidFill>
+          </a:ln>
+        </p:spPr>
+        <p:style>
+          <a:lnRef idx="2">
+            <a:schemeClr val="accent1">
+              <a:shade val="50000"/>
+            </a:schemeClr>
+          </a:lnRef>
+          <a:fillRef idx="1">
+            <a:schemeClr val="accent1"/>
+          </a:fillRef>
+          <a:effectRef idx="0">
+            <a:schemeClr val="accent1"/>
+          </a:effectRef>
+          <a:fontRef idx="minor">
+            <a:schemeClr val="lt1"/>
+          </a:fontRef>
+        </p:style>
+        <p:txBody>
+          <a:bodyPr rtlCol="0" anchor="ctr"/>
+          <a:lstStyle/>
+          <a:p>
+            <a:pPr algn="ctr"/>
+            <a:endParaRPr lang="fr-FR">
+              <a:solidFill>
+                <a:schemeClr val="tx1"/>
+              </a:solidFill>
+            </a:endParaRPr>
+          </a:p>
+        </p:txBody>
+      </p:sp>
+      <p:sp>
+        <p:nvSpPr>
+          <p:cNvPr id="20" name="Oval 19"/>
+          <p:cNvSpPr/>
+          <p:nvPr/>
+        </p:nvSpPr>
+        <p:spPr>
+          <a:xfrm rot="4074180">
+            <a:off x="3745442" y="1752573"/>
+            <a:ext cx="394996" cy="2347481"/>
+          </a:xfrm>
+          <a:prstGeom prst="ellipse">
+            <a:avLst/>
+          </a:prstGeom>
+          <a:solidFill>
+            <a:schemeClr val="bg1">
+              <a:lumMod val="85000"/>
+            </a:schemeClr>
+          </a:solidFill>
+        </p:spPr>
+        <p:style>
+          <a:lnRef idx="2">
+            <a:schemeClr val="accent1">
+              <a:shade val="50000"/>
+            </a:schemeClr>
+          </a:lnRef>
+          <a:fillRef idx="1">
+            <a:schemeClr val="accent1"/>
+          </a:fillRef>
+          <a:effectRef idx="0">
+            <a:schemeClr val="accent1"/>
+          </a:effectRef>
+          <a:fontRef idx="minor">
+            <a:schemeClr val="lt1"/>
+          </a:fontRef>
+        </p:style>
+        <p:txBody>
+          <a:bodyPr rtlCol="0" anchor="ctr"/>
+          <a:lstStyle/>
+          <a:p>
+            <a:pPr algn="ctr"/>
+            <a:endParaRPr lang="fr-FR"/>
+          </a:p>
+        </p:txBody>
+      </p:sp>
+      <p:sp>
+        <p:nvSpPr>
+          <p:cNvPr id="9" name="Isosceles Triangle 8"/>
+          <p:cNvSpPr/>
+          <p:nvPr/>
+        </p:nvSpPr>
+        <p:spPr>
+          <a:xfrm rot="12927298">
+            <a:off x="1512019" y="5049132"/>
+            <a:ext cx="485484" cy="603001"/>
+          </a:xfrm>
+          <a:prstGeom prst="triangle">
+            <a:avLst/>
+          </a:prstGeom>
+        </p:spPr>
+        <p:style>
+          <a:lnRef idx="2">
+            <a:schemeClr val="accent1">
+              <a:shade val="50000"/>
+            </a:schemeClr>
+          </a:lnRef>
+          <a:fillRef idx="1">
+            <a:schemeClr val="accent1"/>
+          </a:fillRef>
+          <a:effectRef idx="0">
+            <a:schemeClr val="accent1"/>
+          </a:effectRef>
+          <a:fontRef idx="minor">
+            <a:schemeClr val="lt1"/>
+          </a:fontRef>
+        </p:style>
+        <p:txBody>
+          <a:bodyPr rtlCol="0" anchor="ctr"/>
+          <a:lstStyle/>
+          <a:p>
+            <a:pPr algn="ctr"/>
+            <a:endParaRPr lang="fr-FR"/>
+          </a:p>
+        </p:txBody>
+      </p:sp>
+    </p:spTree>
+    <p:extLst>
+      <p:ext uri="{BB962C8B-B14F-4D97-AF65-F5344CB8AC3E}">
+        <p14:creationId xmlns:p14="http://schemas.microsoft.com/office/powerpoint/2010/main" val="2689384676"/>
+      </p:ext>
+    </p:extLst>
+  </p:cSld>
+  <p:clrMapOvr>
+    <a:masterClrMapping/>
+  </p:clrMapOvr>
+</p:sld>
+</file>
+
+<file path=ppt/slides/slide7.xml><?xml version="1.0" encoding="utf-8"?>
+<p:sld xmlns:a="http://schemas.openxmlformats.org/drawingml/2006/main" xmlns:r="http://schemas.openxmlformats.org/officeDocument/2006/relationships" xmlns:p="http://schemas.openxmlformats.org/presentationml/2006/main">
+  <p:cSld>
+    <p:spTree>
+      <p:nvGrpSpPr>
+        <p:cNvPr id="1" name=""/>
+        <p:cNvGrpSpPr/>
+        <p:nvPr/>
+      </p:nvGrpSpPr>
+      <p:grpSpPr>
+        <a:xfrm>
+          <a:off x="0" y="0"/>
+          <a:ext cx="0" cy="0"/>
+          <a:chOff x="0" y="0"/>
+          <a:chExt cx="0" cy="0"/>
+        </a:xfrm>
+      </p:grpSpPr>
+      <p:sp>
+        <p:nvSpPr>
+          <p:cNvPr id="2" name="Title 1"/>
+          <p:cNvSpPr>
+            <a:spLocks noGrp="1"/>
+          </p:cNvSpPr>
+          <p:nvPr>
+            <p:ph type="title"/>
+          </p:nvPr>
+        </p:nvSpPr>
+        <p:spPr/>
+        <p:txBody>
+          <a:bodyPr/>
+          <a:lstStyle/>
+          <a:p>
+            <a:r>
+              <a:rPr lang="fr-FR" dirty="0"/>
               <a:t>Construction d’une salle</a:t>
             </a:r>
           </a:p>
@@ -9811,7 +12846,7 @@
 </p:sld>
 </file>
 
-<file path=ppt/slides/slide6.xml><?xml version="1.0" encoding="utf-8"?>
+<file path=ppt/slides/slide8.xml><?xml version="1.0" encoding="utf-8"?>
 <p:sld xmlns:a="http://schemas.openxmlformats.org/drawingml/2006/main" xmlns:r="http://schemas.openxmlformats.org/officeDocument/2006/relationships" xmlns:p="http://schemas.openxmlformats.org/presentationml/2006/main">
   <p:cSld>
     <p:spTree>
@@ -10036,7 +13071,7 @@
 </p:sld>
 </file>
 
-<file path=ppt/slides/slide7.xml><?xml version="1.0" encoding="utf-8"?>
+<file path=ppt/slides/slide9.xml><?xml version="1.0" encoding="utf-8"?>
 <p:sld xmlns:a="http://schemas.openxmlformats.org/drawingml/2006/main" xmlns:r="http://schemas.openxmlformats.org/officeDocument/2006/relationships" xmlns:p="http://schemas.openxmlformats.org/presentationml/2006/main">
   <p:cSld>
     <p:spTree>
@@ -10483,1354 +13518,6 @@
       </p:transition>
     </mc:Fallback>
   </mc:AlternateContent>
-</p:sld>
-</file>
-
-<file path=ppt/slides/slide8.xml><?xml version="1.0" encoding="utf-8"?>
-<p:sld xmlns:a="http://schemas.openxmlformats.org/drawingml/2006/main" xmlns:r="http://schemas.openxmlformats.org/officeDocument/2006/relationships" xmlns:p="http://schemas.openxmlformats.org/presentationml/2006/main">
-  <p:cSld>
-    <p:spTree>
-      <p:nvGrpSpPr>
-        <p:cNvPr id="1" name=""/>
-        <p:cNvGrpSpPr/>
-        <p:nvPr/>
-      </p:nvGrpSpPr>
-      <p:grpSpPr>
-        <a:xfrm>
-          <a:off x="0" y="0"/>
-          <a:ext cx="0" cy="0"/>
-          <a:chOff x="0" y="0"/>
-          <a:chExt cx="0" cy="0"/>
-        </a:xfrm>
-      </p:grpSpPr>
-      <p:pic>
-        <p:nvPicPr>
-          <p:cNvPr id="10" name="Picture 9"/>
-          <p:cNvPicPr>
-            <a:picLocks noChangeAspect="1"/>
-          </p:cNvPicPr>
-          <p:nvPr/>
-        </p:nvPicPr>
-        <p:blipFill rotWithShape="1">
-          <a:blip r:embed="rId2">
-            <a:extLst>
-              <a:ext uri="{28A0092B-C50C-407E-A947-70E740481C1C}">
-                <a14:useLocalDpi xmlns:a14="http://schemas.microsoft.com/office/drawing/2010/main" val="0"/>
-              </a:ext>
-            </a:extLst>
-          </a:blip>
-          <a:srcRect l="3382" t="19846" r="12575" b="154"/>
-          <a:stretch/>
-        </p:blipFill>
-        <p:spPr>
-          <a:xfrm>
-            <a:off x="3307443" y="595993"/>
-            <a:ext cx="5881103" cy="5486399"/>
-          </a:xfrm>
-          <a:prstGeom prst="rect">
-            <a:avLst/>
-          </a:prstGeom>
-        </p:spPr>
-      </p:pic>
-      <p:sp>
-        <p:nvSpPr>
-          <p:cNvPr id="11" name="Rectangle 10"/>
-          <p:cNvSpPr/>
-          <p:nvPr/>
-        </p:nvSpPr>
-        <p:spPr>
-          <a:xfrm>
-            <a:off x="3524847" y="686041"/>
-            <a:ext cx="5446294" cy="5364716"/>
-          </a:xfrm>
-          <a:prstGeom prst="rect">
-            <a:avLst/>
-          </a:prstGeom>
-          <a:solidFill>
-            <a:schemeClr val="tx1"/>
-          </a:solidFill>
-        </p:spPr>
-        <p:style>
-          <a:lnRef idx="2">
-            <a:schemeClr val="dk1"/>
-          </a:lnRef>
-          <a:fillRef idx="1">
-            <a:schemeClr val="lt1"/>
-          </a:fillRef>
-          <a:effectRef idx="0">
-            <a:schemeClr val="dk1"/>
-          </a:effectRef>
-          <a:fontRef idx="minor">
-            <a:schemeClr val="dk1"/>
-          </a:fontRef>
-        </p:style>
-        <p:txBody>
-          <a:bodyPr rtlCol="0" anchor="ctr"/>
-          <a:lstStyle/>
-          <a:p>
-            <a:pPr algn="ctr"/>
-            <a:endParaRPr lang="fr-FR"/>
-          </a:p>
-        </p:txBody>
-      </p:sp>
-      <p:pic>
-        <p:nvPicPr>
-          <p:cNvPr id="12" name="Picture 11"/>
-          <p:cNvPicPr>
-            <a:picLocks noChangeAspect="1"/>
-          </p:cNvPicPr>
-          <p:nvPr/>
-        </p:nvPicPr>
-        <p:blipFill>
-          <a:blip r:embed="rId3">
-            <a:extLst>
-              <a:ext uri="{28A0092B-C50C-407E-A947-70E740481C1C}">
-                <a14:useLocalDpi xmlns:a14="http://schemas.microsoft.com/office/drawing/2010/main" val="0"/>
-              </a:ext>
-            </a:extLst>
-          </a:blip>
-          <a:stretch>
-            <a:fillRect/>
-          </a:stretch>
-        </p:blipFill>
-        <p:spPr>
-          <a:xfrm>
-            <a:off x="4017935" y="1690989"/>
-            <a:ext cx="1200318" cy="952633"/>
-          </a:xfrm>
-          <a:prstGeom prst="rect">
-            <a:avLst/>
-          </a:prstGeom>
-        </p:spPr>
-      </p:pic>
-      <p:pic>
-        <p:nvPicPr>
-          <p:cNvPr id="19" name="Picture 18"/>
-          <p:cNvPicPr>
-            <a:picLocks noChangeAspect="1"/>
-          </p:cNvPicPr>
-          <p:nvPr/>
-        </p:nvPicPr>
-        <p:blipFill>
-          <a:blip r:embed="rId3">
-            <a:extLst>
-              <a:ext uri="{28A0092B-C50C-407E-A947-70E740481C1C}">
-                <a14:useLocalDpi xmlns:a14="http://schemas.microsoft.com/office/drawing/2010/main" val="0"/>
-              </a:ext>
-            </a:extLst>
-          </a:blip>
-          <a:stretch>
-            <a:fillRect/>
-          </a:stretch>
-        </p:blipFill>
-        <p:spPr>
-          <a:xfrm>
-            <a:off x="3749786" y="2415766"/>
-            <a:ext cx="1200318" cy="952633"/>
-          </a:xfrm>
-          <a:prstGeom prst="rect">
-            <a:avLst/>
-          </a:prstGeom>
-        </p:spPr>
-      </p:pic>
-      <p:pic>
-        <p:nvPicPr>
-          <p:cNvPr id="18" name="Picture 17"/>
-          <p:cNvPicPr>
-            <a:picLocks noChangeAspect="1"/>
-          </p:cNvPicPr>
-          <p:nvPr/>
-        </p:nvPicPr>
-        <p:blipFill rotWithShape="1">
-          <a:blip r:embed="rId3">
-            <a:extLst>
-              <a:ext uri="{28A0092B-C50C-407E-A947-70E740481C1C}">
-                <a14:useLocalDpi xmlns:a14="http://schemas.microsoft.com/office/drawing/2010/main" val="0"/>
-              </a:ext>
-            </a:extLst>
-          </a:blip>
-          <a:srcRect l="34579"/>
-          <a:stretch/>
-        </p:blipFill>
-        <p:spPr>
-          <a:xfrm>
-            <a:off x="4821111" y="2382847"/>
-            <a:ext cx="785265" cy="952633"/>
-          </a:xfrm>
-          <a:prstGeom prst="rect">
-            <a:avLst/>
-          </a:prstGeom>
-        </p:spPr>
-      </p:pic>
-      <p:pic>
-        <p:nvPicPr>
-          <p:cNvPr id="20" name="Picture 19"/>
-          <p:cNvPicPr>
-            <a:picLocks noChangeAspect="1"/>
-          </p:cNvPicPr>
-          <p:nvPr/>
-        </p:nvPicPr>
-        <p:blipFill rotWithShape="1">
-          <a:blip r:embed="rId3">
-            <a:extLst>
-              <a:ext uri="{28A0092B-C50C-407E-A947-70E740481C1C}">
-                <a14:useLocalDpi xmlns:a14="http://schemas.microsoft.com/office/drawing/2010/main" val="0"/>
-              </a:ext>
-            </a:extLst>
-          </a:blip>
-          <a:srcRect l="28651" r="11509"/>
-          <a:stretch/>
-        </p:blipFill>
-        <p:spPr>
-          <a:xfrm>
-            <a:off x="3424944" y="2419301"/>
-            <a:ext cx="718268" cy="952633"/>
-          </a:xfrm>
-          <a:prstGeom prst="rect">
-            <a:avLst/>
-          </a:prstGeom>
-        </p:spPr>
-      </p:pic>
-      <p:pic>
-        <p:nvPicPr>
-          <p:cNvPr id="21" name="Picture 20"/>
-          <p:cNvPicPr>
-            <a:picLocks noChangeAspect="1"/>
-          </p:cNvPicPr>
-          <p:nvPr/>
-        </p:nvPicPr>
-        <p:blipFill>
-          <a:blip r:embed="rId3">
-            <a:extLst>
-              <a:ext uri="{28A0092B-C50C-407E-A947-70E740481C1C}">
-                <a14:useLocalDpi xmlns:a14="http://schemas.microsoft.com/office/drawing/2010/main" val="0"/>
-              </a:ext>
-            </a:extLst>
-          </a:blip>
-          <a:stretch>
-            <a:fillRect/>
-          </a:stretch>
-        </p:blipFill>
-        <p:spPr>
-          <a:xfrm>
-            <a:off x="7805115" y="3197531"/>
-            <a:ext cx="1200318" cy="952633"/>
-          </a:xfrm>
-          <a:prstGeom prst="rect">
-            <a:avLst/>
-          </a:prstGeom>
-        </p:spPr>
-      </p:pic>
-      <p:pic>
-        <p:nvPicPr>
-          <p:cNvPr id="22" name="Picture 21"/>
-          <p:cNvPicPr>
-            <a:picLocks noChangeAspect="1"/>
-          </p:cNvPicPr>
-          <p:nvPr/>
-        </p:nvPicPr>
-        <p:blipFill>
-          <a:blip r:embed="rId3">
-            <a:extLst>
-              <a:ext uri="{28A0092B-C50C-407E-A947-70E740481C1C}">
-                <a14:useLocalDpi xmlns:a14="http://schemas.microsoft.com/office/drawing/2010/main" val="0"/>
-              </a:ext>
-            </a:extLst>
-          </a:blip>
-          <a:stretch>
-            <a:fillRect/>
-          </a:stretch>
-        </p:blipFill>
-        <p:spPr>
-          <a:xfrm>
-            <a:off x="7086847" y="3166996"/>
-            <a:ext cx="1200318" cy="952633"/>
-          </a:xfrm>
-          <a:prstGeom prst="rect">
-            <a:avLst/>
-          </a:prstGeom>
-        </p:spPr>
-      </p:pic>
-      <p:pic>
-        <p:nvPicPr>
-          <p:cNvPr id="23" name="Picture 22"/>
-          <p:cNvPicPr>
-            <a:picLocks noChangeAspect="1"/>
-          </p:cNvPicPr>
-          <p:nvPr/>
-        </p:nvPicPr>
-        <p:blipFill rotWithShape="1">
-          <a:blip r:embed="rId3">
-            <a:extLst>
-              <a:ext uri="{28A0092B-C50C-407E-A947-70E740481C1C}">
-                <a14:useLocalDpi xmlns:a14="http://schemas.microsoft.com/office/drawing/2010/main" val="0"/>
-              </a:ext>
-            </a:extLst>
-          </a:blip>
-          <a:srcRect l="28651" r="11509"/>
-          <a:stretch/>
-        </p:blipFill>
-        <p:spPr>
-          <a:xfrm>
-            <a:off x="6786767" y="3193448"/>
-            <a:ext cx="718268" cy="952633"/>
-          </a:xfrm>
-          <a:prstGeom prst="rect">
-            <a:avLst/>
-          </a:prstGeom>
-        </p:spPr>
-      </p:pic>
-      <p:pic>
-        <p:nvPicPr>
-          <p:cNvPr id="24" name="Picture 23"/>
-          <p:cNvPicPr>
-            <a:picLocks noChangeAspect="1"/>
-          </p:cNvPicPr>
-          <p:nvPr/>
-        </p:nvPicPr>
-        <p:blipFill>
-          <a:blip r:embed="rId3">
-            <a:extLst>
-              <a:ext uri="{28A0092B-C50C-407E-A947-70E740481C1C}">
-                <a14:useLocalDpi xmlns:a14="http://schemas.microsoft.com/office/drawing/2010/main" val="0"/>
-              </a:ext>
-            </a:extLst>
-          </a:blip>
-          <a:stretch>
-            <a:fillRect/>
-          </a:stretch>
-        </p:blipFill>
-        <p:spPr>
-          <a:xfrm>
-            <a:off x="7805115" y="2450742"/>
-            <a:ext cx="1200318" cy="952633"/>
-          </a:xfrm>
-          <a:prstGeom prst="rect">
-            <a:avLst/>
-          </a:prstGeom>
-        </p:spPr>
-      </p:pic>
-      <p:pic>
-        <p:nvPicPr>
-          <p:cNvPr id="25" name="Picture 24"/>
-          <p:cNvPicPr>
-            <a:picLocks noChangeAspect="1"/>
-          </p:cNvPicPr>
-          <p:nvPr/>
-        </p:nvPicPr>
-        <p:blipFill>
-          <a:blip r:embed="rId3">
-            <a:extLst>
-              <a:ext uri="{28A0092B-C50C-407E-A947-70E740481C1C}">
-                <a14:useLocalDpi xmlns:a14="http://schemas.microsoft.com/office/drawing/2010/main" val="0"/>
-              </a:ext>
-            </a:extLst>
-          </a:blip>
-          <a:stretch>
-            <a:fillRect/>
-          </a:stretch>
-        </p:blipFill>
-        <p:spPr>
-          <a:xfrm>
-            <a:off x="7079715" y="2467432"/>
-            <a:ext cx="1200318" cy="952633"/>
-          </a:xfrm>
-          <a:prstGeom prst="rect">
-            <a:avLst/>
-          </a:prstGeom>
-        </p:spPr>
-      </p:pic>
-      <p:pic>
-        <p:nvPicPr>
-          <p:cNvPr id="26" name="Picture 25"/>
-          <p:cNvPicPr>
-            <a:picLocks noChangeAspect="1"/>
-          </p:cNvPicPr>
-          <p:nvPr/>
-        </p:nvPicPr>
-        <p:blipFill rotWithShape="1">
-          <a:blip r:embed="rId3">
-            <a:extLst>
-              <a:ext uri="{28A0092B-C50C-407E-A947-70E740481C1C}">
-                <a14:useLocalDpi xmlns:a14="http://schemas.microsoft.com/office/drawing/2010/main" val="0"/>
-              </a:ext>
-            </a:extLst>
-          </a:blip>
-          <a:srcRect l="28651" r="11509"/>
-          <a:stretch/>
-        </p:blipFill>
-        <p:spPr>
-          <a:xfrm>
-            <a:off x="6786767" y="2438134"/>
-            <a:ext cx="718268" cy="952633"/>
-          </a:xfrm>
-          <a:prstGeom prst="rect">
-            <a:avLst/>
-          </a:prstGeom>
-        </p:spPr>
-      </p:pic>
-      <p:sp>
-        <p:nvSpPr>
-          <p:cNvPr id="27" name="Rectangle 26"/>
-          <p:cNvSpPr/>
-          <p:nvPr/>
-        </p:nvSpPr>
-        <p:spPr>
-          <a:xfrm>
-            <a:off x="6052088" y="6050758"/>
-            <a:ext cx="441702" cy="90048"/>
-          </a:xfrm>
-          <a:prstGeom prst="rect">
-            <a:avLst/>
-          </a:prstGeom>
-          <a:solidFill>
-            <a:srgbClr val="00B050"/>
-          </a:solidFill>
-          <a:ln>
-            <a:solidFill>
-              <a:srgbClr val="00B050"/>
-            </a:solidFill>
-          </a:ln>
-        </p:spPr>
-        <p:style>
-          <a:lnRef idx="2">
-            <a:schemeClr val="accent1">
-              <a:shade val="50000"/>
-            </a:schemeClr>
-          </a:lnRef>
-          <a:fillRef idx="1">
-            <a:schemeClr val="accent1"/>
-          </a:fillRef>
-          <a:effectRef idx="0">
-            <a:schemeClr val="accent1"/>
-          </a:effectRef>
-          <a:fontRef idx="minor">
-            <a:schemeClr val="lt1"/>
-          </a:fontRef>
-        </p:style>
-        <p:txBody>
-          <a:bodyPr rtlCol="0" anchor="ctr"/>
-          <a:lstStyle/>
-          <a:p>
-            <a:pPr algn="ctr"/>
-            <a:endParaRPr lang="fr-FR"/>
-          </a:p>
-        </p:txBody>
-      </p:sp>
-      <p:pic>
-        <p:nvPicPr>
-          <p:cNvPr id="28" name="Picture 27"/>
-          <p:cNvPicPr>
-            <a:picLocks noChangeAspect="1"/>
-          </p:cNvPicPr>
-          <p:nvPr/>
-        </p:nvPicPr>
-        <p:blipFill>
-          <a:blip r:embed="rId3">
-            <a:extLst>
-              <a:ext uri="{28A0092B-C50C-407E-A947-70E740481C1C}">
-                <a14:useLocalDpi xmlns:a14="http://schemas.microsoft.com/office/drawing/2010/main" val="0"/>
-              </a:ext>
-            </a:extLst>
-          </a:blip>
-          <a:stretch>
-            <a:fillRect/>
-          </a:stretch>
-        </p:blipFill>
-        <p:spPr>
-          <a:xfrm>
-            <a:off x="4360616" y="1702162"/>
-            <a:ext cx="1200318" cy="952633"/>
-          </a:xfrm>
-          <a:prstGeom prst="rect">
-            <a:avLst/>
-          </a:prstGeom>
-        </p:spPr>
-      </p:pic>
-      <p:pic>
-        <p:nvPicPr>
-          <p:cNvPr id="29" name="Picture 28"/>
-          <p:cNvPicPr>
-            <a:picLocks noChangeAspect="1"/>
-          </p:cNvPicPr>
-          <p:nvPr/>
-        </p:nvPicPr>
-        <p:blipFill rotWithShape="1">
-          <a:blip r:embed="rId3">
-            <a:extLst>
-              <a:ext uri="{28A0092B-C50C-407E-A947-70E740481C1C}">
-                <a14:useLocalDpi xmlns:a14="http://schemas.microsoft.com/office/drawing/2010/main" val="0"/>
-              </a:ext>
-            </a:extLst>
-          </a:blip>
-          <a:srcRect r="17565"/>
-          <a:stretch/>
-        </p:blipFill>
-        <p:spPr>
-          <a:xfrm>
-            <a:off x="3713519" y="1672188"/>
-            <a:ext cx="989483" cy="952633"/>
-          </a:xfrm>
-          <a:prstGeom prst="rect">
-            <a:avLst/>
-          </a:prstGeom>
-        </p:spPr>
-      </p:pic>
-      <p:pic>
-        <p:nvPicPr>
-          <p:cNvPr id="30" name="Picture 29"/>
-          <p:cNvPicPr>
-            <a:picLocks noChangeAspect="1"/>
-          </p:cNvPicPr>
-          <p:nvPr/>
-        </p:nvPicPr>
-        <p:blipFill rotWithShape="1">
-          <a:blip r:embed="rId3">
-            <a:extLst>
-              <a:ext uri="{28A0092B-C50C-407E-A947-70E740481C1C}">
-                <a14:useLocalDpi xmlns:a14="http://schemas.microsoft.com/office/drawing/2010/main" val="0"/>
-              </a:ext>
-            </a:extLst>
-          </a:blip>
-          <a:srcRect l="28651" r="11509"/>
-          <a:stretch/>
-        </p:blipFill>
-        <p:spPr>
-          <a:xfrm>
-            <a:off x="3458378" y="1666283"/>
-            <a:ext cx="718268" cy="952633"/>
-          </a:xfrm>
-          <a:prstGeom prst="rect">
-            <a:avLst/>
-          </a:prstGeom>
-        </p:spPr>
-      </p:pic>
-      <p:pic>
-        <p:nvPicPr>
-          <p:cNvPr id="31" name="Picture 30"/>
-          <p:cNvPicPr>
-            <a:picLocks noChangeAspect="1"/>
-          </p:cNvPicPr>
-          <p:nvPr/>
-        </p:nvPicPr>
-        <p:blipFill rotWithShape="1">
-          <a:blip r:embed="rId3">
-            <a:extLst>
-              <a:ext uri="{28A0092B-C50C-407E-A947-70E740481C1C}">
-                <a14:useLocalDpi xmlns:a14="http://schemas.microsoft.com/office/drawing/2010/main" val="0"/>
-              </a:ext>
-            </a:extLst>
-          </a:blip>
-          <a:srcRect r="18835"/>
-          <a:stretch/>
-        </p:blipFill>
-        <p:spPr>
-          <a:xfrm>
-            <a:off x="8031196" y="1738570"/>
-            <a:ext cx="974237" cy="952633"/>
-          </a:xfrm>
-          <a:prstGeom prst="rect">
-            <a:avLst/>
-          </a:prstGeom>
-        </p:spPr>
-      </p:pic>
-      <p:pic>
-        <p:nvPicPr>
-          <p:cNvPr id="32" name="Picture 31"/>
-          <p:cNvPicPr>
-            <a:picLocks noChangeAspect="1"/>
-          </p:cNvPicPr>
-          <p:nvPr/>
-        </p:nvPicPr>
-        <p:blipFill>
-          <a:blip r:embed="rId3">
-            <a:extLst>
-              <a:ext uri="{28A0092B-C50C-407E-A947-70E740481C1C}">
-                <a14:useLocalDpi xmlns:a14="http://schemas.microsoft.com/office/drawing/2010/main" val="0"/>
-              </a:ext>
-            </a:extLst>
-          </a:blip>
-          <a:stretch>
-            <a:fillRect/>
-          </a:stretch>
-        </p:blipFill>
-        <p:spPr>
-          <a:xfrm>
-            <a:off x="7312928" y="1708035"/>
-            <a:ext cx="1200318" cy="952633"/>
-          </a:xfrm>
-          <a:prstGeom prst="rect">
-            <a:avLst/>
-          </a:prstGeom>
-        </p:spPr>
-      </p:pic>
-      <p:pic>
-        <p:nvPicPr>
-          <p:cNvPr id="33" name="Picture 32"/>
-          <p:cNvPicPr>
-            <a:picLocks noChangeAspect="1"/>
-          </p:cNvPicPr>
-          <p:nvPr/>
-        </p:nvPicPr>
-        <p:blipFill rotWithShape="1">
-          <a:blip r:embed="rId3">
-            <a:extLst>
-              <a:ext uri="{28A0092B-C50C-407E-A947-70E740481C1C}">
-                <a14:useLocalDpi xmlns:a14="http://schemas.microsoft.com/office/drawing/2010/main" val="0"/>
-              </a:ext>
-            </a:extLst>
-          </a:blip>
-          <a:srcRect l="28651" r="11509"/>
-          <a:stretch/>
-        </p:blipFill>
-        <p:spPr>
-          <a:xfrm>
-            <a:off x="7012848" y="1734487"/>
-            <a:ext cx="718268" cy="952633"/>
-          </a:xfrm>
-          <a:prstGeom prst="rect">
-            <a:avLst/>
-          </a:prstGeom>
-        </p:spPr>
-      </p:pic>
-      <p:pic>
-        <p:nvPicPr>
-          <p:cNvPr id="34" name="Picture 33"/>
-          <p:cNvPicPr>
-            <a:picLocks noChangeAspect="1"/>
-          </p:cNvPicPr>
-          <p:nvPr/>
-        </p:nvPicPr>
-        <p:blipFill>
-          <a:blip r:embed="rId3">
-            <a:extLst>
-              <a:ext uri="{28A0092B-C50C-407E-A947-70E740481C1C}">
-                <a14:useLocalDpi xmlns:a14="http://schemas.microsoft.com/office/drawing/2010/main" val="0"/>
-              </a:ext>
-            </a:extLst>
-          </a:blip>
-          <a:stretch>
-            <a:fillRect/>
-          </a:stretch>
-        </p:blipFill>
-        <p:spPr>
-          <a:xfrm>
-            <a:off x="4390093" y="3181131"/>
-            <a:ext cx="1200318" cy="952633"/>
-          </a:xfrm>
-          <a:prstGeom prst="rect">
-            <a:avLst/>
-          </a:prstGeom>
-        </p:spPr>
-      </p:pic>
-      <p:pic>
-        <p:nvPicPr>
-          <p:cNvPr id="35" name="Picture 34"/>
-          <p:cNvPicPr>
-            <a:picLocks noChangeAspect="1"/>
-          </p:cNvPicPr>
-          <p:nvPr/>
-        </p:nvPicPr>
-        <p:blipFill>
-          <a:blip r:embed="rId3">
-            <a:extLst>
-              <a:ext uri="{28A0092B-C50C-407E-A947-70E740481C1C}">
-                <a14:useLocalDpi xmlns:a14="http://schemas.microsoft.com/office/drawing/2010/main" val="0"/>
-              </a:ext>
-            </a:extLst>
-          </a:blip>
-          <a:stretch>
-            <a:fillRect/>
-          </a:stretch>
-        </p:blipFill>
-        <p:spPr>
-          <a:xfrm>
-            <a:off x="3671825" y="3150596"/>
-            <a:ext cx="1200318" cy="952633"/>
-          </a:xfrm>
-          <a:prstGeom prst="rect">
-            <a:avLst/>
-          </a:prstGeom>
-        </p:spPr>
-      </p:pic>
-      <p:pic>
-        <p:nvPicPr>
-          <p:cNvPr id="37" name="Picture 36"/>
-          <p:cNvPicPr>
-            <a:picLocks noChangeAspect="1"/>
-          </p:cNvPicPr>
-          <p:nvPr/>
-        </p:nvPicPr>
-        <p:blipFill>
-          <a:blip r:embed="rId3">
-            <a:extLst>
-              <a:ext uri="{28A0092B-C50C-407E-A947-70E740481C1C}">
-                <a14:useLocalDpi xmlns:a14="http://schemas.microsoft.com/office/drawing/2010/main" val="0"/>
-              </a:ext>
-            </a:extLst>
-          </a:blip>
-          <a:stretch>
-            <a:fillRect/>
-          </a:stretch>
-        </p:blipFill>
-        <p:spPr>
-          <a:xfrm>
-            <a:off x="7757294" y="3201614"/>
-            <a:ext cx="1200318" cy="952633"/>
-          </a:xfrm>
-          <a:prstGeom prst="rect">
-            <a:avLst/>
-          </a:prstGeom>
-        </p:spPr>
-      </p:pic>
-      <p:pic>
-        <p:nvPicPr>
-          <p:cNvPr id="38" name="Picture 37"/>
-          <p:cNvPicPr>
-            <a:picLocks noChangeAspect="1"/>
-          </p:cNvPicPr>
-          <p:nvPr/>
-        </p:nvPicPr>
-        <p:blipFill rotWithShape="1">
-          <a:blip r:embed="rId3">
-            <a:extLst>
-              <a:ext uri="{28A0092B-C50C-407E-A947-70E740481C1C}">
-                <a14:useLocalDpi xmlns:a14="http://schemas.microsoft.com/office/drawing/2010/main" val="0"/>
-              </a:ext>
-            </a:extLst>
-          </a:blip>
-          <a:srcRect l="37975" t="40386" r="27212" b="18563"/>
-          <a:stretch/>
-        </p:blipFill>
-        <p:spPr>
-          <a:xfrm>
-            <a:off x="7496891" y="3533023"/>
-            <a:ext cx="417856" cy="391071"/>
-          </a:xfrm>
-          <a:prstGeom prst="rect">
-            <a:avLst/>
-          </a:prstGeom>
-        </p:spPr>
-      </p:pic>
-      <p:pic>
-        <p:nvPicPr>
-          <p:cNvPr id="39" name="Picture 38"/>
-          <p:cNvPicPr>
-            <a:picLocks noChangeAspect="1"/>
-          </p:cNvPicPr>
-          <p:nvPr/>
-        </p:nvPicPr>
-        <p:blipFill rotWithShape="1">
-          <a:blip r:embed="rId3">
-            <a:extLst>
-              <a:ext uri="{28A0092B-C50C-407E-A947-70E740481C1C}">
-                <a14:useLocalDpi xmlns:a14="http://schemas.microsoft.com/office/drawing/2010/main" val="0"/>
-              </a:ext>
-            </a:extLst>
-          </a:blip>
-          <a:srcRect l="28651" r="11509"/>
-          <a:stretch/>
-        </p:blipFill>
-        <p:spPr>
-          <a:xfrm>
-            <a:off x="6739316" y="3181131"/>
-            <a:ext cx="718268" cy="952633"/>
-          </a:xfrm>
-          <a:prstGeom prst="rect">
-            <a:avLst/>
-          </a:prstGeom>
-        </p:spPr>
-      </p:pic>
-      <p:pic>
-        <p:nvPicPr>
-          <p:cNvPr id="40" name="Picture 39"/>
-          <p:cNvPicPr>
-            <a:picLocks noChangeAspect="1"/>
-          </p:cNvPicPr>
-          <p:nvPr/>
-        </p:nvPicPr>
-        <p:blipFill>
-          <a:blip r:embed="rId3">
-            <a:extLst>
-              <a:ext uri="{28A0092B-C50C-407E-A947-70E740481C1C}">
-                <a14:useLocalDpi xmlns:a14="http://schemas.microsoft.com/office/drawing/2010/main" val="0"/>
-              </a:ext>
-            </a:extLst>
-          </a:blip>
-          <a:stretch>
-            <a:fillRect/>
-          </a:stretch>
-        </p:blipFill>
-        <p:spPr>
-          <a:xfrm>
-            <a:off x="4401187" y="3940528"/>
-            <a:ext cx="1200318" cy="952633"/>
-          </a:xfrm>
-          <a:prstGeom prst="rect">
-            <a:avLst/>
-          </a:prstGeom>
-        </p:spPr>
-      </p:pic>
-      <p:pic>
-        <p:nvPicPr>
-          <p:cNvPr id="41" name="Picture 40"/>
-          <p:cNvPicPr>
-            <a:picLocks noChangeAspect="1"/>
-          </p:cNvPicPr>
-          <p:nvPr/>
-        </p:nvPicPr>
-        <p:blipFill>
-          <a:blip r:embed="rId3">
-            <a:extLst>
-              <a:ext uri="{28A0092B-C50C-407E-A947-70E740481C1C}">
-                <a14:useLocalDpi xmlns:a14="http://schemas.microsoft.com/office/drawing/2010/main" val="0"/>
-              </a:ext>
-            </a:extLst>
-          </a:blip>
-          <a:stretch>
-            <a:fillRect/>
-          </a:stretch>
-        </p:blipFill>
-        <p:spPr>
-          <a:xfrm>
-            <a:off x="3682919" y="3909993"/>
-            <a:ext cx="1200318" cy="952633"/>
-          </a:xfrm>
-          <a:prstGeom prst="rect">
-            <a:avLst/>
-          </a:prstGeom>
-        </p:spPr>
-      </p:pic>
-      <p:pic>
-        <p:nvPicPr>
-          <p:cNvPr id="42" name="Picture 41"/>
-          <p:cNvPicPr>
-            <a:picLocks noChangeAspect="1"/>
-          </p:cNvPicPr>
-          <p:nvPr/>
-        </p:nvPicPr>
-        <p:blipFill rotWithShape="1">
-          <a:blip r:embed="rId3">
-            <a:extLst>
-              <a:ext uri="{28A0092B-C50C-407E-A947-70E740481C1C}">
-                <a14:useLocalDpi xmlns:a14="http://schemas.microsoft.com/office/drawing/2010/main" val="0"/>
-              </a:ext>
-            </a:extLst>
-          </a:blip>
-          <a:srcRect l="28651" r="11509"/>
-          <a:stretch/>
-        </p:blipFill>
-        <p:spPr>
-          <a:xfrm>
-            <a:off x="3386439" y="3926393"/>
-            <a:ext cx="718268" cy="952633"/>
-          </a:xfrm>
-          <a:prstGeom prst="rect">
-            <a:avLst/>
-          </a:prstGeom>
-        </p:spPr>
-      </p:pic>
-      <p:pic>
-        <p:nvPicPr>
-          <p:cNvPr id="43" name="Picture 42"/>
-          <p:cNvPicPr>
-            <a:picLocks noChangeAspect="1"/>
-          </p:cNvPicPr>
-          <p:nvPr/>
-        </p:nvPicPr>
-        <p:blipFill>
-          <a:blip r:embed="rId3">
-            <a:extLst>
-              <a:ext uri="{28A0092B-C50C-407E-A947-70E740481C1C}">
-                <a14:useLocalDpi xmlns:a14="http://schemas.microsoft.com/office/drawing/2010/main" val="0"/>
-              </a:ext>
-            </a:extLst>
-          </a:blip>
-          <a:stretch>
-            <a:fillRect/>
-          </a:stretch>
-        </p:blipFill>
-        <p:spPr>
-          <a:xfrm>
-            <a:off x="7731116" y="3969890"/>
-            <a:ext cx="1200318" cy="952633"/>
-          </a:xfrm>
-          <a:prstGeom prst="rect">
-            <a:avLst/>
-          </a:prstGeom>
-        </p:spPr>
-      </p:pic>
-      <p:pic>
-        <p:nvPicPr>
-          <p:cNvPr id="44" name="Picture 43"/>
-          <p:cNvPicPr>
-            <a:picLocks noChangeAspect="1"/>
-          </p:cNvPicPr>
-          <p:nvPr/>
-        </p:nvPicPr>
-        <p:blipFill>
-          <a:blip r:embed="rId3">
-            <a:extLst>
-              <a:ext uri="{28A0092B-C50C-407E-A947-70E740481C1C}">
-                <a14:useLocalDpi xmlns:a14="http://schemas.microsoft.com/office/drawing/2010/main" val="0"/>
-              </a:ext>
-            </a:extLst>
-          </a:blip>
-          <a:stretch>
-            <a:fillRect/>
-          </a:stretch>
-        </p:blipFill>
-        <p:spPr>
-          <a:xfrm>
-            <a:off x="7011161" y="3899941"/>
-            <a:ext cx="1200318" cy="952633"/>
-          </a:xfrm>
-          <a:prstGeom prst="rect">
-            <a:avLst/>
-          </a:prstGeom>
-        </p:spPr>
-      </p:pic>
-      <p:pic>
-        <p:nvPicPr>
-          <p:cNvPr id="45" name="Picture 44"/>
-          <p:cNvPicPr>
-            <a:picLocks noChangeAspect="1"/>
-          </p:cNvPicPr>
-          <p:nvPr/>
-        </p:nvPicPr>
-        <p:blipFill rotWithShape="1">
-          <a:blip r:embed="rId3">
-            <a:extLst>
-              <a:ext uri="{28A0092B-C50C-407E-A947-70E740481C1C}">
-                <a14:useLocalDpi xmlns:a14="http://schemas.microsoft.com/office/drawing/2010/main" val="0"/>
-              </a:ext>
-            </a:extLst>
-          </a:blip>
-          <a:srcRect l="28651" t="22816" r="11509"/>
-          <a:stretch/>
-        </p:blipFill>
-        <p:spPr>
-          <a:xfrm>
-            <a:off x="6743583" y="4096161"/>
-            <a:ext cx="718268" cy="735283"/>
-          </a:xfrm>
-          <a:prstGeom prst="rect">
-            <a:avLst/>
-          </a:prstGeom>
-        </p:spPr>
-      </p:pic>
-      <p:pic>
-        <p:nvPicPr>
-          <p:cNvPr id="15" name="Picture 14"/>
-          <p:cNvPicPr>
-            <a:picLocks noChangeAspect="1"/>
-          </p:cNvPicPr>
-          <p:nvPr/>
-        </p:nvPicPr>
-        <p:blipFill rotWithShape="1">
-          <a:blip r:embed="rId4">
-            <a:extLst>
-              <a:ext uri="{28A0092B-C50C-407E-A947-70E740481C1C}">
-                <a14:useLocalDpi xmlns:a14="http://schemas.microsoft.com/office/drawing/2010/main" val="0"/>
-              </a:ext>
-            </a:extLst>
-          </a:blip>
-          <a:srcRect l="2973" t="14166" r="4691" b="50000"/>
-          <a:stretch/>
-        </p:blipFill>
-        <p:spPr>
-          <a:xfrm>
-            <a:off x="6593305" y="3926393"/>
-            <a:ext cx="2495945" cy="201404"/>
-          </a:xfrm>
-          <a:prstGeom prst="rect">
-            <a:avLst/>
-          </a:prstGeom>
-        </p:spPr>
-      </p:pic>
-      <p:pic>
-        <p:nvPicPr>
-          <p:cNvPr id="16" name="Picture 15"/>
-          <p:cNvPicPr>
-            <a:picLocks noChangeAspect="1"/>
-          </p:cNvPicPr>
-          <p:nvPr/>
-        </p:nvPicPr>
-        <p:blipFill rotWithShape="1">
-          <a:blip r:embed="rId4">
-            <a:extLst>
-              <a:ext uri="{28A0092B-C50C-407E-A947-70E740481C1C}">
-                <a14:useLocalDpi xmlns:a14="http://schemas.microsoft.com/office/drawing/2010/main" val="0"/>
-              </a:ext>
-            </a:extLst>
-          </a:blip>
-          <a:srcRect l="2973" t="14166" r="4691" b="50000"/>
-          <a:stretch/>
-        </p:blipFill>
-        <p:spPr>
-          <a:xfrm>
-            <a:off x="6593305" y="3197531"/>
-            <a:ext cx="2495945" cy="201404"/>
-          </a:xfrm>
-          <a:prstGeom prst="rect">
-            <a:avLst/>
-          </a:prstGeom>
-        </p:spPr>
-      </p:pic>
-      <p:pic>
-        <p:nvPicPr>
-          <p:cNvPr id="14" name="Picture 13"/>
-          <p:cNvPicPr>
-            <a:picLocks noChangeAspect="1"/>
-          </p:cNvPicPr>
-          <p:nvPr/>
-        </p:nvPicPr>
-        <p:blipFill rotWithShape="1">
-          <a:blip r:embed="rId4">
-            <a:extLst>
-              <a:ext uri="{28A0092B-C50C-407E-A947-70E740481C1C}">
-                <a14:useLocalDpi xmlns:a14="http://schemas.microsoft.com/office/drawing/2010/main" val="0"/>
-              </a:ext>
-            </a:extLst>
-          </a:blip>
-          <a:srcRect l="2973" t="14166" r="4691" b="50000"/>
-          <a:stretch/>
-        </p:blipFill>
-        <p:spPr>
-          <a:xfrm>
-            <a:off x="6593305" y="2446302"/>
-            <a:ext cx="2495945" cy="201404"/>
-          </a:xfrm>
-          <a:prstGeom prst="rect">
-            <a:avLst/>
-          </a:prstGeom>
-        </p:spPr>
-      </p:pic>
-      <p:pic>
-        <p:nvPicPr>
-          <p:cNvPr id="13" name="Picture 12"/>
-          <p:cNvPicPr>
-            <a:picLocks noChangeAspect="1"/>
-          </p:cNvPicPr>
-          <p:nvPr/>
-        </p:nvPicPr>
-        <p:blipFill rotWithShape="1">
-          <a:blip r:embed="rId4">
-            <a:extLst>
-              <a:ext uri="{28A0092B-C50C-407E-A947-70E740481C1C}">
-                <a14:useLocalDpi xmlns:a14="http://schemas.microsoft.com/office/drawing/2010/main" val="0"/>
-              </a:ext>
-            </a:extLst>
-          </a:blip>
-          <a:srcRect l="2973" t="14166" r="4691" b="50000"/>
-          <a:stretch/>
-        </p:blipFill>
-        <p:spPr>
-          <a:xfrm>
-            <a:off x="6593305" y="1717440"/>
-            <a:ext cx="2495945" cy="201404"/>
-          </a:xfrm>
-          <a:prstGeom prst="rect">
-            <a:avLst/>
-          </a:prstGeom>
-        </p:spPr>
-      </p:pic>
-      <p:pic>
-        <p:nvPicPr>
-          <p:cNvPr id="8" name="Picture 7"/>
-          <p:cNvPicPr>
-            <a:picLocks noChangeAspect="1"/>
-          </p:cNvPicPr>
-          <p:nvPr/>
-        </p:nvPicPr>
-        <p:blipFill rotWithShape="1">
-          <a:blip r:embed="rId4">
-            <a:extLst>
-              <a:ext uri="{28A0092B-C50C-407E-A947-70E740481C1C}">
-                <a14:useLocalDpi xmlns:a14="http://schemas.microsoft.com/office/drawing/2010/main" val="0"/>
-              </a:ext>
-            </a:extLst>
-          </a:blip>
-          <a:srcRect l="2973" t="14166" r="4691" b="50000"/>
-          <a:stretch/>
-        </p:blipFill>
-        <p:spPr>
-          <a:xfrm>
-            <a:off x="3406738" y="1717440"/>
-            <a:ext cx="1961554" cy="201404"/>
-          </a:xfrm>
-          <a:prstGeom prst="rect">
-            <a:avLst/>
-          </a:prstGeom>
-        </p:spPr>
-      </p:pic>
-      <p:pic>
-        <p:nvPicPr>
-          <p:cNvPr id="2" name="Picture 1"/>
-          <p:cNvPicPr>
-            <a:picLocks noChangeAspect="1"/>
-          </p:cNvPicPr>
-          <p:nvPr/>
-        </p:nvPicPr>
-        <p:blipFill rotWithShape="1">
-          <a:blip r:embed="rId4">
-            <a:extLst>
-              <a:ext uri="{28A0092B-C50C-407E-A947-70E740481C1C}">
-                <a14:useLocalDpi xmlns:a14="http://schemas.microsoft.com/office/drawing/2010/main" val="0"/>
-              </a:ext>
-            </a:extLst>
-          </a:blip>
-          <a:srcRect l="2973" t="17925" r="4691" b="50000"/>
-          <a:stretch/>
-        </p:blipFill>
-        <p:spPr>
-          <a:xfrm>
-            <a:off x="3406738" y="2467432"/>
-            <a:ext cx="1961554" cy="180274"/>
-          </a:xfrm>
-          <a:prstGeom prst="rect">
-            <a:avLst/>
-          </a:prstGeom>
-        </p:spPr>
-      </p:pic>
-      <p:pic>
-        <p:nvPicPr>
-          <p:cNvPr id="36" name="Picture 35"/>
-          <p:cNvPicPr>
-            <a:picLocks noChangeAspect="1"/>
-          </p:cNvPicPr>
-          <p:nvPr/>
-        </p:nvPicPr>
-        <p:blipFill rotWithShape="1">
-          <a:blip r:embed="rId3">
-            <a:extLst>
-              <a:ext uri="{28A0092B-C50C-407E-A947-70E740481C1C}">
-                <a14:useLocalDpi xmlns:a14="http://schemas.microsoft.com/office/drawing/2010/main" val="0"/>
-              </a:ext>
-            </a:extLst>
-          </a:blip>
-          <a:srcRect l="28651" r="11509"/>
-          <a:stretch/>
-        </p:blipFill>
-        <p:spPr>
-          <a:xfrm>
-            <a:off x="3383221" y="3143528"/>
-            <a:ext cx="718268" cy="952633"/>
-          </a:xfrm>
-          <a:prstGeom prst="rect">
-            <a:avLst/>
-          </a:prstGeom>
-        </p:spPr>
-      </p:pic>
-      <p:pic>
-        <p:nvPicPr>
-          <p:cNvPr id="6" name="Picture 5"/>
-          <p:cNvPicPr>
-            <a:picLocks noChangeAspect="1"/>
-          </p:cNvPicPr>
-          <p:nvPr/>
-        </p:nvPicPr>
-        <p:blipFill rotWithShape="1">
-          <a:blip r:embed="rId4">
-            <a:extLst>
-              <a:ext uri="{28A0092B-C50C-407E-A947-70E740481C1C}">
-                <a14:useLocalDpi xmlns:a14="http://schemas.microsoft.com/office/drawing/2010/main" val="0"/>
-              </a:ext>
-            </a:extLst>
-          </a:blip>
-          <a:srcRect l="2973" t="14166" r="4691" b="50000"/>
-          <a:stretch/>
-        </p:blipFill>
-        <p:spPr>
-          <a:xfrm>
-            <a:off x="3406738" y="3197531"/>
-            <a:ext cx="1961554" cy="201404"/>
-          </a:xfrm>
-          <a:prstGeom prst="rect">
-            <a:avLst/>
-          </a:prstGeom>
-        </p:spPr>
-      </p:pic>
-      <p:pic>
-        <p:nvPicPr>
-          <p:cNvPr id="9" name="Picture 8"/>
-          <p:cNvPicPr>
-            <a:picLocks noChangeAspect="1"/>
-          </p:cNvPicPr>
-          <p:nvPr/>
-        </p:nvPicPr>
-        <p:blipFill rotWithShape="1">
-          <a:blip r:embed="rId4">
-            <a:extLst>
-              <a:ext uri="{28A0092B-C50C-407E-A947-70E740481C1C}">
-                <a14:useLocalDpi xmlns:a14="http://schemas.microsoft.com/office/drawing/2010/main" val="0"/>
-              </a:ext>
-            </a:extLst>
-          </a:blip>
-          <a:srcRect l="2973" t="14166" r="4691" b="50000"/>
-          <a:stretch/>
-        </p:blipFill>
-        <p:spPr>
-          <a:xfrm>
-            <a:off x="3406738" y="4655255"/>
-            <a:ext cx="1961554" cy="201404"/>
-          </a:xfrm>
-          <a:prstGeom prst="rect">
-            <a:avLst/>
-          </a:prstGeom>
-        </p:spPr>
-      </p:pic>
-      <p:pic>
-        <p:nvPicPr>
-          <p:cNvPr id="7" name="Picture 6"/>
-          <p:cNvPicPr>
-            <a:picLocks noChangeAspect="1"/>
-          </p:cNvPicPr>
-          <p:nvPr/>
-        </p:nvPicPr>
-        <p:blipFill rotWithShape="1">
-          <a:blip r:embed="rId4">
-            <a:extLst>
-              <a:ext uri="{28A0092B-C50C-407E-A947-70E740481C1C}">
-                <a14:useLocalDpi xmlns:a14="http://schemas.microsoft.com/office/drawing/2010/main" val="0"/>
-              </a:ext>
-            </a:extLst>
-          </a:blip>
-          <a:srcRect l="2973" t="14166" r="4691" b="50000"/>
-          <a:stretch/>
-        </p:blipFill>
-        <p:spPr>
-          <a:xfrm>
-            <a:off x="3406738" y="3926393"/>
-            <a:ext cx="1961554" cy="201404"/>
-          </a:xfrm>
-          <a:prstGeom prst="rect">
-            <a:avLst/>
-          </a:prstGeom>
-        </p:spPr>
-      </p:pic>
-      <p:pic>
-        <p:nvPicPr>
-          <p:cNvPr id="17" name="Picture 16"/>
-          <p:cNvPicPr>
-            <a:picLocks noChangeAspect="1"/>
-          </p:cNvPicPr>
-          <p:nvPr/>
-        </p:nvPicPr>
-        <p:blipFill rotWithShape="1">
-          <a:blip r:embed="rId4">
-            <a:extLst>
-              <a:ext uri="{28A0092B-C50C-407E-A947-70E740481C1C}">
-                <a14:useLocalDpi xmlns:a14="http://schemas.microsoft.com/office/drawing/2010/main" val="0"/>
-              </a:ext>
-            </a:extLst>
-          </a:blip>
-          <a:srcRect l="2973" t="14166" r="4691" b="50000"/>
-          <a:stretch/>
-        </p:blipFill>
-        <p:spPr>
-          <a:xfrm>
-            <a:off x="6593305" y="4655255"/>
-            <a:ext cx="2495945" cy="201404"/>
-          </a:xfrm>
-          <a:prstGeom prst="rect">
-            <a:avLst/>
-          </a:prstGeom>
-        </p:spPr>
-      </p:pic>
-    </p:spTree>
-    <p:extLst>
-      <p:ext uri="{BB962C8B-B14F-4D97-AF65-F5344CB8AC3E}">
-        <p14:creationId xmlns:p14="http://schemas.microsoft.com/office/powerpoint/2010/main" val="453406422"/>
-      </p:ext>
-    </p:extLst>
-  </p:cSld>
-  <p:clrMapOvr>
-    <a:masterClrMapping/>
-  </p:clrMapOvr>
-  <mc:AlternateContent xmlns:mc="http://schemas.openxmlformats.org/markup-compatibility/2006" xmlns:p14="http://schemas.microsoft.com/office/powerpoint/2010/main">
-    <mc:Choice Requires="p14">
-      <p:transition spd="med" p14:dur="700">
-        <p:fade/>
-      </p:transition>
-    </mc:Choice>
-    <mc:Fallback xmlns="">
-      <p:transition spd="med">
-        <p:fade/>
-      </p:transition>
-    </mc:Fallback>
-  </mc:AlternateContent>
-</p:sld>
-</file>
-
-<file path=ppt/slides/slide9.xml><?xml version="1.0" encoding="utf-8"?>
-<p:sld xmlns:a="http://schemas.openxmlformats.org/drawingml/2006/main" xmlns:r="http://schemas.openxmlformats.org/officeDocument/2006/relationships" xmlns:p="http://schemas.openxmlformats.org/presentationml/2006/main">
-  <p:cSld>
-    <p:spTree>
-      <p:nvGrpSpPr>
-        <p:cNvPr id="1" name=""/>
-        <p:cNvGrpSpPr/>
-        <p:nvPr/>
-      </p:nvGrpSpPr>
-      <p:grpSpPr>
-        <a:xfrm>
-          <a:off x="0" y="0"/>
-          <a:ext cx="0" cy="0"/>
-          <a:chOff x="0" y="0"/>
-          <a:chExt cx="0" cy="0"/>
-        </a:xfrm>
-      </p:grpSpPr>
-      <p:sp>
-        <p:nvSpPr>
-          <p:cNvPr id="2" name="Title 1"/>
-          <p:cNvSpPr>
-            <a:spLocks noGrp="1"/>
-          </p:cNvSpPr>
-          <p:nvPr>
-            <p:ph type="title"/>
-          </p:nvPr>
-        </p:nvSpPr>
-        <p:spPr/>
-        <p:txBody>
-          <a:bodyPr/>
-          <a:lstStyle/>
-          <a:p>
-            <a:r>
-              <a:rPr lang="fr-FR" dirty="0"/>
-              <a:t>Les boites de volume liées</a:t>
-            </a:r>
-          </a:p>
-        </p:txBody>
-      </p:sp>
-      <p:sp>
-        <p:nvSpPr>
-          <p:cNvPr id="3" name="Text Placeholder 2"/>
-          <p:cNvSpPr>
-            <a:spLocks noGrp="1"/>
-          </p:cNvSpPr>
-          <p:nvPr>
-            <p:ph type="body" idx="1"/>
-          </p:nvPr>
-        </p:nvSpPr>
-        <p:spPr/>
-        <p:txBody>
-          <a:bodyPr/>
-          <a:lstStyle/>
-          <a:p>
-            <a:endParaRPr lang="fr-FR"/>
-          </a:p>
-        </p:txBody>
-      </p:sp>
-    </p:spTree>
-    <p:extLst>
-      <p:ext uri="{BB962C8B-B14F-4D97-AF65-F5344CB8AC3E}">
-        <p14:creationId xmlns:p14="http://schemas.microsoft.com/office/powerpoint/2010/main" val="2407689021"/>
-      </p:ext>
-    </p:extLst>
-  </p:cSld>
-  <p:clrMapOvr>
-    <a:masterClrMapping/>
-  </p:clrMapOvr>
 </p:sld>
 </file>
 

--- a/Présentation/Détermination d'un plan d'évacuation incendie.pptx
+++ b/Présentation/Détermination d'un plan d'évacuation incendie.pptx
@@ -18,17 +18,25 @@
     <p:sldId id="280" r:id="rId12"/>
     <p:sldId id="276" r:id="rId13"/>
     <p:sldId id="288" r:id="rId14"/>
-    <p:sldId id="284" r:id="rId15"/>
-    <p:sldId id="281" r:id="rId16"/>
-    <p:sldId id="282" r:id="rId17"/>
-    <p:sldId id="283" r:id="rId18"/>
-    <p:sldId id="277" r:id="rId19"/>
-    <p:sldId id="289" r:id="rId20"/>
-    <p:sldId id="290" r:id="rId21"/>
-    <p:sldId id="285" r:id="rId22"/>
-    <p:sldId id="286" r:id="rId23"/>
-    <p:sldId id="278" r:id="rId24"/>
-    <p:sldId id="291" r:id="rId25"/>
+    <p:sldId id="301" r:id="rId15"/>
+    <p:sldId id="284" r:id="rId16"/>
+    <p:sldId id="281" r:id="rId17"/>
+    <p:sldId id="282" r:id="rId18"/>
+    <p:sldId id="283" r:id="rId19"/>
+    <p:sldId id="277" r:id="rId20"/>
+    <p:sldId id="295" r:id="rId21"/>
+    <p:sldId id="300" r:id="rId22"/>
+    <p:sldId id="296" r:id="rId23"/>
+    <p:sldId id="297" r:id="rId24"/>
+    <p:sldId id="298" r:id="rId25"/>
+    <p:sldId id="299" r:id="rId26"/>
+    <p:sldId id="289" r:id="rId27"/>
+    <p:sldId id="290" r:id="rId28"/>
+    <p:sldId id="292" r:id="rId29"/>
+    <p:sldId id="285" r:id="rId30"/>
+    <p:sldId id="286" r:id="rId31"/>
+    <p:sldId id="278" r:id="rId32"/>
+    <p:sldId id="291" r:id="rId33"/>
   </p:sldIdLst>
   <p:sldSz cx="12192000" cy="6858000"/>
   <p:notesSz cx="6858000" cy="9144000"/>
@@ -328,7 +336,7 @@
             <a:fld id="{B61BEF0D-F0BB-DE4B-95CE-6DB70DBA9567}" type="datetimeFigureOut">
               <a:rPr lang="en-US" dirty="0"/>
               <a:pPr/>
-              <a:t>6/1/2017</a:t>
+              <a:t>6/10/2017</a:t>
             </a:fld>
             <a:endParaRPr lang="en-US" dirty="0"/>
           </a:p>
@@ -458,7 +466,7 @@
             <a:fld id="{D57F1E4F-1CFF-5643-939E-217C01CDF565}" type="slidenum">
               <a:rPr lang="en-US" dirty="0"/>
               <a:pPr/>
-              <a:t>‹#›</a:t>
+              <a:t>‹N°›</a:t>
             </a:fld>
             <a:endParaRPr lang="en-US" dirty="0"/>
           </a:p>
@@ -663,7 +671,7 @@
             <a:fld id="{B61BEF0D-F0BB-DE4B-95CE-6DB70DBA9567}" type="datetimeFigureOut">
               <a:rPr lang="en-US" dirty="0"/>
               <a:pPr/>
-              <a:t>6/1/2017</a:t>
+              <a:t>6/10/2017</a:t>
             </a:fld>
             <a:endParaRPr lang="en-US" dirty="0"/>
           </a:p>
@@ -793,7 +801,7 @@
             <a:fld id="{D57F1E4F-1CFF-5643-939E-217C01CDF565}" type="slidenum">
               <a:rPr lang="en-US" dirty="0"/>
               <a:pPr/>
-              <a:t>‹#›</a:t>
+              <a:t>‹N°›</a:t>
             </a:fld>
             <a:endParaRPr lang="en-US" dirty="0"/>
           </a:p>
@@ -1061,7 +1069,7 @@
             <a:fld id="{B61BEF0D-F0BB-DE4B-95CE-6DB70DBA9567}" type="datetimeFigureOut">
               <a:rPr lang="en-US" dirty="0"/>
               <a:pPr/>
-              <a:t>6/1/2017</a:t>
+              <a:t>6/10/2017</a:t>
             </a:fld>
             <a:endParaRPr lang="en-US" dirty="0"/>
           </a:p>
@@ -1191,7 +1199,7 @@
             <a:fld id="{D57F1E4F-1CFF-5643-939E-217C01CDF565}" type="slidenum">
               <a:rPr lang="en-US" dirty="0"/>
               <a:pPr/>
-              <a:t>‹#›</a:t>
+              <a:t>‹N°›</a:t>
             </a:fld>
             <a:endParaRPr lang="en-US" dirty="0"/>
           </a:p>
@@ -1394,7 +1402,7 @@
             <a:fld id="{B61BEF0D-F0BB-DE4B-95CE-6DB70DBA9567}" type="datetimeFigureOut">
               <a:rPr lang="en-US" dirty="0"/>
               <a:pPr/>
-              <a:t>6/1/2017</a:t>
+              <a:t>6/10/2017</a:t>
             </a:fld>
             <a:endParaRPr lang="en-US" dirty="0"/>
           </a:p>
@@ -1524,7 +1532,7 @@
             <a:fld id="{D57F1E4F-1CFF-5643-939E-217C01CDF565}" type="slidenum">
               <a:rPr lang="en-US" dirty="0"/>
               <a:pPr/>
-              <a:t>‹#›</a:t>
+              <a:t>‹N°›</a:t>
             </a:fld>
             <a:endParaRPr lang="en-US" dirty="0"/>
           </a:p>
@@ -1711,7 +1719,7 @@
             <a:fld id="{B61BEF0D-F0BB-DE4B-95CE-6DB70DBA9567}" type="datetimeFigureOut">
               <a:rPr lang="en-US" dirty="0"/>
               <a:pPr/>
-              <a:t>6/1/2017</a:t>
+              <a:t>6/10/2017</a:t>
             </a:fld>
             <a:endParaRPr lang="en-US" dirty="0"/>
           </a:p>
@@ -1841,7 +1849,7 @@
             <a:fld id="{D57F1E4F-1CFF-5643-939E-217C01CDF565}" type="slidenum">
               <a:rPr lang="en-US" dirty="0"/>
               <a:pPr/>
-              <a:t>‹#›</a:t>
+              <a:t>‹N°›</a:t>
             </a:fld>
             <a:endParaRPr lang="en-US" dirty="0"/>
           </a:p>
@@ -2104,7 +2112,7 @@
             <a:fld id="{B61BEF0D-F0BB-DE4B-95CE-6DB70DBA9567}" type="datetimeFigureOut">
               <a:rPr lang="en-US" dirty="0"/>
               <a:pPr/>
-              <a:t>6/1/2017</a:t>
+              <a:t>6/10/2017</a:t>
             </a:fld>
             <a:endParaRPr lang="en-US" dirty="0"/>
           </a:p>
@@ -2234,7 +2242,7 @@
             <a:fld id="{D57F1E4F-1CFF-5643-939E-217C01CDF565}" type="slidenum">
               <a:rPr lang="en-US" dirty="0"/>
               <a:pPr/>
-              <a:t>‹#›</a:t>
+              <a:t>‹N°›</a:t>
             </a:fld>
             <a:endParaRPr lang="en-US" dirty="0"/>
           </a:p>
@@ -2358,7 +2366,7 @@
             <a:fld id="{B61BEF0D-F0BB-DE4B-95CE-6DB70DBA9567}" type="datetimeFigureOut">
               <a:rPr lang="en-US" dirty="0"/>
               <a:pPr/>
-              <a:t>6/1/2017</a:t>
+              <a:t>6/10/2017</a:t>
             </a:fld>
             <a:endParaRPr lang="en-US" dirty="0"/>
           </a:p>
@@ -2483,7 +2491,7 @@
             <a:fld id="{D57F1E4F-1CFF-5643-939E-217C01CDF565}" type="slidenum">
               <a:rPr lang="en-US" dirty="0"/>
               <a:pPr/>
-              <a:t>‹#›</a:t>
+              <a:t>‹N°›</a:t>
             </a:fld>
             <a:endParaRPr lang="en-US" dirty="0"/>
           </a:p>
@@ -2617,7 +2625,7 @@
             <a:fld id="{B61BEF0D-F0BB-DE4B-95CE-6DB70DBA9567}" type="datetimeFigureOut">
               <a:rPr lang="en-US" dirty="0"/>
               <a:pPr/>
-              <a:t>6/1/2017</a:t>
+              <a:t>6/10/2017</a:t>
             </a:fld>
             <a:endParaRPr lang="en-US" dirty="0"/>
           </a:p>
@@ -2742,7 +2750,7 @@
             <a:fld id="{D57F1E4F-1CFF-5643-939E-217C01CDF565}" type="slidenum">
               <a:rPr lang="en-US" dirty="0"/>
               <a:pPr/>
-              <a:t>‹#›</a:t>
+              <a:t>‹N°›</a:t>
             </a:fld>
             <a:endParaRPr lang="en-US" dirty="0"/>
           </a:p>
@@ -2876,7 +2884,7 @@
             <a:fld id="{B61BEF0D-F0BB-DE4B-95CE-6DB70DBA9567}" type="datetimeFigureOut">
               <a:rPr lang="en-US" dirty="0"/>
               <a:pPr/>
-              <a:t>6/1/2017</a:t>
+              <a:t>6/10/2017</a:t>
             </a:fld>
             <a:endParaRPr lang="en-US" dirty="0"/>
           </a:p>
@@ -3001,7 +3009,7 @@
             <a:fld id="{D57F1E4F-1CFF-5643-939E-217C01CDF565}" type="slidenum">
               <a:rPr lang="en-US" dirty="0"/>
               <a:pPr/>
-              <a:t>‹#›</a:t>
+              <a:t>‹N°›</a:t>
             </a:fld>
             <a:endParaRPr lang="en-US" dirty="0"/>
           </a:p>
@@ -3202,7 +3210,7 @@
             <a:fld id="{B61BEF0D-F0BB-DE4B-95CE-6DB70DBA9567}" type="datetimeFigureOut">
               <a:rPr lang="en-US" dirty="0"/>
               <a:pPr/>
-              <a:t>6/1/2017</a:t>
+              <a:t>6/10/2017</a:t>
             </a:fld>
             <a:endParaRPr lang="en-US" dirty="0"/>
           </a:p>
@@ -3332,7 +3340,7 @@
             <a:fld id="{D57F1E4F-1CFF-5643-939E-217C01CDF565}" type="slidenum">
               <a:rPr lang="en-US" dirty="0"/>
               <a:pPr/>
-              <a:t>‹#›</a:t>
+              <a:t>‹N°›</a:t>
             </a:fld>
             <a:endParaRPr lang="en-US" dirty="0"/>
           </a:p>
@@ -3522,7 +3530,7 @@
             <a:fld id="{B61BEF0D-F0BB-DE4B-95CE-6DB70DBA9567}" type="datetimeFigureOut">
               <a:rPr lang="en-US" dirty="0"/>
               <a:pPr/>
-              <a:t>6/1/2017</a:t>
+              <a:t>6/10/2017</a:t>
             </a:fld>
             <a:endParaRPr lang="en-US" dirty="0"/>
           </a:p>
@@ -3652,7 +3660,7 @@
             <a:fld id="{D57F1E4F-1CFF-5643-939E-217C01CDF565}" type="slidenum">
               <a:rPr lang="en-US" dirty="0"/>
               <a:pPr/>
-              <a:t>‹#›</a:t>
+              <a:t>‹N°›</a:t>
             </a:fld>
             <a:endParaRPr lang="en-US" dirty="0"/>
           </a:p>
@@ -3976,7 +3984,7 @@
             <a:fld id="{B61BEF0D-F0BB-DE4B-95CE-6DB70DBA9567}" type="datetimeFigureOut">
               <a:rPr lang="en-US" dirty="0"/>
               <a:pPr/>
-              <a:t>6/1/2017</a:t>
+              <a:t>6/10/2017</a:t>
             </a:fld>
             <a:endParaRPr lang="en-US" dirty="0"/>
           </a:p>
@@ -4106,7 +4114,7 @@
             <a:fld id="{D57F1E4F-1CFF-5643-939E-217C01CDF565}" type="slidenum">
               <a:rPr lang="en-US" dirty="0"/>
               <a:pPr/>
-              <a:t>‹#›</a:t>
+              <a:t>‹N°›</a:t>
             </a:fld>
             <a:endParaRPr lang="en-US" dirty="0"/>
           </a:p>
@@ -4178,7 +4186,7 @@
             <a:fld id="{B61BEF0D-F0BB-DE4B-95CE-6DB70DBA9567}" type="datetimeFigureOut">
               <a:rPr lang="en-US" dirty="0"/>
               <a:pPr/>
-              <a:t>6/1/2017</a:t>
+              <a:t>6/10/2017</a:t>
             </a:fld>
             <a:endParaRPr lang="en-US" dirty="0"/>
           </a:p>
@@ -4303,7 +4311,7 @@
             <a:fld id="{D57F1E4F-1CFF-5643-939E-217C01CDF565}" type="slidenum">
               <a:rPr lang="en-US" dirty="0"/>
               <a:pPr/>
-              <a:t>‹#›</a:t>
+              <a:t>‹N°›</a:t>
             </a:fld>
             <a:endParaRPr lang="en-US" dirty="0"/>
           </a:p>
@@ -4352,7 +4360,7 @@
             <a:fld id="{B61BEF0D-F0BB-DE4B-95CE-6DB70DBA9567}" type="datetimeFigureOut">
               <a:rPr lang="en-US" dirty="0"/>
               <a:pPr/>
-              <a:t>6/1/2017</a:t>
+              <a:t>6/10/2017</a:t>
             </a:fld>
             <a:endParaRPr lang="en-US" dirty="0"/>
           </a:p>
@@ -4477,7 +4485,7 @@
             <a:fld id="{D57F1E4F-1CFF-5643-939E-217C01CDF565}" type="slidenum">
               <a:rPr lang="en-US" dirty="0"/>
               <a:pPr/>
-              <a:t>‹#›</a:t>
+              <a:t>‹N°›</a:t>
             </a:fld>
             <a:endParaRPr lang="en-US" dirty="0"/>
           </a:p>
@@ -4682,7 +4690,7 @@
             <a:fld id="{B61BEF0D-F0BB-DE4B-95CE-6DB70DBA9567}" type="datetimeFigureOut">
               <a:rPr lang="en-US" dirty="0"/>
               <a:pPr/>
-              <a:t>6/1/2017</a:t>
+              <a:t>6/10/2017</a:t>
             </a:fld>
             <a:endParaRPr lang="en-US" dirty="0"/>
           </a:p>
@@ -4807,7 +4815,7 @@
             <a:fld id="{D57F1E4F-1CFF-5643-939E-217C01CDF565}" type="slidenum">
               <a:rPr lang="en-US" dirty="0"/>
               <a:pPr/>
-              <a:t>‹#›</a:t>
+              <a:t>‹N°›</a:t>
             </a:fld>
             <a:endParaRPr lang="en-US" dirty="0"/>
           </a:p>
@@ -5024,7 +5032,7 @@
             <a:fld id="{B61BEF0D-F0BB-DE4B-95CE-6DB70DBA9567}" type="datetimeFigureOut">
               <a:rPr lang="en-US" dirty="0"/>
               <a:pPr/>
-              <a:t>6/1/2017</a:t>
+              <a:t>6/10/2017</a:t>
             </a:fld>
             <a:endParaRPr lang="en-US" dirty="0"/>
           </a:p>
@@ -5154,7 +5162,7 @@
             <a:fld id="{D57F1E4F-1CFF-5643-939E-217C01CDF565}" type="slidenum">
               <a:rPr lang="en-US" dirty="0"/>
               <a:pPr/>
-              <a:t>‹#›</a:t>
+              <a:t>‹N°›</a:t>
             </a:fld>
             <a:endParaRPr lang="en-US" dirty="0"/>
           </a:p>
@@ -7138,7 +7146,7 @@
             <a:fld id="{B61BEF0D-F0BB-DE4B-95CE-6DB70DBA9567}" type="datetimeFigureOut">
               <a:rPr lang="en-US" dirty="0"/>
               <a:pPr/>
-              <a:t>6/1/2017</a:t>
+              <a:t>6/10/2017</a:t>
             </a:fld>
             <a:endParaRPr lang="en-US" dirty="0"/>
           </a:p>
@@ -7215,7 +7223,7 @@
             <a:fld id="{D57F1E4F-1CFF-5643-939E-217C01CDF565}" type="slidenum">
               <a:rPr lang="en-US" dirty="0"/>
               <a:pPr/>
-              <a:t>‹#›</a:t>
+              <a:t>‹N°›</a:t>
             </a:fld>
             <a:endParaRPr lang="en-US" dirty="0"/>
           </a:p>
@@ -10458,51 +10466,301 @@
           <a:chExt cx="0" cy="0"/>
         </a:xfrm>
       </p:grpSpPr>
-      <p:sp>
-        <p:nvSpPr>
-          <p:cNvPr id="2" name="Title 1"/>
-          <p:cNvSpPr>
-            <a:spLocks noGrp="1"/>
-          </p:cNvSpPr>
-          <p:nvPr>
-            <p:ph type="title"/>
-          </p:nvPr>
-        </p:nvSpPr>
-        <p:spPr/>
-        <p:txBody>
-          <a:bodyPr/>
-          <a:lstStyle/>
-          <a:p>
-            <a:r>
-              <a:rPr lang="fr-FR" dirty="0"/>
-              <a:t>Lancer de rayon</a:t>
-            </a:r>
-          </a:p>
-        </p:txBody>
-      </p:sp>
-      <p:sp>
-        <p:nvSpPr>
-          <p:cNvPr id="3" name="Content Placeholder 2"/>
-          <p:cNvSpPr>
-            <a:spLocks noGrp="1"/>
-          </p:cNvSpPr>
+      <p:pic>
+        <p:nvPicPr>
+          <p:cNvPr id="8" name="Content Placeholder 5"/>
+          <p:cNvPicPr>
+            <a:picLocks noGrp="1"/>
+          </p:cNvPicPr>
           <p:nvPr>
             <p:ph idx="1"/>
           </p:nvPr>
-        </p:nvSpPr>
-        <p:spPr/>
-        <p:txBody>
-          <a:bodyPr/>
-          <a:lstStyle/>
-          <a:p>
+        </p:nvPicPr>
+        <p:blipFill rotWithShape="1">
+          <a:blip r:embed="rId2" cstate="print">
+            <a:extLst>
+              <a:ext uri="{28A0092B-C50C-407E-A947-70E740481C1C}">
+                <a14:useLocalDpi xmlns:a14="http://schemas.microsoft.com/office/drawing/2010/main" val="0"/>
+              </a:ext>
+            </a:extLst>
+          </a:blip>
+          <a:srcRect l="4000" t="20504" r="12997" b="-535"/>
+          <a:stretch/>
+        </p:blipFill>
+        <p:spPr>
+          <a:xfrm>
+            <a:off x="2880000" y="180000"/>
+            <a:ext cx="6480000" cy="6480000"/>
+          </a:xfrm>
+        </p:spPr>
+      </p:pic>
+      <p:cxnSp>
+        <p:nvCxnSpPr>
+          <p:cNvPr id="9" name="Straight Arrow Connector 7"/>
+          <p:cNvCxnSpPr>
+            <a:cxnSpLocks/>
+          </p:cNvCxnSpPr>
+          <p:nvPr/>
+        </p:nvCxnSpPr>
+        <p:spPr>
+          <a:xfrm>
+            <a:off x="4828895" y="4065672"/>
+            <a:ext cx="435923" cy="725403"/>
+          </a:xfrm>
+          <a:prstGeom prst="straightConnector1">
+            <a:avLst/>
+          </a:prstGeom>
+          <a:ln>
+            <a:solidFill>
+              <a:srgbClr val="00B050"/>
+            </a:solidFill>
+            <a:tailEnd type="triangle"/>
+          </a:ln>
+        </p:spPr>
+        <p:style>
+          <a:lnRef idx="3">
+            <a:schemeClr val="accent1"/>
+          </a:lnRef>
+          <a:fillRef idx="0">
+            <a:schemeClr val="accent1"/>
+          </a:fillRef>
+          <a:effectRef idx="2">
+            <a:schemeClr val="accent1"/>
+          </a:effectRef>
+          <a:fontRef idx="minor">
+            <a:schemeClr val="tx1"/>
+          </a:fontRef>
+        </p:style>
+      </p:cxnSp>
+      <p:sp>
+        <p:nvSpPr>
+          <p:cNvPr id="10" name="Rectangle 9"/>
+          <p:cNvSpPr/>
+          <p:nvPr/>
+        </p:nvSpPr>
+        <p:spPr>
+          <a:xfrm>
+            <a:off x="5863326" y="6498316"/>
+            <a:ext cx="513347" cy="112295"/>
+          </a:xfrm>
+          <a:prstGeom prst="rect">
+            <a:avLst/>
+          </a:prstGeom>
+          <a:solidFill>
+            <a:srgbClr val="00B050"/>
+          </a:solidFill>
+        </p:spPr>
+        <p:style>
+          <a:lnRef idx="1">
+            <a:schemeClr val="accent6"/>
+          </a:lnRef>
+          <a:fillRef idx="2">
+            <a:schemeClr val="accent6"/>
+          </a:fillRef>
+          <a:effectRef idx="1">
+            <a:schemeClr val="accent6"/>
+          </a:effectRef>
+          <a:fontRef idx="minor">
+            <a:schemeClr val="dk1"/>
+          </a:fontRef>
+        </p:style>
+        <p:txBody>
+          <a:bodyPr rtlCol="0" anchor="ctr"/>
+          <a:lstStyle/>
+          <a:p>
+            <a:pPr algn="ctr"/>
             <a:endParaRPr lang="fr-FR"/>
           </a:p>
         </p:txBody>
       </p:sp>
+      <p:cxnSp>
+        <p:nvCxnSpPr>
+          <p:cNvPr id="11" name="Straight Arrow Connector 12"/>
+          <p:cNvCxnSpPr>
+            <a:cxnSpLocks/>
+          </p:cNvCxnSpPr>
+          <p:nvPr/>
+        </p:nvCxnSpPr>
+        <p:spPr>
+          <a:xfrm>
+            <a:off x="5817837" y="4137365"/>
+            <a:ext cx="150395" cy="653710"/>
+          </a:xfrm>
+          <a:prstGeom prst="straightConnector1">
+            <a:avLst/>
+          </a:prstGeom>
+          <a:ln>
+            <a:solidFill>
+              <a:srgbClr val="00B050"/>
+            </a:solidFill>
+            <a:tailEnd type="triangle"/>
+          </a:ln>
+        </p:spPr>
+        <p:style>
+          <a:lnRef idx="3">
+            <a:schemeClr val="accent1"/>
+          </a:lnRef>
+          <a:fillRef idx="0">
+            <a:schemeClr val="accent1"/>
+          </a:fillRef>
+          <a:effectRef idx="2">
+            <a:schemeClr val="accent1"/>
+          </a:effectRef>
+          <a:fontRef idx="minor">
+            <a:schemeClr val="tx1"/>
+          </a:fontRef>
+        </p:style>
+      </p:cxnSp>
+      <p:cxnSp>
+        <p:nvCxnSpPr>
+          <p:cNvPr id="13" name="Straight Arrow Connector 14"/>
+          <p:cNvCxnSpPr>
+            <a:cxnSpLocks/>
+          </p:cNvCxnSpPr>
+          <p:nvPr/>
+        </p:nvCxnSpPr>
+        <p:spPr>
+          <a:xfrm flipH="1">
+            <a:off x="7106653" y="3749346"/>
+            <a:ext cx="256674" cy="705347"/>
+          </a:xfrm>
+          <a:prstGeom prst="straightConnector1">
+            <a:avLst/>
+          </a:prstGeom>
+          <a:ln>
+            <a:solidFill>
+              <a:srgbClr val="00B050"/>
+            </a:solidFill>
+            <a:tailEnd type="triangle"/>
+          </a:ln>
+        </p:spPr>
+        <p:style>
+          <a:lnRef idx="3">
+            <a:schemeClr val="accent1"/>
+          </a:lnRef>
+          <a:fillRef idx="0">
+            <a:schemeClr val="accent1"/>
+          </a:fillRef>
+          <a:effectRef idx="2">
+            <a:schemeClr val="accent1"/>
+          </a:effectRef>
+          <a:fontRef idx="minor">
+            <a:schemeClr val="tx1"/>
+          </a:fontRef>
+        </p:style>
+      </p:cxnSp>
+      <p:cxnSp>
+        <p:nvCxnSpPr>
+          <p:cNvPr id="14" name="Straight Arrow Connector 16"/>
+          <p:cNvCxnSpPr/>
+          <p:nvPr/>
+        </p:nvCxnSpPr>
+        <p:spPr>
+          <a:xfrm flipH="1">
+            <a:off x="7162800" y="2222844"/>
+            <a:ext cx="200527" cy="634656"/>
+          </a:xfrm>
+          <a:prstGeom prst="straightConnector1">
+            <a:avLst/>
+          </a:prstGeom>
+          <a:ln>
+            <a:solidFill>
+              <a:srgbClr val="00B050"/>
+            </a:solidFill>
+            <a:tailEnd type="triangle"/>
+          </a:ln>
+        </p:spPr>
+        <p:style>
+          <a:lnRef idx="3">
+            <a:schemeClr val="accent1"/>
+          </a:lnRef>
+          <a:fillRef idx="0">
+            <a:schemeClr val="accent1"/>
+          </a:fillRef>
+          <a:effectRef idx="2">
+            <a:schemeClr val="accent1"/>
+          </a:effectRef>
+          <a:fontRef idx="minor">
+            <a:schemeClr val="tx1"/>
+          </a:fontRef>
+        </p:style>
+      </p:cxnSp>
+      <p:cxnSp>
+        <p:nvCxnSpPr>
+          <p:cNvPr id="15" name="Straight Arrow Connector 20"/>
+          <p:cNvCxnSpPr/>
+          <p:nvPr/>
+        </p:nvCxnSpPr>
+        <p:spPr>
+          <a:xfrm>
+            <a:off x="4494797" y="6084474"/>
+            <a:ext cx="770021" cy="188992"/>
+          </a:xfrm>
+          <a:prstGeom prst="straightConnector1">
+            <a:avLst/>
+          </a:prstGeom>
+          <a:ln>
+            <a:solidFill>
+              <a:srgbClr val="00B050"/>
+            </a:solidFill>
+            <a:tailEnd type="triangle"/>
+          </a:ln>
+        </p:spPr>
+        <p:style>
+          <a:lnRef idx="3">
+            <a:schemeClr val="accent1"/>
+          </a:lnRef>
+          <a:fillRef idx="0">
+            <a:schemeClr val="accent1"/>
+          </a:fillRef>
+          <a:effectRef idx="2">
+            <a:schemeClr val="accent1"/>
+          </a:effectRef>
+          <a:fontRef idx="minor">
+            <a:schemeClr val="tx1"/>
+          </a:fontRef>
+        </p:style>
+      </p:cxnSp>
+      <p:cxnSp>
+        <p:nvCxnSpPr>
+          <p:cNvPr id="16" name="Straight Arrow Connector 22"/>
+          <p:cNvCxnSpPr/>
+          <p:nvPr/>
+        </p:nvCxnSpPr>
+        <p:spPr>
+          <a:xfrm flipH="1">
+            <a:off x="7363327" y="4402565"/>
+            <a:ext cx="601578" cy="514340"/>
+          </a:xfrm>
+          <a:prstGeom prst="straightConnector1">
+            <a:avLst/>
+          </a:prstGeom>
+          <a:ln>
+            <a:solidFill>
+              <a:srgbClr val="00B050"/>
+            </a:solidFill>
+            <a:tailEnd type="triangle"/>
+          </a:ln>
+        </p:spPr>
+        <p:style>
+          <a:lnRef idx="3">
+            <a:schemeClr val="accent1"/>
+          </a:lnRef>
+          <a:fillRef idx="0">
+            <a:schemeClr val="accent1"/>
+          </a:fillRef>
+          <a:effectRef idx="2">
+            <a:schemeClr val="accent1"/>
+          </a:effectRef>
+          <a:fontRef idx="minor">
+            <a:schemeClr val="tx1"/>
+          </a:fontRef>
+        </p:style>
+      </p:cxnSp>
     </p:spTree>
     <p:extLst>
       <p:ext uri="{BB962C8B-B14F-4D97-AF65-F5344CB8AC3E}">
-        <p14:creationId xmlns:p14="http://schemas.microsoft.com/office/powerpoint/2010/main" val="884525970"/>
+        <p14:creationId xmlns:p14="http://schemas.microsoft.com/office/powerpoint/2010/main" val="4092907231"/>
       </p:ext>
     </p:extLst>
   </p:cSld>
@@ -10529,178 +10787,43 @@
           <a:chExt cx="0" cy="0"/>
         </a:xfrm>
       </p:grpSpPr>
-      <p:pic>
-        <p:nvPicPr>
-          <p:cNvPr id="227" name="Picture 226"/>
-          <p:cNvPicPr/>
-          <p:nvPr/>
-        </p:nvPicPr>
-        <p:blipFill rotWithShape="1">
-          <a:blip r:embed="rId2"/>
-          <a:srcRect l="3497" t="21997" r="17500" b="4005"/>
-          <a:stretch/>
-        </p:blipFill>
-        <p:spPr>
-          <a:xfrm>
-            <a:off x="2880000" y="180000"/>
-            <a:ext cx="6480000" cy="6480000"/>
-          </a:xfrm>
-          <a:prstGeom prst="rect">
-            <a:avLst/>
-          </a:prstGeom>
-          <a:ln>
-            <a:noFill/>
-          </a:ln>
-        </p:spPr>
-      </p:pic>
-      <p:sp>
-        <p:nvSpPr>
-          <p:cNvPr id="228" name="Line 1"/>
-          <p:cNvSpPr/>
-          <p:nvPr/>
-        </p:nvSpPr>
-        <p:spPr>
-          <a:xfrm>
-            <a:off x="8042400" y="1081395"/>
-            <a:ext cx="634320" cy="5083560"/>
-          </a:xfrm>
-          <a:prstGeom prst="line">
-            <a:avLst/>
-          </a:prstGeom>
-          <a:ln>
-            <a:solidFill>
-              <a:srgbClr val="92D050"/>
-            </a:solidFill>
-            <a:tailEnd type="triangle" w="med" len="med"/>
-          </a:ln>
-        </p:spPr>
-        <p:style>
-          <a:lnRef idx="3">
-            <a:schemeClr val="accent2"/>
-          </a:lnRef>
-          <a:fillRef idx="0">
-            <a:schemeClr val="accent2"/>
-          </a:fillRef>
-          <a:effectRef idx="2">
-            <a:schemeClr val="accent2"/>
-          </a:effectRef>
-          <a:fontRef idx="minor">
-            <a:schemeClr val="tx1"/>
-          </a:fontRef>
-        </p:style>
-      </p:sp>
-      <p:sp>
-        <p:nvSpPr>
-          <p:cNvPr id="229" name="Line 2"/>
-          <p:cNvSpPr/>
-          <p:nvPr/>
-        </p:nvSpPr>
-        <p:spPr>
-          <a:xfrm>
-            <a:off x="7936920" y="1189215"/>
-            <a:ext cx="316800" cy="270720"/>
-          </a:xfrm>
-          <a:prstGeom prst="line">
-            <a:avLst/>
-          </a:prstGeom>
-          <a:ln w="12600">
-            <a:solidFill>
-              <a:srgbClr val="66FF00"/>
-            </a:solidFill>
-            <a:round/>
-          </a:ln>
-        </p:spPr>
-        <p:style>
-          <a:lnRef idx="0">
-            <a:scrgbClr r="0" g="0" b="0"/>
-          </a:lnRef>
-          <a:fillRef idx="0">
-            <a:scrgbClr r="0" g="0" b="0"/>
-          </a:fillRef>
-          <a:effectRef idx="0">
-            <a:scrgbClr r="0" g="0" b="0"/>
-          </a:effectRef>
-          <a:fontRef idx="minor"/>
-        </p:style>
-      </p:sp>
-      <p:sp>
-        <p:nvSpPr>
-          <p:cNvPr id="230" name="Line 3"/>
-          <p:cNvSpPr/>
-          <p:nvPr/>
-        </p:nvSpPr>
-        <p:spPr>
-          <a:xfrm flipH="1">
-            <a:off x="7936920" y="1216395"/>
-            <a:ext cx="211320" cy="216360"/>
-          </a:xfrm>
-          <a:prstGeom prst="line">
-            <a:avLst/>
-          </a:prstGeom>
-          <a:ln w="12600">
-            <a:solidFill>
-              <a:srgbClr val="66FF00"/>
-            </a:solidFill>
-            <a:round/>
-          </a:ln>
-        </p:spPr>
-        <p:style>
-          <a:lnRef idx="0">
-            <a:scrgbClr r="0" g="0" b="0"/>
-          </a:lnRef>
-          <a:fillRef idx="0">
-            <a:scrgbClr r="0" g="0" b="0"/>
-          </a:fillRef>
-          <a:effectRef idx="0">
-            <a:scrgbClr r="0" g="0" b="0"/>
-          </a:effectRef>
-          <a:fontRef idx="minor"/>
-        </p:style>
-      </p:sp>
-      <p:sp>
-        <p:nvSpPr>
-          <p:cNvPr id="7" name="Rectangle 6"/>
-          <p:cNvSpPr/>
-          <p:nvPr/>
-        </p:nvSpPr>
-        <p:spPr>
-          <a:xfrm>
-            <a:off x="8365972" y="6509288"/>
-            <a:ext cx="576550" cy="88718"/>
-          </a:xfrm>
-          <a:prstGeom prst="rect">
-            <a:avLst/>
-          </a:prstGeom>
-          <a:solidFill>
-            <a:srgbClr val="00B050"/>
-          </a:solidFill>
-          <a:ln>
-            <a:solidFill>
-              <a:srgbClr val="00B050"/>
-            </a:solidFill>
-          </a:ln>
-        </p:spPr>
-        <p:style>
-          <a:lnRef idx="2">
-            <a:schemeClr val="accent1">
-              <a:shade val="50000"/>
-            </a:schemeClr>
-          </a:lnRef>
-          <a:fillRef idx="1">
-            <a:schemeClr val="accent1"/>
-          </a:fillRef>
-          <a:effectRef idx="0">
-            <a:schemeClr val="accent1"/>
-          </a:effectRef>
-          <a:fontRef idx="minor">
-            <a:schemeClr val="lt1"/>
-          </a:fontRef>
-        </p:style>
-        <p:txBody>
-          <a:bodyPr rtlCol="0" anchor="ctr"/>
-          <a:lstStyle/>
-          <a:p>
-            <a:pPr algn="ctr"/>
+      <p:sp>
+        <p:nvSpPr>
+          <p:cNvPr id="2" name="Title 1"/>
+          <p:cNvSpPr>
+            <a:spLocks noGrp="1"/>
+          </p:cNvSpPr>
+          <p:nvPr>
+            <p:ph type="title"/>
+          </p:nvPr>
+        </p:nvSpPr>
+        <p:spPr/>
+        <p:txBody>
+          <a:bodyPr/>
+          <a:lstStyle/>
+          <a:p>
+            <a:r>
+              <a:rPr lang="fr-FR" dirty="0"/>
+              <a:t>Lancer de rayon</a:t>
+            </a:r>
+          </a:p>
+        </p:txBody>
+      </p:sp>
+      <p:sp>
+        <p:nvSpPr>
+          <p:cNvPr id="3" name="Content Placeholder 2"/>
+          <p:cNvSpPr>
+            <a:spLocks noGrp="1"/>
+          </p:cNvSpPr>
+          <p:nvPr>
+            <p:ph idx="1"/>
+          </p:nvPr>
+        </p:nvSpPr>
+        <p:spPr/>
+        <p:txBody>
+          <a:bodyPr/>
+          <a:lstStyle/>
+          <a:p>
             <a:endParaRPr lang="fr-FR"/>
           </a:p>
         </p:txBody>
@@ -10708,52 +10831,13 @@
     </p:spTree>
     <p:extLst>
       <p:ext uri="{BB962C8B-B14F-4D97-AF65-F5344CB8AC3E}">
-        <p14:creationId xmlns:p14="http://schemas.microsoft.com/office/powerpoint/2010/main" val="1801644115"/>
+        <p14:creationId xmlns:p14="http://schemas.microsoft.com/office/powerpoint/2010/main" val="884525970"/>
       </p:ext>
     </p:extLst>
   </p:cSld>
   <p:clrMapOvr>
     <a:masterClrMapping/>
   </p:clrMapOvr>
-  <mc:AlternateContent xmlns:mc="http://schemas.openxmlformats.org/markup-compatibility/2006" xmlns:p14="http://schemas.microsoft.com/office/powerpoint/2010/main">
-    <mc:Choice Requires="p14">
-      <p:transition spd="med" p14:dur="700">
-        <p:fade/>
-      </p:transition>
-    </mc:Choice>
-    <mc:Fallback xmlns="">
-      <p:transition spd="med">
-        <p:fade/>
-      </p:transition>
-    </mc:Fallback>
-  </mc:AlternateContent>
-  <p:timing>
-    <p:tnLst>
-      <p:par>
-        <p:cTn id="1" dur="indefinite" restart="never" nodeType="tmRoot">
-          <p:childTnLst>
-            <p:seq>
-              <p:cTn id="2" nodeType="mainSeq"/>
-              <p:prevCondLst>
-                <p:cond evt="onPrev" delay="0">
-                  <p:tgtEl>
-                    <p:sldTgt/>
-                  </p:tgtEl>
-                </p:cond>
-              </p:prevCondLst>
-              <p:nextCondLst>
-                <p:cond evt="onNext" delay="0">
-                  <p:tgtEl>
-                    <p:sldTgt/>
-                  </p:tgtEl>
-                </p:cond>
-              </p:nextCondLst>
-            </p:seq>
-          </p:childTnLst>
-        </p:cTn>
-      </p:par>
-    </p:tnLst>
-  </p:timing>
 </p:sld>
 </file>
 
@@ -10836,91 +10920,7 @@
       </p:sp>
       <p:sp>
         <p:nvSpPr>
-          <p:cNvPr id="231" name="Line 4"/>
-          <p:cNvSpPr/>
-          <p:nvPr/>
-        </p:nvSpPr>
-        <p:spPr>
-          <a:xfrm flipH="1">
-            <a:off x="7372350" y="1081395"/>
-            <a:ext cx="670050" cy="204480"/>
-          </a:xfrm>
-          <a:prstGeom prst="line">
-            <a:avLst/>
-          </a:prstGeom>
-          <a:ln>
-            <a:solidFill>
-              <a:srgbClr val="92D050"/>
-            </a:solidFill>
-            <a:tailEnd type="triangle" w="med" len="med"/>
-          </a:ln>
-        </p:spPr>
-        <p:style>
-          <a:lnRef idx="3">
-            <a:schemeClr val="accent2"/>
-          </a:lnRef>
-          <a:fillRef idx="0">
-            <a:schemeClr val="accent2"/>
-          </a:fillRef>
-          <a:effectRef idx="2">
-            <a:schemeClr val="accent2"/>
-          </a:effectRef>
-          <a:fontRef idx="minor">
-            <a:schemeClr val="tx1"/>
-          </a:fontRef>
-        </p:style>
-      </p:sp>
-      <p:sp>
-        <p:nvSpPr>
-          <p:cNvPr id="7" name="Rectangle 6"/>
-          <p:cNvSpPr/>
-          <p:nvPr/>
-        </p:nvSpPr>
-        <p:spPr>
-          <a:xfrm>
-            <a:off x="8365972" y="6509288"/>
-            <a:ext cx="576550" cy="88718"/>
-          </a:xfrm>
-          <a:prstGeom prst="rect">
-            <a:avLst/>
-          </a:prstGeom>
-          <a:solidFill>
-            <a:srgbClr val="00B050"/>
-          </a:solidFill>
-          <a:ln>
-            <a:solidFill>
-              <a:srgbClr val="00B050"/>
-            </a:solidFill>
-          </a:ln>
-        </p:spPr>
-        <p:style>
-          <a:lnRef idx="2">
-            <a:schemeClr val="accent1">
-              <a:shade val="50000"/>
-            </a:schemeClr>
-          </a:lnRef>
-          <a:fillRef idx="1">
-            <a:schemeClr val="accent1"/>
-          </a:fillRef>
-          <a:effectRef idx="0">
-            <a:schemeClr val="accent1"/>
-          </a:effectRef>
-          <a:fontRef idx="minor">
-            <a:schemeClr val="lt1"/>
-          </a:fontRef>
-        </p:style>
-        <p:txBody>
-          <a:bodyPr rtlCol="0" anchor="ctr"/>
-          <a:lstStyle/>
-          <a:p>
-            <a:pPr algn="ctr"/>
-            <a:endParaRPr lang="fr-FR"/>
-          </a:p>
-        </p:txBody>
-      </p:sp>
-      <p:sp>
-        <p:nvSpPr>
-          <p:cNvPr id="8" name="Line 2"/>
+          <p:cNvPr id="229" name="Line 2"/>
           <p:cNvSpPr/>
           <p:nvPr/>
         </p:nvSpPr>
@@ -10954,7 +10954,7 @@
       </p:sp>
       <p:sp>
         <p:nvSpPr>
-          <p:cNvPr id="9" name="Line 3"/>
+          <p:cNvPr id="230" name="Line 3"/>
           <p:cNvSpPr/>
           <p:nvPr/>
         </p:nvSpPr>
@@ -10986,10 +10986,58 @@
           <a:fontRef idx="minor"/>
         </p:style>
       </p:sp>
+      <p:sp>
+        <p:nvSpPr>
+          <p:cNvPr id="7" name="Rectangle 6"/>
+          <p:cNvSpPr/>
+          <p:nvPr/>
+        </p:nvSpPr>
+        <p:spPr>
+          <a:xfrm>
+            <a:off x="8365972" y="6509288"/>
+            <a:ext cx="576550" cy="88718"/>
+          </a:xfrm>
+          <a:prstGeom prst="rect">
+            <a:avLst/>
+          </a:prstGeom>
+          <a:solidFill>
+            <a:srgbClr val="00B050"/>
+          </a:solidFill>
+          <a:ln>
+            <a:solidFill>
+              <a:srgbClr val="00B050"/>
+            </a:solidFill>
+          </a:ln>
+        </p:spPr>
+        <p:style>
+          <a:lnRef idx="2">
+            <a:schemeClr val="accent1">
+              <a:shade val="50000"/>
+            </a:schemeClr>
+          </a:lnRef>
+          <a:fillRef idx="1">
+            <a:schemeClr val="accent1"/>
+          </a:fillRef>
+          <a:effectRef idx="0">
+            <a:schemeClr val="accent1"/>
+          </a:effectRef>
+          <a:fontRef idx="minor">
+            <a:schemeClr val="lt1"/>
+          </a:fontRef>
+        </p:style>
+        <p:txBody>
+          <a:bodyPr rtlCol="0" anchor="ctr"/>
+          <a:lstStyle/>
+          <a:p>
+            <a:pPr algn="ctr"/>
+            <a:endParaRPr lang="fr-FR"/>
+          </a:p>
+        </p:txBody>
+      </p:sp>
     </p:spTree>
     <p:extLst>
       <p:ext uri="{BB962C8B-B14F-4D97-AF65-F5344CB8AC3E}">
-        <p14:creationId xmlns:p14="http://schemas.microsoft.com/office/powerpoint/2010/main" val="983173742"/>
+        <p14:creationId xmlns:p14="http://schemas.microsoft.com/office/powerpoint/2010/main" val="1801644115"/>
       </p:ext>
     </p:extLst>
   </p:cSld>
@@ -11055,57 +11103,267 @@
           <a:chExt cx="0" cy="0"/>
         </a:xfrm>
       </p:grpSpPr>
-      <p:sp>
-        <p:nvSpPr>
-          <p:cNvPr id="2" name="Title 1"/>
-          <p:cNvSpPr>
-            <a:spLocks noGrp="1"/>
-          </p:cNvSpPr>
-          <p:nvPr>
-            <p:ph type="title"/>
-          </p:nvPr>
-        </p:nvSpPr>
-        <p:spPr/>
-        <p:txBody>
-          <a:bodyPr/>
-          <a:lstStyle/>
-          <a:p>
-            <a:r>
-              <a:rPr lang="fr-FR" dirty="0"/>
-              <a:t>Parler de la dichotomie</a:t>
-            </a:r>
-          </a:p>
-        </p:txBody>
-      </p:sp>
-      <p:sp>
-        <p:nvSpPr>
-          <p:cNvPr id="3" name="Content Placeholder 2"/>
-          <p:cNvSpPr>
-            <a:spLocks noGrp="1"/>
-          </p:cNvSpPr>
-          <p:nvPr>
-            <p:ph idx="1"/>
-          </p:nvPr>
-        </p:nvSpPr>
-        <p:spPr/>
-        <p:txBody>
-          <a:bodyPr/>
-          <a:lstStyle/>
-          <a:p>
+      <p:pic>
+        <p:nvPicPr>
+          <p:cNvPr id="227" name="Picture 226"/>
+          <p:cNvPicPr/>
+          <p:nvPr/>
+        </p:nvPicPr>
+        <p:blipFill rotWithShape="1">
+          <a:blip r:embed="rId2"/>
+          <a:srcRect l="3497" t="21997" r="17500" b="4005"/>
+          <a:stretch/>
+        </p:blipFill>
+        <p:spPr>
+          <a:xfrm>
+            <a:off x="2880000" y="180000"/>
+            <a:ext cx="6480000" cy="6480000"/>
+          </a:xfrm>
+          <a:prstGeom prst="rect">
+            <a:avLst/>
+          </a:prstGeom>
+          <a:ln>
+            <a:noFill/>
+          </a:ln>
+        </p:spPr>
+      </p:pic>
+      <p:sp>
+        <p:nvSpPr>
+          <p:cNvPr id="228" name="Line 1"/>
+          <p:cNvSpPr/>
+          <p:nvPr/>
+        </p:nvSpPr>
+        <p:spPr>
+          <a:xfrm>
+            <a:off x="8042400" y="1081395"/>
+            <a:ext cx="634320" cy="5083560"/>
+          </a:xfrm>
+          <a:prstGeom prst="line">
+            <a:avLst/>
+          </a:prstGeom>
+          <a:ln>
+            <a:solidFill>
+              <a:srgbClr val="92D050"/>
+            </a:solidFill>
+            <a:tailEnd type="triangle" w="med" len="med"/>
+          </a:ln>
+        </p:spPr>
+        <p:style>
+          <a:lnRef idx="3">
+            <a:schemeClr val="accent2"/>
+          </a:lnRef>
+          <a:fillRef idx="0">
+            <a:schemeClr val="accent2"/>
+          </a:fillRef>
+          <a:effectRef idx="2">
+            <a:schemeClr val="accent2"/>
+          </a:effectRef>
+          <a:fontRef idx="minor">
+            <a:schemeClr val="tx1"/>
+          </a:fontRef>
+        </p:style>
+      </p:sp>
+      <p:sp>
+        <p:nvSpPr>
+          <p:cNvPr id="231" name="Line 4"/>
+          <p:cNvSpPr/>
+          <p:nvPr/>
+        </p:nvSpPr>
+        <p:spPr>
+          <a:xfrm flipH="1">
+            <a:off x="7372350" y="1081395"/>
+            <a:ext cx="670050" cy="204480"/>
+          </a:xfrm>
+          <a:prstGeom prst="line">
+            <a:avLst/>
+          </a:prstGeom>
+          <a:ln>
+            <a:solidFill>
+              <a:srgbClr val="92D050"/>
+            </a:solidFill>
+            <a:tailEnd type="triangle" w="med" len="med"/>
+          </a:ln>
+        </p:spPr>
+        <p:style>
+          <a:lnRef idx="3">
+            <a:schemeClr val="accent2"/>
+          </a:lnRef>
+          <a:fillRef idx="0">
+            <a:schemeClr val="accent2"/>
+          </a:fillRef>
+          <a:effectRef idx="2">
+            <a:schemeClr val="accent2"/>
+          </a:effectRef>
+          <a:fontRef idx="minor">
+            <a:schemeClr val="tx1"/>
+          </a:fontRef>
+        </p:style>
+      </p:sp>
+      <p:sp>
+        <p:nvSpPr>
+          <p:cNvPr id="7" name="Rectangle 6"/>
+          <p:cNvSpPr/>
+          <p:nvPr/>
+        </p:nvSpPr>
+        <p:spPr>
+          <a:xfrm>
+            <a:off x="8365972" y="6509288"/>
+            <a:ext cx="576550" cy="88718"/>
+          </a:xfrm>
+          <a:prstGeom prst="rect">
+            <a:avLst/>
+          </a:prstGeom>
+          <a:solidFill>
+            <a:srgbClr val="00B050"/>
+          </a:solidFill>
+          <a:ln>
+            <a:solidFill>
+              <a:srgbClr val="00B050"/>
+            </a:solidFill>
+          </a:ln>
+        </p:spPr>
+        <p:style>
+          <a:lnRef idx="2">
+            <a:schemeClr val="accent1">
+              <a:shade val="50000"/>
+            </a:schemeClr>
+          </a:lnRef>
+          <a:fillRef idx="1">
+            <a:schemeClr val="accent1"/>
+          </a:fillRef>
+          <a:effectRef idx="0">
+            <a:schemeClr val="accent1"/>
+          </a:effectRef>
+          <a:fontRef idx="minor">
+            <a:schemeClr val="lt1"/>
+          </a:fontRef>
+        </p:style>
+        <p:txBody>
+          <a:bodyPr rtlCol="0" anchor="ctr"/>
+          <a:lstStyle/>
+          <a:p>
+            <a:pPr algn="ctr"/>
             <a:endParaRPr lang="fr-FR"/>
           </a:p>
         </p:txBody>
+      </p:sp>
+      <p:sp>
+        <p:nvSpPr>
+          <p:cNvPr id="8" name="Line 2"/>
+          <p:cNvSpPr/>
+          <p:nvPr/>
+        </p:nvSpPr>
+        <p:spPr>
+          <a:xfrm>
+            <a:off x="7936920" y="1189215"/>
+            <a:ext cx="316800" cy="270720"/>
+          </a:xfrm>
+          <a:prstGeom prst="line">
+            <a:avLst/>
+          </a:prstGeom>
+          <a:ln w="12600">
+            <a:solidFill>
+              <a:srgbClr val="66FF00"/>
+            </a:solidFill>
+            <a:round/>
+          </a:ln>
+        </p:spPr>
+        <p:style>
+          <a:lnRef idx="0">
+            <a:scrgbClr r="0" g="0" b="0"/>
+          </a:lnRef>
+          <a:fillRef idx="0">
+            <a:scrgbClr r="0" g="0" b="0"/>
+          </a:fillRef>
+          <a:effectRef idx="0">
+            <a:scrgbClr r="0" g="0" b="0"/>
+          </a:effectRef>
+          <a:fontRef idx="minor"/>
+        </p:style>
+      </p:sp>
+      <p:sp>
+        <p:nvSpPr>
+          <p:cNvPr id="9" name="Line 3"/>
+          <p:cNvSpPr/>
+          <p:nvPr/>
+        </p:nvSpPr>
+        <p:spPr>
+          <a:xfrm flipH="1">
+            <a:off x="7936920" y="1216395"/>
+            <a:ext cx="211320" cy="216360"/>
+          </a:xfrm>
+          <a:prstGeom prst="line">
+            <a:avLst/>
+          </a:prstGeom>
+          <a:ln w="12600">
+            <a:solidFill>
+              <a:srgbClr val="66FF00"/>
+            </a:solidFill>
+            <a:round/>
+          </a:ln>
+        </p:spPr>
+        <p:style>
+          <a:lnRef idx="0">
+            <a:scrgbClr r="0" g="0" b="0"/>
+          </a:lnRef>
+          <a:fillRef idx="0">
+            <a:scrgbClr r="0" g="0" b="0"/>
+          </a:fillRef>
+          <a:effectRef idx="0">
+            <a:scrgbClr r="0" g="0" b="0"/>
+          </a:effectRef>
+          <a:fontRef idx="minor"/>
+        </p:style>
       </p:sp>
     </p:spTree>
     <p:extLst>
       <p:ext uri="{BB962C8B-B14F-4D97-AF65-F5344CB8AC3E}">
-        <p14:creationId xmlns:p14="http://schemas.microsoft.com/office/powerpoint/2010/main" val="1659265828"/>
+        <p14:creationId xmlns:p14="http://schemas.microsoft.com/office/powerpoint/2010/main" val="983173742"/>
       </p:ext>
     </p:extLst>
   </p:cSld>
   <p:clrMapOvr>
     <a:masterClrMapping/>
   </p:clrMapOvr>
+  <mc:AlternateContent xmlns:mc="http://schemas.openxmlformats.org/markup-compatibility/2006" xmlns:p14="http://schemas.microsoft.com/office/powerpoint/2010/main">
+    <mc:Choice Requires="p14">
+      <p:transition spd="med" p14:dur="700">
+        <p:fade/>
+      </p:transition>
+    </mc:Choice>
+    <mc:Fallback xmlns="">
+      <p:transition spd="med">
+        <p:fade/>
+      </p:transition>
+    </mc:Fallback>
+  </mc:AlternateContent>
+  <p:timing>
+    <p:tnLst>
+      <p:par>
+        <p:cTn id="1" dur="indefinite" restart="never" nodeType="tmRoot">
+          <p:childTnLst>
+            <p:seq>
+              <p:cTn id="2" nodeType="mainSeq"/>
+              <p:prevCondLst>
+                <p:cond evt="onPrev" delay="0">
+                  <p:tgtEl>
+                    <p:sldTgt/>
+                  </p:tgtEl>
+                </p:cond>
+              </p:prevCondLst>
+              <p:nextCondLst>
+                <p:cond evt="onNext" delay="0">
+                  <p:tgtEl>
+                    <p:sldTgt/>
+                  </p:tgtEl>
+                </p:cond>
+              </p:nextCondLst>
+            </p:seq>
+          </p:childTnLst>
+        </p:cTn>
+      </p:par>
+    </p:tnLst>
+  </p:timing>
 </p:sld>
 </file>
 
@@ -11143,19 +11401,19 @@
           <a:p>
             <a:r>
               <a:rPr lang="fr-FR" dirty="0"/>
-              <a:t>Les boites de volume liées</a:t>
+              <a:t>Parler de la dichotomie</a:t>
             </a:r>
           </a:p>
         </p:txBody>
       </p:sp>
       <p:sp>
         <p:nvSpPr>
-          <p:cNvPr id="3" name="Text Placeholder 2"/>
+          <p:cNvPr id="3" name="Content Placeholder 2"/>
           <p:cNvSpPr>
             <a:spLocks noGrp="1"/>
           </p:cNvSpPr>
           <p:nvPr>
-            <p:ph type="body" idx="1"/>
+            <p:ph idx="1"/>
           </p:nvPr>
         </p:nvSpPr>
         <p:spPr/>
@@ -11163,17 +11421,14 @@
           <a:bodyPr/>
           <a:lstStyle/>
           <a:p>
-            <a:r>
-              <a:rPr lang="fr-FR" dirty="0"/>
-              <a:t>Pour les recherches dans l’espace</a:t>
-            </a:r>
+            <a:endParaRPr lang="fr-FR"/>
           </a:p>
         </p:txBody>
       </p:sp>
     </p:spTree>
     <p:extLst>
       <p:ext uri="{BB962C8B-B14F-4D97-AF65-F5344CB8AC3E}">
-        <p14:creationId xmlns:p14="http://schemas.microsoft.com/office/powerpoint/2010/main" val="2407689021"/>
+        <p14:creationId xmlns:p14="http://schemas.microsoft.com/office/powerpoint/2010/main" val="1659265828"/>
       </p:ext>
     </p:extLst>
   </p:cSld>
@@ -11217,7 +11472,7 @@
           <a:p>
             <a:r>
               <a:rPr lang="fr-FR" dirty="0"/>
-              <a:t>Variation de la vitesse</a:t>
+              <a:t>Les boites de volume liées</a:t>
             </a:r>
           </a:p>
         </p:txBody>
@@ -11237,14 +11492,17 @@
           <a:bodyPr/>
           <a:lstStyle/>
           <a:p>
-            <a:endParaRPr lang="fr-FR"/>
+            <a:r>
+              <a:rPr lang="fr-FR" dirty="0"/>
+              <a:t>Pour les recherches dans l’espace</a:t>
+            </a:r>
           </a:p>
         </p:txBody>
       </p:sp>
     </p:spTree>
     <p:extLst>
       <p:ext uri="{BB962C8B-B14F-4D97-AF65-F5344CB8AC3E}">
-        <p14:creationId xmlns:p14="http://schemas.microsoft.com/office/powerpoint/2010/main" val="1630980370"/>
+        <p14:creationId xmlns:p14="http://schemas.microsoft.com/office/powerpoint/2010/main" val="2407689021"/>
       </p:ext>
     </p:extLst>
   </p:cSld>
@@ -11418,41 +11676,200 @@
       </p:grpSpPr>
       <p:sp>
         <p:nvSpPr>
-          <p:cNvPr id="2" name="Title 1"/>
-          <p:cNvSpPr>
-            <a:spLocks noGrp="1"/>
-          </p:cNvSpPr>
-          <p:nvPr>
-            <p:ph type="title"/>
-          </p:nvPr>
-        </p:nvSpPr>
-        <p:spPr/>
-        <p:txBody>
-          <a:bodyPr/>
-          <a:lstStyle/>
-          <a:p>
-            <a:r>
-              <a:rPr lang="fr-FR" dirty="0"/>
-              <a:t>Influence de la densité</a:t>
-            </a:r>
-          </a:p>
-        </p:txBody>
-      </p:sp>
-      <p:sp>
-        <p:nvSpPr>
-          <p:cNvPr id="3" name="Content Placeholder 2"/>
-          <p:cNvSpPr>
-            <a:spLocks noGrp="1"/>
-          </p:cNvSpPr>
-          <p:nvPr>
-            <p:ph idx="1"/>
-          </p:nvPr>
-        </p:nvSpPr>
-        <p:spPr/>
-        <p:txBody>
-          <a:bodyPr/>
-          <a:lstStyle/>
-          <a:p>
+          <p:cNvPr id="4" name="Étoile à 5 branches 3"/>
+          <p:cNvSpPr/>
+          <p:nvPr/>
+        </p:nvSpPr>
+        <p:spPr>
+          <a:xfrm>
+            <a:off x="2063931" y="2325188"/>
+            <a:ext cx="914400" cy="914400"/>
+          </a:xfrm>
+          <a:prstGeom prst="star5">
+            <a:avLst/>
+          </a:prstGeom>
+        </p:spPr>
+        <p:style>
+          <a:lnRef idx="2">
+            <a:schemeClr val="accent1">
+              <a:shade val="50000"/>
+            </a:schemeClr>
+          </a:lnRef>
+          <a:fillRef idx="1">
+            <a:schemeClr val="accent1"/>
+          </a:fillRef>
+          <a:effectRef idx="0">
+            <a:schemeClr val="accent1"/>
+          </a:effectRef>
+          <a:fontRef idx="minor">
+            <a:schemeClr val="lt1"/>
+          </a:fontRef>
+        </p:style>
+        <p:txBody>
+          <a:bodyPr rtlCol="0" anchor="ctr"/>
+          <a:lstStyle/>
+          <a:p>
+            <a:pPr algn="ctr"/>
+            <a:endParaRPr lang="fr-FR"/>
+          </a:p>
+        </p:txBody>
+      </p:sp>
+      <p:sp>
+        <p:nvSpPr>
+          <p:cNvPr id="5" name="Étoile à 5 branches 4"/>
+          <p:cNvSpPr/>
+          <p:nvPr/>
+        </p:nvSpPr>
+        <p:spPr>
+          <a:xfrm>
+            <a:off x="10789920" y="2560320"/>
+            <a:ext cx="914400" cy="914400"/>
+          </a:xfrm>
+          <a:prstGeom prst="star5">
+            <a:avLst/>
+          </a:prstGeom>
+        </p:spPr>
+        <p:style>
+          <a:lnRef idx="2">
+            <a:schemeClr val="accent1">
+              <a:shade val="50000"/>
+            </a:schemeClr>
+          </a:lnRef>
+          <a:fillRef idx="1">
+            <a:schemeClr val="accent1"/>
+          </a:fillRef>
+          <a:effectRef idx="0">
+            <a:schemeClr val="accent1"/>
+          </a:effectRef>
+          <a:fontRef idx="minor">
+            <a:schemeClr val="lt1"/>
+          </a:fontRef>
+        </p:style>
+        <p:txBody>
+          <a:bodyPr rtlCol="0" anchor="ctr"/>
+          <a:lstStyle/>
+          <a:p>
+            <a:pPr algn="ctr"/>
+            <a:endParaRPr lang="fr-FR"/>
+          </a:p>
+        </p:txBody>
+      </p:sp>
+      <p:sp>
+        <p:nvSpPr>
+          <p:cNvPr id="6" name="Ellipse 5"/>
+          <p:cNvSpPr/>
+          <p:nvPr/>
+        </p:nvSpPr>
+        <p:spPr>
+          <a:xfrm>
+            <a:off x="5878285" y="679268"/>
+            <a:ext cx="914400" cy="914400"/>
+          </a:xfrm>
+          <a:prstGeom prst="ellipse">
+            <a:avLst/>
+          </a:prstGeom>
+        </p:spPr>
+        <p:style>
+          <a:lnRef idx="2">
+            <a:schemeClr val="accent1">
+              <a:shade val="50000"/>
+            </a:schemeClr>
+          </a:lnRef>
+          <a:fillRef idx="1">
+            <a:schemeClr val="accent1"/>
+          </a:fillRef>
+          <a:effectRef idx="0">
+            <a:schemeClr val="accent1"/>
+          </a:effectRef>
+          <a:fontRef idx="minor">
+            <a:schemeClr val="lt1"/>
+          </a:fontRef>
+        </p:style>
+        <p:txBody>
+          <a:bodyPr rtlCol="0" anchor="ctr"/>
+          <a:lstStyle/>
+          <a:p>
+            <a:pPr algn="ctr"/>
+            <a:endParaRPr lang="fr-FR"/>
+          </a:p>
+        </p:txBody>
+      </p:sp>
+      <p:sp>
+        <p:nvSpPr>
+          <p:cNvPr id="7" name="Pentagone 6"/>
+          <p:cNvSpPr/>
+          <p:nvPr/>
+        </p:nvSpPr>
+        <p:spPr>
+          <a:xfrm>
+            <a:off x="4206240" y="4062549"/>
+            <a:ext cx="978408" cy="484632"/>
+          </a:xfrm>
+          <a:prstGeom prst="homePlate">
+            <a:avLst/>
+          </a:prstGeom>
+        </p:spPr>
+        <p:style>
+          <a:lnRef idx="2">
+            <a:schemeClr val="accent1">
+              <a:shade val="50000"/>
+            </a:schemeClr>
+          </a:lnRef>
+          <a:fillRef idx="1">
+            <a:schemeClr val="accent1"/>
+          </a:fillRef>
+          <a:effectRef idx="0">
+            <a:schemeClr val="accent1"/>
+          </a:effectRef>
+          <a:fontRef idx="minor">
+            <a:schemeClr val="lt1"/>
+          </a:fontRef>
+        </p:style>
+        <p:txBody>
+          <a:bodyPr rtlCol="0" anchor="ctr"/>
+          <a:lstStyle/>
+          <a:p>
+            <a:pPr algn="ctr"/>
+            <a:endParaRPr lang="fr-FR"/>
+          </a:p>
+        </p:txBody>
+      </p:sp>
+      <p:sp>
+        <p:nvSpPr>
+          <p:cNvPr id="8" name="Croix 7"/>
+          <p:cNvSpPr/>
+          <p:nvPr/>
+        </p:nvSpPr>
+        <p:spPr>
+          <a:xfrm>
+            <a:off x="7027817" y="3696789"/>
+            <a:ext cx="914400" cy="914400"/>
+          </a:xfrm>
+          <a:prstGeom prst="plus">
+            <a:avLst/>
+          </a:prstGeom>
+        </p:spPr>
+        <p:style>
+          <a:lnRef idx="2">
+            <a:schemeClr val="accent1">
+              <a:shade val="50000"/>
+            </a:schemeClr>
+          </a:lnRef>
+          <a:fillRef idx="1">
+            <a:schemeClr val="accent1"/>
+          </a:fillRef>
+          <a:effectRef idx="0">
+            <a:schemeClr val="accent1"/>
+          </a:effectRef>
+          <a:fontRef idx="minor">
+            <a:schemeClr val="lt1"/>
+          </a:fontRef>
+        </p:style>
+        <p:txBody>
+          <a:bodyPr rtlCol="0" anchor="ctr"/>
+          <a:lstStyle/>
+          <a:p>
+            <a:pPr algn="ctr"/>
             <a:endParaRPr lang="fr-FR"/>
           </a:p>
         </p:txBody>
@@ -11460,7 +11877,7 @@
     </p:spTree>
     <p:extLst>
       <p:ext uri="{BB962C8B-B14F-4D97-AF65-F5344CB8AC3E}">
-        <p14:creationId xmlns:p14="http://schemas.microsoft.com/office/powerpoint/2010/main" val="3665244526"/>
+        <p14:creationId xmlns:p14="http://schemas.microsoft.com/office/powerpoint/2010/main" val="138757358"/>
       </p:ext>
     </p:extLst>
   </p:cSld>
@@ -11489,49 +11906,256 @@
       </p:grpSpPr>
       <p:sp>
         <p:nvSpPr>
-          <p:cNvPr id="2" name="Title 1"/>
-          <p:cNvSpPr>
-            <a:spLocks noGrp="1"/>
-          </p:cNvSpPr>
-          <p:nvPr>
-            <p:ph type="title"/>
-          </p:nvPr>
-        </p:nvSpPr>
-        <p:spPr/>
-        <p:txBody>
-          <a:bodyPr/>
-          <a:lstStyle/>
-          <a:p>
-            <a:r>
-              <a:rPr lang="fr-FR" dirty="0"/>
-              <a:t>Les résultats</a:t>
-            </a:r>
-          </a:p>
-        </p:txBody>
-      </p:sp>
-      <p:sp>
-        <p:nvSpPr>
-          <p:cNvPr id="3" name="Text Placeholder 2"/>
-          <p:cNvSpPr>
-            <a:spLocks noGrp="1"/>
-          </p:cNvSpPr>
-          <p:nvPr>
-            <p:ph type="body" idx="1"/>
-          </p:nvPr>
-        </p:nvSpPr>
-        <p:spPr/>
-        <p:txBody>
-          <a:bodyPr/>
-          <a:lstStyle/>
-          <a:p>
-            <a:endParaRPr lang="fr-FR" dirty="0"/>
+          <p:cNvPr id="4" name="Étoile à 5 branches 3"/>
+          <p:cNvSpPr/>
+          <p:nvPr/>
+        </p:nvSpPr>
+        <p:spPr>
+          <a:xfrm>
+            <a:off x="2063931" y="2325188"/>
+            <a:ext cx="914400" cy="914400"/>
+          </a:xfrm>
+          <a:prstGeom prst="star5">
+            <a:avLst/>
+          </a:prstGeom>
+        </p:spPr>
+        <p:style>
+          <a:lnRef idx="2">
+            <a:schemeClr val="accent1">
+              <a:shade val="50000"/>
+            </a:schemeClr>
+          </a:lnRef>
+          <a:fillRef idx="1">
+            <a:schemeClr val="accent1"/>
+          </a:fillRef>
+          <a:effectRef idx="0">
+            <a:schemeClr val="accent1"/>
+          </a:effectRef>
+          <a:fontRef idx="minor">
+            <a:schemeClr val="lt1"/>
+          </a:fontRef>
+        </p:style>
+        <p:txBody>
+          <a:bodyPr rtlCol="0" anchor="ctr"/>
+          <a:lstStyle/>
+          <a:p>
+            <a:pPr algn="ctr"/>
+            <a:endParaRPr lang="fr-FR"/>
+          </a:p>
+        </p:txBody>
+      </p:sp>
+      <p:sp>
+        <p:nvSpPr>
+          <p:cNvPr id="5" name="Étoile à 5 branches 4"/>
+          <p:cNvSpPr/>
+          <p:nvPr/>
+        </p:nvSpPr>
+        <p:spPr>
+          <a:xfrm>
+            <a:off x="10789920" y="2560320"/>
+            <a:ext cx="914400" cy="914400"/>
+          </a:xfrm>
+          <a:prstGeom prst="star5">
+            <a:avLst/>
+          </a:prstGeom>
+        </p:spPr>
+        <p:style>
+          <a:lnRef idx="2">
+            <a:schemeClr val="accent1">
+              <a:shade val="50000"/>
+            </a:schemeClr>
+          </a:lnRef>
+          <a:fillRef idx="1">
+            <a:schemeClr val="accent1"/>
+          </a:fillRef>
+          <a:effectRef idx="0">
+            <a:schemeClr val="accent1"/>
+          </a:effectRef>
+          <a:fontRef idx="minor">
+            <a:schemeClr val="lt1"/>
+          </a:fontRef>
+        </p:style>
+        <p:txBody>
+          <a:bodyPr rtlCol="0" anchor="ctr"/>
+          <a:lstStyle/>
+          <a:p>
+            <a:pPr algn="ctr"/>
+            <a:endParaRPr lang="fr-FR"/>
+          </a:p>
+        </p:txBody>
+      </p:sp>
+      <p:sp>
+        <p:nvSpPr>
+          <p:cNvPr id="6" name="Ellipse 5"/>
+          <p:cNvSpPr/>
+          <p:nvPr/>
+        </p:nvSpPr>
+        <p:spPr>
+          <a:xfrm>
+            <a:off x="5878285" y="679268"/>
+            <a:ext cx="914400" cy="914400"/>
+          </a:xfrm>
+          <a:prstGeom prst="ellipse">
+            <a:avLst/>
+          </a:prstGeom>
+        </p:spPr>
+        <p:style>
+          <a:lnRef idx="2">
+            <a:schemeClr val="accent1">
+              <a:shade val="50000"/>
+            </a:schemeClr>
+          </a:lnRef>
+          <a:fillRef idx="1">
+            <a:schemeClr val="accent1"/>
+          </a:fillRef>
+          <a:effectRef idx="0">
+            <a:schemeClr val="accent1"/>
+          </a:effectRef>
+          <a:fontRef idx="minor">
+            <a:schemeClr val="lt1"/>
+          </a:fontRef>
+        </p:style>
+        <p:txBody>
+          <a:bodyPr rtlCol="0" anchor="ctr"/>
+          <a:lstStyle/>
+          <a:p>
+            <a:pPr algn="ctr"/>
+            <a:endParaRPr lang="fr-FR"/>
+          </a:p>
+        </p:txBody>
+      </p:sp>
+      <p:sp>
+        <p:nvSpPr>
+          <p:cNvPr id="7" name="Pentagone 6"/>
+          <p:cNvSpPr/>
+          <p:nvPr/>
+        </p:nvSpPr>
+        <p:spPr>
+          <a:xfrm>
+            <a:off x="4206240" y="4062549"/>
+            <a:ext cx="978408" cy="484632"/>
+          </a:xfrm>
+          <a:prstGeom prst="homePlate">
+            <a:avLst/>
+          </a:prstGeom>
+        </p:spPr>
+        <p:style>
+          <a:lnRef idx="2">
+            <a:schemeClr val="accent1">
+              <a:shade val="50000"/>
+            </a:schemeClr>
+          </a:lnRef>
+          <a:fillRef idx="1">
+            <a:schemeClr val="accent1"/>
+          </a:fillRef>
+          <a:effectRef idx="0">
+            <a:schemeClr val="accent1"/>
+          </a:effectRef>
+          <a:fontRef idx="minor">
+            <a:schemeClr val="lt1"/>
+          </a:fontRef>
+        </p:style>
+        <p:txBody>
+          <a:bodyPr rtlCol="0" anchor="ctr"/>
+          <a:lstStyle/>
+          <a:p>
+            <a:pPr algn="ctr"/>
+            <a:endParaRPr lang="fr-FR"/>
+          </a:p>
+        </p:txBody>
+      </p:sp>
+      <p:sp>
+        <p:nvSpPr>
+          <p:cNvPr id="8" name="Croix 7"/>
+          <p:cNvSpPr/>
+          <p:nvPr/>
+        </p:nvSpPr>
+        <p:spPr>
+          <a:xfrm>
+            <a:off x="7027817" y="3696789"/>
+            <a:ext cx="914400" cy="914400"/>
+          </a:xfrm>
+          <a:prstGeom prst="plus">
+            <a:avLst/>
+          </a:prstGeom>
+        </p:spPr>
+        <p:style>
+          <a:lnRef idx="2">
+            <a:schemeClr val="accent1">
+              <a:shade val="50000"/>
+            </a:schemeClr>
+          </a:lnRef>
+          <a:fillRef idx="1">
+            <a:schemeClr val="accent1"/>
+          </a:fillRef>
+          <a:effectRef idx="0">
+            <a:schemeClr val="accent1"/>
+          </a:effectRef>
+          <a:fontRef idx="minor">
+            <a:schemeClr val="lt1"/>
+          </a:fontRef>
+        </p:style>
+        <p:txBody>
+          <a:bodyPr rtlCol="0" anchor="ctr"/>
+          <a:lstStyle/>
+          <a:p>
+            <a:pPr algn="ctr"/>
+            <a:endParaRPr lang="fr-FR"/>
+          </a:p>
+        </p:txBody>
+      </p:sp>
+      <p:sp>
+        <p:nvSpPr>
+          <p:cNvPr id="2" name="Rectangle 1"/>
+          <p:cNvSpPr/>
+          <p:nvPr/>
+        </p:nvSpPr>
+        <p:spPr>
+          <a:xfrm>
+            <a:off x="3905794" y="3605349"/>
+            <a:ext cx="1489166" cy="1371600"/>
+          </a:xfrm>
+          <a:prstGeom prst="rect">
+            <a:avLst/>
+          </a:prstGeom>
+          <a:noFill/>
+          <a:ln w="38100">
+            <a:solidFill>
+              <a:schemeClr val="accent6">
+                <a:lumMod val="50000"/>
+              </a:schemeClr>
+            </a:solidFill>
+          </a:ln>
+        </p:spPr>
+        <p:style>
+          <a:lnRef idx="2">
+            <a:schemeClr val="accent1">
+              <a:shade val="50000"/>
+            </a:schemeClr>
+          </a:lnRef>
+          <a:fillRef idx="1">
+            <a:schemeClr val="accent1"/>
+          </a:fillRef>
+          <a:effectRef idx="0">
+            <a:schemeClr val="accent1"/>
+          </a:effectRef>
+          <a:fontRef idx="minor">
+            <a:schemeClr val="lt1"/>
+          </a:fontRef>
+        </p:style>
+        <p:txBody>
+          <a:bodyPr rtlCol="0" anchor="ctr"/>
+          <a:lstStyle/>
+          <a:p>
+            <a:pPr algn="ctr"/>
+            <a:endParaRPr lang="fr-FR"/>
           </a:p>
         </p:txBody>
       </p:sp>
     </p:spTree>
     <p:extLst>
       <p:ext uri="{BB962C8B-B14F-4D97-AF65-F5344CB8AC3E}">
-        <p14:creationId xmlns:p14="http://schemas.microsoft.com/office/powerpoint/2010/main" val="118578771"/>
+        <p14:creationId xmlns:p14="http://schemas.microsoft.com/office/powerpoint/2010/main" val="3890561012"/>
       </p:ext>
     </p:extLst>
   </p:cSld>
@@ -11560,38 +12184,337 @@
       </p:grpSpPr>
       <p:sp>
         <p:nvSpPr>
-          <p:cNvPr id="2" name="Title 1"/>
-          <p:cNvSpPr>
-            <a:spLocks noGrp="1"/>
-          </p:cNvSpPr>
-          <p:nvPr>
-            <p:ph type="title"/>
-          </p:nvPr>
-        </p:nvSpPr>
-        <p:spPr/>
-        <p:txBody>
-          <a:bodyPr/>
-          <a:lstStyle/>
-          <a:p>
+          <p:cNvPr id="4" name="Étoile à 5 branches 3"/>
+          <p:cNvSpPr/>
+          <p:nvPr/>
+        </p:nvSpPr>
+        <p:spPr>
+          <a:xfrm>
+            <a:off x="2063931" y="2325188"/>
+            <a:ext cx="914400" cy="914400"/>
+          </a:xfrm>
+          <a:prstGeom prst="star5">
+            <a:avLst/>
+          </a:prstGeom>
+        </p:spPr>
+        <p:style>
+          <a:lnRef idx="2">
+            <a:schemeClr val="accent1">
+              <a:shade val="50000"/>
+            </a:schemeClr>
+          </a:lnRef>
+          <a:fillRef idx="1">
+            <a:schemeClr val="accent1"/>
+          </a:fillRef>
+          <a:effectRef idx="0">
+            <a:schemeClr val="accent1"/>
+          </a:effectRef>
+          <a:fontRef idx="minor">
+            <a:schemeClr val="lt1"/>
+          </a:fontRef>
+        </p:style>
+        <p:txBody>
+          <a:bodyPr rtlCol="0" anchor="ctr"/>
+          <a:lstStyle/>
+          <a:p>
+            <a:pPr algn="ctr"/>
             <a:endParaRPr lang="fr-FR"/>
           </a:p>
         </p:txBody>
       </p:sp>
       <p:sp>
         <p:nvSpPr>
-          <p:cNvPr id="3" name="Content Placeholder 2"/>
-          <p:cNvSpPr>
-            <a:spLocks noGrp="1"/>
-          </p:cNvSpPr>
-          <p:nvPr>
-            <p:ph idx="1"/>
-          </p:nvPr>
-        </p:nvSpPr>
-        <p:spPr/>
-        <p:txBody>
-          <a:bodyPr/>
-          <a:lstStyle/>
-          <a:p>
+          <p:cNvPr id="5" name="Étoile à 5 branches 4"/>
+          <p:cNvSpPr/>
+          <p:nvPr/>
+        </p:nvSpPr>
+        <p:spPr>
+          <a:xfrm>
+            <a:off x="10789920" y="2560320"/>
+            <a:ext cx="914400" cy="914400"/>
+          </a:xfrm>
+          <a:prstGeom prst="star5">
+            <a:avLst/>
+          </a:prstGeom>
+        </p:spPr>
+        <p:style>
+          <a:lnRef idx="2">
+            <a:schemeClr val="accent1">
+              <a:shade val="50000"/>
+            </a:schemeClr>
+          </a:lnRef>
+          <a:fillRef idx="1">
+            <a:schemeClr val="accent1"/>
+          </a:fillRef>
+          <a:effectRef idx="0">
+            <a:schemeClr val="accent1"/>
+          </a:effectRef>
+          <a:fontRef idx="minor">
+            <a:schemeClr val="lt1"/>
+          </a:fontRef>
+        </p:style>
+        <p:txBody>
+          <a:bodyPr rtlCol="0" anchor="ctr"/>
+          <a:lstStyle/>
+          <a:p>
+            <a:pPr algn="ctr"/>
+            <a:endParaRPr lang="fr-FR"/>
+          </a:p>
+        </p:txBody>
+      </p:sp>
+      <p:sp>
+        <p:nvSpPr>
+          <p:cNvPr id="6" name="Ellipse 5"/>
+          <p:cNvSpPr/>
+          <p:nvPr/>
+        </p:nvSpPr>
+        <p:spPr>
+          <a:xfrm>
+            <a:off x="5878285" y="679268"/>
+            <a:ext cx="914400" cy="914400"/>
+          </a:xfrm>
+          <a:prstGeom prst="ellipse">
+            <a:avLst/>
+          </a:prstGeom>
+        </p:spPr>
+        <p:style>
+          <a:lnRef idx="2">
+            <a:schemeClr val="accent1">
+              <a:shade val="50000"/>
+            </a:schemeClr>
+          </a:lnRef>
+          <a:fillRef idx="1">
+            <a:schemeClr val="accent1"/>
+          </a:fillRef>
+          <a:effectRef idx="0">
+            <a:schemeClr val="accent1"/>
+          </a:effectRef>
+          <a:fontRef idx="minor">
+            <a:schemeClr val="lt1"/>
+          </a:fontRef>
+        </p:style>
+        <p:txBody>
+          <a:bodyPr rtlCol="0" anchor="ctr"/>
+          <a:lstStyle/>
+          <a:p>
+            <a:pPr algn="ctr"/>
+            <a:endParaRPr lang="fr-FR"/>
+          </a:p>
+        </p:txBody>
+      </p:sp>
+      <p:sp>
+        <p:nvSpPr>
+          <p:cNvPr id="7" name="Pentagone 6"/>
+          <p:cNvSpPr/>
+          <p:nvPr/>
+        </p:nvSpPr>
+        <p:spPr>
+          <a:xfrm>
+            <a:off x="4206240" y="4062549"/>
+            <a:ext cx="978408" cy="484632"/>
+          </a:xfrm>
+          <a:prstGeom prst="homePlate">
+            <a:avLst/>
+          </a:prstGeom>
+        </p:spPr>
+        <p:style>
+          <a:lnRef idx="2">
+            <a:schemeClr val="accent1">
+              <a:shade val="50000"/>
+            </a:schemeClr>
+          </a:lnRef>
+          <a:fillRef idx="1">
+            <a:schemeClr val="accent1"/>
+          </a:fillRef>
+          <a:effectRef idx="0">
+            <a:schemeClr val="accent1"/>
+          </a:effectRef>
+          <a:fontRef idx="minor">
+            <a:schemeClr val="lt1"/>
+          </a:fontRef>
+        </p:style>
+        <p:txBody>
+          <a:bodyPr rtlCol="0" anchor="ctr"/>
+          <a:lstStyle/>
+          <a:p>
+            <a:pPr algn="ctr"/>
+            <a:endParaRPr lang="fr-FR"/>
+          </a:p>
+        </p:txBody>
+      </p:sp>
+      <p:sp>
+        <p:nvSpPr>
+          <p:cNvPr id="8" name="Croix 7"/>
+          <p:cNvSpPr/>
+          <p:nvPr/>
+        </p:nvSpPr>
+        <p:spPr>
+          <a:xfrm>
+            <a:off x="7027817" y="3696789"/>
+            <a:ext cx="914400" cy="914400"/>
+          </a:xfrm>
+          <a:prstGeom prst="plus">
+            <a:avLst/>
+          </a:prstGeom>
+        </p:spPr>
+        <p:style>
+          <a:lnRef idx="2">
+            <a:schemeClr val="accent1">
+              <a:shade val="50000"/>
+            </a:schemeClr>
+          </a:lnRef>
+          <a:fillRef idx="1">
+            <a:schemeClr val="accent1"/>
+          </a:fillRef>
+          <a:effectRef idx="0">
+            <a:schemeClr val="accent1"/>
+          </a:effectRef>
+          <a:fontRef idx="minor">
+            <a:schemeClr val="lt1"/>
+          </a:fontRef>
+        </p:style>
+        <p:txBody>
+          <a:bodyPr rtlCol="0" anchor="ctr"/>
+          <a:lstStyle/>
+          <a:p>
+            <a:pPr algn="ctr"/>
+            <a:endParaRPr lang="fr-FR"/>
+          </a:p>
+        </p:txBody>
+      </p:sp>
+      <p:sp>
+        <p:nvSpPr>
+          <p:cNvPr id="2" name="Rectangle 1"/>
+          <p:cNvSpPr/>
+          <p:nvPr/>
+        </p:nvSpPr>
+        <p:spPr>
+          <a:xfrm>
+            <a:off x="3905794" y="3605349"/>
+            <a:ext cx="1489166" cy="1371600"/>
+          </a:xfrm>
+          <a:prstGeom prst="rect">
+            <a:avLst/>
+          </a:prstGeom>
+          <a:noFill/>
+        </p:spPr>
+        <p:style>
+          <a:lnRef idx="2">
+            <a:schemeClr val="accent1">
+              <a:shade val="50000"/>
+            </a:schemeClr>
+          </a:lnRef>
+          <a:fillRef idx="1">
+            <a:schemeClr val="accent1"/>
+          </a:fillRef>
+          <a:effectRef idx="0">
+            <a:schemeClr val="accent1"/>
+          </a:effectRef>
+          <a:fontRef idx="minor">
+            <a:schemeClr val="lt1"/>
+          </a:fontRef>
+        </p:style>
+        <p:txBody>
+          <a:bodyPr rtlCol="0" anchor="ctr"/>
+          <a:lstStyle/>
+          <a:p>
+            <a:pPr algn="ctr"/>
+            <a:endParaRPr lang="fr-FR"/>
+          </a:p>
+        </p:txBody>
+      </p:sp>
+      <p:sp>
+        <p:nvSpPr>
+          <p:cNvPr id="10" name="Rectangle 9"/>
+          <p:cNvSpPr/>
+          <p:nvPr/>
+        </p:nvSpPr>
+        <p:spPr>
+          <a:xfrm>
+            <a:off x="3905794" y="3605349"/>
+            <a:ext cx="1489166" cy="1371600"/>
+          </a:xfrm>
+          <a:prstGeom prst="rect">
+            <a:avLst/>
+          </a:prstGeom>
+          <a:noFill/>
+          <a:ln w="38100">
+            <a:solidFill>
+              <a:schemeClr val="accent6">
+                <a:lumMod val="50000"/>
+              </a:schemeClr>
+            </a:solidFill>
+          </a:ln>
+        </p:spPr>
+        <p:style>
+          <a:lnRef idx="2">
+            <a:schemeClr val="accent1">
+              <a:shade val="50000"/>
+            </a:schemeClr>
+          </a:lnRef>
+          <a:fillRef idx="1">
+            <a:schemeClr val="accent1"/>
+          </a:fillRef>
+          <a:effectRef idx="0">
+            <a:schemeClr val="accent1"/>
+          </a:effectRef>
+          <a:fontRef idx="minor">
+            <a:schemeClr val="lt1"/>
+          </a:fontRef>
+        </p:style>
+        <p:txBody>
+          <a:bodyPr rtlCol="0" anchor="ctr"/>
+          <a:lstStyle/>
+          <a:p>
+            <a:pPr algn="ctr"/>
+            <a:endParaRPr lang="fr-FR"/>
+          </a:p>
+        </p:txBody>
+      </p:sp>
+      <p:sp>
+        <p:nvSpPr>
+          <p:cNvPr id="11" name="Rectangle 10"/>
+          <p:cNvSpPr/>
+          <p:nvPr/>
+        </p:nvSpPr>
+        <p:spPr>
+          <a:xfrm>
+            <a:off x="3801291" y="3474720"/>
+            <a:ext cx="4284618" cy="1645920"/>
+          </a:xfrm>
+          <a:prstGeom prst="rect">
+            <a:avLst/>
+          </a:prstGeom>
+          <a:noFill/>
+          <a:ln w="38100">
+            <a:solidFill>
+              <a:schemeClr val="accent6">
+                <a:lumMod val="50000"/>
+              </a:schemeClr>
+            </a:solidFill>
+          </a:ln>
+        </p:spPr>
+        <p:style>
+          <a:lnRef idx="2">
+            <a:schemeClr val="accent1">
+              <a:shade val="50000"/>
+            </a:schemeClr>
+          </a:lnRef>
+          <a:fillRef idx="1">
+            <a:schemeClr val="accent1"/>
+          </a:fillRef>
+          <a:effectRef idx="0">
+            <a:schemeClr val="accent1"/>
+          </a:effectRef>
+          <a:fontRef idx="minor">
+            <a:schemeClr val="lt1"/>
+          </a:fontRef>
+        </p:style>
+        <p:txBody>
+          <a:bodyPr rtlCol="0" anchor="ctr"/>
+          <a:lstStyle/>
+          <a:p>
+            <a:pPr algn="ctr"/>
             <a:endParaRPr lang="fr-FR"/>
           </a:p>
         </p:txBody>
@@ -11599,7 +12522,7 @@
     </p:spTree>
     <p:extLst>
       <p:ext uri="{BB962C8B-B14F-4D97-AF65-F5344CB8AC3E}">
-        <p14:creationId xmlns:p14="http://schemas.microsoft.com/office/powerpoint/2010/main" val="3894427073"/>
+        <p14:creationId xmlns:p14="http://schemas.microsoft.com/office/powerpoint/2010/main" val="1045633463"/>
       </p:ext>
     </p:extLst>
   </p:cSld>
@@ -11628,49 +12551,385 @@
       </p:grpSpPr>
       <p:sp>
         <p:nvSpPr>
-          <p:cNvPr id="2" name="Title 1"/>
-          <p:cNvSpPr>
-            <a:spLocks noGrp="1"/>
-          </p:cNvSpPr>
-          <p:nvPr>
-            <p:ph type="title"/>
-          </p:nvPr>
-        </p:nvSpPr>
-        <p:spPr/>
-        <p:txBody>
-          <a:bodyPr/>
-          <a:lstStyle/>
-          <a:p>
-            <a:r>
-              <a:rPr lang="fr-FR" dirty="0"/>
-              <a:t>Simulation globale (</a:t>
-            </a:r>
-            <a:r>
-              <a:rPr lang="fr-FR" dirty="0" err="1"/>
-              <a:t>qq</a:t>
-            </a:r>
-            <a:r>
-              <a:rPr lang="fr-FR" dirty="0"/>
-              <a:t> mots)</a:t>
-            </a:r>
-          </a:p>
-        </p:txBody>
-      </p:sp>
-      <p:sp>
-        <p:nvSpPr>
-          <p:cNvPr id="3" name="Text Placeholder 2"/>
-          <p:cNvSpPr>
-            <a:spLocks noGrp="1"/>
-          </p:cNvSpPr>
-          <p:nvPr>
-            <p:ph type="body" sz="half" idx="2"/>
-          </p:nvPr>
-        </p:nvSpPr>
-        <p:spPr/>
-        <p:txBody>
-          <a:bodyPr/>
-          <a:lstStyle/>
-          <a:p>
+          <p:cNvPr id="4" name="Étoile à 5 branches 3"/>
+          <p:cNvSpPr/>
+          <p:nvPr/>
+        </p:nvSpPr>
+        <p:spPr>
+          <a:xfrm>
+            <a:off x="2063931" y="2325188"/>
+            <a:ext cx="914400" cy="914400"/>
+          </a:xfrm>
+          <a:prstGeom prst="star5">
+            <a:avLst/>
+          </a:prstGeom>
+        </p:spPr>
+        <p:style>
+          <a:lnRef idx="2">
+            <a:schemeClr val="accent1">
+              <a:shade val="50000"/>
+            </a:schemeClr>
+          </a:lnRef>
+          <a:fillRef idx="1">
+            <a:schemeClr val="accent1"/>
+          </a:fillRef>
+          <a:effectRef idx="0">
+            <a:schemeClr val="accent1"/>
+          </a:effectRef>
+          <a:fontRef idx="minor">
+            <a:schemeClr val="lt1"/>
+          </a:fontRef>
+        </p:style>
+        <p:txBody>
+          <a:bodyPr rtlCol="0" anchor="ctr"/>
+          <a:lstStyle/>
+          <a:p>
+            <a:pPr algn="ctr"/>
+            <a:endParaRPr lang="fr-FR"/>
+          </a:p>
+        </p:txBody>
+      </p:sp>
+      <p:sp>
+        <p:nvSpPr>
+          <p:cNvPr id="5" name="Étoile à 5 branches 4"/>
+          <p:cNvSpPr/>
+          <p:nvPr/>
+        </p:nvSpPr>
+        <p:spPr>
+          <a:xfrm>
+            <a:off x="10789920" y="2560320"/>
+            <a:ext cx="914400" cy="914400"/>
+          </a:xfrm>
+          <a:prstGeom prst="star5">
+            <a:avLst/>
+          </a:prstGeom>
+        </p:spPr>
+        <p:style>
+          <a:lnRef idx="2">
+            <a:schemeClr val="accent1">
+              <a:shade val="50000"/>
+            </a:schemeClr>
+          </a:lnRef>
+          <a:fillRef idx="1">
+            <a:schemeClr val="accent1"/>
+          </a:fillRef>
+          <a:effectRef idx="0">
+            <a:schemeClr val="accent1"/>
+          </a:effectRef>
+          <a:fontRef idx="minor">
+            <a:schemeClr val="lt1"/>
+          </a:fontRef>
+        </p:style>
+        <p:txBody>
+          <a:bodyPr rtlCol="0" anchor="ctr"/>
+          <a:lstStyle/>
+          <a:p>
+            <a:pPr algn="ctr"/>
+            <a:endParaRPr lang="fr-FR"/>
+          </a:p>
+        </p:txBody>
+      </p:sp>
+      <p:sp>
+        <p:nvSpPr>
+          <p:cNvPr id="6" name="Ellipse 5"/>
+          <p:cNvSpPr/>
+          <p:nvPr/>
+        </p:nvSpPr>
+        <p:spPr>
+          <a:xfrm>
+            <a:off x="5878285" y="679268"/>
+            <a:ext cx="914400" cy="914400"/>
+          </a:xfrm>
+          <a:prstGeom prst="ellipse">
+            <a:avLst/>
+          </a:prstGeom>
+        </p:spPr>
+        <p:style>
+          <a:lnRef idx="2">
+            <a:schemeClr val="accent1">
+              <a:shade val="50000"/>
+            </a:schemeClr>
+          </a:lnRef>
+          <a:fillRef idx="1">
+            <a:schemeClr val="accent1"/>
+          </a:fillRef>
+          <a:effectRef idx="0">
+            <a:schemeClr val="accent1"/>
+          </a:effectRef>
+          <a:fontRef idx="minor">
+            <a:schemeClr val="lt1"/>
+          </a:fontRef>
+        </p:style>
+        <p:txBody>
+          <a:bodyPr rtlCol="0" anchor="ctr"/>
+          <a:lstStyle/>
+          <a:p>
+            <a:pPr algn="ctr"/>
+            <a:endParaRPr lang="fr-FR"/>
+          </a:p>
+        </p:txBody>
+      </p:sp>
+      <p:sp>
+        <p:nvSpPr>
+          <p:cNvPr id="7" name="Pentagone 6"/>
+          <p:cNvSpPr/>
+          <p:nvPr/>
+        </p:nvSpPr>
+        <p:spPr>
+          <a:xfrm>
+            <a:off x="4206240" y="4062549"/>
+            <a:ext cx="978408" cy="484632"/>
+          </a:xfrm>
+          <a:prstGeom prst="homePlate">
+            <a:avLst/>
+          </a:prstGeom>
+        </p:spPr>
+        <p:style>
+          <a:lnRef idx="2">
+            <a:schemeClr val="accent1">
+              <a:shade val="50000"/>
+            </a:schemeClr>
+          </a:lnRef>
+          <a:fillRef idx="1">
+            <a:schemeClr val="accent1"/>
+          </a:fillRef>
+          <a:effectRef idx="0">
+            <a:schemeClr val="accent1"/>
+          </a:effectRef>
+          <a:fontRef idx="minor">
+            <a:schemeClr val="lt1"/>
+          </a:fontRef>
+        </p:style>
+        <p:txBody>
+          <a:bodyPr rtlCol="0" anchor="ctr"/>
+          <a:lstStyle/>
+          <a:p>
+            <a:pPr algn="ctr"/>
+            <a:endParaRPr lang="fr-FR"/>
+          </a:p>
+        </p:txBody>
+      </p:sp>
+      <p:sp>
+        <p:nvSpPr>
+          <p:cNvPr id="8" name="Croix 7"/>
+          <p:cNvSpPr/>
+          <p:nvPr/>
+        </p:nvSpPr>
+        <p:spPr>
+          <a:xfrm>
+            <a:off x="7027817" y="3696789"/>
+            <a:ext cx="914400" cy="914400"/>
+          </a:xfrm>
+          <a:prstGeom prst="plus">
+            <a:avLst/>
+          </a:prstGeom>
+        </p:spPr>
+        <p:style>
+          <a:lnRef idx="2">
+            <a:schemeClr val="accent1">
+              <a:shade val="50000"/>
+            </a:schemeClr>
+          </a:lnRef>
+          <a:fillRef idx="1">
+            <a:schemeClr val="accent1"/>
+          </a:fillRef>
+          <a:effectRef idx="0">
+            <a:schemeClr val="accent1"/>
+          </a:effectRef>
+          <a:fontRef idx="minor">
+            <a:schemeClr val="lt1"/>
+          </a:fontRef>
+        </p:style>
+        <p:txBody>
+          <a:bodyPr rtlCol="0" anchor="ctr"/>
+          <a:lstStyle/>
+          <a:p>
+            <a:pPr algn="ctr"/>
+            <a:endParaRPr lang="fr-FR"/>
+          </a:p>
+        </p:txBody>
+      </p:sp>
+      <p:sp>
+        <p:nvSpPr>
+          <p:cNvPr id="2" name="Rectangle 1"/>
+          <p:cNvSpPr/>
+          <p:nvPr/>
+        </p:nvSpPr>
+        <p:spPr>
+          <a:xfrm>
+            <a:off x="3905794" y="3605349"/>
+            <a:ext cx="1489166" cy="1371600"/>
+          </a:xfrm>
+          <a:prstGeom prst="rect">
+            <a:avLst/>
+          </a:prstGeom>
+          <a:noFill/>
+        </p:spPr>
+        <p:style>
+          <a:lnRef idx="2">
+            <a:schemeClr val="accent1">
+              <a:shade val="50000"/>
+            </a:schemeClr>
+          </a:lnRef>
+          <a:fillRef idx="1">
+            <a:schemeClr val="accent1"/>
+          </a:fillRef>
+          <a:effectRef idx="0">
+            <a:schemeClr val="accent1"/>
+          </a:effectRef>
+          <a:fontRef idx="minor">
+            <a:schemeClr val="lt1"/>
+          </a:fontRef>
+        </p:style>
+        <p:txBody>
+          <a:bodyPr rtlCol="0" anchor="ctr"/>
+          <a:lstStyle/>
+          <a:p>
+            <a:pPr algn="ctr"/>
+            <a:endParaRPr lang="fr-FR"/>
+          </a:p>
+        </p:txBody>
+      </p:sp>
+      <p:sp>
+        <p:nvSpPr>
+          <p:cNvPr id="10" name="Rectangle 9"/>
+          <p:cNvSpPr/>
+          <p:nvPr/>
+        </p:nvSpPr>
+        <p:spPr>
+          <a:xfrm>
+            <a:off x="3905794" y="3605349"/>
+            <a:ext cx="1489166" cy="1371600"/>
+          </a:xfrm>
+          <a:prstGeom prst="rect">
+            <a:avLst/>
+          </a:prstGeom>
+          <a:noFill/>
+          <a:ln w="38100">
+            <a:solidFill>
+              <a:schemeClr val="accent6">
+                <a:lumMod val="50000"/>
+              </a:schemeClr>
+            </a:solidFill>
+          </a:ln>
+        </p:spPr>
+        <p:style>
+          <a:lnRef idx="2">
+            <a:schemeClr val="accent1">
+              <a:shade val="50000"/>
+            </a:schemeClr>
+          </a:lnRef>
+          <a:fillRef idx="1">
+            <a:schemeClr val="accent1"/>
+          </a:fillRef>
+          <a:effectRef idx="0">
+            <a:schemeClr val="accent1"/>
+          </a:effectRef>
+          <a:fontRef idx="minor">
+            <a:schemeClr val="lt1"/>
+          </a:fontRef>
+        </p:style>
+        <p:txBody>
+          <a:bodyPr rtlCol="0" anchor="ctr"/>
+          <a:lstStyle/>
+          <a:p>
+            <a:pPr algn="ctr"/>
+            <a:endParaRPr lang="fr-FR"/>
+          </a:p>
+        </p:txBody>
+      </p:sp>
+      <p:sp>
+        <p:nvSpPr>
+          <p:cNvPr id="11" name="Rectangle 10"/>
+          <p:cNvSpPr/>
+          <p:nvPr/>
+        </p:nvSpPr>
+        <p:spPr>
+          <a:xfrm>
+            <a:off x="3801291" y="3474720"/>
+            <a:ext cx="4284618" cy="1645920"/>
+          </a:xfrm>
+          <a:prstGeom prst="rect">
+            <a:avLst/>
+          </a:prstGeom>
+          <a:noFill/>
+          <a:ln w="38100">
+            <a:solidFill>
+              <a:schemeClr val="accent6">
+                <a:lumMod val="50000"/>
+              </a:schemeClr>
+            </a:solidFill>
+          </a:ln>
+        </p:spPr>
+        <p:style>
+          <a:lnRef idx="2">
+            <a:schemeClr val="accent1">
+              <a:shade val="50000"/>
+            </a:schemeClr>
+          </a:lnRef>
+          <a:fillRef idx="1">
+            <a:schemeClr val="accent1"/>
+          </a:fillRef>
+          <a:effectRef idx="0">
+            <a:schemeClr val="accent1"/>
+          </a:effectRef>
+          <a:fontRef idx="minor">
+            <a:schemeClr val="lt1"/>
+          </a:fontRef>
+        </p:style>
+        <p:txBody>
+          <a:bodyPr rtlCol="0" anchor="ctr"/>
+          <a:lstStyle/>
+          <a:p>
+            <a:pPr algn="ctr"/>
+            <a:endParaRPr lang="fr-FR"/>
+          </a:p>
+        </p:txBody>
+      </p:sp>
+      <p:sp>
+        <p:nvSpPr>
+          <p:cNvPr id="12" name="Rectangle 11"/>
+          <p:cNvSpPr/>
+          <p:nvPr/>
+        </p:nvSpPr>
+        <p:spPr>
+          <a:xfrm>
+            <a:off x="1854926" y="2207622"/>
+            <a:ext cx="6361611" cy="3030583"/>
+          </a:xfrm>
+          <a:prstGeom prst="rect">
+            <a:avLst/>
+          </a:prstGeom>
+          <a:noFill/>
+          <a:ln w="38100">
+            <a:solidFill>
+              <a:schemeClr val="accent6">
+                <a:lumMod val="50000"/>
+              </a:schemeClr>
+            </a:solidFill>
+          </a:ln>
+        </p:spPr>
+        <p:style>
+          <a:lnRef idx="2">
+            <a:schemeClr val="accent1">
+              <a:shade val="50000"/>
+            </a:schemeClr>
+          </a:lnRef>
+          <a:fillRef idx="1">
+            <a:schemeClr val="accent1"/>
+          </a:fillRef>
+          <a:effectRef idx="0">
+            <a:schemeClr val="accent1"/>
+          </a:effectRef>
+          <a:fontRef idx="minor">
+            <a:schemeClr val="lt1"/>
+          </a:fontRef>
+        </p:style>
+        <p:txBody>
+          <a:bodyPr rtlCol="0" anchor="ctr"/>
+          <a:lstStyle/>
+          <a:p>
+            <a:pPr algn="ctr"/>
             <a:endParaRPr lang="fr-FR"/>
           </a:p>
         </p:txBody>
@@ -11678,7 +12937,7 @@
     </p:spTree>
     <p:extLst>
       <p:ext uri="{BB962C8B-B14F-4D97-AF65-F5344CB8AC3E}">
-        <p14:creationId xmlns:p14="http://schemas.microsoft.com/office/powerpoint/2010/main" val="2659097111"/>
+        <p14:creationId xmlns:p14="http://schemas.microsoft.com/office/powerpoint/2010/main" val="2911904912"/>
       </p:ext>
     </p:extLst>
   </p:cSld>
@@ -11707,6 +12966,980 @@
       </p:grpSpPr>
       <p:sp>
         <p:nvSpPr>
+          <p:cNvPr id="4" name="Étoile à 5 branches 3"/>
+          <p:cNvSpPr/>
+          <p:nvPr/>
+        </p:nvSpPr>
+        <p:spPr>
+          <a:xfrm>
+            <a:off x="2063931" y="2325188"/>
+            <a:ext cx="914400" cy="914400"/>
+          </a:xfrm>
+          <a:prstGeom prst="star5">
+            <a:avLst/>
+          </a:prstGeom>
+        </p:spPr>
+        <p:style>
+          <a:lnRef idx="2">
+            <a:schemeClr val="accent1">
+              <a:shade val="50000"/>
+            </a:schemeClr>
+          </a:lnRef>
+          <a:fillRef idx="1">
+            <a:schemeClr val="accent1"/>
+          </a:fillRef>
+          <a:effectRef idx="0">
+            <a:schemeClr val="accent1"/>
+          </a:effectRef>
+          <a:fontRef idx="minor">
+            <a:schemeClr val="lt1"/>
+          </a:fontRef>
+        </p:style>
+        <p:txBody>
+          <a:bodyPr rtlCol="0" anchor="ctr"/>
+          <a:lstStyle/>
+          <a:p>
+            <a:pPr algn="ctr"/>
+            <a:endParaRPr lang="fr-FR"/>
+          </a:p>
+        </p:txBody>
+      </p:sp>
+      <p:sp>
+        <p:nvSpPr>
+          <p:cNvPr id="5" name="Étoile à 5 branches 4"/>
+          <p:cNvSpPr/>
+          <p:nvPr/>
+        </p:nvSpPr>
+        <p:spPr>
+          <a:xfrm>
+            <a:off x="10789920" y="2560320"/>
+            <a:ext cx="914400" cy="914400"/>
+          </a:xfrm>
+          <a:prstGeom prst="star5">
+            <a:avLst/>
+          </a:prstGeom>
+        </p:spPr>
+        <p:style>
+          <a:lnRef idx="2">
+            <a:schemeClr val="accent1">
+              <a:shade val="50000"/>
+            </a:schemeClr>
+          </a:lnRef>
+          <a:fillRef idx="1">
+            <a:schemeClr val="accent1"/>
+          </a:fillRef>
+          <a:effectRef idx="0">
+            <a:schemeClr val="accent1"/>
+          </a:effectRef>
+          <a:fontRef idx="minor">
+            <a:schemeClr val="lt1"/>
+          </a:fontRef>
+        </p:style>
+        <p:txBody>
+          <a:bodyPr rtlCol="0" anchor="ctr"/>
+          <a:lstStyle/>
+          <a:p>
+            <a:pPr algn="ctr"/>
+            <a:endParaRPr lang="fr-FR"/>
+          </a:p>
+        </p:txBody>
+      </p:sp>
+      <p:sp>
+        <p:nvSpPr>
+          <p:cNvPr id="6" name="Ellipse 5"/>
+          <p:cNvSpPr/>
+          <p:nvPr/>
+        </p:nvSpPr>
+        <p:spPr>
+          <a:xfrm>
+            <a:off x="5878285" y="679268"/>
+            <a:ext cx="914400" cy="914400"/>
+          </a:xfrm>
+          <a:prstGeom prst="ellipse">
+            <a:avLst/>
+          </a:prstGeom>
+        </p:spPr>
+        <p:style>
+          <a:lnRef idx="2">
+            <a:schemeClr val="accent1">
+              <a:shade val="50000"/>
+            </a:schemeClr>
+          </a:lnRef>
+          <a:fillRef idx="1">
+            <a:schemeClr val="accent1"/>
+          </a:fillRef>
+          <a:effectRef idx="0">
+            <a:schemeClr val="accent1"/>
+          </a:effectRef>
+          <a:fontRef idx="minor">
+            <a:schemeClr val="lt1"/>
+          </a:fontRef>
+        </p:style>
+        <p:txBody>
+          <a:bodyPr rtlCol="0" anchor="ctr"/>
+          <a:lstStyle/>
+          <a:p>
+            <a:pPr algn="ctr"/>
+            <a:endParaRPr lang="fr-FR"/>
+          </a:p>
+        </p:txBody>
+      </p:sp>
+      <p:sp>
+        <p:nvSpPr>
+          <p:cNvPr id="7" name="Pentagone 6"/>
+          <p:cNvSpPr/>
+          <p:nvPr/>
+        </p:nvSpPr>
+        <p:spPr>
+          <a:xfrm>
+            <a:off x="4206240" y="4062549"/>
+            <a:ext cx="978408" cy="484632"/>
+          </a:xfrm>
+          <a:prstGeom prst="homePlate">
+            <a:avLst/>
+          </a:prstGeom>
+        </p:spPr>
+        <p:style>
+          <a:lnRef idx="2">
+            <a:schemeClr val="accent1">
+              <a:shade val="50000"/>
+            </a:schemeClr>
+          </a:lnRef>
+          <a:fillRef idx="1">
+            <a:schemeClr val="accent1"/>
+          </a:fillRef>
+          <a:effectRef idx="0">
+            <a:schemeClr val="accent1"/>
+          </a:effectRef>
+          <a:fontRef idx="minor">
+            <a:schemeClr val="lt1"/>
+          </a:fontRef>
+        </p:style>
+        <p:txBody>
+          <a:bodyPr rtlCol="0" anchor="ctr"/>
+          <a:lstStyle/>
+          <a:p>
+            <a:pPr algn="ctr"/>
+            <a:endParaRPr lang="fr-FR"/>
+          </a:p>
+        </p:txBody>
+      </p:sp>
+      <p:sp>
+        <p:nvSpPr>
+          <p:cNvPr id="8" name="Croix 7"/>
+          <p:cNvSpPr/>
+          <p:nvPr/>
+        </p:nvSpPr>
+        <p:spPr>
+          <a:xfrm>
+            <a:off x="7027817" y="3696789"/>
+            <a:ext cx="914400" cy="914400"/>
+          </a:xfrm>
+          <a:prstGeom prst="plus">
+            <a:avLst/>
+          </a:prstGeom>
+        </p:spPr>
+        <p:style>
+          <a:lnRef idx="2">
+            <a:schemeClr val="accent1">
+              <a:shade val="50000"/>
+            </a:schemeClr>
+          </a:lnRef>
+          <a:fillRef idx="1">
+            <a:schemeClr val="accent1"/>
+          </a:fillRef>
+          <a:effectRef idx="0">
+            <a:schemeClr val="accent1"/>
+          </a:effectRef>
+          <a:fontRef idx="minor">
+            <a:schemeClr val="lt1"/>
+          </a:fontRef>
+        </p:style>
+        <p:txBody>
+          <a:bodyPr rtlCol="0" anchor="ctr"/>
+          <a:lstStyle/>
+          <a:p>
+            <a:pPr algn="ctr"/>
+            <a:endParaRPr lang="fr-FR"/>
+          </a:p>
+        </p:txBody>
+      </p:sp>
+      <p:sp>
+        <p:nvSpPr>
+          <p:cNvPr id="2" name="Rectangle 1"/>
+          <p:cNvSpPr/>
+          <p:nvPr/>
+        </p:nvSpPr>
+        <p:spPr>
+          <a:xfrm>
+            <a:off x="3905794" y="3605349"/>
+            <a:ext cx="1489166" cy="1371600"/>
+          </a:xfrm>
+          <a:prstGeom prst="rect">
+            <a:avLst/>
+          </a:prstGeom>
+          <a:noFill/>
+        </p:spPr>
+        <p:style>
+          <a:lnRef idx="2">
+            <a:schemeClr val="accent1">
+              <a:shade val="50000"/>
+            </a:schemeClr>
+          </a:lnRef>
+          <a:fillRef idx="1">
+            <a:schemeClr val="accent1"/>
+          </a:fillRef>
+          <a:effectRef idx="0">
+            <a:schemeClr val="accent1"/>
+          </a:effectRef>
+          <a:fontRef idx="minor">
+            <a:schemeClr val="lt1"/>
+          </a:fontRef>
+        </p:style>
+        <p:txBody>
+          <a:bodyPr rtlCol="0" anchor="ctr"/>
+          <a:lstStyle/>
+          <a:p>
+            <a:pPr algn="ctr"/>
+            <a:endParaRPr lang="fr-FR"/>
+          </a:p>
+        </p:txBody>
+      </p:sp>
+      <p:sp>
+        <p:nvSpPr>
+          <p:cNvPr id="10" name="Rectangle 9"/>
+          <p:cNvSpPr/>
+          <p:nvPr/>
+        </p:nvSpPr>
+        <p:spPr>
+          <a:xfrm>
+            <a:off x="3905794" y="3605349"/>
+            <a:ext cx="1489166" cy="1371600"/>
+          </a:xfrm>
+          <a:prstGeom prst="rect">
+            <a:avLst/>
+          </a:prstGeom>
+          <a:noFill/>
+          <a:ln w="38100">
+            <a:solidFill>
+              <a:schemeClr val="accent6">
+                <a:lumMod val="50000"/>
+              </a:schemeClr>
+            </a:solidFill>
+          </a:ln>
+        </p:spPr>
+        <p:style>
+          <a:lnRef idx="2">
+            <a:schemeClr val="accent1">
+              <a:shade val="50000"/>
+            </a:schemeClr>
+          </a:lnRef>
+          <a:fillRef idx="1">
+            <a:schemeClr val="accent1"/>
+          </a:fillRef>
+          <a:effectRef idx="0">
+            <a:schemeClr val="accent1"/>
+          </a:effectRef>
+          <a:fontRef idx="minor">
+            <a:schemeClr val="lt1"/>
+          </a:fontRef>
+        </p:style>
+        <p:txBody>
+          <a:bodyPr rtlCol="0" anchor="ctr"/>
+          <a:lstStyle/>
+          <a:p>
+            <a:pPr algn="ctr"/>
+            <a:endParaRPr lang="fr-FR"/>
+          </a:p>
+        </p:txBody>
+      </p:sp>
+      <p:sp>
+        <p:nvSpPr>
+          <p:cNvPr id="11" name="Rectangle 10"/>
+          <p:cNvSpPr/>
+          <p:nvPr/>
+        </p:nvSpPr>
+        <p:spPr>
+          <a:xfrm>
+            <a:off x="3801291" y="3474720"/>
+            <a:ext cx="4284618" cy="1645920"/>
+          </a:xfrm>
+          <a:prstGeom prst="rect">
+            <a:avLst/>
+          </a:prstGeom>
+          <a:noFill/>
+          <a:ln w="38100">
+            <a:solidFill>
+              <a:schemeClr val="accent6">
+                <a:lumMod val="50000"/>
+              </a:schemeClr>
+            </a:solidFill>
+          </a:ln>
+        </p:spPr>
+        <p:style>
+          <a:lnRef idx="2">
+            <a:schemeClr val="accent1">
+              <a:shade val="50000"/>
+            </a:schemeClr>
+          </a:lnRef>
+          <a:fillRef idx="1">
+            <a:schemeClr val="accent1"/>
+          </a:fillRef>
+          <a:effectRef idx="0">
+            <a:schemeClr val="accent1"/>
+          </a:effectRef>
+          <a:fontRef idx="minor">
+            <a:schemeClr val="lt1"/>
+          </a:fontRef>
+        </p:style>
+        <p:txBody>
+          <a:bodyPr rtlCol="0" anchor="ctr"/>
+          <a:lstStyle/>
+          <a:p>
+            <a:pPr algn="ctr"/>
+            <a:endParaRPr lang="fr-FR"/>
+          </a:p>
+        </p:txBody>
+      </p:sp>
+      <p:sp>
+        <p:nvSpPr>
+          <p:cNvPr id="12" name="Rectangle 11"/>
+          <p:cNvSpPr/>
+          <p:nvPr/>
+        </p:nvSpPr>
+        <p:spPr>
+          <a:xfrm>
+            <a:off x="1854926" y="2207622"/>
+            <a:ext cx="6361611" cy="3030583"/>
+          </a:xfrm>
+          <a:prstGeom prst="rect">
+            <a:avLst/>
+          </a:prstGeom>
+          <a:noFill/>
+          <a:ln w="38100">
+            <a:solidFill>
+              <a:schemeClr val="accent6">
+                <a:lumMod val="50000"/>
+              </a:schemeClr>
+            </a:solidFill>
+          </a:ln>
+        </p:spPr>
+        <p:style>
+          <a:lnRef idx="2">
+            <a:schemeClr val="accent1">
+              <a:shade val="50000"/>
+            </a:schemeClr>
+          </a:lnRef>
+          <a:fillRef idx="1">
+            <a:schemeClr val="accent1"/>
+          </a:fillRef>
+          <a:effectRef idx="0">
+            <a:schemeClr val="accent1"/>
+          </a:effectRef>
+          <a:fontRef idx="minor">
+            <a:schemeClr val="lt1"/>
+          </a:fontRef>
+        </p:style>
+        <p:txBody>
+          <a:bodyPr rtlCol="0" anchor="ctr"/>
+          <a:lstStyle/>
+          <a:p>
+            <a:pPr algn="ctr"/>
+            <a:endParaRPr lang="fr-FR"/>
+          </a:p>
+        </p:txBody>
+      </p:sp>
+      <p:sp>
+        <p:nvSpPr>
+          <p:cNvPr id="13" name="Rectangle 12"/>
+          <p:cNvSpPr/>
+          <p:nvPr/>
+        </p:nvSpPr>
+        <p:spPr>
+          <a:xfrm>
+            <a:off x="1711234" y="535578"/>
+            <a:ext cx="6657703" cy="4855028"/>
+          </a:xfrm>
+          <a:prstGeom prst="rect">
+            <a:avLst/>
+          </a:prstGeom>
+          <a:noFill/>
+          <a:ln w="38100">
+            <a:solidFill>
+              <a:schemeClr val="accent6">
+                <a:lumMod val="50000"/>
+              </a:schemeClr>
+            </a:solidFill>
+          </a:ln>
+        </p:spPr>
+        <p:style>
+          <a:lnRef idx="2">
+            <a:schemeClr val="accent1">
+              <a:shade val="50000"/>
+            </a:schemeClr>
+          </a:lnRef>
+          <a:fillRef idx="1">
+            <a:schemeClr val="accent1"/>
+          </a:fillRef>
+          <a:effectRef idx="0">
+            <a:schemeClr val="accent1"/>
+          </a:effectRef>
+          <a:fontRef idx="minor">
+            <a:schemeClr val="lt1"/>
+          </a:fontRef>
+        </p:style>
+        <p:txBody>
+          <a:bodyPr rtlCol="0" anchor="ctr"/>
+          <a:lstStyle/>
+          <a:p>
+            <a:pPr algn="ctr"/>
+            <a:endParaRPr lang="fr-FR"/>
+          </a:p>
+        </p:txBody>
+      </p:sp>
+    </p:spTree>
+    <p:extLst>
+      <p:ext uri="{BB962C8B-B14F-4D97-AF65-F5344CB8AC3E}">
+        <p14:creationId xmlns:p14="http://schemas.microsoft.com/office/powerpoint/2010/main" val="2434523402"/>
+      </p:ext>
+    </p:extLst>
+  </p:cSld>
+  <p:clrMapOvr>
+    <a:masterClrMapping/>
+  </p:clrMapOvr>
+</p:sld>
+</file>
+
+<file path=ppt/slides/slide25.xml><?xml version="1.0" encoding="utf-8"?>
+<p:sld xmlns:a="http://schemas.openxmlformats.org/drawingml/2006/main" xmlns:r="http://schemas.openxmlformats.org/officeDocument/2006/relationships" xmlns:p="http://schemas.openxmlformats.org/presentationml/2006/main">
+  <p:cSld>
+    <p:spTree>
+      <p:nvGrpSpPr>
+        <p:cNvPr id="1" name=""/>
+        <p:cNvGrpSpPr/>
+        <p:nvPr/>
+      </p:nvGrpSpPr>
+      <p:grpSpPr>
+        <a:xfrm>
+          <a:off x="0" y="0"/>
+          <a:ext cx="0" cy="0"/>
+          <a:chOff x="0" y="0"/>
+          <a:chExt cx="0" cy="0"/>
+        </a:xfrm>
+      </p:grpSpPr>
+      <p:sp>
+        <p:nvSpPr>
+          <p:cNvPr id="4" name="Étoile à 5 branches 3"/>
+          <p:cNvSpPr/>
+          <p:nvPr/>
+        </p:nvSpPr>
+        <p:spPr>
+          <a:xfrm>
+            <a:off x="2063931" y="2325188"/>
+            <a:ext cx="914400" cy="914400"/>
+          </a:xfrm>
+          <a:prstGeom prst="star5">
+            <a:avLst/>
+          </a:prstGeom>
+        </p:spPr>
+        <p:style>
+          <a:lnRef idx="2">
+            <a:schemeClr val="accent1">
+              <a:shade val="50000"/>
+            </a:schemeClr>
+          </a:lnRef>
+          <a:fillRef idx="1">
+            <a:schemeClr val="accent1"/>
+          </a:fillRef>
+          <a:effectRef idx="0">
+            <a:schemeClr val="accent1"/>
+          </a:effectRef>
+          <a:fontRef idx="minor">
+            <a:schemeClr val="lt1"/>
+          </a:fontRef>
+        </p:style>
+        <p:txBody>
+          <a:bodyPr rtlCol="0" anchor="ctr"/>
+          <a:lstStyle/>
+          <a:p>
+            <a:pPr algn="ctr"/>
+            <a:endParaRPr lang="fr-FR"/>
+          </a:p>
+        </p:txBody>
+      </p:sp>
+      <p:sp>
+        <p:nvSpPr>
+          <p:cNvPr id="5" name="Étoile à 5 branches 4"/>
+          <p:cNvSpPr/>
+          <p:nvPr/>
+        </p:nvSpPr>
+        <p:spPr>
+          <a:xfrm>
+            <a:off x="10789920" y="2560320"/>
+            <a:ext cx="914400" cy="914400"/>
+          </a:xfrm>
+          <a:prstGeom prst="star5">
+            <a:avLst/>
+          </a:prstGeom>
+        </p:spPr>
+        <p:style>
+          <a:lnRef idx="2">
+            <a:schemeClr val="accent1">
+              <a:shade val="50000"/>
+            </a:schemeClr>
+          </a:lnRef>
+          <a:fillRef idx="1">
+            <a:schemeClr val="accent1"/>
+          </a:fillRef>
+          <a:effectRef idx="0">
+            <a:schemeClr val="accent1"/>
+          </a:effectRef>
+          <a:fontRef idx="minor">
+            <a:schemeClr val="lt1"/>
+          </a:fontRef>
+        </p:style>
+        <p:txBody>
+          <a:bodyPr rtlCol="0" anchor="ctr"/>
+          <a:lstStyle/>
+          <a:p>
+            <a:pPr algn="ctr"/>
+            <a:endParaRPr lang="fr-FR"/>
+          </a:p>
+        </p:txBody>
+      </p:sp>
+      <p:sp>
+        <p:nvSpPr>
+          <p:cNvPr id="6" name="Ellipse 5"/>
+          <p:cNvSpPr/>
+          <p:nvPr/>
+        </p:nvSpPr>
+        <p:spPr>
+          <a:xfrm>
+            <a:off x="5878285" y="679268"/>
+            <a:ext cx="914400" cy="914400"/>
+          </a:xfrm>
+          <a:prstGeom prst="ellipse">
+            <a:avLst/>
+          </a:prstGeom>
+        </p:spPr>
+        <p:style>
+          <a:lnRef idx="2">
+            <a:schemeClr val="accent1">
+              <a:shade val="50000"/>
+            </a:schemeClr>
+          </a:lnRef>
+          <a:fillRef idx="1">
+            <a:schemeClr val="accent1"/>
+          </a:fillRef>
+          <a:effectRef idx="0">
+            <a:schemeClr val="accent1"/>
+          </a:effectRef>
+          <a:fontRef idx="minor">
+            <a:schemeClr val="lt1"/>
+          </a:fontRef>
+        </p:style>
+        <p:txBody>
+          <a:bodyPr rtlCol="0" anchor="ctr"/>
+          <a:lstStyle/>
+          <a:p>
+            <a:pPr algn="ctr"/>
+            <a:endParaRPr lang="fr-FR"/>
+          </a:p>
+        </p:txBody>
+      </p:sp>
+      <p:sp>
+        <p:nvSpPr>
+          <p:cNvPr id="7" name="Pentagone 6"/>
+          <p:cNvSpPr/>
+          <p:nvPr/>
+        </p:nvSpPr>
+        <p:spPr>
+          <a:xfrm>
+            <a:off x="4206240" y="4062549"/>
+            <a:ext cx="978408" cy="484632"/>
+          </a:xfrm>
+          <a:prstGeom prst="homePlate">
+            <a:avLst/>
+          </a:prstGeom>
+        </p:spPr>
+        <p:style>
+          <a:lnRef idx="2">
+            <a:schemeClr val="accent1">
+              <a:shade val="50000"/>
+            </a:schemeClr>
+          </a:lnRef>
+          <a:fillRef idx="1">
+            <a:schemeClr val="accent1"/>
+          </a:fillRef>
+          <a:effectRef idx="0">
+            <a:schemeClr val="accent1"/>
+          </a:effectRef>
+          <a:fontRef idx="minor">
+            <a:schemeClr val="lt1"/>
+          </a:fontRef>
+        </p:style>
+        <p:txBody>
+          <a:bodyPr rtlCol="0" anchor="ctr"/>
+          <a:lstStyle/>
+          <a:p>
+            <a:pPr algn="ctr"/>
+            <a:endParaRPr lang="fr-FR"/>
+          </a:p>
+        </p:txBody>
+      </p:sp>
+      <p:sp>
+        <p:nvSpPr>
+          <p:cNvPr id="8" name="Croix 7"/>
+          <p:cNvSpPr/>
+          <p:nvPr/>
+        </p:nvSpPr>
+        <p:spPr>
+          <a:xfrm>
+            <a:off x="7027817" y="3696789"/>
+            <a:ext cx="914400" cy="914400"/>
+          </a:xfrm>
+          <a:prstGeom prst="plus">
+            <a:avLst/>
+          </a:prstGeom>
+        </p:spPr>
+        <p:style>
+          <a:lnRef idx="2">
+            <a:schemeClr val="accent1">
+              <a:shade val="50000"/>
+            </a:schemeClr>
+          </a:lnRef>
+          <a:fillRef idx="1">
+            <a:schemeClr val="accent1"/>
+          </a:fillRef>
+          <a:effectRef idx="0">
+            <a:schemeClr val="accent1"/>
+          </a:effectRef>
+          <a:fontRef idx="minor">
+            <a:schemeClr val="lt1"/>
+          </a:fontRef>
+        </p:style>
+        <p:txBody>
+          <a:bodyPr rtlCol="0" anchor="ctr"/>
+          <a:lstStyle/>
+          <a:p>
+            <a:pPr algn="ctr"/>
+            <a:endParaRPr lang="fr-FR"/>
+          </a:p>
+        </p:txBody>
+      </p:sp>
+      <p:sp>
+        <p:nvSpPr>
+          <p:cNvPr id="2" name="Rectangle 1"/>
+          <p:cNvSpPr/>
+          <p:nvPr/>
+        </p:nvSpPr>
+        <p:spPr>
+          <a:xfrm>
+            <a:off x="3905794" y="3605349"/>
+            <a:ext cx="1489166" cy="1371600"/>
+          </a:xfrm>
+          <a:prstGeom prst="rect">
+            <a:avLst/>
+          </a:prstGeom>
+          <a:noFill/>
+        </p:spPr>
+        <p:style>
+          <a:lnRef idx="2">
+            <a:schemeClr val="accent1">
+              <a:shade val="50000"/>
+            </a:schemeClr>
+          </a:lnRef>
+          <a:fillRef idx="1">
+            <a:schemeClr val="accent1"/>
+          </a:fillRef>
+          <a:effectRef idx="0">
+            <a:schemeClr val="accent1"/>
+          </a:effectRef>
+          <a:fontRef idx="minor">
+            <a:schemeClr val="lt1"/>
+          </a:fontRef>
+        </p:style>
+        <p:txBody>
+          <a:bodyPr rtlCol="0" anchor="ctr"/>
+          <a:lstStyle/>
+          <a:p>
+            <a:pPr algn="ctr"/>
+            <a:endParaRPr lang="fr-FR"/>
+          </a:p>
+        </p:txBody>
+      </p:sp>
+      <p:sp>
+        <p:nvSpPr>
+          <p:cNvPr id="10" name="Rectangle 9"/>
+          <p:cNvSpPr/>
+          <p:nvPr/>
+        </p:nvSpPr>
+        <p:spPr>
+          <a:xfrm>
+            <a:off x="3905794" y="3605349"/>
+            <a:ext cx="1489166" cy="1371600"/>
+          </a:xfrm>
+          <a:prstGeom prst="rect">
+            <a:avLst/>
+          </a:prstGeom>
+          <a:noFill/>
+          <a:ln w="38100">
+            <a:solidFill>
+              <a:schemeClr val="accent6">
+                <a:lumMod val="50000"/>
+              </a:schemeClr>
+            </a:solidFill>
+          </a:ln>
+        </p:spPr>
+        <p:style>
+          <a:lnRef idx="2">
+            <a:schemeClr val="accent1">
+              <a:shade val="50000"/>
+            </a:schemeClr>
+          </a:lnRef>
+          <a:fillRef idx="1">
+            <a:schemeClr val="accent1"/>
+          </a:fillRef>
+          <a:effectRef idx="0">
+            <a:schemeClr val="accent1"/>
+          </a:effectRef>
+          <a:fontRef idx="minor">
+            <a:schemeClr val="lt1"/>
+          </a:fontRef>
+        </p:style>
+        <p:txBody>
+          <a:bodyPr rtlCol="0" anchor="ctr"/>
+          <a:lstStyle/>
+          <a:p>
+            <a:pPr algn="ctr"/>
+            <a:endParaRPr lang="fr-FR"/>
+          </a:p>
+        </p:txBody>
+      </p:sp>
+      <p:sp>
+        <p:nvSpPr>
+          <p:cNvPr id="11" name="Rectangle 10"/>
+          <p:cNvSpPr/>
+          <p:nvPr/>
+        </p:nvSpPr>
+        <p:spPr>
+          <a:xfrm>
+            <a:off x="3801291" y="3474720"/>
+            <a:ext cx="4284618" cy="1645920"/>
+          </a:xfrm>
+          <a:prstGeom prst="rect">
+            <a:avLst/>
+          </a:prstGeom>
+          <a:noFill/>
+          <a:ln w="38100">
+            <a:solidFill>
+              <a:schemeClr val="accent6">
+                <a:lumMod val="50000"/>
+              </a:schemeClr>
+            </a:solidFill>
+          </a:ln>
+        </p:spPr>
+        <p:style>
+          <a:lnRef idx="2">
+            <a:schemeClr val="accent1">
+              <a:shade val="50000"/>
+            </a:schemeClr>
+          </a:lnRef>
+          <a:fillRef idx="1">
+            <a:schemeClr val="accent1"/>
+          </a:fillRef>
+          <a:effectRef idx="0">
+            <a:schemeClr val="accent1"/>
+          </a:effectRef>
+          <a:fontRef idx="minor">
+            <a:schemeClr val="lt1"/>
+          </a:fontRef>
+        </p:style>
+        <p:txBody>
+          <a:bodyPr rtlCol="0" anchor="ctr"/>
+          <a:lstStyle/>
+          <a:p>
+            <a:pPr algn="ctr"/>
+            <a:endParaRPr lang="fr-FR"/>
+          </a:p>
+        </p:txBody>
+      </p:sp>
+      <p:sp>
+        <p:nvSpPr>
+          <p:cNvPr id="12" name="Rectangle 11"/>
+          <p:cNvSpPr/>
+          <p:nvPr/>
+        </p:nvSpPr>
+        <p:spPr>
+          <a:xfrm>
+            <a:off x="1854926" y="2207622"/>
+            <a:ext cx="6361611" cy="3030583"/>
+          </a:xfrm>
+          <a:prstGeom prst="rect">
+            <a:avLst/>
+          </a:prstGeom>
+          <a:noFill/>
+          <a:ln w="38100">
+            <a:solidFill>
+              <a:schemeClr val="accent6">
+                <a:lumMod val="50000"/>
+              </a:schemeClr>
+            </a:solidFill>
+          </a:ln>
+        </p:spPr>
+        <p:style>
+          <a:lnRef idx="2">
+            <a:schemeClr val="accent1">
+              <a:shade val="50000"/>
+            </a:schemeClr>
+          </a:lnRef>
+          <a:fillRef idx="1">
+            <a:schemeClr val="accent1"/>
+          </a:fillRef>
+          <a:effectRef idx="0">
+            <a:schemeClr val="accent1"/>
+          </a:effectRef>
+          <a:fontRef idx="minor">
+            <a:schemeClr val="lt1"/>
+          </a:fontRef>
+        </p:style>
+        <p:txBody>
+          <a:bodyPr rtlCol="0" anchor="ctr"/>
+          <a:lstStyle/>
+          <a:p>
+            <a:pPr algn="ctr"/>
+            <a:endParaRPr lang="fr-FR"/>
+          </a:p>
+        </p:txBody>
+      </p:sp>
+      <p:sp>
+        <p:nvSpPr>
+          <p:cNvPr id="13" name="Rectangle 12"/>
+          <p:cNvSpPr/>
+          <p:nvPr/>
+        </p:nvSpPr>
+        <p:spPr>
+          <a:xfrm>
+            <a:off x="1711234" y="535578"/>
+            <a:ext cx="6657703" cy="4855028"/>
+          </a:xfrm>
+          <a:prstGeom prst="rect">
+            <a:avLst/>
+          </a:prstGeom>
+          <a:noFill/>
+          <a:ln w="38100">
+            <a:solidFill>
+              <a:schemeClr val="accent6">
+                <a:lumMod val="50000"/>
+              </a:schemeClr>
+            </a:solidFill>
+          </a:ln>
+        </p:spPr>
+        <p:style>
+          <a:lnRef idx="2">
+            <a:schemeClr val="accent1">
+              <a:shade val="50000"/>
+            </a:schemeClr>
+          </a:lnRef>
+          <a:fillRef idx="1">
+            <a:schemeClr val="accent1"/>
+          </a:fillRef>
+          <a:effectRef idx="0">
+            <a:schemeClr val="accent1"/>
+          </a:effectRef>
+          <a:fontRef idx="minor">
+            <a:schemeClr val="lt1"/>
+          </a:fontRef>
+        </p:style>
+        <p:txBody>
+          <a:bodyPr rtlCol="0" anchor="ctr"/>
+          <a:lstStyle/>
+          <a:p>
+            <a:pPr algn="ctr"/>
+            <a:endParaRPr lang="fr-FR"/>
+          </a:p>
+        </p:txBody>
+      </p:sp>
+      <p:sp>
+        <p:nvSpPr>
+          <p:cNvPr id="14" name="Rectangle 13"/>
+          <p:cNvSpPr/>
+          <p:nvPr/>
+        </p:nvSpPr>
+        <p:spPr>
+          <a:xfrm>
+            <a:off x="1558834" y="370113"/>
+            <a:ext cx="10236926" cy="5168537"/>
+          </a:xfrm>
+          <a:prstGeom prst="rect">
+            <a:avLst/>
+          </a:prstGeom>
+          <a:noFill/>
+          <a:ln w="38100">
+            <a:solidFill>
+              <a:schemeClr val="accent6">
+                <a:lumMod val="50000"/>
+              </a:schemeClr>
+            </a:solidFill>
+          </a:ln>
+        </p:spPr>
+        <p:style>
+          <a:lnRef idx="2">
+            <a:schemeClr val="accent1">
+              <a:shade val="50000"/>
+            </a:schemeClr>
+          </a:lnRef>
+          <a:fillRef idx="1">
+            <a:schemeClr val="accent1"/>
+          </a:fillRef>
+          <a:effectRef idx="0">
+            <a:schemeClr val="accent1"/>
+          </a:effectRef>
+          <a:fontRef idx="minor">
+            <a:schemeClr val="lt1"/>
+          </a:fontRef>
+        </p:style>
+        <p:txBody>
+          <a:bodyPr rtlCol="0" anchor="ctr"/>
+          <a:lstStyle/>
+          <a:p>
+            <a:pPr algn="ctr"/>
+            <a:endParaRPr lang="fr-FR"/>
+          </a:p>
+        </p:txBody>
+      </p:sp>
+    </p:spTree>
+    <p:extLst>
+      <p:ext uri="{BB962C8B-B14F-4D97-AF65-F5344CB8AC3E}">
+        <p14:creationId xmlns:p14="http://schemas.microsoft.com/office/powerpoint/2010/main" val="246268746"/>
+      </p:ext>
+    </p:extLst>
+  </p:cSld>
+  <p:clrMapOvr>
+    <a:masterClrMapping/>
+  </p:clrMapOvr>
+</p:sld>
+</file>
+
+<file path=ppt/slides/slide26.xml><?xml version="1.0" encoding="utf-8"?>
+<p:sld xmlns:a="http://schemas.openxmlformats.org/drawingml/2006/main" xmlns:r="http://schemas.openxmlformats.org/officeDocument/2006/relationships" xmlns:p="http://schemas.openxmlformats.org/presentationml/2006/main">
+  <p:cSld>
+    <p:spTree>
+      <p:nvGrpSpPr>
+        <p:cNvPr id="1" name=""/>
+        <p:cNvGrpSpPr/>
+        <p:nvPr/>
+      </p:nvGrpSpPr>
+      <p:grpSpPr>
+        <a:xfrm>
+          <a:off x="0" y="0"/>
+          <a:ext cx="0" cy="0"/>
+          <a:chOff x="0" y="0"/>
+          <a:chExt cx="0" cy="0"/>
+        </a:xfrm>
+      </p:grpSpPr>
+      <p:sp>
+        <p:nvSpPr>
           <p:cNvPr id="2" name="Title 1"/>
           <p:cNvSpPr>
             <a:spLocks noGrp="1"/>
@@ -11722,7 +13955,7 @@
           <a:p>
             <a:r>
               <a:rPr lang="fr-FR" dirty="0"/>
-              <a:t>Tri topologique graphe</a:t>
+              <a:t>Variation de la vitesse</a:t>
             </a:r>
           </a:p>
         </p:txBody>
@@ -11734,7 +13967,7 @@
             <a:spLocks noGrp="1"/>
           </p:cNvSpPr>
           <p:nvPr>
-            <p:ph type="body" sz="half" idx="2"/>
+            <p:ph type="body" idx="1"/>
           </p:nvPr>
         </p:nvSpPr>
         <p:spPr/>
@@ -11749,7 +13982,565 @@
     </p:spTree>
     <p:extLst>
       <p:ext uri="{BB962C8B-B14F-4D97-AF65-F5344CB8AC3E}">
-        <p14:creationId xmlns:p14="http://schemas.microsoft.com/office/powerpoint/2010/main" val="3419481672"/>
+        <p14:creationId xmlns:p14="http://schemas.microsoft.com/office/powerpoint/2010/main" val="1630980370"/>
+      </p:ext>
+    </p:extLst>
+  </p:cSld>
+  <p:clrMapOvr>
+    <a:masterClrMapping/>
+  </p:clrMapOvr>
+</p:sld>
+</file>
+
+<file path=ppt/slides/slide27.xml><?xml version="1.0" encoding="utf-8"?>
+<p:sld xmlns:a="http://schemas.openxmlformats.org/drawingml/2006/main" xmlns:r="http://schemas.openxmlformats.org/officeDocument/2006/relationships" xmlns:p="http://schemas.openxmlformats.org/presentationml/2006/main">
+  <p:cSld>
+    <p:spTree>
+      <p:nvGrpSpPr>
+        <p:cNvPr id="1" name=""/>
+        <p:cNvGrpSpPr/>
+        <p:nvPr/>
+      </p:nvGrpSpPr>
+      <p:grpSpPr>
+        <a:xfrm>
+          <a:off x="0" y="0"/>
+          <a:ext cx="0" cy="0"/>
+          <a:chOff x="0" y="0"/>
+          <a:chExt cx="0" cy="0"/>
+        </a:xfrm>
+      </p:grpSpPr>
+      <p:sp>
+        <p:nvSpPr>
+          <p:cNvPr id="2" name="Title 1"/>
+          <p:cNvSpPr>
+            <a:spLocks noGrp="1"/>
+          </p:cNvSpPr>
+          <p:nvPr>
+            <p:ph type="title"/>
+          </p:nvPr>
+        </p:nvSpPr>
+        <p:spPr/>
+        <p:txBody>
+          <a:bodyPr/>
+          <a:lstStyle/>
+          <a:p>
+            <a:r>
+              <a:rPr lang="fr-FR" dirty="0"/>
+              <a:t>Influence de la densité</a:t>
+            </a:r>
+          </a:p>
+        </p:txBody>
+      </p:sp>
+      <p:pic>
+        <p:nvPicPr>
+          <p:cNvPr id="4" name="Content Placeholder 5"/>
+          <p:cNvPicPr>
+            <a:picLocks noGrp="1"/>
+          </p:cNvPicPr>
+          <p:nvPr>
+            <p:ph idx="1"/>
+          </p:nvPr>
+        </p:nvPicPr>
+        <p:blipFill rotWithShape="1">
+          <a:blip r:embed="rId2" cstate="print">
+            <a:extLst>
+              <a:ext uri="{28A0092B-C50C-407E-A947-70E740481C1C}">
+                <a14:useLocalDpi xmlns:a14="http://schemas.microsoft.com/office/drawing/2010/main" val="0"/>
+              </a:ext>
+            </a:extLst>
+          </a:blip>
+          <a:srcRect l="4000" t="20504" r="12997" b="-535"/>
+          <a:stretch/>
+        </p:blipFill>
+        <p:spPr>
+          <a:xfrm>
+            <a:off x="2743201" y="1606731"/>
+            <a:ext cx="5049564" cy="5027143"/>
+          </a:xfrm>
+        </p:spPr>
+      </p:pic>
+      <p:sp>
+        <p:nvSpPr>
+          <p:cNvPr id="12" name="Ellipse 11"/>
+          <p:cNvSpPr/>
+          <p:nvPr/>
+        </p:nvSpPr>
+        <p:spPr>
+          <a:xfrm>
+            <a:off x="3540035" y="3892732"/>
+            <a:ext cx="1280160" cy="1280160"/>
+          </a:xfrm>
+          <a:prstGeom prst="ellipse">
+            <a:avLst/>
+          </a:prstGeom>
+          <a:noFill/>
+          <a:ln w="57150">
+            <a:solidFill>
+              <a:srgbClr val="FFFFFF"/>
+            </a:solidFill>
+          </a:ln>
+        </p:spPr>
+        <p:style>
+          <a:lnRef idx="2">
+            <a:schemeClr val="accent1">
+              <a:shade val="50000"/>
+            </a:schemeClr>
+          </a:lnRef>
+          <a:fillRef idx="1">
+            <a:schemeClr val="accent1"/>
+          </a:fillRef>
+          <a:effectRef idx="0">
+            <a:schemeClr val="accent1"/>
+          </a:effectRef>
+          <a:fontRef idx="minor">
+            <a:schemeClr val="lt1"/>
+          </a:fontRef>
+        </p:style>
+        <p:txBody>
+          <a:bodyPr rtlCol="0" anchor="ctr"/>
+          <a:lstStyle/>
+          <a:p>
+            <a:pPr algn="ctr"/>
+            <a:endParaRPr lang="fr-FR"/>
+          </a:p>
+        </p:txBody>
+      </p:sp>
+      <p:sp>
+        <p:nvSpPr>
+          <p:cNvPr id="21" name="Ellipse 20"/>
+          <p:cNvSpPr/>
+          <p:nvPr/>
+        </p:nvSpPr>
+        <p:spPr>
+          <a:xfrm>
+            <a:off x="5662803" y="5077097"/>
+            <a:ext cx="1280160" cy="1280160"/>
+          </a:xfrm>
+          <a:prstGeom prst="ellipse">
+            <a:avLst/>
+          </a:prstGeom>
+          <a:noFill/>
+          <a:ln w="57150">
+            <a:solidFill>
+              <a:srgbClr val="FFFFFF"/>
+            </a:solidFill>
+          </a:ln>
+        </p:spPr>
+        <p:style>
+          <a:lnRef idx="2">
+            <a:schemeClr val="accent1">
+              <a:shade val="50000"/>
+            </a:schemeClr>
+          </a:lnRef>
+          <a:fillRef idx="1">
+            <a:schemeClr val="accent1"/>
+          </a:fillRef>
+          <a:effectRef idx="0">
+            <a:schemeClr val="accent1"/>
+          </a:effectRef>
+          <a:fontRef idx="minor">
+            <a:schemeClr val="lt1"/>
+          </a:fontRef>
+        </p:style>
+        <p:txBody>
+          <a:bodyPr rtlCol="0" anchor="ctr"/>
+          <a:lstStyle/>
+          <a:p>
+            <a:pPr algn="ctr"/>
+            <a:endParaRPr lang="fr-FR"/>
+          </a:p>
+        </p:txBody>
+      </p:sp>
+    </p:spTree>
+    <p:extLst>
+      <p:ext uri="{BB962C8B-B14F-4D97-AF65-F5344CB8AC3E}">
+        <p14:creationId xmlns:p14="http://schemas.microsoft.com/office/powerpoint/2010/main" val="3665244526"/>
+      </p:ext>
+    </p:extLst>
+  </p:cSld>
+  <p:clrMapOvr>
+    <a:masterClrMapping/>
+  </p:clrMapOvr>
+</p:sld>
+</file>
+
+<file path=ppt/slides/slide28.xml><?xml version="1.0" encoding="utf-8"?>
+<p:sld xmlns:a="http://schemas.openxmlformats.org/drawingml/2006/main" xmlns:r="http://schemas.openxmlformats.org/officeDocument/2006/relationships" xmlns:p="http://schemas.openxmlformats.org/presentationml/2006/main">
+  <p:cSld>
+    <p:spTree>
+      <p:nvGrpSpPr>
+        <p:cNvPr id="1" name=""/>
+        <p:cNvGrpSpPr/>
+        <p:nvPr/>
+      </p:nvGrpSpPr>
+      <p:grpSpPr>
+        <a:xfrm>
+          <a:off x="0" y="0"/>
+          <a:ext cx="0" cy="0"/>
+          <a:chOff x="0" y="0"/>
+          <a:chExt cx="0" cy="0"/>
+        </a:xfrm>
+      </p:grpSpPr>
+      <p:sp>
+        <p:nvSpPr>
+          <p:cNvPr id="2" name="Title 1"/>
+          <p:cNvSpPr>
+            <a:spLocks noGrp="1"/>
+          </p:cNvSpPr>
+          <p:nvPr>
+            <p:ph type="title"/>
+          </p:nvPr>
+        </p:nvSpPr>
+        <p:spPr/>
+        <p:txBody>
+          <a:bodyPr/>
+          <a:lstStyle/>
+          <a:p>
+            <a:r>
+              <a:rPr lang="fr-FR" dirty="0"/>
+              <a:t>Influence de la densité</a:t>
+            </a:r>
+          </a:p>
+        </p:txBody>
+      </p:sp>
+      <p:pic>
+        <p:nvPicPr>
+          <p:cNvPr id="4" name="Content Placeholder 5"/>
+          <p:cNvPicPr>
+            <a:picLocks noGrp="1"/>
+          </p:cNvPicPr>
+          <p:nvPr>
+            <p:ph idx="1"/>
+          </p:nvPr>
+        </p:nvPicPr>
+        <p:blipFill rotWithShape="1">
+          <a:blip r:embed="rId2" cstate="print">
+            <a:extLst>
+              <a:ext uri="{28A0092B-C50C-407E-A947-70E740481C1C}">
+                <a14:useLocalDpi xmlns:a14="http://schemas.microsoft.com/office/drawing/2010/main" val="0"/>
+              </a:ext>
+            </a:extLst>
+          </a:blip>
+          <a:srcRect l="4000" t="20504" r="12997" b="-535"/>
+          <a:stretch/>
+        </p:blipFill>
+        <p:spPr>
+          <a:xfrm>
+            <a:off x="2743201" y="1606731"/>
+            <a:ext cx="5049564" cy="5027143"/>
+          </a:xfrm>
+        </p:spPr>
+      </p:pic>
+      <p:sp>
+        <p:nvSpPr>
+          <p:cNvPr id="12" name="Ellipse 11"/>
+          <p:cNvSpPr/>
+          <p:nvPr/>
+        </p:nvSpPr>
+        <p:spPr>
+          <a:xfrm>
+            <a:off x="3540035" y="3892732"/>
+            <a:ext cx="1280160" cy="1280160"/>
+          </a:xfrm>
+          <a:prstGeom prst="ellipse">
+            <a:avLst/>
+          </a:prstGeom>
+          <a:noFill/>
+          <a:ln w="57150">
+            <a:solidFill>
+              <a:srgbClr val="FFFFFF"/>
+            </a:solidFill>
+          </a:ln>
+        </p:spPr>
+        <p:style>
+          <a:lnRef idx="2">
+            <a:schemeClr val="accent1">
+              <a:shade val="50000"/>
+            </a:schemeClr>
+          </a:lnRef>
+          <a:fillRef idx="1">
+            <a:schemeClr val="accent1"/>
+          </a:fillRef>
+          <a:effectRef idx="0">
+            <a:schemeClr val="accent1"/>
+          </a:effectRef>
+          <a:fontRef idx="minor">
+            <a:schemeClr val="lt1"/>
+          </a:fontRef>
+        </p:style>
+        <p:txBody>
+          <a:bodyPr rtlCol="0" anchor="ctr"/>
+          <a:lstStyle/>
+          <a:p>
+            <a:pPr algn="ctr"/>
+            <a:endParaRPr lang="fr-FR"/>
+          </a:p>
+        </p:txBody>
+      </p:sp>
+      <p:sp>
+        <p:nvSpPr>
+          <p:cNvPr id="21" name="Ellipse 20"/>
+          <p:cNvSpPr/>
+          <p:nvPr/>
+        </p:nvSpPr>
+        <p:spPr>
+          <a:xfrm>
+            <a:off x="5662803" y="5077097"/>
+            <a:ext cx="1280160" cy="1280160"/>
+          </a:xfrm>
+          <a:prstGeom prst="ellipse">
+            <a:avLst/>
+          </a:prstGeom>
+          <a:noFill/>
+          <a:ln w="57150">
+            <a:solidFill>
+              <a:srgbClr val="FFFFFF"/>
+            </a:solidFill>
+          </a:ln>
+        </p:spPr>
+        <p:style>
+          <a:lnRef idx="2">
+            <a:schemeClr val="accent1">
+              <a:shade val="50000"/>
+            </a:schemeClr>
+          </a:lnRef>
+          <a:fillRef idx="1">
+            <a:schemeClr val="accent1"/>
+          </a:fillRef>
+          <a:effectRef idx="0">
+            <a:schemeClr val="accent1"/>
+          </a:effectRef>
+          <a:fontRef idx="minor">
+            <a:schemeClr val="lt1"/>
+          </a:fontRef>
+        </p:style>
+        <p:txBody>
+          <a:bodyPr rtlCol="0" anchor="ctr"/>
+          <a:lstStyle/>
+          <a:p>
+            <a:pPr algn="ctr"/>
+            <a:endParaRPr lang="fr-FR"/>
+          </a:p>
+        </p:txBody>
+      </p:sp>
+      <p:cxnSp>
+        <p:nvCxnSpPr>
+          <p:cNvPr id="5" name="Connecteur droit avec flèche 4"/>
+          <p:cNvCxnSpPr>
+            <a:stCxn id="12" idx="1"/>
+          </p:cNvCxnSpPr>
+          <p:nvPr/>
+        </p:nvCxnSpPr>
+        <p:spPr>
+          <a:xfrm flipH="1" flipV="1">
+            <a:off x="2076994" y="3331029"/>
+            <a:ext cx="1650516" cy="749178"/>
+          </a:xfrm>
+          <a:prstGeom prst="straightConnector1">
+            <a:avLst/>
+          </a:prstGeom>
+          <a:ln w="9525" cap="flat" cmpd="sng" algn="ctr">
+            <a:solidFill>
+              <a:schemeClr val="accent6"/>
+            </a:solidFill>
+            <a:prstDash val="solid"/>
+            <a:round/>
+            <a:headEnd type="none" w="med" len="med"/>
+            <a:tailEnd type="arrow" w="med" len="med"/>
+          </a:ln>
+        </p:spPr>
+        <p:style>
+          <a:lnRef idx="0">
+            <a:scrgbClr r="0" g="0" b="0"/>
+          </a:lnRef>
+          <a:fillRef idx="0">
+            <a:scrgbClr r="0" g="0" b="0"/>
+          </a:fillRef>
+          <a:effectRef idx="0">
+            <a:scrgbClr r="0" g="0" b="0"/>
+          </a:effectRef>
+          <a:fontRef idx="minor">
+            <a:schemeClr val="tx1"/>
+          </a:fontRef>
+        </p:style>
+      </p:cxnSp>
+      <p:sp>
+        <p:nvSpPr>
+          <p:cNvPr id="6" name="ZoneTexte 5"/>
+          <p:cNvSpPr txBox="1"/>
+          <p:nvPr/>
+        </p:nvSpPr>
+        <p:spPr>
+          <a:xfrm>
+            <a:off x="496389" y="2937050"/>
+            <a:ext cx="2096536" cy="369332"/>
+          </a:xfrm>
+          <a:prstGeom prst="rect">
+            <a:avLst/>
+          </a:prstGeom>
+          <a:noFill/>
+        </p:spPr>
+        <p:txBody>
+          <a:bodyPr wrap="square" rtlCol="0">
+            <a:spAutoFit/>
+          </a:bodyPr>
+          <a:lstStyle/>
+          <a:p>
+            <a:r>
+              <a:rPr lang="fr-FR" dirty="0" smtClean="0"/>
+              <a:t>d = 1/(4*pi*Rinf²)</a:t>
+            </a:r>
+            <a:endParaRPr lang="fr-FR" dirty="0"/>
+          </a:p>
+        </p:txBody>
+      </p:sp>
+      <p:sp>
+        <p:nvSpPr>
+          <p:cNvPr id="9" name="ZoneTexte 8"/>
+          <p:cNvSpPr txBox="1"/>
+          <p:nvPr/>
+        </p:nvSpPr>
+        <p:spPr>
+          <a:xfrm>
+            <a:off x="8230782" y="4707765"/>
+            <a:ext cx="2096536" cy="369332"/>
+          </a:xfrm>
+          <a:prstGeom prst="rect">
+            <a:avLst/>
+          </a:prstGeom>
+          <a:noFill/>
+        </p:spPr>
+        <p:txBody>
+          <a:bodyPr wrap="square" rtlCol="0">
+            <a:spAutoFit/>
+          </a:bodyPr>
+          <a:lstStyle/>
+          <a:p>
+            <a:r>
+              <a:rPr lang="fr-FR" dirty="0" smtClean="0"/>
+              <a:t>d = 5/(4*pi*Rinf²)</a:t>
+            </a:r>
+            <a:endParaRPr lang="fr-FR" dirty="0"/>
+          </a:p>
+        </p:txBody>
+      </p:sp>
+      <p:cxnSp>
+        <p:nvCxnSpPr>
+          <p:cNvPr id="10" name="Connecteur droit avec flèche 9"/>
+          <p:cNvCxnSpPr>
+            <a:stCxn id="21" idx="6"/>
+            <a:endCxn id="9" idx="1"/>
+          </p:cNvCxnSpPr>
+          <p:nvPr/>
+        </p:nvCxnSpPr>
+        <p:spPr>
+          <a:xfrm flipV="1">
+            <a:off x="6942963" y="4892431"/>
+            <a:ext cx="1287819" cy="824746"/>
+          </a:xfrm>
+          <a:prstGeom prst="straightConnector1">
+            <a:avLst/>
+          </a:prstGeom>
+          <a:ln w="9525" cap="flat" cmpd="sng" algn="ctr">
+            <a:solidFill>
+              <a:schemeClr val="accent6"/>
+            </a:solidFill>
+            <a:prstDash val="solid"/>
+            <a:round/>
+            <a:headEnd type="none" w="med" len="med"/>
+            <a:tailEnd type="arrow" w="med" len="med"/>
+          </a:ln>
+        </p:spPr>
+        <p:style>
+          <a:lnRef idx="0">
+            <a:scrgbClr r="0" g="0" b="0"/>
+          </a:lnRef>
+          <a:fillRef idx="0">
+            <a:scrgbClr r="0" g="0" b="0"/>
+          </a:fillRef>
+          <a:effectRef idx="0">
+            <a:scrgbClr r="0" g="0" b="0"/>
+          </a:effectRef>
+          <a:fontRef idx="minor">
+            <a:schemeClr val="tx1"/>
+          </a:fontRef>
+        </p:style>
+      </p:cxnSp>
+    </p:spTree>
+    <p:extLst>
+      <p:ext uri="{BB962C8B-B14F-4D97-AF65-F5344CB8AC3E}">
+        <p14:creationId xmlns:p14="http://schemas.microsoft.com/office/powerpoint/2010/main" val="2338093559"/>
+      </p:ext>
+    </p:extLst>
+  </p:cSld>
+  <p:clrMapOvr>
+    <a:masterClrMapping/>
+  </p:clrMapOvr>
+</p:sld>
+</file>
+
+<file path=ppt/slides/slide29.xml><?xml version="1.0" encoding="utf-8"?>
+<p:sld xmlns:a="http://schemas.openxmlformats.org/drawingml/2006/main" xmlns:r="http://schemas.openxmlformats.org/officeDocument/2006/relationships" xmlns:p="http://schemas.openxmlformats.org/presentationml/2006/main">
+  <p:cSld>
+    <p:spTree>
+      <p:nvGrpSpPr>
+        <p:cNvPr id="1" name=""/>
+        <p:cNvGrpSpPr/>
+        <p:nvPr/>
+      </p:nvGrpSpPr>
+      <p:grpSpPr>
+        <a:xfrm>
+          <a:off x="0" y="0"/>
+          <a:ext cx="0" cy="0"/>
+          <a:chOff x="0" y="0"/>
+          <a:chExt cx="0" cy="0"/>
+        </a:xfrm>
+      </p:grpSpPr>
+      <p:sp>
+        <p:nvSpPr>
+          <p:cNvPr id="2" name="Title 1"/>
+          <p:cNvSpPr>
+            <a:spLocks noGrp="1"/>
+          </p:cNvSpPr>
+          <p:nvPr>
+            <p:ph type="title"/>
+          </p:nvPr>
+        </p:nvSpPr>
+        <p:spPr/>
+        <p:txBody>
+          <a:bodyPr/>
+          <a:lstStyle/>
+          <a:p>
+            <a:r>
+              <a:rPr lang="fr-FR" dirty="0"/>
+              <a:t>Les résultats</a:t>
+            </a:r>
+          </a:p>
+        </p:txBody>
+      </p:sp>
+      <p:sp>
+        <p:nvSpPr>
+          <p:cNvPr id="3" name="Text Placeholder 2"/>
+          <p:cNvSpPr>
+            <a:spLocks noGrp="1"/>
+          </p:cNvSpPr>
+          <p:nvPr>
+            <p:ph type="body" idx="1"/>
+          </p:nvPr>
+        </p:nvSpPr>
+        <p:spPr/>
+        <p:txBody>
+          <a:bodyPr/>
+          <a:lstStyle/>
+          <a:p>
+            <a:endParaRPr lang="fr-FR" dirty="0"/>
+          </a:p>
+        </p:txBody>
+      </p:sp>
+    </p:spTree>
+    <p:extLst>
+      <p:ext uri="{BB962C8B-B14F-4D97-AF65-F5344CB8AC3E}">
+        <p14:creationId xmlns:p14="http://schemas.microsoft.com/office/powerpoint/2010/main" val="118578771"/>
       </p:ext>
     </p:extLst>
   </p:cSld>
@@ -11829,8 +14620,23 @@
               <a:rPr lang="fr-FR" dirty="0">
                 <a:latin typeface="Comic Sans MS" panose="030F0702030302020204" pitchFamily="66" charset="0"/>
               </a:rPr>
-              <a:t> entier par une simulation physique (plus de  2000 personnes pour un lycée , donc ingérable)</a:t>
+              <a:t> entier par une simulation physique (plus de  2000 personnes pour un lycée , donc ingérable</a:t>
             </a:r>
+            <a:r>
+              <a:rPr lang="fr-FR" dirty="0" smtClean="0">
+                <a:latin typeface="Comic Sans MS" panose="030F0702030302020204" pitchFamily="66" charset="0"/>
+              </a:rPr>
+              <a:t>) -&gt; estimatio</a:t>
+            </a:r>
+            <a:r>
+              <a:rPr lang="fr-FR" dirty="0" smtClean="0">
+                <a:latin typeface="Comic Sans MS" panose="030F0702030302020204" pitchFamily="66" charset="0"/>
+              </a:rPr>
+              <a:t>n ?</a:t>
+            </a:r>
+            <a:endParaRPr lang="fr-FR" dirty="0">
+              <a:latin typeface="Comic Sans MS" panose="030F0702030302020204" pitchFamily="66" charset="0"/>
+            </a:endParaRPr>
           </a:p>
           <a:p>
             <a:r>
@@ -11856,6 +14662,238 @@
     <p:extLst>
       <p:ext uri="{BB962C8B-B14F-4D97-AF65-F5344CB8AC3E}">
         <p14:creationId xmlns:p14="http://schemas.microsoft.com/office/powerpoint/2010/main" val="4001300647"/>
+      </p:ext>
+    </p:extLst>
+  </p:cSld>
+  <p:clrMapOvr>
+    <a:masterClrMapping/>
+  </p:clrMapOvr>
+</p:sld>
+</file>
+
+<file path=ppt/slides/slide30.xml><?xml version="1.0" encoding="utf-8"?>
+<p:sld xmlns:a="http://schemas.openxmlformats.org/drawingml/2006/main" xmlns:r="http://schemas.openxmlformats.org/officeDocument/2006/relationships" xmlns:p="http://schemas.openxmlformats.org/presentationml/2006/main">
+  <p:cSld>
+    <p:spTree>
+      <p:nvGrpSpPr>
+        <p:cNvPr id="1" name=""/>
+        <p:cNvGrpSpPr/>
+        <p:nvPr/>
+      </p:nvGrpSpPr>
+      <p:grpSpPr>
+        <a:xfrm>
+          <a:off x="0" y="0"/>
+          <a:ext cx="0" cy="0"/>
+          <a:chOff x="0" y="0"/>
+          <a:chExt cx="0" cy="0"/>
+        </a:xfrm>
+      </p:grpSpPr>
+      <p:sp>
+        <p:nvSpPr>
+          <p:cNvPr id="2" name="Title 1"/>
+          <p:cNvSpPr>
+            <a:spLocks noGrp="1"/>
+          </p:cNvSpPr>
+          <p:nvPr>
+            <p:ph type="title"/>
+          </p:nvPr>
+        </p:nvSpPr>
+        <p:spPr/>
+        <p:txBody>
+          <a:bodyPr/>
+          <a:lstStyle/>
+          <a:p>
+            <a:r>
+              <a:rPr lang="fr-FR" dirty="0" smtClean="0"/>
+              <a:t>Récupération/exploitation des données ?</a:t>
+            </a:r>
+            <a:endParaRPr lang="fr-FR" dirty="0"/>
+          </a:p>
+        </p:txBody>
+      </p:sp>
+      <p:pic>
+        <p:nvPicPr>
+          <p:cNvPr id="4" name="Espace réservé du contenu 3"/>
+          <p:cNvPicPr>
+            <a:picLocks noGrp="1" noChangeAspect="1"/>
+          </p:cNvPicPr>
+          <p:nvPr>
+            <p:ph idx="1"/>
+          </p:nvPr>
+        </p:nvPicPr>
+        <p:blipFill>
+          <a:blip r:embed="rId2">
+            <a:extLst>
+              <a:ext uri="{28A0092B-C50C-407E-A947-70E740481C1C}">
+                <a14:useLocalDpi xmlns:a14="http://schemas.microsoft.com/office/drawing/2010/main" val="0"/>
+              </a:ext>
+            </a:extLst>
+          </a:blip>
+          <a:stretch>
+            <a:fillRect/>
+          </a:stretch>
+        </p:blipFill>
+        <p:spPr>
+          <a:xfrm>
+            <a:off x="1645920" y="1184001"/>
+            <a:ext cx="8160894" cy="6583123"/>
+          </a:xfrm>
+        </p:spPr>
+      </p:pic>
+    </p:spTree>
+    <p:extLst>
+      <p:ext uri="{BB962C8B-B14F-4D97-AF65-F5344CB8AC3E}">
+        <p14:creationId xmlns:p14="http://schemas.microsoft.com/office/powerpoint/2010/main" val="3894427073"/>
+      </p:ext>
+    </p:extLst>
+  </p:cSld>
+  <p:clrMapOvr>
+    <a:masterClrMapping/>
+  </p:clrMapOvr>
+</p:sld>
+</file>
+
+<file path=ppt/slides/slide31.xml><?xml version="1.0" encoding="utf-8"?>
+<p:sld xmlns:a="http://schemas.openxmlformats.org/drawingml/2006/main" xmlns:r="http://schemas.openxmlformats.org/officeDocument/2006/relationships" xmlns:p="http://schemas.openxmlformats.org/presentationml/2006/main">
+  <p:cSld>
+    <p:spTree>
+      <p:nvGrpSpPr>
+        <p:cNvPr id="1" name=""/>
+        <p:cNvGrpSpPr/>
+        <p:nvPr/>
+      </p:nvGrpSpPr>
+      <p:grpSpPr>
+        <a:xfrm>
+          <a:off x="0" y="0"/>
+          <a:ext cx="0" cy="0"/>
+          <a:chOff x="0" y="0"/>
+          <a:chExt cx="0" cy="0"/>
+        </a:xfrm>
+      </p:grpSpPr>
+      <p:sp>
+        <p:nvSpPr>
+          <p:cNvPr id="2" name="Title 1"/>
+          <p:cNvSpPr>
+            <a:spLocks noGrp="1"/>
+          </p:cNvSpPr>
+          <p:nvPr>
+            <p:ph type="title"/>
+          </p:nvPr>
+        </p:nvSpPr>
+        <p:spPr/>
+        <p:txBody>
+          <a:bodyPr/>
+          <a:lstStyle/>
+          <a:p>
+            <a:r>
+              <a:rPr lang="fr-FR" dirty="0"/>
+              <a:t>Simulation globale (</a:t>
+            </a:r>
+            <a:r>
+              <a:rPr lang="fr-FR" dirty="0" err="1"/>
+              <a:t>qq</a:t>
+            </a:r>
+            <a:r>
+              <a:rPr lang="fr-FR" dirty="0"/>
+              <a:t> mots)</a:t>
+            </a:r>
+          </a:p>
+        </p:txBody>
+      </p:sp>
+      <p:sp>
+        <p:nvSpPr>
+          <p:cNvPr id="3" name="Text Placeholder 2"/>
+          <p:cNvSpPr>
+            <a:spLocks noGrp="1"/>
+          </p:cNvSpPr>
+          <p:nvPr>
+            <p:ph type="body" sz="half" idx="2"/>
+          </p:nvPr>
+        </p:nvSpPr>
+        <p:spPr/>
+        <p:txBody>
+          <a:bodyPr/>
+          <a:lstStyle/>
+          <a:p>
+            <a:endParaRPr lang="fr-FR"/>
+          </a:p>
+        </p:txBody>
+      </p:sp>
+    </p:spTree>
+    <p:extLst>
+      <p:ext uri="{BB962C8B-B14F-4D97-AF65-F5344CB8AC3E}">
+        <p14:creationId xmlns:p14="http://schemas.microsoft.com/office/powerpoint/2010/main" val="2659097111"/>
+      </p:ext>
+    </p:extLst>
+  </p:cSld>
+  <p:clrMapOvr>
+    <a:masterClrMapping/>
+  </p:clrMapOvr>
+</p:sld>
+</file>
+
+<file path=ppt/slides/slide32.xml><?xml version="1.0" encoding="utf-8"?>
+<p:sld xmlns:a="http://schemas.openxmlformats.org/drawingml/2006/main" xmlns:r="http://schemas.openxmlformats.org/officeDocument/2006/relationships" xmlns:p="http://schemas.openxmlformats.org/presentationml/2006/main">
+  <p:cSld>
+    <p:spTree>
+      <p:nvGrpSpPr>
+        <p:cNvPr id="1" name=""/>
+        <p:cNvGrpSpPr/>
+        <p:nvPr/>
+      </p:nvGrpSpPr>
+      <p:grpSpPr>
+        <a:xfrm>
+          <a:off x="0" y="0"/>
+          <a:ext cx="0" cy="0"/>
+          <a:chOff x="0" y="0"/>
+          <a:chExt cx="0" cy="0"/>
+        </a:xfrm>
+      </p:grpSpPr>
+      <p:sp>
+        <p:nvSpPr>
+          <p:cNvPr id="2" name="Title 1"/>
+          <p:cNvSpPr>
+            <a:spLocks noGrp="1"/>
+          </p:cNvSpPr>
+          <p:nvPr>
+            <p:ph type="title"/>
+          </p:nvPr>
+        </p:nvSpPr>
+        <p:spPr/>
+        <p:txBody>
+          <a:bodyPr/>
+          <a:lstStyle/>
+          <a:p>
+            <a:r>
+              <a:rPr lang="fr-FR" dirty="0"/>
+              <a:t>Tri topologique graphe</a:t>
+            </a:r>
+          </a:p>
+        </p:txBody>
+      </p:sp>
+      <p:sp>
+        <p:nvSpPr>
+          <p:cNvPr id="3" name="Text Placeholder 2"/>
+          <p:cNvSpPr>
+            <a:spLocks noGrp="1"/>
+          </p:cNvSpPr>
+          <p:nvPr>
+            <p:ph type="body" sz="half" idx="2"/>
+          </p:nvPr>
+        </p:nvSpPr>
+        <p:spPr/>
+        <p:txBody>
+          <a:bodyPr/>
+          <a:lstStyle/>
+          <a:p>
+            <a:endParaRPr lang="fr-FR"/>
+          </a:p>
+        </p:txBody>
+      </p:sp>
+    </p:spTree>
+    <p:extLst>
+      <p:ext uri="{BB962C8B-B14F-4D97-AF65-F5344CB8AC3E}">
+        <p14:creationId xmlns:p14="http://schemas.microsoft.com/office/powerpoint/2010/main" val="3419481672"/>
       </p:ext>
     </p:extLst>
   </p:cSld>

--- a/Présentation/Détermination d'un plan d'évacuation incendie.pptx
+++ b/Présentation/Détermination d'un plan d'évacuation incendie.pptx
@@ -52,7 +52,7 @@
     <p:sldId id="321" r:id="rId46"/>
     <p:sldId id="324" r:id="rId47"/>
     <p:sldId id="325" r:id="rId48"/>
-    <p:sldId id="319" r:id="rId49"/>
+    <p:sldId id="353" r:id="rId49"/>
   </p:sldIdLst>
   <p:sldSz cx="12192000" cy="6858000"/>
   <p:notesSz cx="6858000" cy="9144000"/>
@@ -28039,7 +28039,7 @@
             <a:spLocks noGrp="1"/>
           </p:cNvSpPr>
           <p:nvPr>
-            <p:ph type="title"/>
+            <p:ph type="ctrTitle"/>
           </p:nvPr>
         </p:nvSpPr>
         <p:spPr/>
@@ -28049,19 +28049,19 @@
           <a:p>
             <a:r>
               <a:rPr lang="fr-FR" dirty="0"/>
-              <a:t>Couplage, conclusion</a:t>
+              <a:t>Conclusion</a:t>
             </a:r>
           </a:p>
         </p:txBody>
       </p:sp>
       <p:sp>
         <p:nvSpPr>
-          <p:cNvPr id="3" name="Content Placeholder 2"/>
+          <p:cNvPr id="3" name="Subtitle 2"/>
           <p:cNvSpPr>
             <a:spLocks noGrp="1"/>
           </p:cNvSpPr>
           <p:nvPr>
-            <p:ph idx="1"/>
+            <p:ph type="subTitle" idx="1"/>
           </p:nvPr>
         </p:nvSpPr>
         <p:spPr/>
@@ -28076,7 +28076,7 @@
     </p:spTree>
     <p:extLst>
       <p:ext uri="{BB962C8B-B14F-4D97-AF65-F5344CB8AC3E}">
-        <p14:creationId xmlns:p14="http://schemas.microsoft.com/office/powerpoint/2010/main" val="358103645"/>
+        <p14:creationId xmlns:p14="http://schemas.microsoft.com/office/powerpoint/2010/main" val="2335648443"/>
       </p:ext>
     </p:extLst>
   </p:cSld>

--- a/Présentation/Détermination d'un plan d'évacuation incendie.pptx
+++ b/Présentation/Détermination d'un plan d'évacuation incendie.pptx
@@ -159,6 +159,10 @@
 </p:presentation>
 </file>
 
+<file path=ppt/revisionInfo.xml><?xml version="1.0" encoding="utf-8"?>
+<p1510:revInfo xmlns:a="http://schemas.openxmlformats.org/drawingml/2006/main" xmlns:r="http://schemas.openxmlformats.org/officeDocument/2006/relationships" xmlns:p1510="http://schemas.microsoft.com/office/powerpoint/2015/10/main"/>
+</file>
+
 <file path=ppt/slideLayouts/slideLayout1.xml><?xml version="1.0" encoding="utf-8"?>
 <p:sldLayout xmlns:a="http://schemas.openxmlformats.org/drawingml/2006/main" xmlns:r="http://schemas.openxmlformats.org/officeDocument/2006/relationships" xmlns:p="http://schemas.openxmlformats.org/presentationml/2006/main" type="title" preserve="1">
   <p:cSld name="Title Slide">
@@ -348,7 +352,7 @@
             <a:fld id="{B61BEF0D-F0BB-DE4B-95CE-6DB70DBA9567}" type="datetimeFigureOut">
               <a:rPr lang="en-US" dirty="0"/>
               <a:pPr/>
-              <a:t>6/11/2017</a:t>
+              <a:t>6/13/2017</a:t>
             </a:fld>
             <a:endParaRPr lang="en-US" dirty="0"/>
           </a:p>
@@ -683,7 +687,7 @@
             <a:fld id="{B61BEF0D-F0BB-DE4B-95CE-6DB70DBA9567}" type="datetimeFigureOut">
               <a:rPr lang="en-US" dirty="0"/>
               <a:pPr/>
-              <a:t>6/11/2017</a:t>
+              <a:t>6/13/2017</a:t>
             </a:fld>
             <a:endParaRPr lang="en-US" dirty="0"/>
           </a:p>
@@ -1081,7 +1085,7 @@
             <a:fld id="{B61BEF0D-F0BB-DE4B-95CE-6DB70DBA9567}" type="datetimeFigureOut">
               <a:rPr lang="en-US" dirty="0"/>
               <a:pPr/>
-              <a:t>6/11/2017</a:t>
+              <a:t>6/13/2017</a:t>
             </a:fld>
             <a:endParaRPr lang="en-US" dirty="0"/>
           </a:p>
@@ -1414,7 +1418,7 @@
             <a:fld id="{B61BEF0D-F0BB-DE4B-95CE-6DB70DBA9567}" type="datetimeFigureOut">
               <a:rPr lang="en-US" dirty="0"/>
               <a:pPr/>
-              <a:t>6/11/2017</a:t>
+              <a:t>6/13/2017</a:t>
             </a:fld>
             <a:endParaRPr lang="en-US" dirty="0"/>
           </a:p>
@@ -1731,7 +1735,7 @@
             <a:fld id="{B61BEF0D-F0BB-DE4B-95CE-6DB70DBA9567}" type="datetimeFigureOut">
               <a:rPr lang="en-US" dirty="0"/>
               <a:pPr/>
-              <a:t>6/11/2017</a:t>
+              <a:t>6/13/2017</a:t>
             </a:fld>
             <a:endParaRPr lang="en-US" dirty="0"/>
           </a:p>
@@ -2124,7 +2128,7 @@
             <a:fld id="{B61BEF0D-F0BB-DE4B-95CE-6DB70DBA9567}" type="datetimeFigureOut">
               <a:rPr lang="en-US" dirty="0"/>
               <a:pPr/>
-              <a:t>6/11/2017</a:t>
+              <a:t>6/13/2017</a:t>
             </a:fld>
             <a:endParaRPr lang="en-US" dirty="0"/>
           </a:p>
@@ -2378,7 +2382,7 @@
             <a:fld id="{B61BEF0D-F0BB-DE4B-95CE-6DB70DBA9567}" type="datetimeFigureOut">
               <a:rPr lang="en-US" dirty="0"/>
               <a:pPr/>
-              <a:t>6/11/2017</a:t>
+              <a:t>6/13/2017</a:t>
             </a:fld>
             <a:endParaRPr lang="en-US" dirty="0"/>
           </a:p>
@@ -2637,7 +2641,7 @@
             <a:fld id="{B61BEF0D-F0BB-DE4B-95CE-6DB70DBA9567}" type="datetimeFigureOut">
               <a:rPr lang="en-US" dirty="0"/>
               <a:pPr/>
-              <a:t>6/11/2017</a:t>
+              <a:t>6/13/2017</a:t>
             </a:fld>
             <a:endParaRPr lang="en-US" dirty="0"/>
           </a:p>
@@ -2896,7 +2900,7 @@
             <a:fld id="{B61BEF0D-F0BB-DE4B-95CE-6DB70DBA9567}" type="datetimeFigureOut">
               <a:rPr lang="en-US" dirty="0"/>
               <a:pPr/>
-              <a:t>6/11/2017</a:t>
+              <a:t>6/13/2017</a:t>
             </a:fld>
             <a:endParaRPr lang="en-US" dirty="0"/>
           </a:p>
@@ -3222,7 +3226,7 @@
             <a:fld id="{B61BEF0D-F0BB-DE4B-95CE-6DB70DBA9567}" type="datetimeFigureOut">
               <a:rPr lang="en-US" dirty="0"/>
               <a:pPr/>
-              <a:t>6/11/2017</a:t>
+              <a:t>6/13/2017</a:t>
             </a:fld>
             <a:endParaRPr lang="en-US" dirty="0"/>
           </a:p>
@@ -3542,7 +3546,7 @@
             <a:fld id="{B61BEF0D-F0BB-DE4B-95CE-6DB70DBA9567}" type="datetimeFigureOut">
               <a:rPr lang="en-US" dirty="0"/>
               <a:pPr/>
-              <a:t>6/11/2017</a:t>
+              <a:t>6/13/2017</a:t>
             </a:fld>
             <a:endParaRPr lang="en-US" dirty="0"/>
           </a:p>
@@ -3996,7 +4000,7 @@
             <a:fld id="{B61BEF0D-F0BB-DE4B-95CE-6DB70DBA9567}" type="datetimeFigureOut">
               <a:rPr lang="en-US" dirty="0"/>
               <a:pPr/>
-              <a:t>6/11/2017</a:t>
+              <a:t>6/13/2017</a:t>
             </a:fld>
             <a:endParaRPr lang="en-US" dirty="0"/>
           </a:p>
@@ -4198,7 +4202,7 @@
             <a:fld id="{B61BEF0D-F0BB-DE4B-95CE-6DB70DBA9567}" type="datetimeFigureOut">
               <a:rPr lang="en-US" dirty="0"/>
               <a:pPr/>
-              <a:t>6/11/2017</a:t>
+              <a:t>6/13/2017</a:t>
             </a:fld>
             <a:endParaRPr lang="en-US" dirty="0"/>
           </a:p>
@@ -4372,7 +4376,7 @@
             <a:fld id="{B61BEF0D-F0BB-DE4B-95CE-6DB70DBA9567}" type="datetimeFigureOut">
               <a:rPr lang="en-US" dirty="0"/>
               <a:pPr/>
-              <a:t>6/11/2017</a:t>
+              <a:t>6/13/2017</a:t>
             </a:fld>
             <a:endParaRPr lang="en-US" dirty="0"/>
           </a:p>
@@ -4702,7 +4706,7 @@
             <a:fld id="{B61BEF0D-F0BB-DE4B-95CE-6DB70DBA9567}" type="datetimeFigureOut">
               <a:rPr lang="en-US" dirty="0"/>
               <a:pPr/>
-              <a:t>6/11/2017</a:t>
+              <a:t>6/13/2017</a:t>
             </a:fld>
             <a:endParaRPr lang="en-US" dirty="0"/>
           </a:p>
@@ -5044,7 +5048,7 @@
             <a:fld id="{B61BEF0D-F0BB-DE4B-95CE-6DB70DBA9567}" type="datetimeFigureOut">
               <a:rPr lang="en-US" dirty="0"/>
               <a:pPr/>
-              <a:t>6/11/2017</a:t>
+              <a:t>6/13/2017</a:t>
             </a:fld>
             <a:endParaRPr lang="en-US" dirty="0"/>
           </a:p>
@@ -7158,7 +7162,7 @@
             <a:fld id="{B61BEF0D-F0BB-DE4B-95CE-6DB70DBA9567}" type="datetimeFigureOut">
               <a:rPr lang="en-US" dirty="0"/>
               <a:pPr/>
-              <a:t>6/11/2017</a:t>
+              <a:t>6/13/2017</a:t>
             </a:fld>
             <a:endParaRPr lang="en-US" dirty="0"/>
           </a:p>
@@ -7688,7 +7692,7 @@
           <a:p>
             <a:r>
               <a:rPr lang="fr-FR" b="1" dirty="0"/>
-              <a:t>Détermination d'un plan d'évacuation incendie.</a:t>
+              <a:t>Détermination d'un plan d'évacuation incendie</a:t>
             </a:r>
             <a:endParaRPr lang="fr-FR" dirty="0"/>
           </a:p>
@@ -11914,7 +11918,7 @@
           <a:p>
             <a:r>
               <a:rPr lang="fr-FR" dirty="0"/>
-              <a:t>Une seconde approche : le lancer de rayon</a:t>
+              <a:t>Une seconde approche : le lancer de rayons</a:t>
             </a:r>
           </a:p>
         </p:txBody>
@@ -12504,7 +12508,12 @@
             <p:ph type="title"/>
           </p:nvPr>
         </p:nvSpPr>
-        <p:spPr/>
+        <p:spPr>
+          <a:xfrm>
+            <a:off x="2589212" y="2305240"/>
+            <a:ext cx="8915399" cy="1468800"/>
+          </a:xfrm>
+        </p:spPr>
         <p:txBody>
           <a:bodyPr/>
           <a:lstStyle/>
@@ -14430,8 +14439,8 @@
           </a:p>
         </p:txBody>
       </p:sp>
-      <mc:AlternateContent xmlns:mc="http://schemas.openxmlformats.org/markup-compatibility/2006">
-        <mc:Choice xmlns:a14="http://schemas.microsoft.com/office/drawing/2010/main" Requires="a14">
+      <mc:AlternateContent xmlns:mc="http://schemas.openxmlformats.org/markup-compatibility/2006" xmlns:a14="http://schemas.microsoft.com/office/drawing/2010/main">
+        <mc:Choice Requires="a14">
           <p:sp>
             <p:nvSpPr>
               <p:cNvPr id="28" name="TextBox 27"/>
@@ -14454,6 +14463,7 @@
               </a:bodyPr>
               <a:lstStyle/>
               <a:p>
+                <a:pPr/>
                 <a14:m>
                   <m:oMathPara xmlns:m="http://schemas.openxmlformats.org/officeDocument/2006/math">
                     <m:oMathParaPr>
@@ -14482,7 +14492,7 @@
             </p:txBody>
           </p:sp>
         </mc:Choice>
-        <mc:Fallback>
+        <mc:Fallback xmlns="">
           <p:sp>
             <p:nvSpPr>
               <p:cNvPr id="28" name="TextBox 27"/>
@@ -14521,8 +14531,8 @@
           </p:sp>
         </mc:Fallback>
       </mc:AlternateContent>
-      <mc:AlternateContent xmlns:mc="http://schemas.openxmlformats.org/markup-compatibility/2006">
-        <mc:Choice xmlns:a14="http://schemas.microsoft.com/office/drawing/2010/main" Requires="a14">
+      <mc:AlternateContent xmlns:mc="http://schemas.openxmlformats.org/markup-compatibility/2006" xmlns:a14="http://schemas.microsoft.com/office/drawing/2010/main">
+        <mc:Choice Requires="a14">
           <p:sp>
             <p:nvSpPr>
               <p:cNvPr id="30" name="TextBox 29"/>
@@ -14545,6 +14555,7 @@
               </a:bodyPr>
               <a:lstStyle/>
               <a:p>
+                <a:pPr/>
                 <a14:m>
                   <m:oMathPara xmlns:m="http://schemas.openxmlformats.org/officeDocument/2006/math">
                     <m:oMathParaPr>
@@ -14573,7 +14584,7 @@
             </p:txBody>
           </p:sp>
         </mc:Choice>
-        <mc:Fallback>
+        <mc:Fallback xmlns="">
           <p:sp>
             <p:nvSpPr>
               <p:cNvPr id="30" name="TextBox 29"/>
@@ -15226,7 +15237,7 @@
           <a:p>
             <a:r>
               <a:rPr lang="fr-FR" dirty="0"/>
-              <a:t>Hiérarchie des volumes englobant</a:t>
+              <a:t>Hiérarchie des volumes englobants</a:t>
             </a:r>
           </a:p>
         </p:txBody>
@@ -15347,7 +15358,12 @@
             <p:ph type="title"/>
           </p:nvPr>
         </p:nvSpPr>
-        <p:spPr/>
+        <p:spPr>
+          <a:xfrm>
+            <a:off x="2589212" y="2416558"/>
+            <a:ext cx="8915399" cy="1468800"/>
+          </a:xfrm>
+        </p:spPr>
         <p:txBody>
           <a:bodyPr/>
           <a:lstStyle/>
@@ -16010,8 +16026,8 @@
           </a:p>
         </p:txBody>
       </p:sp>
-      <mc:AlternateContent xmlns:mc="http://schemas.openxmlformats.org/markup-compatibility/2006">
-        <mc:Choice xmlns:a14="http://schemas.microsoft.com/office/drawing/2010/main" Requires="a14">
+      <mc:AlternateContent xmlns:mc="http://schemas.openxmlformats.org/markup-compatibility/2006" xmlns:a14="http://schemas.microsoft.com/office/drawing/2010/main">
+        <mc:Choice Requires="a14">
           <p:sp>
             <p:nvSpPr>
               <p:cNvPr id="7" name="TextBox 6"/>
@@ -16051,6 +16067,7 @@
                 <a:endParaRPr lang="fr-FR" dirty="0"/>
               </a:p>
               <a:p>
+                <a:pPr/>
                 <a14:m>
                   <m:oMathPara xmlns:m="http://schemas.openxmlformats.org/officeDocument/2006/math">
                     <m:oMathParaPr>
@@ -16137,7 +16154,7 @@
             </p:txBody>
           </p:sp>
         </mc:Choice>
-        <mc:Fallback>
+        <mc:Fallback xmlns="">
           <p:sp>
             <p:nvSpPr>
               <p:cNvPr id="7" name="TextBox 6"/>
@@ -16216,7 +16233,12 @@
             <p:ph type="ctrTitle"/>
           </p:nvPr>
         </p:nvSpPr>
-        <p:spPr/>
+        <p:spPr>
+          <a:xfrm>
+            <a:off x="2589212" y="2912165"/>
+            <a:ext cx="8915399" cy="2262781"/>
+          </a:xfrm>
+        </p:spPr>
         <p:txBody>
           <a:bodyPr/>
           <a:lstStyle/>
@@ -16287,7 +16309,12 @@
             <p:ph type="title"/>
           </p:nvPr>
         </p:nvSpPr>
-        <p:spPr/>
+        <p:spPr>
+          <a:xfrm>
+            <a:off x="2589211" y="2257533"/>
+            <a:ext cx="8915399" cy="1468800"/>
+          </a:xfrm>
+        </p:spPr>
         <p:txBody>
           <a:bodyPr/>
           <a:lstStyle/>
@@ -16650,8 +16677,8 @@
         </p:nvGrpSpPr>
         <p:grpSpPr>
           <a:xfrm>
-            <a:off x="7465695" y="3179444"/>
-            <a:ext cx="7233406" cy="3517737"/>
+            <a:off x="7225392" y="3265300"/>
+            <a:ext cx="6698101" cy="3164424"/>
             <a:chOff x="2399496" y="1535723"/>
             <a:chExt cx="10396243" cy="5090078"/>
           </a:xfrm>
@@ -21760,39 +21787,6 @@
           </a:fontRef>
         </p:style>
       </p:cxnSp>
-      <p:cxnSp>
-        <p:nvCxnSpPr>
-          <p:cNvPr id="123" name="Straight Arrow Connector 122"/>
-          <p:cNvCxnSpPr/>
-          <p:nvPr/>
-        </p:nvCxnSpPr>
-        <p:spPr>
-          <a:xfrm flipH="1">
-            <a:off x="2762250" y="3286014"/>
-            <a:ext cx="552093" cy="545930"/>
-          </a:xfrm>
-          <a:prstGeom prst="straightConnector1">
-            <a:avLst/>
-          </a:prstGeom>
-          <a:ln>
-            <a:tailEnd type="triangle"/>
-          </a:ln>
-        </p:spPr>
-        <p:style>
-          <a:lnRef idx="1">
-            <a:schemeClr val="accent1"/>
-          </a:lnRef>
-          <a:fillRef idx="0">
-            <a:schemeClr val="accent1"/>
-          </a:fillRef>
-          <a:effectRef idx="0">
-            <a:schemeClr val="accent1"/>
-          </a:effectRef>
-          <a:fontRef idx="minor">
-            <a:schemeClr val="tx1"/>
-          </a:fontRef>
-        </p:style>
-      </p:cxnSp>
       <p:grpSp>
         <p:nvGrpSpPr>
           <p:cNvPr id="138" name="Group 137"/>
@@ -21801,8 +21795,8 @@
         </p:nvGrpSpPr>
         <p:grpSpPr>
           <a:xfrm>
-            <a:off x="109109" y="3319332"/>
-            <a:ext cx="3381138" cy="3435706"/>
+            <a:off x="1121303" y="3852264"/>
+            <a:ext cx="2943240" cy="2708128"/>
             <a:chOff x="3307443" y="595993"/>
             <a:chExt cx="5881103" cy="5544813"/>
           </a:xfrm>
@@ -23054,8 +23048,8 @@
         </p:nvCxnSpPr>
         <p:spPr>
           <a:xfrm flipH="1">
-            <a:off x="3501873" y="2495050"/>
-            <a:ext cx="1696438" cy="1315667"/>
+            <a:off x="3919663" y="2495050"/>
+            <a:ext cx="1278648" cy="1304176"/>
           </a:xfrm>
           <a:prstGeom prst="straightConnector1">
             <a:avLst/>
@@ -23087,7 +23081,7 @@
         </p:nvSpPr>
         <p:spPr>
           <a:xfrm>
-            <a:off x="314981" y="2670938"/>
+            <a:off x="909702" y="2691022"/>
             <a:ext cx="3366442" cy="400110"/>
           </a:xfrm>
           <a:prstGeom prst="rect">
@@ -23352,7 +23346,7 @@
                 <a:latin typeface="Calibri" panose="020F0502020204030204" pitchFamily="34" charset="0"/>
                 <a:cs typeface="Calibri" panose="020F0502020204030204" pitchFamily="34" charset="0"/>
               </a:rPr>
-              <a:t>comportement avec le test de proximité</a:t>
+              <a:t>Comportement avec le test de proximité</a:t>
             </a:r>
           </a:p>
         </p:txBody>
@@ -24488,22 +24482,19 @@
             <p:ph type="title"/>
           </p:nvPr>
         </p:nvSpPr>
-        <p:spPr/>
+        <p:spPr>
+          <a:xfrm>
+            <a:off x="2589213" y="2750004"/>
+            <a:ext cx="8915400" cy="2724845"/>
+          </a:xfrm>
+        </p:spPr>
         <p:txBody>
           <a:bodyPr/>
           <a:lstStyle/>
           <a:p>
             <a:r>
               <a:rPr lang="fr-FR" dirty="0"/>
-              <a:t>Simulation globale (</a:t>
-            </a:r>
-            <a:r>
-              <a:rPr lang="fr-FR" dirty="0" err="1"/>
-              <a:t>qq</a:t>
-            </a:r>
-            <a:r>
-              <a:rPr lang="fr-FR" dirty="0"/>
-              <a:t> mots)</a:t>
+              <a:t>Simulation globale</a:t>
             </a:r>
           </a:p>
         </p:txBody>
@@ -24523,7 +24514,7 @@
           <a:bodyPr/>
           <a:lstStyle/>
           <a:p>
-            <a:endParaRPr lang="fr-FR"/>
+            <a:endParaRPr lang="fr-FR" dirty="0"/>
           </a:p>
         </p:txBody>
       </p:sp>
@@ -28232,7 +28223,7 @@
             </a:pPr>
             <a:r>
               <a:rPr lang="fr-FR" dirty="0"/>
-              <a:t>les personnes sont représentés par des cercles, et non des ellipses</a:t>
+              <a:t>Les personnes sont représentées par des cercles, et non des ellipses</a:t>
             </a:r>
           </a:p>
           <a:p>
